--- a/slides/Trees-SegmentTrees.pptx
+++ b/slides/Trees-SegmentTrees.pptx
@@ -232,7 +232,7 @@
           <a:p>
             <a:fld id="{C5B45307-6ED4-B142-BD64-10F739779302}" type="datetimeFigureOut">
               <a:rPr lang="en-US" smtClean="0"/>
-              <a:t>3/17/23</a:t>
+              <a:t>1/2/25</a:t>
             </a:fld>
             <a:endParaRPr lang="en-US"/>
           </a:p>
@@ -808,7 +808,7 @@
           <a:noFill/>
           <a:extLst>
             <a:ext uri="{909E8E84-426E-40dd-AFC4-6F175D3DCCD1}">
-              <a14:hiddenFill xmlns="" xmlns:a14="http://schemas.microsoft.com/office/drawing/2010/main">
+              <a14:hiddenFill xmlns:a14="http://schemas.microsoft.com/office/drawing/2010/main" xmlns="">
                 <a:solidFill>
                   <a:srgbClr val="FFFFFF"/>
                 </a:solidFill>
@@ -867,7 +867,7 @@
             </a:ln>
             <a:extLst>
               <a:ext uri="{91240B29-F687-4f45-9708-019B960494DF}">
-                <a14:hiddenLine xmlns="" xmlns:a14="http://schemas.microsoft.com/office/drawing/2010/main" w="9525">
+                <a14:hiddenLine xmlns:a14="http://schemas.microsoft.com/office/drawing/2010/main" xmlns="" w="9525">
                   <a:solidFill>
                     <a:srgbClr val="000000"/>
                   </a:solidFill>
@@ -957,7 +957,7 @@
             </a:ln>
             <a:extLst>
               <a:ext uri="{91240B29-F687-4f45-9708-019B960494DF}">
-                <a14:hiddenLine xmlns="" xmlns:a14="http://schemas.microsoft.com/office/drawing/2010/main" w="9525">
+                <a14:hiddenLine xmlns:a14="http://schemas.microsoft.com/office/drawing/2010/main" xmlns="" w="9525">
                   <a:solidFill>
                     <a:srgbClr val="000000"/>
                   </a:solidFill>
@@ -1047,7 +1047,7 @@
             </a:ln>
             <a:extLst>
               <a:ext uri="{91240B29-F687-4f45-9708-019B960494DF}">
-                <a14:hiddenLine xmlns="" xmlns:a14="http://schemas.microsoft.com/office/drawing/2010/main" w="9525">
+                <a14:hiddenLine xmlns:a14="http://schemas.microsoft.com/office/drawing/2010/main" xmlns="" w="9525">
                   <a:solidFill>
                     <a:srgbClr val="000000"/>
                   </a:solidFill>
@@ -1081,7 +1081,7 @@
             </a:ln>
             <a:extLst>
               <a:ext uri="{91240B29-F687-4f45-9708-019B960494DF}">
-                <a14:hiddenLine xmlns="" xmlns:a14="http://schemas.microsoft.com/office/drawing/2010/main" w="9525">
+                <a14:hiddenLine xmlns:a14="http://schemas.microsoft.com/office/drawing/2010/main" xmlns="" w="9525">
                   <a:solidFill>
                     <a:srgbClr val="000000"/>
                   </a:solidFill>
@@ -1171,7 +1171,7 @@
             </a:ln>
             <a:extLst>
               <a:ext uri="{91240B29-F687-4f45-9708-019B960494DF}">
-                <a14:hiddenLine xmlns="" xmlns:a14="http://schemas.microsoft.com/office/drawing/2010/main" w="9525">
+                <a14:hiddenLine xmlns:a14="http://schemas.microsoft.com/office/drawing/2010/main" xmlns="" w="9525">
                   <a:solidFill>
                     <a:srgbClr val="000000"/>
                   </a:solidFill>
@@ -1233,7 +1233,7 @@
             </a:ln>
             <a:extLst>
               <a:ext uri="{91240B29-F687-4f45-9708-019B960494DF}">
-                <a14:hiddenLine xmlns="" xmlns:a14="http://schemas.microsoft.com/office/drawing/2010/main" w="9525">
+                <a14:hiddenLine xmlns:a14="http://schemas.microsoft.com/office/drawing/2010/main" xmlns="" w="9525">
                   <a:solidFill>
                     <a:srgbClr val="000000"/>
                   </a:solidFill>
@@ -1295,7 +1295,7 @@
             </a:ln>
             <a:extLst>
               <a:ext uri="{91240B29-F687-4f45-9708-019B960494DF}">
-                <a14:hiddenLine xmlns="" xmlns:a14="http://schemas.microsoft.com/office/drawing/2010/main" w="9525">
+                <a14:hiddenLine xmlns:a14="http://schemas.microsoft.com/office/drawing/2010/main" xmlns="" w="9525">
                   <a:solidFill>
                     <a:srgbClr val="000000"/>
                   </a:solidFill>
@@ -1385,7 +1385,7 @@
             </a:ln>
             <a:extLst>
               <a:ext uri="{91240B29-F687-4f45-9708-019B960494DF}">
-                <a14:hiddenLine xmlns="" xmlns:a14="http://schemas.microsoft.com/office/drawing/2010/main" w="9525">
+                <a14:hiddenLine xmlns:a14="http://schemas.microsoft.com/office/drawing/2010/main" xmlns="" w="9525">
                   <a:solidFill>
                     <a:srgbClr val="000000"/>
                   </a:solidFill>
@@ -1447,7 +1447,7 @@
             </a:ln>
             <a:extLst>
               <a:ext uri="{91240B29-F687-4f45-9708-019B960494DF}">
-                <a14:hiddenLine xmlns="" xmlns:a14="http://schemas.microsoft.com/office/drawing/2010/main" w="9525">
+                <a14:hiddenLine xmlns:a14="http://schemas.microsoft.com/office/drawing/2010/main" xmlns="" w="9525">
                   <a:solidFill>
                     <a:srgbClr val="000000"/>
                   </a:solidFill>
@@ -1509,7 +1509,7 @@
             </a:ln>
             <a:extLst>
               <a:ext uri="{91240B29-F687-4f45-9708-019B960494DF}">
-                <a14:hiddenLine xmlns="" xmlns:a14="http://schemas.microsoft.com/office/drawing/2010/main" w="9525">
+                <a14:hiddenLine xmlns:a14="http://schemas.microsoft.com/office/drawing/2010/main" xmlns="" w="9525">
                   <a:solidFill>
                     <a:srgbClr val="000000"/>
                   </a:solidFill>
@@ -1599,7 +1599,7 @@
             </a:ln>
             <a:extLst>
               <a:ext uri="{91240B29-F687-4f45-9708-019B960494DF}">
-                <a14:hiddenLine xmlns="" xmlns:a14="http://schemas.microsoft.com/office/drawing/2010/main" w="9525">
+                <a14:hiddenLine xmlns:a14="http://schemas.microsoft.com/office/drawing/2010/main" xmlns="" w="9525">
                   <a:solidFill>
                     <a:srgbClr val="000000"/>
                   </a:solidFill>
@@ -1689,7 +1689,7 @@
             </a:ln>
             <a:extLst>
               <a:ext uri="{91240B29-F687-4f45-9708-019B960494DF}">
-                <a14:hiddenLine xmlns="" xmlns:a14="http://schemas.microsoft.com/office/drawing/2010/main" w="9525">
+                <a14:hiddenLine xmlns:a14="http://schemas.microsoft.com/office/drawing/2010/main" xmlns="" w="9525">
                   <a:solidFill>
                     <a:srgbClr val="000000"/>
                   </a:solidFill>
@@ -1751,7 +1751,7 @@
             </a:ln>
             <a:extLst>
               <a:ext uri="{91240B29-F687-4f45-9708-019B960494DF}">
-                <a14:hiddenLine xmlns="" xmlns:a14="http://schemas.microsoft.com/office/drawing/2010/main" w="9525">
+                <a14:hiddenLine xmlns:a14="http://schemas.microsoft.com/office/drawing/2010/main" xmlns="" w="9525">
                   <a:solidFill>
                     <a:srgbClr val="000000"/>
                   </a:solidFill>
@@ -1861,7 +1861,7 @@
             </a:ln>
             <a:extLst>
               <a:ext uri="{91240B29-F687-4f45-9708-019B960494DF}">
-                <a14:hiddenLine xmlns="" xmlns:a14="http://schemas.microsoft.com/office/drawing/2010/main" w="9525">
+                <a14:hiddenLine xmlns:a14="http://schemas.microsoft.com/office/drawing/2010/main" xmlns="" w="9525">
                   <a:solidFill>
                     <a:srgbClr val="000000"/>
                   </a:solidFill>
@@ -1923,7 +1923,7 @@
             </a:ln>
             <a:extLst>
               <a:ext uri="{91240B29-F687-4f45-9708-019B960494DF}">
-                <a14:hiddenLine xmlns="" xmlns:a14="http://schemas.microsoft.com/office/drawing/2010/main" w="9525">
+                <a14:hiddenLine xmlns:a14="http://schemas.microsoft.com/office/drawing/2010/main" xmlns="" w="9525">
                   <a:solidFill>
                     <a:srgbClr val="000000"/>
                   </a:solidFill>
@@ -2013,7 +2013,7 @@
             </a:ln>
             <a:extLst>
               <a:ext uri="{91240B29-F687-4f45-9708-019B960494DF}">
-                <a14:hiddenLine xmlns="" xmlns:a14="http://schemas.microsoft.com/office/drawing/2010/main" w="9525">
+                <a14:hiddenLine xmlns:a14="http://schemas.microsoft.com/office/drawing/2010/main" xmlns="" w="9525">
                   <a:solidFill>
                     <a:srgbClr val="000000"/>
                   </a:solidFill>
@@ -2103,7 +2103,7 @@
             </a:ln>
             <a:extLst>
               <a:ext uri="{91240B29-F687-4f45-9708-019B960494DF}">
-                <a14:hiddenLine xmlns="" xmlns:a14="http://schemas.microsoft.com/office/drawing/2010/main" w="9525">
+                <a14:hiddenLine xmlns:a14="http://schemas.microsoft.com/office/drawing/2010/main" xmlns="" w="9525">
                   <a:solidFill>
                     <a:srgbClr val="000000"/>
                   </a:solidFill>
@@ -2165,7 +2165,7 @@
             </a:ln>
             <a:extLst>
               <a:ext uri="{91240B29-F687-4f45-9708-019B960494DF}">
-                <a14:hiddenLine xmlns="" xmlns:a14="http://schemas.microsoft.com/office/drawing/2010/main" w="9525">
+                <a14:hiddenLine xmlns:a14="http://schemas.microsoft.com/office/drawing/2010/main" xmlns="" w="9525">
                   <a:solidFill>
                     <a:srgbClr val="000000"/>
                   </a:solidFill>
@@ -2255,7 +2255,7 @@
             </a:ln>
             <a:extLst>
               <a:ext uri="{91240B29-F687-4f45-9708-019B960494DF}">
-                <a14:hiddenLine xmlns="" xmlns:a14="http://schemas.microsoft.com/office/drawing/2010/main" w="9525">
+                <a14:hiddenLine xmlns:a14="http://schemas.microsoft.com/office/drawing/2010/main" xmlns="" w="9525">
                   <a:solidFill>
                     <a:srgbClr val="000000"/>
                   </a:solidFill>
@@ -2345,7 +2345,7 @@
             </a:ln>
             <a:extLst>
               <a:ext uri="{91240B29-F687-4f45-9708-019B960494DF}">
-                <a14:hiddenLine xmlns="" xmlns:a14="http://schemas.microsoft.com/office/drawing/2010/main" w="9525">
+                <a14:hiddenLine xmlns:a14="http://schemas.microsoft.com/office/drawing/2010/main" xmlns="" w="9525">
                   <a:solidFill>
                     <a:srgbClr val="000000"/>
                   </a:solidFill>
@@ -2401,7 +2401,7 @@
             </a:ln>
             <a:extLst>
               <a:ext uri="{91240B29-F687-4f45-9708-019B960494DF}">
-                <a14:hiddenLine xmlns="" xmlns:a14="http://schemas.microsoft.com/office/drawing/2010/main" w="9525">
+                <a14:hiddenLine xmlns:a14="http://schemas.microsoft.com/office/drawing/2010/main" xmlns="" w="9525">
                   <a:solidFill>
                     <a:srgbClr val="000000"/>
                   </a:solidFill>
@@ -2491,7 +2491,7 @@
             </a:ln>
             <a:extLst>
               <a:ext uri="{91240B29-F687-4f45-9708-019B960494DF}">
-                <a14:hiddenLine xmlns="" xmlns:a14="http://schemas.microsoft.com/office/drawing/2010/main" w="9525">
+                <a14:hiddenLine xmlns:a14="http://schemas.microsoft.com/office/drawing/2010/main" xmlns="" w="9525">
                   <a:solidFill>
                     <a:srgbClr val="000000"/>
                   </a:solidFill>
@@ -2547,7 +2547,7 @@
             </a:ln>
             <a:extLst>
               <a:ext uri="{91240B29-F687-4f45-9708-019B960494DF}">
-                <a14:hiddenLine xmlns="" xmlns:a14="http://schemas.microsoft.com/office/drawing/2010/main" w="9525">
+                <a14:hiddenLine xmlns:a14="http://schemas.microsoft.com/office/drawing/2010/main" xmlns="" w="9525">
                   <a:solidFill>
                     <a:srgbClr val="000000"/>
                   </a:solidFill>
@@ -2637,7 +2637,7 @@
             </a:ln>
             <a:extLst>
               <a:ext uri="{91240B29-F687-4f45-9708-019B960494DF}">
-                <a14:hiddenLine xmlns="" xmlns:a14="http://schemas.microsoft.com/office/drawing/2010/main" w="9525">
+                <a14:hiddenLine xmlns:a14="http://schemas.microsoft.com/office/drawing/2010/main" xmlns="" w="9525">
                   <a:solidFill>
                     <a:srgbClr val="000000"/>
                   </a:solidFill>
@@ -2705,7 +2705,7 @@
             </a:ln>
             <a:extLst>
               <a:ext uri="{91240B29-F687-4f45-9708-019B960494DF}">
-                <a14:hiddenLine xmlns="" xmlns:a14="http://schemas.microsoft.com/office/drawing/2010/main" w="9525">
+                <a14:hiddenLine xmlns:a14="http://schemas.microsoft.com/office/drawing/2010/main" xmlns="" w="9525">
                   <a:solidFill>
                     <a:srgbClr val="000000"/>
                   </a:solidFill>
@@ -2795,7 +2795,7 @@
             </a:ln>
             <a:extLst>
               <a:ext uri="{91240B29-F687-4f45-9708-019B960494DF}">
-                <a14:hiddenLine xmlns="" xmlns:a14="http://schemas.microsoft.com/office/drawing/2010/main" w="9525">
+                <a14:hiddenLine xmlns:a14="http://schemas.microsoft.com/office/drawing/2010/main" xmlns="" w="9525">
                   <a:solidFill>
                     <a:srgbClr val="000000"/>
                   </a:solidFill>
@@ -2863,7 +2863,7 @@
             </a:ln>
             <a:extLst>
               <a:ext uri="{91240B29-F687-4f45-9708-019B960494DF}">
-                <a14:hiddenLine xmlns="" xmlns:a14="http://schemas.microsoft.com/office/drawing/2010/main" w="9525">
+                <a14:hiddenLine xmlns:a14="http://schemas.microsoft.com/office/drawing/2010/main" xmlns="" w="9525">
                   <a:solidFill>
                     <a:srgbClr val="000000"/>
                   </a:solidFill>
@@ -2953,7 +2953,7 @@
             </a:ln>
             <a:extLst>
               <a:ext uri="{91240B29-F687-4f45-9708-019B960494DF}">
-                <a14:hiddenLine xmlns="" xmlns:a14="http://schemas.microsoft.com/office/drawing/2010/main" w="9525">
+                <a14:hiddenLine xmlns:a14="http://schemas.microsoft.com/office/drawing/2010/main" xmlns="" w="9525">
                   <a:solidFill>
                     <a:srgbClr val="000000"/>
                   </a:solidFill>
@@ -2987,7 +2987,7 @@
             </a:ln>
             <a:extLst>
               <a:ext uri="{91240B29-F687-4f45-9708-019B960494DF}">
-                <a14:hiddenLine xmlns="" xmlns:a14="http://schemas.microsoft.com/office/drawing/2010/main" w="9525">
+                <a14:hiddenLine xmlns:a14="http://schemas.microsoft.com/office/drawing/2010/main" xmlns="" w="9525">
                   <a:solidFill>
                     <a:srgbClr val="000000"/>
                   </a:solidFill>
@@ -3077,7 +3077,7 @@
             </a:ln>
             <a:extLst>
               <a:ext uri="{91240B29-F687-4f45-9708-019B960494DF}">
-                <a14:hiddenLine xmlns="" xmlns:a14="http://schemas.microsoft.com/office/drawing/2010/main" w="9525">
+                <a14:hiddenLine xmlns:a14="http://schemas.microsoft.com/office/drawing/2010/main" xmlns="" w="9525">
                   <a:solidFill>
                     <a:srgbClr val="000000"/>
                   </a:solidFill>
@@ -3139,7 +3139,7 @@
             </a:ln>
             <a:extLst>
               <a:ext uri="{91240B29-F687-4f45-9708-019B960494DF}">
-                <a14:hiddenLine xmlns="" xmlns:a14="http://schemas.microsoft.com/office/drawing/2010/main" w="9525">
+                <a14:hiddenLine xmlns:a14="http://schemas.microsoft.com/office/drawing/2010/main" xmlns="" w="9525">
                   <a:solidFill>
                     <a:srgbClr val="000000"/>
                   </a:solidFill>
@@ -3201,7 +3201,7 @@
             </a:ln>
             <a:extLst>
               <a:ext uri="{91240B29-F687-4f45-9708-019B960494DF}">
-                <a14:hiddenLine xmlns="" xmlns:a14="http://schemas.microsoft.com/office/drawing/2010/main" w="9525">
+                <a14:hiddenLine xmlns:a14="http://schemas.microsoft.com/office/drawing/2010/main" xmlns="" w="9525">
                   <a:solidFill>
                     <a:srgbClr val="000000"/>
                   </a:solidFill>
@@ -3291,7 +3291,7 @@
             </a:ln>
             <a:extLst>
               <a:ext uri="{91240B29-F687-4f45-9708-019B960494DF}">
-                <a14:hiddenLine xmlns="" xmlns:a14="http://schemas.microsoft.com/office/drawing/2010/main" w="9525">
+                <a14:hiddenLine xmlns:a14="http://schemas.microsoft.com/office/drawing/2010/main" xmlns="" w="9525">
                   <a:solidFill>
                     <a:srgbClr val="000000"/>
                   </a:solidFill>
@@ -3359,7 +3359,7 @@
             </a:ln>
             <a:extLst>
               <a:ext uri="{91240B29-F687-4f45-9708-019B960494DF}">
-                <a14:hiddenLine xmlns="" xmlns:a14="http://schemas.microsoft.com/office/drawing/2010/main" w="9525">
+                <a14:hiddenLine xmlns:a14="http://schemas.microsoft.com/office/drawing/2010/main" xmlns="" w="9525">
                   <a:solidFill>
                     <a:srgbClr val="000000"/>
                   </a:solidFill>
@@ -3421,7 +3421,7 @@
             </a:ln>
             <a:extLst>
               <a:ext uri="{91240B29-F687-4f45-9708-019B960494DF}">
-                <a14:hiddenLine xmlns="" xmlns:a14="http://schemas.microsoft.com/office/drawing/2010/main" w="9525">
+                <a14:hiddenLine xmlns:a14="http://schemas.microsoft.com/office/drawing/2010/main" xmlns="" w="9525">
                   <a:solidFill>
                     <a:srgbClr val="000000"/>
                   </a:solidFill>
@@ -3511,7 +3511,7 @@
             </a:ln>
             <a:extLst>
               <a:ext uri="{91240B29-F687-4f45-9708-019B960494DF}">
-                <a14:hiddenLine xmlns="" xmlns:a14="http://schemas.microsoft.com/office/drawing/2010/main" w="9525">
+                <a14:hiddenLine xmlns:a14="http://schemas.microsoft.com/office/drawing/2010/main" xmlns="" w="9525">
                   <a:solidFill>
                     <a:srgbClr val="000000"/>
                   </a:solidFill>
@@ -3573,7 +3573,7 @@
             </a:ln>
             <a:extLst>
               <a:ext uri="{91240B29-F687-4f45-9708-019B960494DF}">
-                <a14:hiddenLine xmlns="" xmlns:a14="http://schemas.microsoft.com/office/drawing/2010/main" w="9525">
+                <a14:hiddenLine xmlns:a14="http://schemas.microsoft.com/office/drawing/2010/main" xmlns="" w="9525">
                   <a:solidFill>
                     <a:srgbClr val="000000"/>
                   </a:solidFill>
@@ -3663,7 +3663,7 @@
             </a:ln>
             <a:extLst>
               <a:ext uri="{91240B29-F687-4f45-9708-019B960494DF}">
-                <a14:hiddenLine xmlns="" xmlns:a14="http://schemas.microsoft.com/office/drawing/2010/main" w="9525">
+                <a14:hiddenLine xmlns:a14="http://schemas.microsoft.com/office/drawing/2010/main" xmlns="" w="9525">
                   <a:solidFill>
                     <a:srgbClr val="000000"/>
                   </a:solidFill>
@@ -3725,7 +3725,7 @@
             </a:ln>
             <a:extLst>
               <a:ext uri="{91240B29-F687-4f45-9708-019B960494DF}">
-                <a14:hiddenLine xmlns="" xmlns:a14="http://schemas.microsoft.com/office/drawing/2010/main" w="9525">
+                <a14:hiddenLine xmlns:a14="http://schemas.microsoft.com/office/drawing/2010/main" xmlns="" w="9525">
                   <a:solidFill>
                     <a:srgbClr val="000000"/>
                   </a:solidFill>
@@ -3815,7 +3815,7 @@
             </a:ln>
             <a:extLst>
               <a:ext uri="{91240B29-F687-4f45-9708-019B960494DF}">
-                <a14:hiddenLine xmlns="" xmlns:a14="http://schemas.microsoft.com/office/drawing/2010/main" w="9525">
+                <a14:hiddenLine xmlns:a14="http://schemas.microsoft.com/office/drawing/2010/main" xmlns="" w="9525">
                   <a:solidFill>
                     <a:srgbClr val="000000"/>
                   </a:solidFill>
@@ -3849,7 +3849,7 @@
             </a:ln>
             <a:extLst>
               <a:ext uri="{91240B29-F687-4f45-9708-019B960494DF}">
-                <a14:hiddenLine xmlns="" xmlns:a14="http://schemas.microsoft.com/office/drawing/2010/main" w="9525">
+                <a14:hiddenLine xmlns:a14="http://schemas.microsoft.com/office/drawing/2010/main" xmlns="" w="9525">
                   <a:solidFill>
                     <a:srgbClr val="000000"/>
                   </a:solidFill>
@@ -3914,7 +3914,7 @@
             </a:ln>
             <a:extLst>
               <a:ext uri="{91240B29-F687-4f45-9708-019B960494DF}">
-                <a14:hiddenLine xmlns="" xmlns:a14="http://schemas.microsoft.com/office/drawing/2010/main" w="9525">
+                <a14:hiddenLine xmlns:a14="http://schemas.microsoft.com/office/drawing/2010/main" xmlns="" w="9525">
                   <a:solidFill>
                     <a:srgbClr val="000000"/>
                   </a:solidFill>
@@ -4004,7 +4004,7 @@
             </a:ln>
             <a:extLst>
               <a:ext uri="{91240B29-F687-4f45-9708-019B960494DF}">
-                <a14:hiddenLine xmlns="" xmlns:a14="http://schemas.microsoft.com/office/drawing/2010/main" w="9525">
+                <a14:hiddenLine xmlns:a14="http://schemas.microsoft.com/office/drawing/2010/main" xmlns="" w="9525">
                   <a:solidFill>
                     <a:srgbClr val="000000"/>
                   </a:solidFill>
@@ -4066,7 +4066,7 @@
             </a:ln>
             <a:extLst>
               <a:ext uri="{91240B29-F687-4f45-9708-019B960494DF}">
-                <a14:hiddenLine xmlns="" xmlns:a14="http://schemas.microsoft.com/office/drawing/2010/main" w="9525">
+                <a14:hiddenLine xmlns:a14="http://schemas.microsoft.com/office/drawing/2010/main" xmlns="" w="9525">
                   <a:solidFill>
                     <a:srgbClr val="000000"/>
                   </a:solidFill>
@@ -4156,7 +4156,7 @@
             </a:ln>
             <a:extLst>
               <a:ext uri="{91240B29-F687-4f45-9708-019B960494DF}">
-                <a14:hiddenLine xmlns="" xmlns:a14="http://schemas.microsoft.com/office/drawing/2010/main" w="9525">
+                <a14:hiddenLine xmlns:a14="http://schemas.microsoft.com/office/drawing/2010/main" xmlns="" w="9525">
                   <a:solidFill>
                     <a:srgbClr val="000000"/>
                   </a:solidFill>
@@ -4246,7 +4246,7 @@
             </a:ln>
             <a:extLst>
               <a:ext uri="{91240B29-F687-4f45-9708-019B960494DF}">
-                <a14:hiddenLine xmlns="" xmlns:a14="http://schemas.microsoft.com/office/drawing/2010/main" w="9525">
+                <a14:hiddenLine xmlns:a14="http://schemas.microsoft.com/office/drawing/2010/main" xmlns="" w="9525">
                   <a:solidFill>
                     <a:srgbClr val="000000"/>
                   </a:solidFill>
@@ -4311,7 +4311,7 @@
             </a:ln>
             <a:extLst>
               <a:ext uri="{91240B29-F687-4f45-9708-019B960494DF}">
-                <a14:hiddenLine xmlns="" xmlns:a14="http://schemas.microsoft.com/office/drawing/2010/main" w="9525">
+                <a14:hiddenLine xmlns:a14="http://schemas.microsoft.com/office/drawing/2010/main" xmlns="" w="9525">
                   <a:solidFill>
                     <a:srgbClr val="000000"/>
                   </a:solidFill>
@@ -4373,7 +4373,7 @@
             </a:ln>
             <a:extLst>
               <a:ext uri="{91240B29-F687-4f45-9708-019B960494DF}">
-                <a14:hiddenLine xmlns="" xmlns:a14="http://schemas.microsoft.com/office/drawing/2010/main" w="9525">
+                <a14:hiddenLine xmlns:a14="http://schemas.microsoft.com/office/drawing/2010/main" xmlns="" w="9525">
                   <a:solidFill>
                     <a:srgbClr val="000000"/>
                   </a:solidFill>
@@ -4463,7 +4463,7 @@
             </a:ln>
             <a:extLst>
               <a:ext uri="{91240B29-F687-4f45-9708-019B960494DF}">
-                <a14:hiddenLine xmlns="" xmlns:a14="http://schemas.microsoft.com/office/drawing/2010/main" w="9525">
+                <a14:hiddenLine xmlns:a14="http://schemas.microsoft.com/office/drawing/2010/main" xmlns="" w="9525">
                   <a:solidFill>
                     <a:srgbClr val="000000"/>
                   </a:solidFill>
@@ -4553,7 +4553,7 @@
             </a:ln>
             <a:extLst>
               <a:ext uri="{91240B29-F687-4f45-9708-019B960494DF}">
-                <a14:hiddenLine xmlns="" xmlns:a14="http://schemas.microsoft.com/office/drawing/2010/main" w="9525">
+                <a14:hiddenLine xmlns:a14="http://schemas.microsoft.com/office/drawing/2010/main" xmlns="" w="9525">
                   <a:solidFill>
                     <a:srgbClr val="000000"/>
                   </a:solidFill>
@@ -4615,7 +4615,7 @@
             </a:ln>
             <a:extLst>
               <a:ext uri="{91240B29-F687-4f45-9708-019B960494DF}">
-                <a14:hiddenLine xmlns="" xmlns:a14="http://schemas.microsoft.com/office/drawing/2010/main" w="9525">
+                <a14:hiddenLine xmlns:a14="http://schemas.microsoft.com/office/drawing/2010/main" xmlns="" w="9525">
                   <a:solidFill>
                     <a:srgbClr val="000000"/>
                   </a:solidFill>
@@ -4735,7 +4735,7 @@
             </a:ln>
             <a:extLst>
               <a:ext uri="{91240B29-F687-4f45-9708-019B960494DF}">
-                <a14:hiddenLine xmlns="" xmlns:a14="http://schemas.microsoft.com/office/drawing/2010/main" w="9525">
+                <a14:hiddenLine xmlns:a14="http://schemas.microsoft.com/office/drawing/2010/main" xmlns="" w="9525">
                   <a:solidFill>
                     <a:srgbClr val="000000"/>
                   </a:solidFill>
@@ -4803,7 +4803,7 @@
             </a:ln>
             <a:extLst>
               <a:ext uri="{91240B29-F687-4f45-9708-019B960494DF}">
-                <a14:hiddenLine xmlns="" xmlns:a14="http://schemas.microsoft.com/office/drawing/2010/main" w="9525">
+                <a14:hiddenLine xmlns:a14="http://schemas.microsoft.com/office/drawing/2010/main" xmlns="" w="9525">
                   <a:solidFill>
                     <a:srgbClr val="000000"/>
                   </a:solidFill>
@@ -4893,7 +4893,7 @@
             </a:ln>
             <a:extLst>
               <a:ext uri="{91240B29-F687-4f45-9708-019B960494DF}">
-                <a14:hiddenLine xmlns="" xmlns:a14="http://schemas.microsoft.com/office/drawing/2010/main" w="9525">
+                <a14:hiddenLine xmlns:a14="http://schemas.microsoft.com/office/drawing/2010/main" xmlns="" w="9525">
                   <a:solidFill>
                     <a:srgbClr val="000000"/>
                   </a:solidFill>
@@ -5033,7 +5033,7 @@
           <a:p>
             <a:fld id="{EC4347D3-4C9A-C240-8F14-750059DFEEB0}" type="datetimeFigureOut">
               <a:rPr lang="en-US" smtClean="0"/>
-              <a:t>3/17/23</a:t>
+              <a:t>1/2/25</a:t>
             </a:fld>
             <a:endParaRPr lang="en-US"/>
           </a:p>
@@ -5300,7 +5300,7 @@
           <a:p>
             <a:fld id="{EC4347D3-4C9A-C240-8F14-750059DFEEB0}" type="datetimeFigureOut">
               <a:rPr lang="en-US" smtClean="0"/>
-              <a:t>3/17/23</a:t>
+              <a:t>1/2/25</a:t>
             </a:fld>
             <a:endParaRPr lang="en-US"/>
           </a:p>
@@ -5496,7 +5496,7 @@
           <a:p>
             <a:fld id="{EC4347D3-4C9A-C240-8F14-750059DFEEB0}" type="datetimeFigureOut">
               <a:rPr lang="en-US" smtClean="0"/>
-              <a:t>3/17/23</a:t>
+              <a:t>1/2/25</a:t>
             </a:fld>
             <a:endParaRPr lang="en-US"/>
           </a:p>
@@ -5759,7 +5759,7 @@
           <a:p>
             <a:fld id="{EC4347D3-4C9A-C240-8F14-750059DFEEB0}" type="datetimeFigureOut">
               <a:rPr lang="en-US" smtClean="0"/>
-              <a:t>3/17/23</a:t>
+              <a:t>1/2/25</a:t>
             </a:fld>
             <a:endParaRPr lang="en-US"/>
           </a:p>
@@ -6193,7 +6193,7 @@
           <a:p>
             <a:fld id="{EC4347D3-4C9A-C240-8F14-750059DFEEB0}" type="datetimeFigureOut">
               <a:rPr lang="en-US" smtClean="0"/>
-              <a:t>3/17/23</a:t>
+              <a:t>1/2/25</a:t>
             </a:fld>
             <a:endParaRPr lang="en-US"/>
           </a:p>
@@ -6739,7 +6739,7 @@
           <a:p>
             <a:fld id="{EC4347D3-4C9A-C240-8F14-750059DFEEB0}" type="datetimeFigureOut">
               <a:rPr lang="en-US" smtClean="0"/>
-              <a:t>3/17/23</a:t>
+              <a:t>1/2/25</a:t>
             </a:fld>
             <a:endParaRPr lang="en-US"/>
           </a:p>
@@ -7459,7 +7459,7 @@
           <a:p>
             <a:fld id="{EC4347D3-4C9A-C240-8F14-750059DFEEB0}" type="datetimeFigureOut">
               <a:rPr lang="en-US" smtClean="0"/>
-              <a:t>3/17/23</a:t>
+              <a:t>1/2/25</a:t>
             </a:fld>
             <a:endParaRPr lang="en-US"/>
           </a:p>
@@ -7629,7 +7629,7 @@
           <a:p>
             <a:fld id="{EC4347D3-4C9A-C240-8F14-750059DFEEB0}" type="datetimeFigureOut">
               <a:rPr lang="en-US" smtClean="0"/>
-              <a:t>3/17/23</a:t>
+              <a:t>1/2/25</a:t>
             </a:fld>
             <a:endParaRPr lang="en-US"/>
           </a:p>
@@ -7809,7 +7809,7 @@
           <a:p>
             <a:fld id="{EC4347D3-4C9A-C240-8F14-750059DFEEB0}" type="datetimeFigureOut">
               <a:rPr lang="en-US" smtClean="0"/>
-              <a:t>3/17/23</a:t>
+              <a:t>1/2/25</a:t>
             </a:fld>
             <a:endParaRPr lang="en-US"/>
           </a:p>
@@ -7979,7 +7979,7 @@
           <a:p>
             <a:fld id="{EC4347D3-4C9A-C240-8F14-750059DFEEB0}" type="datetimeFigureOut">
               <a:rPr lang="en-US" smtClean="0"/>
-              <a:t>3/17/23</a:t>
+              <a:t>1/2/25</a:t>
             </a:fld>
             <a:endParaRPr lang="en-US"/>
           </a:p>
@@ -8229,7 +8229,7 @@
           <a:p>
             <a:fld id="{EC4347D3-4C9A-C240-8F14-750059DFEEB0}" type="datetimeFigureOut">
               <a:rPr lang="en-US" smtClean="0"/>
-              <a:t>3/17/23</a:t>
+              <a:t>1/2/25</a:t>
             </a:fld>
             <a:endParaRPr lang="en-US"/>
           </a:p>
@@ -8461,7 +8461,7 @@
           <a:p>
             <a:fld id="{EC4347D3-4C9A-C240-8F14-750059DFEEB0}" type="datetimeFigureOut">
               <a:rPr lang="en-US" smtClean="0"/>
-              <a:t>3/17/23</a:t>
+              <a:t>1/2/25</a:t>
             </a:fld>
             <a:endParaRPr lang="en-US"/>
           </a:p>
@@ -8847,7 +8847,7 @@
           <a:p>
             <a:fld id="{EC4347D3-4C9A-C240-8F14-750059DFEEB0}" type="datetimeFigureOut">
               <a:rPr lang="en-US" smtClean="0"/>
-              <a:t>3/17/23</a:t>
+              <a:t>1/2/25</a:t>
             </a:fld>
             <a:endParaRPr lang="en-US"/>
           </a:p>
@@ -8970,7 +8970,7 @@
           <a:p>
             <a:fld id="{EC4347D3-4C9A-C240-8F14-750059DFEEB0}" type="datetimeFigureOut">
               <a:rPr lang="en-US" smtClean="0"/>
-              <a:t>3/17/23</a:t>
+              <a:t>1/2/25</a:t>
             </a:fld>
             <a:endParaRPr lang="en-US"/>
           </a:p>
@@ -9065,7 +9065,7 @@
           <a:p>
             <a:fld id="{EC4347D3-4C9A-C240-8F14-750059DFEEB0}" type="datetimeFigureOut">
               <a:rPr lang="en-US" smtClean="0"/>
-              <a:t>3/17/23</a:t>
+              <a:t>1/2/25</a:t>
             </a:fld>
             <a:endParaRPr lang="en-US"/>
           </a:p>
@@ -9314,7 +9314,7 @@
           <a:p>
             <a:fld id="{EC4347D3-4C9A-C240-8F14-750059DFEEB0}" type="datetimeFigureOut">
               <a:rPr lang="en-US" smtClean="0"/>
-              <a:t>3/17/23</a:t>
+              <a:t>1/2/25</a:t>
             </a:fld>
             <a:endParaRPr lang="en-US"/>
           </a:p>
@@ -9599,7 +9599,7 @@
           <a:p>
             <a:fld id="{EC4347D3-4C9A-C240-8F14-750059DFEEB0}" type="datetimeFigureOut">
               <a:rPr lang="en-US" smtClean="0"/>
-              <a:t>3/17/23</a:t>
+              <a:t>1/2/25</a:t>
             </a:fld>
             <a:endParaRPr lang="en-US"/>
           </a:p>
@@ -9722,7 +9722,7 @@
           <a:noFill/>
           <a:extLst>
             <a:ext uri="{909E8E84-426E-40dd-AFC4-6F175D3DCCD1}">
-              <a14:hiddenFill xmlns="" xmlns:a14="http://schemas.microsoft.com/office/drawing/2010/main">
+              <a14:hiddenFill xmlns:a14="http://schemas.microsoft.com/office/drawing/2010/main" xmlns="">
                 <a:solidFill>
                   <a:srgbClr val="FFFFFF"/>
                 </a:solidFill>
@@ -9796,7 +9796,7 @@
               </a:ln>
               <a:extLst>
                 <a:ext uri="{91240B29-F687-4f45-9708-019B960494DF}">
-                  <a14:hiddenLine xmlns="" xmlns:a14="http://schemas.microsoft.com/office/drawing/2010/main" w="9525">
+                  <a14:hiddenLine xmlns:a14="http://schemas.microsoft.com/office/drawing/2010/main" xmlns="" w="9525">
                     <a:solidFill>
                       <a:srgbClr val="000000"/>
                     </a:solidFill>
@@ -9886,7 +9886,7 @@
               </a:ln>
               <a:extLst>
                 <a:ext uri="{91240B29-F687-4f45-9708-019B960494DF}">
-                  <a14:hiddenLine xmlns="" xmlns:a14="http://schemas.microsoft.com/office/drawing/2010/main" w="9525">
+                  <a14:hiddenLine xmlns:a14="http://schemas.microsoft.com/office/drawing/2010/main" xmlns="" w="9525">
                     <a:solidFill>
                       <a:srgbClr val="000000"/>
                     </a:solidFill>
@@ -9976,7 +9976,7 @@
               </a:ln>
               <a:extLst>
                 <a:ext uri="{91240B29-F687-4f45-9708-019B960494DF}">
-                  <a14:hiddenLine xmlns="" xmlns:a14="http://schemas.microsoft.com/office/drawing/2010/main" w="9525">
+                  <a14:hiddenLine xmlns:a14="http://schemas.microsoft.com/office/drawing/2010/main" xmlns="" w="9525">
                     <a:solidFill>
                       <a:srgbClr val="000000"/>
                     </a:solidFill>
@@ -10038,7 +10038,7 @@
               </a:ln>
               <a:extLst>
                 <a:ext uri="{91240B29-F687-4f45-9708-019B960494DF}">
-                  <a14:hiddenLine xmlns="" xmlns:a14="http://schemas.microsoft.com/office/drawing/2010/main" w="9525">
+                  <a14:hiddenLine xmlns:a14="http://schemas.microsoft.com/office/drawing/2010/main" xmlns="" w="9525">
                     <a:solidFill>
                       <a:srgbClr val="000000"/>
                     </a:solidFill>
@@ -10128,7 +10128,7 @@
               </a:ln>
               <a:extLst>
                 <a:ext uri="{91240B29-F687-4f45-9708-019B960494DF}">
-                  <a14:hiddenLine xmlns="" xmlns:a14="http://schemas.microsoft.com/office/drawing/2010/main" w="9525">
+                  <a14:hiddenLine xmlns:a14="http://schemas.microsoft.com/office/drawing/2010/main" xmlns="" w="9525">
                     <a:solidFill>
                       <a:srgbClr val="000000"/>
                     </a:solidFill>
@@ -10190,7 +10190,7 @@
               </a:ln>
               <a:extLst>
                 <a:ext uri="{91240B29-F687-4f45-9708-019B960494DF}">
-                  <a14:hiddenLine xmlns="" xmlns:a14="http://schemas.microsoft.com/office/drawing/2010/main" w="9525">
+                  <a14:hiddenLine xmlns:a14="http://schemas.microsoft.com/office/drawing/2010/main" xmlns="" w="9525">
                     <a:solidFill>
                       <a:srgbClr val="000000"/>
                     </a:solidFill>
@@ -10252,7 +10252,7 @@
               </a:ln>
               <a:extLst>
                 <a:ext uri="{91240B29-F687-4f45-9708-019B960494DF}">
-                  <a14:hiddenLine xmlns="" xmlns:a14="http://schemas.microsoft.com/office/drawing/2010/main" w="9525">
+                  <a14:hiddenLine xmlns:a14="http://schemas.microsoft.com/office/drawing/2010/main" xmlns="" w="9525">
                     <a:solidFill>
                       <a:srgbClr val="000000"/>
                     </a:solidFill>
@@ -10342,7 +10342,7 @@
               </a:ln>
               <a:extLst>
                 <a:ext uri="{91240B29-F687-4f45-9708-019B960494DF}">
-                  <a14:hiddenLine xmlns="" xmlns:a14="http://schemas.microsoft.com/office/drawing/2010/main" w="9525">
+                  <a14:hiddenLine xmlns:a14="http://schemas.microsoft.com/office/drawing/2010/main" xmlns="" w="9525">
                     <a:solidFill>
                       <a:srgbClr val="000000"/>
                     </a:solidFill>
@@ -10432,7 +10432,7 @@
               </a:ln>
               <a:extLst>
                 <a:ext uri="{91240B29-F687-4f45-9708-019B960494DF}">
-                  <a14:hiddenLine xmlns="" xmlns:a14="http://schemas.microsoft.com/office/drawing/2010/main" w="9525">
+                  <a14:hiddenLine xmlns:a14="http://schemas.microsoft.com/office/drawing/2010/main" xmlns="" w="9525">
                     <a:solidFill>
                       <a:srgbClr val="000000"/>
                     </a:solidFill>
@@ -10494,7 +10494,7 @@
               </a:ln>
               <a:extLst>
                 <a:ext uri="{91240B29-F687-4f45-9708-019B960494DF}">
-                  <a14:hiddenLine xmlns="" xmlns:a14="http://schemas.microsoft.com/office/drawing/2010/main" w="9525">
+                  <a14:hiddenLine xmlns:a14="http://schemas.microsoft.com/office/drawing/2010/main" xmlns="" w="9525">
                     <a:solidFill>
                       <a:srgbClr val="000000"/>
                     </a:solidFill>
@@ -10604,7 +10604,7 @@
               </a:ln>
               <a:extLst>
                 <a:ext uri="{91240B29-F687-4f45-9708-019B960494DF}">
-                  <a14:hiddenLine xmlns="" xmlns:a14="http://schemas.microsoft.com/office/drawing/2010/main" w="9525">
+                  <a14:hiddenLine xmlns:a14="http://schemas.microsoft.com/office/drawing/2010/main" xmlns="" w="9525">
                     <a:solidFill>
                       <a:srgbClr val="000000"/>
                     </a:solidFill>
@@ -10688,7 +10688,7 @@
               </a:ln>
               <a:extLst>
                 <a:ext uri="{91240B29-F687-4f45-9708-019B960494DF}">
-                  <a14:hiddenLine xmlns="" xmlns:a14="http://schemas.microsoft.com/office/drawing/2010/main" w="9525">
+                  <a14:hiddenLine xmlns:a14="http://schemas.microsoft.com/office/drawing/2010/main" xmlns="" w="9525">
                     <a:solidFill>
                       <a:srgbClr val="000000"/>
                     </a:solidFill>
@@ -10750,7 +10750,7 @@
               </a:ln>
               <a:extLst>
                 <a:ext uri="{91240B29-F687-4f45-9708-019B960494DF}">
-                  <a14:hiddenLine xmlns="" xmlns:a14="http://schemas.microsoft.com/office/drawing/2010/main" w="9525">
+                  <a14:hiddenLine xmlns:a14="http://schemas.microsoft.com/office/drawing/2010/main" xmlns="" w="9525">
                     <a:solidFill>
                       <a:srgbClr val="000000"/>
                     </a:solidFill>
@@ -10812,7 +10812,7 @@
               </a:ln>
               <a:extLst>
                 <a:ext uri="{91240B29-F687-4f45-9708-019B960494DF}">
-                  <a14:hiddenLine xmlns="" xmlns:a14="http://schemas.microsoft.com/office/drawing/2010/main" w="9525">
+                  <a14:hiddenLine xmlns:a14="http://schemas.microsoft.com/office/drawing/2010/main" xmlns="" w="9525">
                     <a:solidFill>
                       <a:srgbClr val="000000"/>
                     </a:solidFill>
@@ -10902,7 +10902,7 @@
               </a:ln>
               <a:extLst>
                 <a:ext uri="{91240B29-F687-4f45-9708-019B960494DF}">
-                  <a14:hiddenLine xmlns="" xmlns:a14="http://schemas.microsoft.com/office/drawing/2010/main" w="9525">
+                  <a14:hiddenLine xmlns:a14="http://schemas.microsoft.com/office/drawing/2010/main" xmlns="" w="9525">
                     <a:solidFill>
                       <a:srgbClr val="000000"/>
                     </a:solidFill>
@@ -10936,7 +10936,7 @@
               </a:ln>
               <a:extLst>
                 <a:ext uri="{91240B29-F687-4f45-9708-019B960494DF}">
-                  <a14:hiddenLine xmlns="" xmlns:a14="http://schemas.microsoft.com/office/drawing/2010/main" w="9525">
+                  <a14:hiddenLine xmlns:a14="http://schemas.microsoft.com/office/drawing/2010/main" xmlns="" w="9525">
                     <a:solidFill>
                       <a:srgbClr val="000000"/>
                     </a:solidFill>
@@ -11001,7 +11001,7 @@
               </a:ln>
               <a:extLst>
                 <a:ext uri="{91240B29-F687-4f45-9708-019B960494DF}">
-                  <a14:hiddenLine xmlns="" xmlns:a14="http://schemas.microsoft.com/office/drawing/2010/main" w="9525">
+                  <a14:hiddenLine xmlns:a14="http://schemas.microsoft.com/office/drawing/2010/main" xmlns="" w="9525">
                     <a:solidFill>
                       <a:srgbClr val="000000"/>
                     </a:solidFill>
@@ -11091,7 +11091,7 @@
               </a:ln>
               <a:extLst>
                 <a:ext uri="{91240B29-F687-4f45-9708-019B960494DF}">
-                  <a14:hiddenLine xmlns="" xmlns:a14="http://schemas.microsoft.com/office/drawing/2010/main" w="9525">
+                  <a14:hiddenLine xmlns:a14="http://schemas.microsoft.com/office/drawing/2010/main" xmlns="" w="9525">
                     <a:solidFill>
                       <a:srgbClr val="000000"/>
                     </a:solidFill>
@@ -11153,7 +11153,7 @@
               </a:ln>
               <a:extLst>
                 <a:ext uri="{91240B29-F687-4f45-9708-019B960494DF}">
-                  <a14:hiddenLine xmlns="" xmlns:a14="http://schemas.microsoft.com/office/drawing/2010/main" w="9525">
+                  <a14:hiddenLine xmlns:a14="http://schemas.microsoft.com/office/drawing/2010/main" xmlns="" w="9525">
                     <a:solidFill>
                       <a:srgbClr val="000000"/>
                     </a:solidFill>
@@ -11243,7 +11243,7 @@
               </a:ln>
               <a:extLst>
                 <a:ext uri="{91240B29-F687-4f45-9708-019B960494DF}">
-                  <a14:hiddenLine xmlns="" xmlns:a14="http://schemas.microsoft.com/office/drawing/2010/main" w="9525">
+                  <a14:hiddenLine xmlns:a14="http://schemas.microsoft.com/office/drawing/2010/main" xmlns="" w="9525">
                     <a:solidFill>
                       <a:srgbClr val="000000"/>
                     </a:solidFill>
@@ -11308,7 +11308,7 @@
               </a:ln>
               <a:extLst>
                 <a:ext uri="{91240B29-F687-4f45-9708-019B960494DF}">
-                  <a14:hiddenLine xmlns="" xmlns:a14="http://schemas.microsoft.com/office/drawing/2010/main" w="9525">
+                  <a14:hiddenLine xmlns:a14="http://schemas.microsoft.com/office/drawing/2010/main" xmlns="" w="9525">
                     <a:solidFill>
                       <a:srgbClr val="000000"/>
                     </a:solidFill>
@@ -11370,7 +11370,7 @@
               </a:ln>
               <a:extLst>
                 <a:ext uri="{91240B29-F687-4f45-9708-019B960494DF}">
-                  <a14:hiddenLine xmlns="" xmlns:a14="http://schemas.microsoft.com/office/drawing/2010/main" w="9525">
+                  <a14:hiddenLine xmlns:a14="http://schemas.microsoft.com/office/drawing/2010/main" xmlns="" w="9525">
                     <a:solidFill>
                       <a:srgbClr val="000000"/>
                     </a:solidFill>
@@ -11460,7 +11460,7 @@
               </a:ln>
               <a:extLst>
                 <a:ext uri="{91240B29-F687-4f45-9708-019B960494DF}">
-                  <a14:hiddenLine xmlns="" xmlns:a14="http://schemas.microsoft.com/office/drawing/2010/main" w="9525">
+                  <a14:hiddenLine xmlns:a14="http://schemas.microsoft.com/office/drawing/2010/main" xmlns="" w="9525">
                     <a:solidFill>
                       <a:srgbClr val="000000"/>
                     </a:solidFill>
@@ -11550,7 +11550,7 @@
               </a:ln>
               <a:extLst>
                 <a:ext uri="{91240B29-F687-4f45-9708-019B960494DF}">
-                  <a14:hiddenLine xmlns="" xmlns:a14="http://schemas.microsoft.com/office/drawing/2010/main" w="9525">
+                  <a14:hiddenLine xmlns:a14="http://schemas.microsoft.com/office/drawing/2010/main" xmlns="" w="9525">
                     <a:solidFill>
                       <a:srgbClr val="000000"/>
                     </a:solidFill>
@@ -11615,7 +11615,7 @@
               </a:ln>
               <a:extLst>
                 <a:ext uri="{91240B29-F687-4f45-9708-019B960494DF}">
-                  <a14:hiddenLine xmlns="" xmlns:a14="http://schemas.microsoft.com/office/drawing/2010/main" w="9525">
+                  <a14:hiddenLine xmlns:a14="http://schemas.microsoft.com/office/drawing/2010/main" xmlns="" w="9525">
                     <a:solidFill>
                       <a:srgbClr val="000000"/>
                     </a:solidFill>
@@ -11735,7 +11735,7 @@
               </a:ln>
               <a:extLst>
                 <a:ext uri="{91240B29-F687-4f45-9708-019B960494DF}">
-                  <a14:hiddenLine xmlns="" xmlns:a14="http://schemas.microsoft.com/office/drawing/2010/main" w="9525">
+                  <a14:hiddenLine xmlns:a14="http://schemas.microsoft.com/office/drawing/2010/main" xmlns="" w="9525">
                     <a:solidFill>
                       <a:srgbClr val="000000"/>
                     </a:solidFill>
@@ -11816,7 +11816,7 @@
               </a:ln>
               <a:extLst>
                 <a:ext uri="{91240B29-F687-4f45-9708-019B960494DF}">
-                  <a14:hiddenLine xmlns="" xmlns:a14="http://schemas.microsoft.com/office/drawing/2010/main" w="9525">
+                  <a14:hiddenLine xmlns:a14="http://schemas.microsoft.com/office/drawing/2010/main" xmlns="" w="9525">
                     <a:solidFill>
                       <a:srgbClr val="000000"/>
                     </a:solidFill>
@@ -11931,7 +11931,7 @@
               </a:ln>
               <a:extLst>
                 <a:ext uri="{91240B29-F687-4f45-9708-019B960494DF}">
-                  <a14:hiddenLine xmlns="" xmlns:a14="http://schemas.microsoft.com/office/drawing/2010/main" w="9525">
+                  <a14:hiddenLine xmlns:a14="http://schemas.microsoft.com/office/drawing/2010/main" xmlns="" w="9525">
                     <a:solidFill>
                       <a:srgbClr val="000000"/>
                     </a:solidFill>
@@ -12021,7 +12021,7 @@
               </a:ln>
               <a:extLst>
                 <a:ext uri="{91240B29-F687-4f45-9708-019B960494DF}">
-                  <a14:hiddenLine xmlns="" xmlns:a14="http://schemas.microsoft.com/office/drawing/2010/main" w="9525">
+                  <a14:hiddenLine xmlns:a14="http://schemas.microsoft.com/office/drawing/2010/main" xmlns="" w="9525">
                     <a:solidFill>
                       <a:srgbClr val="000000"/>
                     </a:solidFill>
@@ -12086,7 +12086,7 @@
               </a:ln>
               <a:extLst>
                 <a:ext uri="{91240B29-F687-4f45-9708-019B960494DF}">
-                  <a14:hiddenLine xmlns="" xmlns:a14="http://schemas.microsoft.com/office/drawing/2010/main" w="9525">
+                  <a14:hiddenLine xmlns:a14="http://schemas.microsoft.com/office/drawing/2010/main" xmlns="" w="9525">
                     <a:solidFill>
                       <a:srgbClr val="000000"/>
                     </a:solidFill>
@@ -12176,7 +12176,7 @@
               </a:ln>
               <a:extLst>
                 <a:ext uri="{91240B29-F687-4f45-9708-019B960494DF}">
-                  <a14:hiddenLine xmlns="" xmlns:a14="http://schemas.microsoft.com/office/drawing/2010/main" w="9525">
+                  <a14:hiddenLine xmlns:a14="http://schemas.microsoft.com/office/drawing/2010/main" xmlns="" w="9525">
                     <a:solidFill>
                       <a:srgbClr val="000000"/>
                     </a:solidFill>
@@ -12244,7 +12244,7 @@
               </a:ln>
               <a:extLst>
                 <a:ext uri="{91240B29-F687-4f45-9708-019B960494DF}">
-                  <a14:hiddenLine xmlns="" xmlns:a14="http://schemas.microsoft.com/office/drawing/2010/main" w="9525">
+                  <a14:hiddenLine xmlns:a14="http://schemas.microsoft.com/office/drawing/2010/main" xmlns="" w="9525">
                     <a:solidFill>
                       <a:srgbClr val="000000"/>
                     </a:solidFill>
@@ -12334,7 +12334,7 @@
               </a:ln>
               <a:extLst>
                 <a:ext uri="{91240B29-F687-4f45-9708-019B960494DF}">
-                  <a14:hiddenLine xmlns="" xmlns:a14="http://schemas.microsoft.com/office/drawing/2010/main" w="9525">
+                  <a14:hiddenLine xmlns:a14="http://schemas.microsoft.com/office/drawing/2010/main" xmlns="" w="9525">
                     <a:solidFill>
                       <a:srgbClr val="000000"/>
                     </a:solidFill>
@@ -12402,7 +12402,7 @@
               </a:ln>
               <a:extLst>
                 <a:ext uri="{91240B29-F687-4f45-9708-019B960494DF}">
-                  <a14:hiddenLine xmlns="" xmlns:a14="http://schemas.microsoft.com/office/drawing/2010/main" w="9525">
+                  <a14:hiddenLine xmlns:a14="http://schemas.microsoft.com/office/drawing/2010/main" xmlns="" w="9525">
                     <a:solidFill>
                       <a:srgbClr val="000000"/>
                     </a:solidFill>
@@ -12492,7 +12492,7 @@
               </a:ln>
               <a:extLst>
                 <a:ext uri="{91240B29-F687-4f45-9708-019B960494DF}">
-                  <a14:hiddenLine xmlns="" xmlns:a14="http://schemas.microsoft.com/office/drawing/2010/main" w="9525">
+                  <a14:hiddenLine xmlns:a14="http://schemas.microsoft.com/office/drawing/2010/main" xmlns="" w="9525">
                     <a:solidFill>
                       <a:srgbClr val="000000"/>
                     </a:solidFill>
@@ -12526,7 +12526,7 @@
               </a:ln>
               <a:extLst>
                 <a:ext uri="{91240B29-F687-4f45-9708-019B960494DF}">
-                  <a14:hiddenLine xmlns="" xmlns:a14="http://schemas.microsoft.com/office/drawing/2010/main" w="9525">
+                  <a14:hiddenLine xmlns:a14="http://schemas.microsoft.com/office/drawing/2010/main" xmlns="" w="9525">
                     <a:solidFill>
                       <a:srgbClr val="000000"/>
                     </a:solidFill>
@@ -12666,7 +12666,7 @@
           <a:p>
             <a:fld id="{EC4347D3-4C9A-C240-8F14-750059DFEEB0}" type="datetimeFigureOut">
               <a:rPr lang="en-US" smtClean="0"/>
-              <a:t>3/17/23</a:t>
+              <a:t>1/2/25</a:t>
             </a:fld>
             <a:endParaRPr lang="en-US"/>
           </a:p>
@@ -13282,7 +13282,7 @@
         </p:blipFill>
         <p:spPr>
           <a:xfrm>
-            <a:off x="741133" y="1411616"/>
+            <a:off x="741133" y="1419567"/>
             <a:ext cx="5583045" cy="4032899"/>
           </a:xfrm>
           <a:prstGeom prst="rect">
@@ -21232,8 +21232,8 @@
           </a:p>
         </p:txBody>
       </p:sp>
-      <mc:AlternateContent xmlns:mc="http://schemas.openxmlformats.org/markup-compatibility/2006">
-        <mc:Choice xmlns:a14="http://schemas.microsoft.com/office/drawing/2010/main" Requires="a14">
+      <mc:AlternateContent xmlns:mc="http://schemas.openxmlformats.org/markup-compatibility/2006" xmlns:a14="http://schemas.microsoft.com/office/drawing/2010/main">
+        <mc:Choice Requires="a14">
           <p:sp>
             <p:nvSpPr>
               <p:cNvPr id="20" name="Content Placeholder 2">
@@ -21550,7 +21550,7 @@
             </p:txBody>
           </p:sp>
         </mc:Choice>
-        <mc:Fallback>
+        <mc:Fallback xmlns="">
           <p:sp>
             <p:nvSpPr>
               <p:cNvPr id="20" name="Content Placeholder 2">
@@ -22637,8 +22637,8 @@
           </a:p>
         </p:txBody>
       </p:sp>
-      <mc:AlternateContent xmlns:mc="http://schemas.openxmlformats.org/markup-compatibility/2006">
-        <mc:Choice xmlns:a14="http://schemas.microsoft.com/office/drawing/2010/main" Requires="a14">
+      <mc:AlternateContent xmlns:mc="http://schemas.openxmlformats.org/markup-compatibility/2006" xmlns:a14="http://schemas.microsoft.com/office/drawing/2010/main">
+        <mc:Choice Requires="a14">
           <p:sp>
             <p:nvSpPr>
               <p:cNvPr id="20" name="Content Placeholder 2">
@@ -22949,7 +22949,7 @@
             </p:txBody>
           </p:sp>
         </mc:Choice>
-        <mc:Fallback>
+        <mc:Fallback xmlns="">
           <p:sp>
             <p:nvSpPr>
               <p:cNvPr id="20" name="Content Placeholder 2">
@@ -22994,8 +22994,8 @@
           </p:sp>
         </mc:Fallback>
       </mc:AlternateContent>
-      <mc:AlternateContent xmlns:mc="http://schemas.openxmlformats.org/markup-compatibility/2006">
-        <mc:Choice xmlns:a14="http://schemas.microsoft.com/office/drawing/2010/main" Requires="a14">
+      <mc:AlternateContent xmlns:mc="http://schemas.openxmlformats.org/markup-compatibility/2006" xmlns:a14="http://schemas.microsoft.com/office/drawing/2010/main">
+        <mc:Choice Requires="a14">
           <p:sp>
             <p:nvSpPr>
               <p:cNvPr id="13" name="Content Placeholder 2">
@@ -23303,7 +23303,7 @@
             </p:txBody>
           </p:sp>
         </mc:Choice>
-        <mc:Fallback>
+        <mc:Fallback xmlns="">
           <p:sp>
             <p:nvSpPr>
               <p:cNvPr id="13" name="Content Placeholder 2">
@@ -23412,8 +23412,8 @@
           </a:p>
         </p:txBody>
       </p:sp>
-      <mc:AlternateContent xmlns:mc="http://schemas.openxmlformats.org/markup-compatibility/2006">
-        <mc:Choice xmlns:a14="http://schemas.microsoft.com/office/drawing/2010/main" Requires="a14">
+      <mc:AlternateContent xmlns:mc="http://schemas.openxmlformats.org/markup-compatibility/2006" xmlns:a14="http://schemas.microsoft.com/office/drawing/2010/main">
+        <mc:Choice Requires="a14">
           <p:sp>
             <p:nvSpPr>
               <p:cNvPr id="20" name="Content Placeholder 2">
@@ -23724,7 +23724,7 @@
             </p:txBody>
           </p:sp>
         </mc:Choice>
-        <mc:Fallback>
+        <mc:Fallback xmlns="">
           <p:sp>
             <p:nvSpPr>
               <p:cNvPr id="20" name="Content Placeholder 2">
@@ -23769,8 +23769,8 @@
           </p:sp>
         </mc:Fallback>
       </mc:AlternateContent>
-      <mc:AlternateContent xmlns:mc="http://schemas.openxmlformats.org/markup-compatibility/2006">
-        <mc:Choice xmlns:a14="http://schemas.microsoft.com/office/drawing/2010/main" Requires="a14">
+      <mc:AlternateContent xmlns:mc="http://schemas.openxmlformats.org/markup-compatibility/2006" xmlns:a14="http://schemas.microsoft.com/office/drawing/2010/main">
+        <mc:Choice Requires="a14">
           <p:sp>
             <p:nvSpPr>
               <p:cNvPr id="13" name="Content Placeholder 2">
@@ -24163,7 +24163,7 @@
             </p:txBody>
           </p:sp>
         </mc:Choice>
-        <mc:Fallback>
+        <mc:Fallback xmlns="">
           <p:sp>
             <p:nvSpPr>
               <p:cNvPr id="13" name="Content Placeholder 2">
@@ -24272,8 +24272,8 @@
           </a:p>
         </p:txBody>
       </p:sp>
-      <mc:AlternateContent xmlns:mc="http://schemas.openxmlformats.org/markup-compatibility/2006">
-        <mc:Choice xmlns:a14="http://schemas.microsoft.com/office/drawing/2010/main" Requires="a14">
+      <mc:AlternateContent xmlns:mc="http://schemas.openxmlformats.org/markup-compatibility/2006" xmlns:a14="http://schemas.microsoft.com/office/drawing/2010/main">
+        <mc:Choice Requires="a14">
           <p:sp>
             <p:nvSpPr>
               <p:cNvPr id="20" name="Content Placeholder 2">
@@ -24584,7 +24584,7 @@
             </p:txBody>
           </p:sp>
         </mc:Choice>
-        <mc:Fallback>
+        <mc:Fallback xmlns="">
           <p:sp>
             <p:nvSpPr>
               <p:cNvPr id="20" name="Content Placeholder 2">
@@ -24629,8 +24629,8 @@
           </p:sp>
         </mc:Fallback>
       </mc:AlternateContent>
-      <mc:AlternateContent xmlns:mc="http://schemas.openxmlformats.org/markup-compatibility/2006">
-        <mc:Choice xmlns:a14="http://schemas.microsoft.com/office/drawing/2010/main" Requires="a14">
+      <mc:AlternateContent xmlns:mc="http://schemas.openxmlformats.org/markup-compatibility/2006" xmlns:a14="http://schemas.microsoft.com/office/drawing/2010/main">
+        <mc:Choice Requires="a14">
           <p:sp>
             <p:nvSpPr>
               <p:cNvPr id="13" name="Content Placeholder 2">
@@ -25174,16 +25174,7 @@
                             </a:solidFill>
                             <a:latin typeface="Cambria Math" panose="02040503050406030204" pitchFamily="18" charset="0"/>
                           </a:rPr>
-                          <m:t>3</m:t>
-                        </m:r>
-                        <m:r>
-                          <a:rPr lang="en-US" sz="1600" b="0" i="1" smtClean="0">
-                            <a:solidFill>
-                              <a:sysClr val="windowText" lastClr="000000"/>
-                            </a:solidFill>
-                            <a:latin typeface="Cambria Math" panose="02040503050406030204" pitchFamily="18" charset="0"/>
-                          </a:rPr>
-                          <m:t>≤</m:t>
+                          <m:t>3≤</m:t>
                         </m:r>
                         <m:r>
                           <a:rPr lang="en-US" sz="1600" b="0" i="1" smtClean="0">
@@ -25230,7 +25221,7 @@
             </p:txBody>
           </p:sp>
         </mc:Choice>
-        <mc:Fallback>
+        <mc:Fallback xmlns="">
           <p:sp>
             <p:nvSpPr>
               <p:cNvPr id="13" name="Content Placeholder 2">
@@ -25491,8 +25482,8 @@
           </a:fontRef>
         </p:style>
       </p:cxnSp>
-      <mc:AlternateContent xmlns:mc="http://schemas.openxmlformats.org/markup-compatibility/2006">
-        <mc:Choice xmlns:a14="http://schemas.microsoft.com/office/drawing/2010/main" Requires="a14">
+      <mc:AlternateContent xmlns:mc="http://schemas.openxmlformats.org/markup-compatibility/2006" xmlns:a14="http://schemas.microsoft.com/office/drawing/2010/main">
+        <mc:Choice Requires="a14">
           <p:sp>
             <p:nvSpPr>
               <p:cNvPr id="17" name="Content Placeholder 2">
@@ -25748,7 +25739,7 @@
             </p:txBody>
           </p:sp>
         </mc:Choice>
-        <mc:Fallback>
+        <mc:Fallback xmlns="">
           <p:sp>
             <p:nvSpPr>
               <p:cNvPr id="17" name="Content Placeholder 2">
@@ -26208,8 +26199,8 @@
           </a:fontRef>
         </p:style>
       </p:cxnSp>
-      <mc:AlternateContent xmlns:mc="http://schemas.openxmlformats.org/markup-compatibility/2006">
-        <mc:Choice xmlns:a14="http://schemas.microsoft.com/office/drawing/2010/main" Requires="a14">
+      <mc:AlternateContent xmlns:mc="http://schemas.openxmlformats.org/markup-compatibility/2006" xmlns:a14="http://schemas.microsoft.com/office/drawing/2010/main">
+        <mc:Choice Requires="a14">
           <p:sp>
             <p:nvSpPr>
               <p:cNvPr id="34" name="Content Placeholder 2">
@@ -26459,7 +26450,7 @@
             </p:txBody>
           </p:sp>
         </mc:Choice>
-        <mc:Fallback>
+        <mc:Fallback xmlns="">
           <p:sp>
             <p:nvSpPr>
               <p:cNvPr id="34" name="Content Placeholder 2">
@@ -26568,8 +26559,8 @@
           </a:p>
         </p:txBody>
       </p:sp>
-      <mc:AlternateContent xmlns:mc="http://schemas.openxmlformats.org/markup-compatibility/2006">
-        <mc:Choice xmlns:a14="http://schemas.microsoft.com/office/drawing/2010/main" Requires="a14">
+      <mc:AlternateContent xmlns:mc="http://schemas.openxmlformats.org/markup-compatibility/2006" xmlns:a14="http://schemas.microsoft.com/office/drawing/2010/main">
+        <mc:Choice Requires="a14">
           <p:sp>
             <p:nvSpPr>
               <p:cNvPr id="20" name="Content Placeholder 2">
@@ -26880,7 +26871,7 @@
             </p:txBody>
           </p:sp>
         </mc:Choice>
-        <mc:Fallback>
+        <mc:Fallback xmlns="">
           <p:sp>
             <p:nvSpPr>
               <p:cNvPr id="20" name="Content Placeholder 2">
@@ -26925,8 +26916,8 @@
           </p:sp>
         </mc:Fallback>
       </mc:AlternateContent>
-      <mc:AlternateContent xmlns:mc="http://schemas.openxmlformats.org/markup-compatibility/2006">
-        <mc:Choice xmlns:a14="http://schemas.microsoft.com/office/drawing/2010/main" Requires="a14">
+      <mc:AlternateContent xmlns:mc="http://schemas.openxmlformats.org/markup-compatibility/2006" xmlns:a14="http://schemas.microsoft.com/office/drawing/2010/main">
+        <mc:Choice Requires="a14">
           <p:sp>
             <p:nvSpPr>
               <p:cNvPr id="13" name="Content Placeholder 2">
@@ -27526,7 +27517,7 @@
             </p:txBody>
           </p:sp>
         </mc:Choice>
-        <mc:Fallback>
+        <mc:Fallback xmlns="">
           <p:sp>
             <p:nvSpPr>
               <p:cNvPr id="13" name="Content Placeholder 2">
@@ -27783,8 +27774,8 @@
           </a:fontRef>
         </p:style>
       </p:cxnSp>
-      <mc:AlternateContent xmlns:mc="http://schemas.openxmlformats.org/markup-compatibility/2006">
-        <mc:Choice xmlns:a14="http://schemas.microsoft.com/office/drawing/2010/main" Requires="a14">
+      <mc:AlternateContent xmlns:mc="http://schemas.openxmlformats.org/markup-compatibility/2006" xmlns:a14="http://schemas.microsoft.com/office/drawing/2010/main">
+        <mc:Choice Requires="a14">
           <p:sp>
             <p:nvSpPr>
               <p:cNvPr id="17" name="Content Placeholder 2">
@@ -28040,7 +28031,7 @@
             </p:txBody>
           </p:sp>
         </mc:Choice>
-        <mc:Fallback>
+        <mc:Fallback xmlns="">
           <p:sp>
             <p:nvSpPr>
               <p:cNvPr id="17" name="Content Placeholder 2">
@@ -28809,8 +28800,8 @@
           </a:fontRef>
         </p:style>
       </p:cxnSp>
-      <mc:AlternateContent xmlns:mc="http://schemas.openxmlformats.org/markup-compatibility/2006">
-        <mc:Choice xmlns:a14="http://schemas.microsoft.com/office/drawing/2010/main" Requires="a14">
+      <mc:AlternateContent xmlns:mc="http://schemas.openxmlformats.org/markup-compatibility/2006" xmlns:a14="http://schemas.microsoft.com/office/drawing/2010/main">
+        <mc:Choice Requires="a14">
           <p:sp>
             <p:nvSpPr>
               <p:cNvPr id="26" name="Content Placeholder 2">
@@ -29066,7 +29057,7 @@
             </p:txBody>
           </p:sp>
         </mc:Choice>
-        <mc:Fallback>
+        <mc:Fallback xmlns="">
           <p:sp>
             <p:nvSpPr>
               <p:cNvPr id="26" name="Content Placeholder 2">
@@ -29265,8 +29256,8 @@
           </a:p>
         </p:txBody>
       </p:sp>
-      <mc:AlternateContent xmlns:mc="http://schemas.openxmlformats.org/markup-compatibility/2006">
-        <mc:Choice xmlns:a14="http://schemas.microsoft.com/office/drawing/2010/main" Requires="a14">
+      <mc:AlternateContent xmlns:mc="http://schemas.openxmlformats.org/markup-compatibility/2006" xmlns:a14="http://schemas.microsoft.com/office/drawing/2010/main">
+        <mc:Choice Requires="a14">
           <p:sp>
             <p:nvSpPr>
               <p:cNvPr id="20" name="Content Placeholder 2">
@@ -29577,7 +29568,7 @@
             </p:txBody>
           </p:sp>
         </mc:Choice>
-        <mc:Fallback>
+        <mc:Fallback xmlns="">
           <p:sp>
             <p:nvSpPr>
               <p:cNvPr id="20" name="Content Placeholder 2">
@@ -29622,8 +29613,8 @@
           </p:sp>
         </mc:Fallback>
       </mc:AlternateContent>
-      <mc:AlternateContent xmlns:mc="http://schemas.openxmlformats.org/markup-compatibility/2006">
-        <mc:Choice xmlns:a14="http://schemas.microsoft.com/office/drawing/2010/main" Requires="a14">
+      <mc:AlternateContent xmlns:mc="http://schemas.openxmlformats.org/markup-compatibility/2006" xmlns:a14="http://schemas.microsoft.com/office/drawing/2010/main">
+        <mc:Choice Requires="a14">
           <p:sp>
             <p:nvSpPr>
               <p:cNvPr id="13" name="Content Placeholder 2">
@@ -30223,7 +30214,7 @@
             </p:txBody>
           </p:sp>
         </mc:Choice>
-        <mc:Fallback>
+        <mc:Fallback xmlns="">
           <p:sp>
             <p:nvSpPr>
               <p:cNvPr id="13" name="Content Placeholder 2">
@@ -30268,8 +30259,8 @@
           </p:sp>
         </mc:Fallback>
       </mc:AlternateContent>
-      <mc:AlternateContent xmlns:mc="http://schemas.openxmlformats.org/markup-compatibility/2006">
-        <mc:Choice xmlns:a14="http://schemas.microsoft.com/office/drawing/2010/main" Requires="a14">
+      <mc:AlternateContent xmlns:mc="http://schemas.openxmlformats.org/markup-compatibility/2006" xmlns:a14="http://schemas.microsoft.com/office/drawing/2010/main">
+        <mc:Choice Requires="a14">
           <p:sp>
             <p:nvSpPr>
               <p:cNvPr id="34" name="Content Placeholder 2">
@@ -30563,7 +30554,7 @@
             </p:txBody>
           </p:sp>
         </mc:Choice>
-        <mc:Fallback>
+        <mc:Fallback xmlns="">
           <p:sp>
             <p:nvSpPr>
               <p:cNvPr id="34" name="Content Placeholder 2">
@@ -36898,8 +36889,8 @@
           </a:p>
         </p:txBody>
       </p:sp>
-      <mc:AlternateContent xmlns:mc="http://schemas.openxmlformats.org/markup-compatibility/2006">
-        <mc:Choice xmlns:a14="http://schemas.microsoft.com/office/drawing/2010/main" Requires="a14">
+      <mc:AlternateContent xmlns:mc="http://schemas.openxmlformats.org/markup-compatibility/2006" xmlns:a14="http://schemas.microsoft.com/office/drawing/2010/main">
+        <mc:Choice Requires="a14">
           <p:sp>
             <p:nvSpPr>
               <p:cNvPr id="13" name="Content Placeholder 2">
@@ -37177,7 +37168,7 @@
             </p:txBody>
           </p:sp>
         </mc:Choice>
-        <mc:Fallback>
+        <mc:Fallback xmlns="">
           <p:sp>
             <p:nvSpPr>
               <p:cNvPr id="13" name="Content Placeholder 2">
@@ -39848,7 +39839,7 @@
                 </a14:m>
                 <a:r>
                   <a:rPr lang="en-US" sz="2000" dirty="0"/>
-                  <a:t> memory (so no more than list A itself)</a:t>
+                  <a:t> memory (so no more than list A itself times a constant)</a:t>
                 </a:r>
               </a:p>
               <a:p>
@@ -42317,8 +42308,8 @@
           </a:prstGeom>
         </p:spPr>
       </p:pic>
-      <mc:AlternateContent xmlns:mc="http://schemas.openxmlformats.org/markup-compatibility/2006">
-        <mc:Choice xmlns:a14="http://schemas.microsoft.com/office/drawing/2010/main" Requires="a14">
+      <mc:AlternateContent xmlns:mc="http://schemas.openxmlformats.org/markup-compatibility/2006" xmlns:a14="http://schemas.microsoft.com/office/drawing/2010/main">
+        <mc:Choice Requires="a14">
           <p:sp>
             <p:nvSpPr>
               <p:cNvPr id="13" name="Content Placeholder 2">
@@ -42677,7 +42668,7 @@
             </p:txBody>
           </p:sp>
         </mc:Choice>
-        <mc:Fallback>
+        <mc:Fallback xmlns="">
           <p:sp>
             <p:nvSpPr>
               <p:cNvPr id="13" name="Content Placeholder 2">

--- a/slides/Trees-SegmentTrees.pptx
+++ b/slides/Trees-SegmentTrees.pptx
@@ -237,7 +237,7 @@
           <a:p>
             <a:fld id="{C5B45307-6ED4-B142-BD64-10F739779302}" type="datetimeFigureOut">
               <a:rPr lang="en-US" smtClean="0"/>
-              <a:t>1/9/25</a:t>
+              <a:t>1/15/25</a:t>
             </a:fld>
             <a:endParaRPr lang="en-US"/>
           </a:p>
@@ -729,7 +729,7 @@
           <a:noFill/>
           <a:extLst>
             <a:ext uri="{909E8E84-426E-40dd-AFC4-6F175D3DCCD1}">
-              <a14:hiddenFill xmlns="" xmlns:a14="http://schemas.microsoft.com/office/drawing/2010/main">
+              <a14:hiddenFill xmlns:a14="http://schemas.microsoft.com/office/drawing/2010/main" xmlns="">
                 <a:solidFill>
                   <a:srgbClr val="FFFFFF"/>
                 </a:solidFill>
@@ -788,7 +788,7 @@
             </a:ln>
             <a:extLst>
               <a:ext uri="{91240B29-F687-4f45-9708-019B960494DF}">
-                <a14:hiddenLine xmlns="" xmlns:a14="http://schemas.microsoft.com/office/drawing/2010/main" w="9525">
+                <a14:hiddenLine xmlns:a14="http://schemas.microsoft.com/office/drawing/2010/main" xmlns="" w="9525">
                   <a:solidFill>
                     <a:srgbClr val="000000"/>
                   </a:solidFill>
@@ -878,7 +878,7 @@
             </a:ln>
             <a:extLst>
               <a:ext uri="{91240B29-F687-4f45-9708-019B960494DF}">
-                <a14:hiddenLine xmlns="" xmlns:a14="http://schemas.microsoft.com/office/drawing/2010/main" w="9525">
+                <a14:hiddenLine xmlns:a14="http://schemas.microsoft.com/office/drawing/2010/main" xmlns="" w="9525">
                   <a:solidFill>
                     <a:srgbClr val="000000"/>
                   </a:solidFill>
@@ -968,7 +968,7 @@
             </a:ln>
             <a:extLst>
               <a:ext uri="{91240B29-F687-4f45-9708-019B960494DF}">
-                <a14:hiddenLine xmlns="" xmlns:a14="http://schemas.microsoft.com/office/drawing/2010/main" w="9525">
+                <a14:hiddenLine xmlns:a14="http://schemas.microsoft.com/office/drawing/2010/main" xmlns="" w="9525">
                   <a:solidFill>
                     <a:srgbClr val="000000"/>
                   </a:solidFill>
@@ -1002,7 +1002,7 @@
             </a:ln>
             <a:extLst>
               <a:ext uri="{91240B29-F687-4f45-9708-019B960494DF}">
-                <a14:hiddenLine xmlns="" xmlns:a14="http://schemas.microsoft.com/office/drawing/2010/main" w="9525">
+                <a14:hiddenLine xmlns:a14="http://schemas.microsoft.com/office/drawing/2010/main" xmlns="" w="9525">
                   <a:solidFill>
                     <a:srgbClr val="000000"/>
                   </a:solidFill>
@@ -1092,7 +1092,7 @@
             </a:ln>
             <a:extLst>
               <a:ext uri="{91240B29-F687-4f45-9708-019B960494DF}">
-                <a14:hiddenLine xmlns="" xmlns:a14="http://schemas.microsoft.com/office/drawing/2010/main" w="9525">
+                <a14:hiddenLine xmlns:a14="http://schemas.microsoft.com/office/drawing/2010/main" xmlns="" w="9525">
                   <a:solidFill>
                     <a:srgbClr val="000000"/>
                   </a:solidFill>
@@ -1154,7 +1154,7 @@
             </a:ln>
             <a:extLst>
               <a:ext uri="{91240B29-F687-4f45-9708-019B960494DF}">
-                <a14:hiddenLine xmlns="" xmlns:a14="http://schemas.microsoft.com/office/drawing/2010/main" w="9525">
+                <a14:hiddenLine xmlns:a14="http://schemas.microsoft.com/office/drawing/2010/main" xmlns="" w="9525">
                   <a:solidFill>
                     <a:srgbClr val="000000"/>
                   </a:solidFill>
@@ -1216,7 +1216,7 @@
             </a:ln>
             <a:extLst>
               <a:ext uri="{91240B29-F687-4f45-9708-019B960494DF}">
-                <a14:hiddenLine xmlns="" xmlns:a14="http://schemas.microsoft.com/office/drawing/2010/main" w="9525">
+                <a14:hiddenLine xmlns:a14="http://schemas.microsoft.com/office/drawing/2010/main" xmlns="" w="9525">
                   <a:solidFill>
                     <a:srgbClr val="000000"/>
                   </a:solidFill>
@@ -1306,7 +1306,7 @@
             </a:ln>
             <a:extLst>
               <a:ext uri="{91240B29-F687-4f45-9708-019B960494DF}">
-                <a14:hiddenLine xmlns="" xmlns:a14="http://schemas.microsoft.com/office/drawing/2010/main" w="9525">
+                <a14:hiddenLine xmlns:a14="http://schemas.microsoft.com/office/drawing/2010/main" xmlns="" w="9525">
                   <a:solidFill>
                     <a:srgbClr val="000000"/>
                   </a:solidFill>
@@ -1368,7 +1368,7 @@
             </a:ln>
             <a:extLst>
               <a:ext uri="{91240B29-F687-4f45-9708-019B960494DF}">
-                <a14:hiddenLine xmlns="" xmlns:a14="http://schemas.microsoft.com/office/drawing/2010/main" w="9525">
+                <a14:hiddenLine xmlns:a14="http://schemas.microsoft.com/office/drawing/2010/main" xmlns="" w="9525">
                   <a:solidFill>
                     <a:srgbClr val="000000"/>
                   </a:solidFill>
@@ -1430,7 +1430,7 @@
             </a:ln>
             <a:extLst>
               <a:ext uri="{91240B29-F687-4f45-9708-019B960494DF}">
-                <a14:hiddenLine xmlns="" xmlns:a14="http://schemas.microsoft.com/office/drawing/2010/main" w="9525">
+                <a14:hiddenLine xmlns:a14="http://schemas.microsoft.com/office/drawing/2010/main" xmlns="" w="9525">
                   <a:solidFill>
                     <a:srgbClr val="000000"/>
                   </a:solidFill>
@@ -1520,7 +1520,7 @@
             </a:ln>
             <a:extLst>
               <a:ext uri="{91240B29-F687-4f45-9708-019B960494DF}">
-                <a14:hiddenLine xmlns="" xmlns:a14="http://schemas.microsoft.com/office/drawing/2010/main" w="9525">
+                <a14:hiddenLine xmlns:a14="http://schemas.microsoft.com/office/drawing/2010/main" xmlns="" w="9525">
                   <a:solidFill>
                     <a:srgbClr val="000000"/>
                   </a:solidFill>
@@ -1610,7 +1610,7 @@
             </a:ln>
             <a:extLst>
               <a:ext uri="{91240B29-F687-4f45-9708-019B960494DF}">
-                <a14:hiddenLine xmlns="" xmlns:a14="http://schemas.microsoft.com/office/drawing/2010/main" w="9525">
+                <a14:hiddenLine xmlns:a14="http://schemas.microsoft.com/office/drawing/2010/main" xmlns="" w="9525">
                   <a:solidFill>
                     <a:srgbClr val="000000"/>
                   </a:solidFill>
@@ -1672,7 +1672,7 @@
             </a:ln>
             <a:extLst>
               <a:ext uri="{91240B29-F687-4f45-9708-019B960494DF}">
-                <a14:hiddenLine xmlns="" xmlns:a14="http://schemas.microsoft.com/office/drawing/2010/main" w="9525">
+                <a14:hiddenLine xmlns:a14="http://schemas.microsoft.com/office/drawing/2010/main" xmlns="" w="9525">
                   <a:solidFill>
                     <a:srgbClr val="000000"/>
                   </a:solidFill>
@@ -1782,7 +1782,7 @@
             </a:ln>
             <a:extLst>
               <a:ext uri="{91240B29-F687-4f45-9708-019B960494DF}">
-                <a14:hiddenLine xmlns="" xmlns:a14="http://schemas.microsoft.com/office/drawing/2010/main" w="9525">
+                <a14:hiddenLine xmlns:a14="http://schemas.microsoft.com/office/drawing/2010/main" xmlns="" w="9525">
                   <a:solidFill>
                     <a:srgbClr val="000000"/>
                   </a:solidFill>
@@ -1844,7 +1844,7 @@
             </a:ln>
             <a:extLst>
               <a:ext uri="{91240B29-F687-4f45-9708-019B960494DF}">
-                <a14:hiddenLine xmlns="" xmlns:a14="http://schemas.microsoft.com/office/drawing/2010/main" w="9525">
+                <a14:hiddenLine xmlns:a14="http://schemas.microsoft.com/office/drawing/2010/main" xmlns="" w="9525">
                   <a:solidFill>
                     <a:srgbClr val="000000"/>
                   </a:solidFill>
@@ -1934,7 +1934,7 @@
             </a:ln>
             <a:extLst>
               <a:ext uri="{91240B29-F687-4f45-9708-019B960494DF}">
-                <a14:hiddenLine xmlns="" xmlns:a14="http://schemas.microsoft.com/office/drawing/2010/main" w="9525">
+                <a14:hiddenLine xmlns:a14="http://schemas.microsoft.com/office/drawing/2010/main" xmlns="" w="9525">
                   <a:solidFill>
                     <a:srgbClr val="000000"/>
                   </a:solidFill>
@@ -2024,7 +2024,7 @@
             </a:ln>
             <a:extLst>
               <a:ext uri="{91240B29-F687-4f45-9708-019B960494DF}">
-                <a14:hiddenLine xmlns="" xmlns:a14="http://schemas.microsoft.com/office/drawing/2010/main" w="9525">
+                <a14:hiddenLine xmlns:a14="http://schemas.microsoft.com/office/drawing/2010/main" xmlns="" w="9525">
                   <a:solidFill>
                     <a:srgbClr val="000000"/>
                   </a:solidFill>
@@ -2086,7 +2086,7 @@
             </a:ln>
             <a:extLst>
               <a:ext uri="{91240B29-F687-4f45-9708-019B960494DF}">
-                <a14:hiddenLine xmlns="" xmlns:a14="http://schemas.microsoft.com/office/drawing/2010/main" w="9525">
+                <a14:hiddenLine xmlns:a14="http://schemas.microsoft.com/office/drawing/2010/main" xmlns="" w="9525">
                   <a:solidFill>
                     <a:srgbClr val="000000"/>
                   </a:solidFill>
@@ -2176,7 +2176,7 @@
             </a:ln>
             <a:extLst>
               <a:ext uri="{91240B29-F687-4f45-9708-019B960494DF}">
-                <a14:hiddenLine xmlns="" xmlns:a14="http://schemas.microsoft.com/office/drawing/2010/main" w="9525">
+                <a14:hiddenLine xmlns:a14="http://schemas.microsoft.com/office/drawing/2010/main" xmlns="" w="9525">
                   <a:solidFill>
                     <a:srgbClr val="000000"/>
                   </a:solidFill>
@@ -2266,7 +2266,7 @@
             </a:ln>
             <a:extLst>
               <a:ext uri="{91240B29-F687-4f45-9708-019B960494DF}">
-                <a14:hiddenLine xmlns="" xmlns:a14="http://schemas.microsoft.com/office/drawing/2010/main" w="9525">
+                <a14:hiddenLine xmlns:a14="http://schemas.microsoft.com/office/drawing/2010/main" xmlns="" w="9525">
                   <a:solidFill>
                     <a:srgbClr val="000000"/>
                   </a:solidFill>
@@ -2322,7 +2322,7 @@
             </a:ln>
             <a:extLst>
               <a:ext uri="{91240B29-F687-4f45-9708-019B960494DF}">
-                <a14:hiddenLine xmlns="" xmlns:a14="http://schemas.microsoft.com/office/drawing/2010/main" w="9525">
+                <a14:hiddenLine xmlns:a14="http://schemas.microsoft.com/office/drawing/2010/main" xmlns="" w="9525">
                   <a:solidFill>
                     <a:srgbClr val="000000"/>
                   </a:solidFill>
@@ -2412,7 +2412,7 @@
             </a:ln>
             <a:extLst>
               <a:ext uri="{91240B29-F687-4f45-9708-019B960494DF}">
-                <a14:hiddenLine xmlns="" xmlns:a14="http://schemas.microsoft.com/office/drawing/2010/main" w="9525">
+                <a14:hiddenLine xmlns:a14="http://schemas.microsoft.com/office/drawing/2010/main" xmlns="" w="9525">
                   <a:solidFill>
                     <a:srgbClr val="000000"/>
                   </a:solidFill>
@@ -2468,7 +2468,7 @@
             </a:ln>
             <a:extLst>
               <a:ext uri="{91240B29-F687-4f45-9708-019B960494DF}">
-                <a14:hiddenLine xmlns="" xmlns:a14="http://schemas.microsoft.com/office/drawing/2010/main" w="9525">
+                <a14:hiddenLine xmlns:a14="http://schemas.microsoft.com/office/drawing/2010/main" xmlns="" w="9525">
                   <a:solidFill>
                     <a:srgbClr val="000000"/>
                   </a:solidFill>
@@ -2558,7 +2558,7 @@
             </a:ln>
             <a:extLst>
               <a:ext uri="{91240B29-F687-4f45-9708-019B960494DF}">
-                <a14:hiddenLine xmlns="" xmlns:a14="http://schemas.microsoft.com/office/drawing/2010/main" w="9525">
+                <a14:hiddenLine xmlns:a14="http://schemas.microsoft.com/office/drawing/2010/main" xmlns="" w="9525">
                   <a:solidFill>
                     <a:srgbClr val="000000"/>
                   </a:solidFill>
@@ -2626,7 +2626,7 @@
             </a:ln>
             <a:extLst>
               <a:ext uri="{91240B29-F687-4f45-9708-019B960494DF}">
-                <a14:hiddenLine xmlns="" xmlns:a14="http://schemas.microsoft.com/office/drawing/2010/main" w="9525">
+                <a14:hiddenLine xmlns:a14="http://schemas.microsoft.com/office/drawing/2010/main" xmlns="" w="9525">
                   <a:solidFill>
                     <a:srgbClr val="000000"/>
                   </a:solidFill>
@@ -2716,7 +2716,7 @@
             </a:ln>
             <a:extLst>
               <a:ext uri="{91240B29-F687-4f45-9708-019B960494DF}">
-                <a14:hiddenLine xmlns="" xmlns:a14="http://schemas.microsoft.com/office/drawing/2010/main" w="9525">
+                <a14:hiddenLine xmlns:a14="http://schemas.microsoft.com/office/drawing/2010/main" xmlns="" w="9525">
                   <a:solidFill>
                     <a:srgbClr val="000000"/>
                   </a:solidFill>
@@ -2784,7 +2784,7 @@
             </a:ln>
             <a:extLst>
               <a:ext uri="{91240B29-F687-4f45-9708-019B960494DF}">
-                <a14:hiddenLine xmlns="" xmlns:a14="http://schemas.microsoft.com/office/drawing/2010/main" w="9525">
+                <a14:hiddenLine xmlns:a14="http://schemas.microsoft.com/office/drawing/2010/main" xmlns="" w="9525">
                   <a:solidFill>
                     <a:srgbClr val="000000"/>
                   </a:solidFill>
@@ -2874,7 +2874,7 @@
             </a:ln>
             <a:extLst>
               <a:ext uri="{91240B29-F687-4f45-9708-019B960494DF}">
-                <a14:hiddenLine xmlns="" xmlns:a14="http://schemas.microsoft.com/office/drawing/2010/main" w="9525">
+                <a14:hiddenLine xmlns:a14="http://schemas.microsoft.com/office/drawing/2010/main" xmlns="" w="9525">
                   <a:solidFill>
                     <a:srgbClr val="000000"/>
                   </a:solidFill>
@@ -2908,7 +2908,7 @@
             </a:ln>
             <a:extLst>
               <a:ext uri="{91240B29-F687-4f45-9708-019B960494DF}">
-                <a14:hiddenLine xmlns="" xmlns:a14="http://schemas.microsoft.com/office/drawing/2010/main" w="9525">
+                <a14:hiddenLine xmlns:a14="http://schemas.microsoft.com/office/drawing/2010/main" xmlns="" w="9525">
                   <a:solidFill>
                     <a:srgbClr val="000000"/>
                   </a:solidFill>
@@ -2998,7 +2998,7 @@
             </a:ln>
             <a:extLst>
               <a:ext uri="{91240B29-F687-4f45-9708-019B960494DF}">
-                <a14:hiddenLine xmlns="" xmlns:a14="http://schemas.microsoft.com/office/drawing/2010/main" w="9525">
+                <a14:hiddenLine xmlns:a14="http://schemas.microsoft.com/office/drawing/2010/main" xmlns="" w="9525">
                   <a:solidFill>
                     <a:srgbClr val="000000"/>
                   </a:solidFill>
@@ -3060,7 +3060,7 @@
             </a:ln>
             <a:extLst>
               <a:ext uri="{91240B29-F687-4f45-9708-019B960494DF}">
-                <a14:hiddenLine xmlns="" xmlns:a14="http://schemas.microsoft.com/office/drawing/2010/main" w="9525">
+                <a14:hiddenLine xmlns:a14="http://schemas.microsoft.com/office/drawing/2010/main" xmlns="" w="9525">
                   <a:solidFill>
                     <a:srgbClr val="000000"/>
                   </a:solidFill>
@@ -3122,7 +3122,7 @@
             </a:ln>
             <a:extLst>
               <a:ext uri="{91240B29-F687-4f45-9708-019B960494DF}">
-                <a14:hiddenLine xmlns="" xmlns:a14="http://schemas.microsoft.com/office/drawing/2010/main" w="9525">
+                <a14:hiddenLine xmlns:a14="http://schemas.microsoft.com/office/drawing/2010/main" xmlns="" w="9525">
                   <a:solidFill>
                     <a:srgbClr val="000000"/>
                   </a:solidFill>
@@ -3212,7 +3212,7 @@
             </a:ln>
             <a:extLst>
               <a:ext uri="{91240B29-F687-4f45-9708-019B960494DF}">
-                <a14:hiddenLine xmlns="" xmlns:a14="http://schemas.microsoft.com/office/drawing/2010/main" w="9525">
+                <a14:hiddenLine xmlns:a14="http://schemas.microsoft.com/office/drawing/2010/main" xmlns="" w="9525">
                   <a:solidFill>
                     <a:srgbClr val="000000"/>
                   </a:solidFill>
@@ -3280,7 +3280,7 @@
             </a:ln>
             <a:extLst>
               <a:ext uri="{91240B29-F687-4f45-9708-019B960494DF}">
-                <a14:hiddenLine xmlns="" xmlns:a14="http://schemas.microsoft.com/office/drawing/2010/main" w="9525">
+                <a14:hiddenLine xmlns:a14="http://schemas.microsoft.com/office/drawing/2010/main" xmlns="" w="9525">
                   <a:solidFill>
                     <a:srgbClr val="000000"/>
                   </a:solidFill>
@@ -3342,7 +3342,7 @@
             </a:ln>
             <a:extLst>
               <a:ext uri="{91240B29-F687-4f45-9708-019B960494DF}">
-                <a14:hiddenLine xmlns="" xmlns:a14="http://schemas.microsoft.com/office/drawing/2010/main" w="9525">
+                <a14:hiddenLine xmlns:a14="http://schemas.microsoft.com/office/drawing/2010/main" xmlns="" w="9525">
                   <a:solidFill>
                     <a:srgbClr val="000000"/>
                   </a:solidFill>
@@ -3432,7 +3432,7 @@
             </a:ln>
             <a:extLst>
               <a:ext uri="{91240B29-F687-4f45-9708-019B960494DF}">
-                <a14:hiddenLine xmlns="" xmlns:a14="http://schemas.microsoft.com/office/drawing/2010/main" w="9525">
+                <a14:hiddenLine xmlns:a14="http://schemas.microsoft.com/office/drawing/2010/main" xmlns="" w="9525">
                   <a:solidFill>
                     <a:srgbClr val="000000"/>
                   </a:solidFill>
@@ -3494,7 +3494,7 @@
             </a:ln>
             <a:extLst>
               <a:ext uri="{91240B29-F687-4f45-9708-019B960494DF}">
-                <a14:hiddenLine xmlns="" xmlns:a14="http://schemas.microsoft.com/office/drawing/2010/main" w="9525">
+                <a14:hiddenLine xmlns:a14="http://schemas.microsoft.com/office/drawing/2010/main" xmlns="" w="9525">
                   <a:solidFill>
                     <a:srgbClr val="000000"/>
                   </a:solidFill>
@@ -3584,7 +3584,7 @@
             </a:ln>
             <a:extLst>
               <a:ext uri="{91240B29-F687-4f45-9708-019B960494DF}">
-                <a14:hiddenLine xmlns="" xmlns:a14="http://schemas.microsoft.com/office/drawing/2010/main" w="9525">
+                <a14:hiddenLine xmlns:a14="http://schemas.microsoft.com/office/drawing/2010/main" xmlns="" w="9525">
                   <a:solidFill>
                     <a:srgbClr val="000000"/>
                   </a:solidFill>
@@ -3646,7 +3646,7 @@
             </a:ln>
             <a:extLst>
               <a:ext uri="{91240B29-F687-4f45-9708-019B960494DF}">
-                <a14:hiddenLine xmlns="" xmlns:a14="http://schemas.microsoft.com/office/drawing/2010/main" w="9525">
+                <a14:hiddenLine xmlns:a14="http://schemas.microsoft.com/office/drawing/2010/main" xmlns="" w="9525">
                   <a:solidFill>
                     <a:srgbClr val="000000"/>
                   </a:solidFill>
@@ -3736,7 +3736,7 @@
             </a:ln>
             <a:extLst>
               <a:ext uri="{91240B29-F687-4f45-9708-019B960494DF}">
-                <a14:hiddenLine xmlns="" xmlns:a14="http://schemas.microsoft.com/office/drawing/2010/main" w="9525">
+                <a14:hiddenLine xmlns:a14="http://schemas.microsoft.com/office/drawing/2010/main" xmlns="" w="9525">
                   <a:solidFill>
                     <a:srgbClr val="000000"/>
                   </a:solidFill>
@@ -3770,7 +3770,7 @@
             </a:ln>
             <a:extLst>
               <a:ext uri="{91240B29-F687-4f45-9708-019B960494DF}">
-                <a14:hiddenLine xmlns="" xmlns:a14="http://schemas.microsoft.com/office/drawing/2010/main" w="9525">
+                <a14:hiddenLine xmlns:a14="http://schemas.microsoft.com/office/drawing/2010/main" xmlns="" w="9525">
                   <a:solidFill>
                     <a:srgbClr val="000000"/>
                   </a:solidFill>
@@ -3835,7 +3835,7 @@
             </a:ln>
             <a:extLst>
               <a:ext uri="{91240B29-F687-4f45-9708-019B960494DF}">
-                <a14:hiddenLine xmlns="" xmlns:a14="http://schemas.microsoft.com/office/drawing/2010/main" w="9525">
+                <a14:hiddenLine xmlns:a14="http://schemas.microsoft.com/office/drawing/2010/main" xmlns="" w="9525">
                   <a:solidFill>
                     <a:srgbClr val="000000"/>
                   </a:solidFill>
@@ -3925,7 +3925,7 @@
             </a:ln>
             <a:extLst>
               <a:ext uri="{91240B29-F687-4f45-9708-019B960494DF}">
-                <a14:hiddenLine xmlns="" xmlns:a14="http://schemas.microsoft.com/office/drawing/2010/main" w="9525">
+                <a14:hiddenLine xmlns:a14="http://schemas.microsoft.com/office/drawing/2010/main" xmlns="" w="9525">
                   <a:solidFill>
                     <a:srgbClr val="000000"/>
                   </a:solidFill>
@@ -3987,7 +3987,7 @@
             </a:ln>
             <a:extLst>
               <a:ext uri="{91240B29-F687-4f45-9708-019B960494DF}">
-                <a14:hiddenLine xmlns="" xmlns:a14="http://schemas.microsoft.com/office/drawing/2010/main" w="9525">
+                <a14:hiddenLine xmlns:a14="http://schemas.microsoft.com/office/drawing/2010/main" xmlns="" w="9525">
                   <a:solidFill>
                     <a:srgbClr val="000000"/>
                   </a:solidFill>
@@ -4077,7 +4077,7 @@
             </a:ln>
             <a:extLst>
               <a:ext uri="{91240B29-F687-4f45-9708-019B960494DF}">
-                <a14:hiddenLine xmlns="" xmlns:a14="http://schemas.microsoft.com/office/drawing/2010/main" w="9525">
+                <a14:hiddenLine xmlns:a14="http://schemas.microsoft.com/office/drawing/2010/main" xmlns="" w="9525">
                   <a:solidFill>
                     <a:srgbClr val="000000"/>
                   </a:solidFill>
@@ -4167,7 +4167,7 @@
             </a:ln>
             <a:extLst>
               <a:ext uri="{91240B29-F687-4f45-9708-019B960494DF}">
-                <a14:hiddenLine xmlns="" xmlns:a14="http://schemas.microsoft.com/office/drawing/2010/main" w="9525">
+                <a14:hiddenLine xmlns:a14="http://schemas.microsoft.com/office/drawing/2010/main" xmlns="" w="9525">
                   <a:solidFill>
                     <a:srgbClr val="000000"/>
                   </a:solidFill>
@@ -4232,7 +4232,7 @@
             </a:ln>
             <a:extLst>
               <a:ext uri="{91240B29-F687-4f45-9708-019B960494DF}">
-                <a14:hiddenLine xmlns="" xmlns:a14="http://schemas.microsoft.com/office/drawing/2010/main" w="9525">
+                <a14:hiddenLine xmlns:a14="http://schemas.microsoft.com/office/drawing/2010/main" xmlns="" w="9525">
                   <a:solidFill>
                     <a:srgbClr val="000000"/>
                   </a:solidFill>
@@ -4294,7 +4294,7 @@
             </a:ln>
             <a:extLst>
               <a:ext uri="{91240B29-F687-4f45-9708-019B960494DF}">
-                <a14:hiddenLine xmlns="" xmlns:a14="http://schemas.microsoft.com/office/drawing/2010/main" w="9525">
+                <a14:hiddenLine xmlns:a14="http://schemas.microsoft.com/office/drawing/2010/main" xmlns="" w="9525">
                   <a:solidFill>
                     <a:srgbClr val="000000"/>
                   </a:solidFill>
@@ -4384,7 +4384,7 @@
             </a:ln>
             <a:extLst>
               <a:ext uri="{91240B29-F687-4f45-9708-019B960494DF}">
-                <a14:hiddenLine xmlns="" xmlns:a14="http://schemas.microsoft.com/office/drawing/2010/main" w="9525">
+                <a14:hiddenLine xmlns:a14="http://schemas.microsoft.com/office/drawing/2010/main" xmlns="" w="9525">
                   <a:solidFill>
                     <a:srgbClr val="000000"/>
                   </a:solidFill>
@@ -4474,7 +4474,7 @@
             </a:ln>
             <a:extLst>
               <a:ext uri="{91240B29-F687-4f45-9708-019B960494DF}">
-                <a14:hiddenLine xmlns="" xmlns:a14="http://schemas.microsoft.com/office/drawing/2010/main" w="9525">
+                <a14:hiddenLine xmlns:a14="http://schemas.microsoft.com/office/drawing/2010/main" xmlns="" w="9525">
                   <a:solidFill>
                     <a:srgbClr val="000000"/>
                   </a:solidFill>
@@ -4536,7 +4536,7 @@
             </a:ln>
             <a:extLst>
               <a:ext uri="{91240B29-F687-4f45-9708-019B960494DF}">
-                <a14:hiddenLine xmlns="" xmlns:a14="http://schemas.microsoft.com/office/drawing/2010/main" w="9525">
+                <a14:hiddenLine xmlns:a14="http://schemas.microsoft.com/office/drawing/2010/main" xmlns="" w="9525">
                   <a:solidFill>
                     <a:srgbClr val="000000"/>
                   </a:solidFill>
@@ -4656,7 +4656,7 @@
             </a:ln>
             <a:extLst>
               <a:ext uri="{91240B29-F687-4f45-9708-019B960494DF}">
-                <a14:hiddenLine xmlns="" xmlns:a14="http://schemas.microsoft.com/office/drawing/2010/main" w="9525">
+                <a14:hiddenLine xmlns:a14="http://schemas.microsoft.com/office/drawing/2010/main" xmlns="" w="9525">
                   <a:solidFill>
                     <a:srgbClr val="000000"/>
                   </a:solidFill>
@@ -4724,7 +4724,7 @@
             </a:ln>
             <a:extLst>
               <a:ext uri="{91240B29-F687-4f45-9708-019B960494DF}">
-                <a14:hiddenLine xmlns="" xmlns:a14="http://schemas.microsoft.com/office/drawing/2010/main" w="9525">
+                <a14:hiddenLine xmlns:a14="http://schemas.microsoft.com/office/drawing/2010/main" xmlns="" w="9525">
                   <a:solidFill>
                     <a:srgbClr val="000000"/>
                   </a:solidFill>
@@ -4814,7 +4814,7 @@
             </a:ln>
             <a:extLst>
               <a:ext uri="{91240B29-F687-4f45-9708-019B960494DF}">
-                <a14:hiddenLine xmlns="" xmlns:a14="http://schemas.microsoft.com/office/drawing/2010/main" w="9525">
+                <a14:hiddenLine xmlns:a14="http://schemas.microsoft.com/office/drawing/2010/main" xmlns="" w="9525">
                   <a:solidFill>
                     <a:srgbClr val="000000"/>
                   </a:solidFill>
@@ -4954,7 +4954,7 @@
           <a:p>
             <a:fld id="{EC4347D3-4C9A-C240-8F14-750059DFEEB0}" type="datetimeFigureOut">
               <a:rPr lang="en-US" smtClean="0"/>
-              <a:t>1/9/25</a:t>
+              <a:t>1/15/25</a:t>
             </a:fld>
             <a:endParaRPr lang="en-US"/>
           </a:p>
@@ -5221,7 +5221,7 @@
           <a:p>
             <a:fld id="{EC4347D3-4C9A-C240-8F14-750059DFEEB0}" type="datetimeFigureOut">
               <a:rPr lang="en-US" smtClean="0"/>
-              <a:t>1/9/25</a:t>
+              <a:t>1/15/25</a:t>
             </a:fld>
             <a:endParaRPr lang="en-US"/>
           </a:p>
@@ -5417,7 +5417,7 @@
           <a:p>
             <a:fld id="{EC4347D3-4C9A-C240-8F14-750059DFEEB0}" type="datetimeFigureOut">
               <a:rPr lang="en-US" smtClean="0"/>
-              <a:t>1/9/25</a:t>
+              <a:t>1/15/25</a:t>
             </a:fld>
             <a:endParaRPr lang="en-US"/>
           </a:p>
@@ -5680,7 +5680,7 @@
           <a:p>
             <a:fld id="{EC4347D3-4C9A-C240-8F14-750059DFEEB0}" type="datetimeFigureOut">
               <a:rPr lang="en-US" smtClean="0"/>
-              <a:t>1/9/25</a:t>
+              <a:t>1/15/25</a:t>
             </a:fld>
             <a:endParaRPr lang="en-US"/>
           </a:p>
@@ -6114,7 +6114,7 @@
           <a:p>
             <a:fld id="{EC4347D3-4C9A-C240-8F14-750059DFEEB0}" type="datetimeFigureOut">
               <a:rPr lang="en-US" smtClean="0"/>
-              <a:t>1/9/25</a:t>
+              <a:t>1/15/25</a:t>
             </a:fld>
             <a:endParaRPr lang="en-US"/>
           </a:p>
@@ -6660,7 +6660,7 @@
           <a:p>
             <a:fld id="{EC4347D3-4C9A-C240-8F14-750059DFEEB0}" type="datetimeFigureOut">
               <a:rPr lang="en-US" smtClean="0"/>
-              <a:t>1/9/25</a:t>
+              <a:t>1/15/25</a:t>
             </a:fld>
             <a:endParaRPr lang="en-US"/>
           </a:p>
@@ -7380,7 +7380,7 @@
           <a:p>
             <a:fld id="{EC4347D3-4C9A-C240-8F14-750059DFEEB0}" type="datetimeFigureOut">
               <a:rPr lang="en-US" smtClean="0"/>
-              <a:t>1/9/25</a:t>
+              <a:t>1/15/25</a:t>
             </a:fld>
             <a:endParaRPr lang="en-US"/>
           </a:p>
@@ -7550,7 +7550,7 @@
           <a:p>
             <a:fld id="{EC4347D3-4C9A-C240-8F14-750059DFEEB0}" type="datetimeFigureOut">
               <a:rPr lang="en-US" smtClean="0"/>
-              <a:t>1/9/25</a:t>
+              <a:t>1/15/25</a:t>
             </a:fld>
             <a:endParaRPr lang="en-US"/>
           </a:p>
@@ -7730,7 +7730,7 @@
           <a:p>
             <a:fld id="{EC4347D3-4C9A-C240-8F14-750059DFEEB0}" type="datetimeFigureOut">
               <a:rPr lang="en-US" smtClean="0"/>
-              <a:t>1/9/25</a:t>
+              <a:t>1/15/25</a:t>
             </a:fld>
             <a:endParaRPr lang="en-US"/>
           </a:p>
@@ -7900,7 +7900,7 @@
           <a:p>
             <a:fld id="{EC4347D3-4C9A-C240-8F14-750059DFEEB0}" type="datetimeFigureOut">
               <a:rPr lang="en-US" smtClean="0"/>
-              <a:t>1/9/25</a:t>
+              <a:t>1/15/25</a:t>
             </a:fld>
             <a:endParaRPr lang="en-US"/>
           </a:p>
@@ -8150,7 +8150,7 @@
           <a:p>
             <a:fld id="{EC4347D3-4C9A-C240-8F14-750059DFEEB0}" type="datetimeFigureOut">
               <a:rPr lang="en-US" smtClean="0"/>
-              <a:t>1/9/25</a:t>
+              <a:t>1/15/25</a:t>
             </a:fld>
             <a:endParaRPr lang="en-US"/>
           </a:p>
@@ -8382,7 +8382,7 @@
           <a:p>
             <a:fld id="{EC4347D3-4C9A-C240-8F14-750059DFEEB0}" type="datetimeFigureOut">
               <a:rPr lang="en-US" smtClean="0"/>
-              <a:t>1/9/25</a:t>
+              <a:t>1/15/25</a:t>
             </a:fld>
             <a:endParaRPr lang="en-US"/>
           </a:p>
@@ -8768,7 +8768,7 @@
           <a:p>
             <a:fld id="{EC4347D3-4C9A-C240-8F14-750059DFEEB0}" type="datetimeFigureOut">
               <a:rPr lang="en-US" smtClean="0"/>
-              <a:t>1/9/25</a:t>
+              <a:t>1/15/25</a:t>
             </a:fld>
             <a:endParaRPr lang="en-US"/>
           </a:p>
@@ -8891,7 +8891,7 @@
           <a:p>
             <a:fld id="{EC4347D3-4C9A-C240-8F14-750059DFEEB0}" type="datetimeFigureOut">
               <a:rPr lang="en-US" smtClean="0"/>
-              <a:t>1/9/25</a:t>
+              <a:t>1/15/25</a:t>
             </a:fld>
             <a:endParaRPr lang="en-US"/>
           </a:p>
@@ -8986,7 +8986,7 @@
           <a:p>
             <a:fld id="{EC4347D3-4C9A-C240-8F14-750059DFEEB0}" type="datetimeFigureOut">
               <a:rPr lang="en-US" smtClean="0"/>
-              <a:t>1/9/25</a:t>
+              <a:t>1/15/25</a:t>
             </a:fld>
             <a:endParaRPr lang="en-US"/>
           </a:p>
@@ -9235,7 +9235,7 @@
           <a:p>
             <a:fld id="{EC4347D3-4C9A-C240-8F14-750059DFEEB0}" type="datetimeFigureOut">
               <a:rPr lang="en-US" smtClean="0"/>
-              <a:t>1/9/25</a:t>
+              <a:t>1/15/25</a:t>
             </a:fld>
             <a:endParaRPr lang="en-US"/>
           </a:p>
@@ -9520,7 +9520,7 @@
           <a:p>
             <a:fld id="{EC4347D3-4C9A-C240-8F14-750059DFEEB0}" type="datetimeFigureOut">
               <a:rPr lang="en-US" smtClean="0"/>
-              <a:t>1/9/25</a:t>
+              <a:t>1/15/25</a:t>
             </a:fld>
             <a:endParaRPr lang="en-US"/>
           </a:p>
@@ -9643,7 +9643,7 @@
           <a:noFill/>
           <a:extLst>
             <a:ext uri="{909E8E84-426E-40dd-AFC4-6F175D3DCCD1}">
-              <a14:hiddenFill xmlns="" xmlns:a14="http://schemas.microsoft.com/office/drawing/2010/main">
+              <a14:hiddenFill xmlns:a14="http://schemas.microsoft.com/office/drawing/2010/main" xmlns="">
                 <a:solidFill>
                   <a:srgbClr val="FFFFFF"/>
                 </a:solidFill>
@@ -9717,7 +9717,7 @@
               </a:ln>
               <a:extLst>
                 <a:ext uri="{91240B29-F687-4f45-9708-019B960494DF}">
-                  <a14:hiddenLine xmlns="" xmlns:a14="http://schemas.microsoft.com/office/drawing/2010/main" w="9525">
+                  <a14:hiddenLine xmlns:a14="http://schemas.microsoft.com/office/drawing/2010/main" xmlns="" w="9525">
                     <a:solidFill>
                       <a:srgbClr val="000000"/>
                     </a:solidFill>
@@ -9807,7 +9807,7 @@
               </a:ln>
               <a:extLst>
                 <a:ext uri="{91240B29-F687-4f45-9708-019B960494DF}">
-                  <a14:hiddenLine xmlns="" xmlns:a14="http://schemas.microsoft.com/office/drawing/2010/main" w="9525">
+                  <a14:hiddenLine xmlns:a14="http://schemas.microsoft.com/office/drawing/2010/main" xmlns="" w="9525">
                     <a:solidFill>
                       <a:srgbClr val="000000"/>
                     </a:solidFill>
@@ -9897,7 +9897,7 @@
               </a:ln>
               <a:extLst>
                 <a:ext uri="{91240B29-F687-4f45-9708-019B960494DF}">
-                  <a14:hiddenLine xmlns="" xmlns:a14="http://schemas.microsoft.com/office/drawing/2010/main" w="9525">
+                  <a14:hiddenLine xmlns:a14="http://schemas.microsoft.com/office/drawing/2010/main" xmlns="" w="9525">
                     <a:solidFill>
                       <a:srgbClr val="000000"/>
                     </a:solidFill>
@@ -9959,7 +9959,7 @@
               </a:ln>
               <a:extLst>
                 <a:ext uri="{91240B29-F687-4f45-9708-019B960494DF}">
-                  <a14:hiddenLine xmlns="" xmlns:a14="http://schemas.microsoft.com/office/drawing/2010/main" w="9525">
+                  <a14:hiddenLine xmlns:a14="http://schemas.microsoft.com/office/drawing/2010/main" xmlns="" w="9525">
                     <a:solidFill>
                       <a:srgbClr val="000000"/>
                     </a:solidFill>
@@ -10049,7 +10049,7 @@
               </a:ln>
               <a:extLst>
                 <a:ext uri="{91240B29-F687-4f45-9708-019B960494DF}">
-                  <a14:hiddenLine xmlns="" xmlns:a14="http://schemas.microsoft.com/office/drawing/2010/main" w="9525">
+                  <a14:hiddenLine xmlns:a14="http://schemas.microsoft.com/office/drawing/2010/main" xmlns="" w="9525">
                     <a:solidFill>
                       <a:srgbClr val="000000"/>
                     </a:solidFill>
@@ -10111,7 +10111,7 @@
               </a:ln>
               <a:extLst>
                 <a:ext uri="{91240B29-F687-4f45-9708-019B960494DF}">
-                  <a14:hiddenLine xmlns="" xmlns:a14="http://schemas.microsoft.com/office/drawing/2010/main" w="9525">
+                  <a14:hiddenLine xmlns:a14="http://schemas.microsoft.com/office/drawing/2010/main" xmlns="" w="9525">
                     <a:solidFill>
                       <a:srgbClr val="000000"/>
                     </a:solidFill>
@@ -10173,7 +10173,7 @@
               </a:ln>
               <a:extLst>
                 <a:ext uri="{91240B29-F687-4f45-9708-019B960494DF}">
-                  <a14:hiddenLine xmlns="" xmlns:a14="http://schemas.microsoft.com/office/drawing/2010/main" w="9525">
+                  <a14:hiddenLine xmlns:a14="http://schemas.microsoft.com/office/drawing/2010/main" xmlns="" w="9525">
                     <a:solidFill>
                       <a:srgbClr val="000000"/>
                     </a:solidFill>
@@ -10263,7 +10263,7 @@
               </a:ln>
               <a:extLst>
                 <a:ext uri="{91240B29-F687-4f45-9708-019B960494DF}">
-                  <a14:hiddenLine xmlns="" xmlns:a14="http://schemas.microsoft.com/office/drawing/2010/main" w="9525">
+                  <a14:hiddenLine xmlns:a14="http://schemas.microsoft.com/office/drawing/2010/main" xmlns="" w="9525">
                     <a:solidFill>
                       <a:srgbClr val="000000"/>
                     </a:solidFill>
@@ -10353,7 +10353,7 @@
               </a:ln>
               <a:extLst>
                 <a:ext uri="{91240B29-F687-4f45-9708-019B960494DF}">
-                  <a14:hiddenLine xmlns="" xmlns:a14="http://schemas.microsoft.com/office/drawing/2010/main" w="9525">
+                  <a14:hiddenLine xmlns:a14="http://schemas.microsoft.com/office/drawing/2010/main" xmlns="" w="9525">
                     <a:solidFill>
                       <a:srgbClr val="000000"/>
                     </a:solidFill>
@@ -10415,7 +10415,7 @@
               </a:ln>
               <a:extLst>
                 <a:ext uri="{91240B29-F687-4f45-9708-019B960494DF}">
-                  <a14:hiddenLine xmlns="" xmlns:a14="http://schemas.microsoft.com/office/drawing/2010/main" w="9525">
+                  <a14:hiddenLine xmlns:a14="http://schemas.microsoft.com/office/drawing/2010/main" xmlns="" w="9525">
                     <a:solidFill>
                       <a:srgbClr val="000000"/>
                     </a:solidFill>
@@ -10525,7 +10525,7 @@
               </a:ln>
               <a:extLst>
                 <a:ext uri="{91240B29-F687-4f45-9708-019B960494DF}">
-                  <a14:hiddenLine xmlns="" xmlns:a14="http://schemas.microsoft.com/office/drawing/2010/main" w="9525">
+                  <a14:hiddenLine xmlns:a14="http://schemas.microsoft.com/office/drawing/2010/main" xmlns="" w="9525">
                     <a:solidFill>
                       <a:srgbClr val="000000"/>
                     </a:solidFill>
@@ -10609,7 +10609,7 @@
               </a:ln>
               <a:extLst>
                 <a:ext uri="{91240B29-F687-4f45-9708-019B960494DF}">
-                  <a14:hiddenLine xmlns="" xmlns:a14="http://schemas.microsoft.com/office/drawing/2010/main" w="9525">
+                  <a14:hiddenLine xmlns:a14="http://schemas.microsoft.com/office/drawing/2010/main" xmlns="" w="9525">
                     <a:solidFill>
                       <a:srgbClr val="000000"/>
                     </a:solidFill>
@@ -10671,7 +10671,7 @@
               </a:ln>
               <a:extLst>
                 <a:ext uri="{91240B29-F687-4f45-9708-019B960494DF}">
-                  <a14:hiddenLine xmlns="" xmlns:a14="http://schemas.microsoft.com/office/drawing/2010/main" w="9525">
+                  <a14:hiddenLine xmlns:a14="http://schemas.microsoft.com/office/drawing/2010/main" xmlns="" w="9525">
                     <a:solidFill>
                       <a:srgbClr val="000000"/>
                     </a:solidFill>
@@ -10733,7 +10733,7 @@
               </a:ln>
               <a:extLst>
                 <a:ext uri="{91240B29-F687-4f45-9708-019B960494DF}">
-                  <a14:hiddenLine xmlns="" xmlns:a14="http://schemas.microsoft.com/office/drawing/2010/main" w="9525">
+                  <a14:hiddenLine xmlns:a14="http://schemas.microsoft.com/office/drawing/2010/main" xmlns="" w="9525">
                     <a:solidFill>
                       <a:srgbClr val="000000"/>
                     </a:solidFill>
@@ -10823,7 +10823,7 @@
               </a:ln>
               <a:extLst>
                 <a:ext uri="{91240B29-F687-4f45-9708-019B960494DF}">
-                  <a14:hiddenLine xmlns="" xmlns:a14="http://schemas.microsoft.com/office/drawing/2010/main" w="9525">
+                  <a14:hiddenLine xmlns:a14="http://schemas.microsoft.com/office/drawing/2010/main" xmlns="" w="9525">
                     <a:solidFill>
                       <a:srgbClr val="000000"/>
                     </a:solidFill>
@@ -10857,7 +10857,7 @@
               </a:ln>
               <a:extLst>
                 <a:ext uri="{91240B29-F687-4f45-9708-019B960494DF}">
-                  <a14:hiddenLine xmlns="" xmlns:a14="http://schemas.microsoft.com/office/drawing/2010/main" w="9525">
+                  <a14:hiddenLine xmlns:a14="http://schemas.microsoft.com/office/drawing/2010/main" xmlns="" w="9525">
                     <a:solidFill>
                       <a:srgbClr val="000000"/>
                     </a:solidFill>
@@ -10922,7 +10922,7 @@
               </a:ln>
               <a:extLst>
                 <a:ext uri="{91240B29-F687-4f45-9708-019B960494DF}">
-                  <a14:hiddenLine xmlns="" xmlns:a14="http://schemas.microsoft.com/office/drawing/2010/main" w="9525">
+                  <a14:hiddenLine xmlns:a14="http://schemas.microsoft.com/office/drawing/2010/main" xmlns="" w="9525">
                     <a:solidFill>
                       <a:srgbClr val="000000"/>
                     </a:solidFill>
@@ -11012,7 +11012,7 @@
               </a:ln>
               <a:extLst>
                 <a:ext uri="{91240B29-F687-4f45-9708-019B960494DF}">
-                  <a14:hiddenLine xmlns="" xmlns:a14="http://schemas.microsoft.com/office/drawing/2010/main" w="9525">
+                  <a14:hiddenLine xmlns:a14="http://schemas.microsoft.com/office/drawing/2010/main" xmlns="" w="9525">
                     <a:solidFill>
                       <a:srgbClr val="000000"/>
                     </a:solidFill>
@@ -11074,7 +11074,7 @@
               </a:ln>
               <a:extLst>
                 <a:ext uri="{91240B29-F687-4f45-9708-019B960494DF}">
-                  <a14:hiddenLine xmlns="" xmlns:a14="http://schemas.microsoft.com/office/drawing/2010/main" w="9525">
+                  <a14:hiddenLine xmlns:a14="http://schemas.microsoft.com/office/drawing/2010/main" xmlns="" w="9525">
                     <a:solidFill>
                       <a:srgbClr val="000000"/>
                     </a:solidFill>
@@ -11164,7 +11164,7 @@
               </a:ln>
               <a:extLst>
                 <a:ext uri="{91240B29-F687-4f45-9708-019B960494DF}">
-                  <a14:hiddenLine xmlns="" xmlns:a14="http://schemas.microsoft.com/office/drawing/2010/main" w="9525">
+                  <a14:hiddenLine xmlns:a14="http://schemas.microsoft.com/office/drawing/2010/main" xmlns="" w="9525">
                     <a:solidFill>
                       <a:srgbClr val="000000"/>
                     </a:solidFill>
@@ -11229,7 +11229,7 @@
               </a:ln>
               <a:extLst>
                 <a:ext uri="{91240B29-F687-4f45-9708-019B960494DF}">
-                  <a14:hiddenLine xmlns="" xmlns:a14="http://schemas.microsoft.com/office/drawing/2010/main" w="9525">
+                  <a14:hiddenLine xmlns:a14="http://schemas.microsoft.com/office/drawing/2010/main" xmlns="" w="9525">
                     <a:solidFill>
                       <a:srgbClr val="000000"/>
                     </a:solidFill>
@@ -11291,7 +11291,7 @@
               </a:ln>
               <a:extLst>
                 <a:ext uri="{91240B29-F687-4f45-9708-019B960494DF}">
-                  <a14:hiddenLine xmlns="" xmlns:a14="http://schemas.microsoft.com/office/drawing/2010/main" w="9525">
+                  <a14:hiddenLine xmlns:a14="http://schemas.microsoft.com/office/drawing/2010/main" xmlns="" w="9525">
                     <a:solidFill>
                       <a:srgbClr val="000000"/>
                     </a:solidFill>
@@ -11381,7 +11381,7 @@
               </a:ln>
               <a:extLst>
                 <a:ext uri="{91240B29-F687-4f45-9708-019B960494DF}">
-                  <a14:hiddenLine xmlns="" xmlns:a14="http://schemas.microsoft.com/office/drawing/2010/main" w="9525">
+                  <a14:hiddenLine xmlns:a14="http://schemas.microsoft.com/office/drawing/2010/main" xmlns="" w="9525">
                     <a:solidFill>
                       <a:srgbClr val="000000"/>
                     </a:solidFill>
@@ -11471,7 +11471,7 @@
               </a:ln>
               <a:extLst>
                 <a:ext uri="{91240B29-F687-4f45-9708-019B960494DF}">
-                  <a14:hiddenLine xmlns="" xmlns:a14="http://schemas.microsoft.com/office/drawing/2010/main" w="9525">
+                  <a14:hiddenLine xmlns:a14="http://schemas.microsoft.com/office/drawing/2010/main" xmlns="" w="9525">
                     <a:solidFill>
                       <a:srgbClr val="000000"/>
                     </a:solidFill>
@@ -11536,7 +11536,7 @@
               </a:ln>
               <a:extLst>
                 <a:ext uri="{91240B29-F687-4f45-9708-019B960494DF}">
-                  <a14:hiddenLine xmlns="" xmlns:a14="http://schemas.microsoft.com/office/drawing/2010/main" w="9525">
+                  <a14:hiddenLine xmlns:a14="http://schemas.microsoft.com/office/drawing/2010/main" xmlns="" w="9525">
                     <a:solidFill>
                       <a:srgbClr val="000000"/>
                     </a:solidFill>
@@ -11656,7 +11656,7 @@
               </a:ln>
               <a:extLst>
                 <a:ext uri="{91240B29-F687-4f45-9708-019B960494DF}">
-                  <a14:hiddenLine xmlns="" xmlns:a14="http://schemas.microsoft.com/office/drawing/2010/main" w="9525">
+                  <a14:hiddenLine xmlns:a14="http://schemas.microsoft.com/office/drawing/2010/main" xmlns="" w="9525">
                     <a:solidFill>
                       <a:srgbClr val="000000"/>
                     </a:solidFill>
@@ -11737,7 +11737,7 @@
               </a:ln>
               <a:extLst>
                 <a:ext uri="{91240B29-F687-4f45-9708-019B960494DF}">
-                  <a14:hiddenLine xmlns="" xmlns:a14="http://schemas.microsoft.com/office/drawing/2010/main" w="9525">
+                  <a14:hiddenLine xmlns:a14="http://schemas.microsoft.com/office/drawing/2010/main" xmlns="" w="9525">
                     <a:solidFill>
                       <a:srgbClr val="000000"/>
                     </a:solidFill>
@@ -11852,7 +11852,7 @@
               </a:ln>
               <a:extLst>
                 <a:ext uri="{91240B29-F687-4f45-9708-019B960494DF}">
-                  <a14:hiddenLine xmlns="" xmlns:a14="http://schemas.microsoft.com/office/drawing/2010/main" w="9525">
+                  <a14:hiddenLine xmlns:a14="http://schemas.microsoft.com/office/drawing/2010/main" xmlns="" w="9525">
                     <a:solidFill>
                       <a:srgbClr val="000000"/>
                     </a:solidFill>
@@ -11942,7 +11942,7 @@
               </a:ln>
               <a:extLst>
                 <a:ext uri="{91240B29-F687-4f45-9708-019B960494DF}">
-                  <a14:hiddenLine xmlns="" xmlns:a14="http://schemas.microsoft.com/office/drawing/2010/main" w="9525">
+                  <a14:hiddenLine xmlns:a14="http://schemas.microsoft.com/office/drawing/2010/main" xmlns="" w="9525">
                     <a:solidFill>
                       <a:srgbClr val="000000"/>
                     </a:solidFill>
@@ -12007,7 +12007,7 @@
               </a:ln>
               <a:extLst>
                 <a:ext uri="{91240B29-F687-4f45-9708-019B960494DF}">
-                  <a14:hiddenLine xmlns="" xmlns:a14="http://schemas.microsoft.com/office/drawing/2010/main" w="9525">
+                  <a14:hiddenLine xmlns:a14="http://schemas.microsoft.com/office/drawing/2010/main" xmlns="" w="9525">
                     <a:solidFill>
                       <a:srgbClr val="000000"/>
                     </a:solidFill>
@@ -12097,7 +12097,7 @@
               </a:ln>
               <a:extLst>
                 <a:ext uri="{91240B29-F687-4f45-9708-019B960494DF}">
-                  <a14:hiddenLine xmlns="" xmlns:a14="http://schemas.microsoft.com/office/drawing/2010/main" w="9525">
+                  <a14:hiddenLine xmlns:a14="http://schemas.microsoft.com/office/drawing/2010/main" xmlns="" w="9525">
                     <a:solidFill>
                       <a:srgbClr val="000000"/>
                     </a:solidFill>
@@ -12165,7 +12165,7 @@
               </a:ln>
               <a:extLst>
                 <a:ext uri="{91240B29-F687-4f45-9708-019B960494DF}">
-                  <a14:hiddenLine xmlns="" xmlns:a14="http://schemas.microsoft.com/office/drawing/2010/main" w="9525">
+                  <a14:hiddenLine xmlns:a14="http://schemas.microsoft.com/office/drawing/2010/main" xmlns="" w="9525">
                     <a:solidFill>
                       <a:srgbClr val="000000"/>
                     </a:solidFill>
@@ -12255,7 +12255,7 @@
               </a:ln>
               <a:extLst>
                 <a:ext uri="{91240B29-F687-4f45-9708-019B960494DF}">
-                  <a14:hiddenLine xmlns="" xmlns:a14="http://schemas.microsoft.com/office/drawing/2010/main" w="9525">
+                  <a14:hiddenLine xmlns:a14="http://schemas.microsoft.com/office/drawing/2010/main" xmlns="" w="9525">
                     <a:solidFill>
                       <a:srgbClr val="000000"/>
                     </a:solidFill>
@@ -12323,7 +12323,7 @@
               </a:ln>
               <a:extLst>
                 <a:ext uri="{91240B29-F687-4f45-9708-019B960494DF}">
-                  <a14:hiddenLine xmlns="" xmlns:a14="http://schemas.microsoft.com/office/drawing/2010/main" w="9525">
+                  <a14:hiddenLine xmlns:a14="http://schemas.microsoft.com/office/drawing/2010/main" xmlns="" w="9525">
                     <a:solidFill>
                       <a:srgbClr val="000000"/>
                     </a:solidFill>
@@ -12413,7 +12413,7 @@
               </a:ln>
               <a:extLst>
                 <a:ext uri="{91240B29-F687-4f45-9708-019B960494DF}">
-                  <a14:hiddenLine xmlns="" xmlns:a14="http://schemas.microsoft.com/office/drawing/2010/main" w="9525">
+                  <a14:hiddenLine xmlns:a14="http://schemas.microsoft.com/office/drawing/2010/main" xmlns="" w="9525">
                     <a:solidFill>
                       <a:srgbClr val="000000"/>
                     </a:solidFill>
@@ -12447,7 +12447,7 @@
               </a:ln>
               <a:extLst>
                 <a:ext uri="{91240B29-F687-4f45-9708-019B960494DF}">
-                  <a14:hiddenLine xmlns="" xmlns:a14="http://schemas.microsoft.com/office/drawing/2010/main" w="9525">
+                  <a14:hiddenLine xmlns:a14="http://schemas.microsoft.com/office/drawing/2010/main" xmlns="" w="9525">
                     <a:solidFill>
                       <a:srgbClr val="000000"/>
                     </a:solidFill>
@@ -12587,7 +12587,7 @@
           <a:p>
             <a:fld id="{EC4347D3-4C9A-C240-8F14-750059DFEEB0}" type="datetimeFigureOut">
               <a:rPr lang="en-US" smtClean="0"/>
-              <a:t>1/9/25</a:t>
+              <a:t>1/15/25</a:t>
             </a:fld>
             <a:endParaRPr lang="en-US"/>
           </a:p>

--- a/slides/Trees-SegmentTrees.pptx
+++ b/slides/Trees-SegmentTrees.pptx
@@ -237,7 +237,7 @@
           <a:p>
             <a:fld id="{C5B45307-6ED4-B142-BD64-10F739779302}" type="datetimeFigureOut">
               <a:rPr lang="en-US" smtClean="0"/>
-              <a:t>1/15/25</a:t>
+              <a:t>1/27/25</a:t>
             </a:fld>
             <a:endParaRPr lang="en-US"/>
           </a:p>
@@ -729,7 +729,7 @@
           <a:noFill/>
           <a:extLst>
             <a:ext uri="{909E8E84-426E-40dd-AFC4-6F175D3DCCD1}">
-              <a14:hiddenFill xmlns:a14="http://schemas.microsoft.com/office/drawing/2010/main" xmlns="">
+              <a14:hiddenFill xmlns="" xmlns:a14="http://schemas.microsoft.com/office/drawing/2010/main">
                 <a:solidFill>
                   <a:srgbClr val="FFFFFF"/>
                 </a:solidFill>
@@ -788,7 +788,7 @@
             </a:ln>
             <a:extLst>
               <a:ext uri="{91240B29-F687-4f45-9708-019B960494DF}">
-                <a14:hiddenLine xmlns:a14="http://schemas.microsoft.com/office/drawing/2010/main" xmlns="" w="9525">
+                <a14:hiddenLine xmlns="" xmlns:a14="http://schemas.microsoft.com/office/drawing/2010/main" w="9525">
                   <a:solidFill>
                     <a:srgbClr val="000000"/>
                   </a:solidFill>
@@ -878,7 +878,7 @@
             </a:ln>
             <a:extLst>
               <a:ext uri="{91240B29-F687-4f45-9708-019B960494DF}">
-                <a14:hiddenLine xmlns:a14="http://schemas.microsoft.com/office/drawing/2010/main" xmlns="" w="9525">
+                <a14:hiddenLine xmlns="" xmlns:a14="http://schemas.microsoft.com/office/drawing/2010/main" w="9525">
                   <a:solidFill>
                     <a:srgbClr val="000000"/>
                   </a:solidFill>
@@ -968,7 +968,7 @@
             </a:ln>
             <a:extLst>
               <a:ext uri="{91240B29-F687-4f45-9708-019B960494DF}">
-                <a14:hiddenLine xmlns:a14="http://schemas.microsoft.com/office/drawing/2010/main" xmlns="" w="9525">
+                <a14:hiddenLine xmlns="" xmlns:a14="http://schemas.microsoft.com/office/drawing/2010/main" w="9525">
                   <a:solidFill>
                     <a:srgbClr val="000000"/>
                   </a:solidFill>
@@ -1002,7 +1002,7 @@
             </a:ln>
             <a:extLst>
               <a:ext uri="{91240B29-F687-4f45-9708-019B960494DF}">
-                <a14:hiddenLine xmlns:a14="http://schemas.microsoft.com/office/drawing/2010/main" xmlns="" w="9525">
+                <a14:hiddenLine xmlns="" xmlns:a14="http://schemas.microsoft.com/office/drawing/2010/main" w="9525">
                   <a:solidFill>
                     <a:srgbClr val="000000"/>
                   </a:solidFill>
@@ -1092,7 +1092,7 @@
             </a:ln>
             <a:extLst>
               <a:ext uri="{91240B29-F687-4f45-9708-019B960494DF}">
-                <a14:hiddenLine xmlns:a14="http://schemas.microsoft.com/office/drawing/2010/main" xmlns="" w="9525">
+                <a14:hiddenLine xmlns="" xmlns:a14="http://schemas.microsoft.com/office/drawing/2010/main" w="9525">
                   <a:solidFill>
                     <a:srgbClr val="000000"/>
                   </a:solidFill>
@@ -1154,7 +1154,7 @@
             </a:ln>
             <a:extLst>
               <a:ext uri="{91240B29-F687-4f45-9708-019B960494DF}">
-                <a14:hiddenLine xmlns:a14="http://schemas.microsoft.com/office/drawing/2010/main" xmlns="" w="9525">
+                <a14:hiddenLine xmlns="" xmlns:a14="http://schemas.microsoft.com/office/drawing/2010/main" w="9525">
                   <a:solidFill>
                     <a:srgbClr val="000000"/>
                   </a:solidFill>
@@ -1216,7 +1216,7 @@
             </a:ln>
             <a:extLst>
               <a:ext uri="{91240B29-F687-4f45-9708-019B960494DF}">
-                <a14:hiddenLine xmlns:a14="http://schemas.microsoft.com/office/drawing/2010/main" xmlns="" w="9525">
+                <a14:hiddenLine xmlns="" xmlns:a14="http://schemas.microsoft.com/office/drawing/2010/main" w="9525">
                   <a:solidFill>
                     <a:srgbClr val="000000"/>
                   </a:solidFill>
@@ -1306,7 +1306,7 @@
             </a:ln>
             <a:extLst>
               <a:ext uri="{91240B29-F687-4f45-9708-019B960494DF}">
-                <a14:hiddenLine xmlns:a14="http://schemas.microsoft.com/office/drawing/2010/main" xmlns="" w="9525">
+                <a14:hiddenLine xmlns="" xmlns:a14="http://schemas.microsoft.com/office/drawing/2010/main" w="9525">
                   <a:solidFill>
                     <a:srgbClr val="000000"/>
                   </a:solidFill>
@@ -1368,7 +1368,7 @@
             </a:ln>
             <a:extLst>
               <a:ext uri="{91240B29-F687-4f45-9708-019B960494DF}">
-                <a14:hiddenLine xmlns:a14="http://schemas.microsoft.com/office/drawing/2010/main" xmlns="" w="9525">
+                <a14:hiddenLine xmlns="" xmlns:a14="http://schemas.microsoft.com/office/drawing/2010/main" w="9525">
                   <a:solidFill>
                     <a:srgbClr val="000000"/>
                   </a:solidFill>
@@ -1430,7 +1430,7 @@
             </a:ln>
             <a:extLst>
               <a:ext uri="{91240B29-F687-4f45-9708-019B960494DF}">
-                <a14:hiddenLine xmlns:a14="http://schemas.microsoft.com/office/drawing/2010/main" xmlns="" w="9525">
+                <a14:hiddenLine xmlns="" xmlns:a14="http://schemas.microsoft.com/office/drawing/2010/main" w="9525">
                   <a:solidFill>
                     <a:srgbClr val="000000"/>
                   </a:solidFill>
@@ -1520,7 +1520,7 @@
             </a:ln>
             <a:extLst>
               <a:ext uri="{91240B29-F687-4f45-9708-019B960494DF}">
-                <a14:hiddenLine xmlns:a14="http://schemas.microsoft.com/office/drawing/2010/main" xmlns="" w="9525">
+                <a14:hiddenLine xmlns="" xmlns:a14="http://schemas.microsoft.com/office/drawing/2010/main" w="9525">
                   <a:solidFill>
                     <a:srgbClr val="000000"/>
                   </a:solidFill>
@@ -1610,7 +1610,7 @@
             </a:ln>
             <a:extLst>
               <a:ext uri="{91240B29-F687-4f45-9708-019B960494DF}">
-                <a14:hiddenLine xmlns:a14="http://schemas.microsoft.com/office/drawing/2010/main" xmlns="" w="9525">
+                <a14:hiddenLine xmlns="" xmlns:a14="http://schemas.microsoft.com/office/drawing/2010/main" w="9525">
                   <a:solidFill>
                     <a:srgbClr val="000000"/>
                   </a:solidFill>
@@ -1672,7 +1672,7 @@
             </a:ln>
             <a:extLst>
               <a:ext uri="{91240B29-F687-4f45-9708-019B960494DF}">
-                <a14:hiddenLine xmlns:a14="http://schemas.microsoft.com/office/drawing/2010/main" xmlns="" w="9525">
+                <a14:hiddenLine xmlns="" xmlns:a14="http://schemas.microsoft.com/office/drawing/2010/main" w="9525">
                   <a:solidFill>
                     <a:srgbClr val="000000"/>
                   </a:solidFill>
@@ -1782,7 +1782,7 @@
             </a:ln>
             <a:extLst>
               <a:ext uri="{91240B29-F687-4f45-9708-019B960494DF}">
-                <a14:hiddenLine xmlns:a14="http://schemas.microsoft.com/office/drawing/2010/main" xmlns="" w="9525">
+                <a14:hiddenLine xmlns="" xmlns:a14="http://schemas.microsoft.com/office/drawing/2010/main" w="9525">
                   <a:solidFill>
                     <a:srgbClr val="000000"/>
                   </a:solidFill>
@@ -1844,7 +1844,7 @@
             </a:ln>
             <a:extLst>
               <a:ext uri="{91240B29-F687-4f45-9708-019B960494DF}">
-                <a14:hiddenLine xmlns:a14="http://schemas.microsoft.com/office/drawing/2010/main" xmlns="" w="9525">
+                <a14:hiddenLine xmlns="" xmlns:a14="http://schemas.microsoft.com/office/drawing/2010/main" w="9525">
                   <a:solidFill>
                     <a:srgbClr val="000000"/>
                   </a:solidFill>
@@ -1934,7 +1934,7 @@
             </a:ln>
             <a:extLst>
               <a:ext uri="{91240B29-F687-4f45-9708-019B960494DF}">
-                <a14:hiddenLine xmlns:a14="http://schemas.microsoft.com/office/drawing/2010/main" xmlns="" w="9525">
+                <a14:hiddenLine xmlns="" xmlns:a14="http://schemas.microsoft.com/office/drawing/2010/main" w="9525">
                   <a:solidFill>
                     <a:srgbClr val="000000"/>
                   </a:solidFill>
@@ -2024,7 +2024,7 @@
             </a:ln>
             <a:extLst>
               <a:ext uri="{91240B29-F687-4f45-9708-019B960494DF}">
-                <a14:hiddenLine xmlns:a14="http://schemas.microsoft.com/office/drawing/2010/main" xmlns="" w="9525">
+                <a14:hiddenLine xmlns="" xmlns:a14="http://schemas.microsoft.com/office/drawing/2010/main" w="9525">
                   <a:solidFill>
                     <a:srgbClr val="000000"/>
                   </a:solidFill>
@@ -2086,7 +2086,7 @@
             </a:ln>
             <a:extLst>
               <a:ext uri="{91240B29-F687-4f45-9708-019B960494DF}">
-                <a14:hiddenLine xmlns:a14="http://schemas.microsoft.com/office/drawing/2010/main" xmlns="" w="9525">
+                <a14:hiddenLine xmlns="" xmlns:a14="http://schemas.microsoft.com/office/drawing/2010/main" w="9525">
                   <a:solidFill>
                     <a:srgbClr val="000000"/>
                   </a:solidFill>
@@ -2176,7 +2176,7 @@
             </a:ln>
             <a:extLst>
               <a:ext uri="{91240B29-F687-4f45-9708-019B960494DF}">
-                <a14:hiddenLine xmlns:a14="http://schemas.microsoft.com/office/drawing/2010/main" xmlns="" w="9525">
+                <a14:hiddenLine xmlns="" xmlns:a14="http://schemas.microsoft.com/office/drawing/2010/main" w="9525">
                   <a:solidFill>
                     <a:srgbClr val="000000"/>
                   </a:solidFill>
@@ -2266,7 +2266,7 @@
             </a:ln>
             <a:extLst>
               <a:ext uri="{91240B29-F687-4f45-9708-019B960494DF}">
-                <a14:hiddenLine xmlns:a14="http://schemas.microsoft.com/office/drawing/2010/main" xmlns="" w="9525">
+                <a14:hiddenLine xmlns="" xmlns:a14="http://schemas.microsoft.com/office/drawing/2010/main" w="9525">
                   <a:solidFill>
                     <a:srgbClr val="000000"/>
                   </a:solidFill>
@@ -2322,7 +2322,7 @@
             </a:ln>
             <a:extLst>
               <a:ext uri="{91240B29-F687-4f45-9708-019B960494DF}">
-                <a14:hiddenLine xmlns:a14="http://schemas.microsoft.com/office/drawing/2010/main" xmlns="" w="9525">
+                <a14:hiddenLine xmlns="" xmlns:a14="http://schemas.microsoft.com/office/drawing/2010/main" w="9525">
                   <a:solidFill>
                     <a:srgbClr val="000000"/>
                   </a:solidFill>
@@ -2412,7 +2412,7 @@
             </a:ln>
             <a:extLst>
               <a:ext uri="{91240B29-F687-4f45-9708-019B960494DF}">
-                <a14:hiddenLine xmlns:a14="http://schemas.microsoft.com/office/drawing/2010/main" xmlns="" w="9525">
+                <a14:hiddenLine xmlns="" xmlns:a14="http://schemas.microsoft.com/office/drawing/2010/main" w="9525">
                   <a:solidFill>
                     <a:srgbClr val="000000"/>
                   </a:solidFill>
@@ -2468,7 +2468,7 @@
             </a:ln>
             <a:extLst>
               <a:ext uri="{91240B29-F687-4f45-9708-019B960494DF}">
-                <a14:hiddenLine xmlns:a14="http://schemas.microsoft.com/office/drawing/2010/main" xmlns="" w="9525">
+                <a14:hiddenLine xmlns="" xmlns:a14="http://schemas.microsoft.com/office/drawing/2010/main" w="9525">
                   <a:solidFill>
                     <a:srgbClr val="000000"/>
                   </a:solidFill>
@@ -2558,7 +2558,7 @@
             </a:ln>
             <a:extLst>
               <a:ext uri="{91240B29-F687-4f45-9708-019B960494DF}">
-                <a14:hiddenLine xmlns:a14="http://schemas.microsoft.com/office/drawing/2010/main" xmlns="" w="9525">
+                <a14:hiddenLine xmlns="" xmlns:a14="http://schemas.microsoft.com/office/drawing/2010/main" w="9525">
                   <a:solidFill>
                     <a:srgbClr val="000000"/>
                   </a:solidFill>
@@ -2626,7 +2626,7 @@
             </a:ln>
             <a:extLst>
               <a:ext uri="{91240B29-F687-4f45-9708-019B960494DF}">
-                <a14:hiddenLine xmlns:a14="http://schemas.microsoft.com/office/drawing/2010/main" xmlns="" w="9525">
+                <a14:hiddenLine xmlns="" xmlns:a14="http://schemas.microsoft.com/office/drawing/2010/main" w="9525">
                   <a:solidFill>
                     <a:srgbClr val="000000"/>
                   </a:solidFill>
@@ -2716,7 +2716,7 @@
             </a:ln>
             <a:extLst>
               <a:ext uri="{91240B29-F687-4f45-9708-019B960494DF}">
-                <a14:hiddenLine xmlns:a14="http://schemas.microsoft.com/office/drawing/2010/main" xmlns="" w="9525">
+                <a14:hiddenLine xmlns="" xmlns:a14="http://schemas.microsoft.com/office/drawing/2010/main" w="9525">
                   <a:solidFill>
                     <a:srgbClr val="000000"/>
                   </a:solidFill>
@@ -2784,7 +2784,7 @@
             </a:ln>
             <a:extLst>
               <a:ext uri="{91240B29-F687-4f45-9708-019B960494DF}">
-                <a14:hiddenLine xmlns:a14="http://schemas.microsoft.com/office/drawing/2010/main" xmlns="" w="9525">
+                <a14:hiddenLine xmlns="" xmlns:a14="http://schemas.microsoft.com/office/drawing/2010/main" w="9525">
                   <a:solidFill>
                     <a:srgbClr val="000000"/>
                   </a:solidFill>
@@ -2874,7 +2874,7 @@
             </a:ln>
             <a:extLst>
               <a:ext uri="{91240B29-F687-4f45-9708-019B960494DF}">
-                <a14:hiddenLine xmlns:a14="http://schemas.microsoft.com/office/drawing/2010/main" xmlns="" w="9525">
+                <a14:hiddenLine xmlns="" xmlns:a14="http://schemas.microsoft.com/office/drawing/2010/main" w="9525">
                   <a:solidFill>
                     <a:srgbClr val="000000"/>
                   </a:solidFill>
@@ -2908,7 +2908,7 @@
             </a:ln>
             <a:extLst>
               <a:ext uri="{91240B29-F687-4f45-9708-019B960494DF}">
-                <a14:hiddenLine xmlns:a14="http://schemas.microsoft.com/office/drawing/2010/main" xmlns="" w="9525">
+                <a14:hiddenLine xmlns="" xmlns:a14="http://schemas.microsoft.com/office/drawing/2010/main" w="9525">
                   <a:solidFill>
                     <a:srgbClr val="000000"/>
                   </a:solidFill>
@@ -2998,7 +2998,7 @@
             </a:ln>
             <a:extLst>
               <a:ext uri="{91240B29-F687-4f45-9708-019B960494DF}">
-                <a14:hiddenLine xmlns:a14="http://schemas.microsoft.com/office/drawing/2010/main" xmlns="" w="9525">
+                <a14:hiddenLine xmlns="" xmlns:a14="http://schemas.microsoft.com/office/drawing/2010/main" w="9525">
                   <a:solidFill>
                     <a:srgbClr val="000000"/>
                   </a:solidFill>
@@ -3060,7 +3060,7 @@
             </a:ln>
             <a:extLst>
               <a:ext uri="{91240B29-F687-4f45-9708-019B960494DF}">
-                <a14:hiddenLine xmlns:a14="http://schemas.microsoft.com/office/drawing/2010/main" xmlns="" w="9525">
+                <a14:hiddenLine xmlns="" xmlns:a14="http://schemas.microsoft.com/office/drawing/2010/main" w="9525">
                   <a:solidFill>
                     <a:srgbClr val="000000"/>
                   </a:solidFill>
@@ -3122,7 +3122,7 @@
             </a:ln>
             <a:extLst>
               <a:ext uri="{91240B29-F687-4f45-9708-019B960494DF}">
-                <a14:hiddenLine xmlns:a14="http://schemas.microsoft.com/office/drawing/2010/main" xmlns="" w="9525">
+                <a14:hiddenLine xmlns="" xmlns:a14="http://schemas.microsoft.com/office/drawing/2010/main" w="9525">
                   <a:solidFill>
                     <a:srgbClr val="000000"/>
                   </a:solidFill>
@@ -3212,7 +3212,7 @@
             </a:ln>
             <a:extLst>
               <a:ext uri="{91240B29-F687-4f45-9708-019B960494DF}">
-                <a14:hiddenLine xmlns:a14="http://schemas.microsoft.com/office/drawing/2010/main" xmlns="" w="9525">
+                <a14:hiddenLine xmlns="" xmlns:a14="http://schemas.microsoft.com/office/drawing/2010/main" w="9525">
                   <a:solidFill>
                     <a:srgbClr val="000000"/>
                   </a:solidFill>
@@ -3280,7 +3280,7 @@
             </a:ln>
             <a:extLst>
               <a:ext uri="{91240B29-F687-4f45-9708-019B960494DF}">
-                <a14:hiddenLine xmlns:a14="http://schemas.microsoft.com/office/drawing/2010/main" xmlns="" w="9525">
+                <a14:hiddenLine xmlns="" xmlns:a14="http://schemas.microsoft.com/office/drawing/2010/main" w="9525">
                   <a:solidFill>
                     <a:srgbClr val="000000"/>
                   </a:solidFill>
@@ -3342,7 +3342,7 @@
             </a:ln>
             <a:extLst>
               <a:ext uri="{91240B29-F687-4f45-9708-019B960494DF}">
-                <a14:hiddenLine xmlns:a14="http://schemas.microsoft.com/office/drawing/2010/main" xmlns="" w="9525">
+                <a14:hiddenLine xmlns="" xmlns:a14="http://schemas.microsoft.com/office/drawing/2010/main" w="9525">
                   <a:solidFill>
                     <a:srgbClr val="000000"/>
                   </a:solidFill>
@@ -3432,7 +3432,7 @@
             </a:ln>
             <a:extLst>
               <a:ext uri="{91240B29-F687-4f45-9708-019B960494DF}">
-                <a14:hiddenLine xmlns:a14="http://schemas.microsoft.com/office/drawing/2010/main" xmlns="" w="9525">
+                <a14:hiddenLine xmlns="" xmlns:a14="http://schemas.microsoft.com/office/drawing/2010/main" w="9525">
                   <a:solidFill>
                     <a:srgbClr val="000000"/>
                   </a:solidFill>
@@ -3494,7 +3494,7 @@
             </a:ln>
             <a:extLst>
               <a:ext uri="{91240B29-F687-4f45-9708-019B960494DF}">
-                <a14:hiddenLine xmlns:a14="http://schemas.microsoft.com/office/drawing/2010/main" xmlns="" w="9525">
+                <a14:hiddenLine xmlns="" xmlns:a14="http://schemas.microsoft.com/office/drawing/2010/main" w="9525">
                   <a:solidFill>
                     <a:srgbClr val="000000"/>
                   </a:solidFill>
@@ -3584,7 +3584,7 @@
             </a:ln>
             <a:extLst>
               <a:ext uri="{91240B29-F687-4f45-9708-019B960494DF}">
-                <a14:hiddenLine xmlns:a14="http://schemas.microsoft.com/office/drawing/2010/main" xmlns="" w="9525">
+                <a14:hiddenLine xmlns="" xmlns:a14="http://schemas.microsoft.com/office/drawing/2010/main" w="9525">
                   <a:solidFill>
                     <a:srgbClr val="000000"/>
                   </a:solidFill>
@@ -3646,7 +3646,7 @@
             </a:ln>
             <a:extLst>
               <a:ext uri="{91240B29-F687-4f45-9708-019B960494DF}">
-                <a14:hiddenLine xmlns:a14="http://schemas.microsoft.com/office/drawing/2010/main" xmlns="" w="9525">
+                <a14:hiddenLine xmlns="" xmlns:a14="http://schemas.microsoft.com/office/drawing/2010/main" w="9525">
                   <a:solidFill>
                     <a:srgbClr val="000000"/>
                   </a:solidFill>
@@ -3736,7 +3736,7 @@
             </a:ln>
             <a:extLst>
               <a:ext uri="{91240B29-F687-4f45-9708-019B960494DF}">
-                <a14:hiddenLine xmlns:a14="http://schemas.microsoft.com/office/drawing/2010/main" xmlns="" w="9525">
+                <a14:hiddenLine xmlns="" xmlns:a14="http://schemas.microsoft.com/office/drawing/2010/main" w="9525">
                   <a:solidFill>
                     <a:srgbClr val="000000"/>
                   </a:solidFill>
@@ -3770,7 +3770,7 @@
             </a:ln>
             <a:extLst>
               <a:ext uri="{91240B29-F687-4f45-9708-019B960494DF}">
-                <a14:hiddenLine xmlns:a14="http://schemas.microsoft.com/office/drawing/2010/main" xmlns="" w="9525">
+                <a14:hiddenLine xmlns="" xmlns:a14="http://schemas.microsoft.com/office/drawing/2010/main" w="9525">
                   <a:solidFill>
                     <a:srgbClr val="000000"/>
                   </a:solidFill>
@@ -3835,7 +3835,7 @@
             </a:ln>
             <a:extLst>
               <a:ext uri="{91240B29-F687-4f45-9708-019B960494DF}">
-                <a14:hiddenLine xmlns:a14="http://schemas.microsoft.com/office/drawing/2010/main" xmlns="" w="9525">
+                <a14:hiddenLine xmlns="" xmlns:a14="http://schemas.microsoft.com/office/drawing/2010/main" w="9525">
                   <a:solidFill>
                     <a:srgbClr val="000000"/>
                   </a:solidFill>
@@ -3925,7 +3925,7 @@
             </a:ln>
             <a:extLst>
               <a:ext uri="{91240B29-F687-4f45-9708-019B960494DF}">
-                <a14:hiddenLine xmlns:a14="http://schemas.microsoft.com/office/drawing/2010/main" xmlns="" w="9525">
+                <a14:hiddenLine xmlns="" xmlns:a14="http://schemas.microsoft.com/office/drawing/2010/main" w="9525">
                   <a:solidFill>
                     <a:srgbClr val="000000"/>
                   </a:solidFill>
@@ -3987,7 +3987,7 @@
             </a:ln>
             <a:extLst>
               <a:ext uri="{91240B29-F687-4f45-9708-019B960494DF}">
-                <a14:hiddenLine xmlns:a14="http://schemas.microsoft.com/office/drawing/2010/main" xmlns="" w="9525">
+                <a14:hiddenLine xmlns="" xmlns:a14="http://schemas.microsoft.com/office/drawing/2010/main" w="9525">
                   <a:solidFill>
                     <a:srgbClr val="000000"/>
                   </a:solidFill>
@@ -4077,7 +4077,7 @@
             </a:ln>
             <a:extLst>
               <a:ext uri="{91240B29-F687-4f45-9708-019B960494DF}">
-                <a14:hiddenLine xmlns:a14="http://schemas.microsoft.com/office/drawing/2010/main" xmlns="" w="9525">
+                <a14:hiddenLine xmlns="" xmlns:a14="http://schemas.microsoft.com/office/drawing/2010/main" w="9525">
                   <a:solidFill>
                     <a:srgbClr val="000000"/>
                   </a:solidFill>
@@ -4167,7 +4167,7 @@
             </a:ln>
             <a:extLst>
               <a:ext uri="{91240B29-F687-4f45-9708-019B960494DF}">
-                <a14:hiddenLine xmlns:a14="http://schemas.microsoft.com/office/drawing/2010/main" xmlns="" w="9525">
+                <a14:hiddenLine xmlns="" xmlns:a14="http://schemas.microsoft.com/office/drawing/2010/main" w="9525">
                   <a:solidFill>
                     <a:srgbClr val="000000"/>
                   </a:solidFill>
@@ -4232,7 +4232,7 @@
             </a:ln>
             <a:extLst>
               <a:ext uri="{91240B29-F687-4f45-9708-019B960494DF}">
-                <a14:hiddenLine xmlns:a14="http://schemas.microsoft.com/office/drawing/2010/main" xmlns="" w="9525">
+                <a14:hiddenLine xmlns="" xmlns:a14="http://schemas.microsoft.com/office/drawing/2010/main" w="9525">
                   <a:solidFill>
                     <a:srgbClr val="000000"/>
                   </a:solidFill>
@@ -4294,7 +4294,7 @@
             </a:ln>
             <a:extLst>
               <a:ext uri="{91240B29-F687-4f45-9708-019B960494DF}">
-                <a14:hiddenLine xmlns:a14="http://schemas.microsoft.com/office/drawing/2010/main" xmlns="" w="9525">
+                <a14:hiddenLine xmlns="" xmlns:a14="http://schemas.microsoft.com/office/drawing/2010/main" w="9525">
                   <a:solidFill>
                     <a:srgbClr val="000000"/>
                   </a:solidFill>
@@ -4384,7 +4384,7 @@
             </a:ln>
             <a:extLst>
               <a:ext uri="{91240B29-F687-4f45-9708-019B960494DF}">
-                <a14:hiddenLine xmlns:a14="http://schemas.microsoft.com/office/drawing/2010/main" xmlns="" w="9525">
+                <a14:hiddenLine xmlns="" xmlns:a14="http://schemas.microsoft.com/office/drawing/2010/main" w="9525">
                   <a:solidFill>
                     <a:srgbClr val="000000"/>
                   </a:solidFill>
@@ -4474,7 +4474,7 @@
             </a:ln>
             <a:extLst>
               <a:ext uri="{91240B29-F687-4f45-9708-019B960494DF}">
-                <a14:hiddenLine xmlns:a14="http://schemas.microsoft.com/office/drawing/2010/main" xmlns="" w="9525">
+                <a14:hiddenLine xmlns="" xmlns:a14="http://schemas.microsoft.com/office/drawing/2010/main" w="9525">
                   <a:solidFill>
                     <a:srgbClr val="000000"/>
                   </a:solidFill>
@@ -4536,7 +4536,7 @@
             </a:ln>
             <a:extLst>
               <a:ext uri="{91240B29-F687-4f45-9708-019B960494DF}">
-                <a14:hiddenLine xmlns:a14="http://schemas.microsoft.com/office/drawing/2010/main" xmlns="" w="9525">
+                <a14:hiddenLine xmlns="" xmlns:a14="http://schemas.microsoft.com/office/drawing/2010/main" w="9525">
                   <a:solidFill>
                     <a:srgbClr val="000000"/>
                   </a:solidFill>
@@ -4656,7 +4656,7 @@
             </a:ln>
             <a:extLst>
               <a:ext uri="{91240B29-F687-4f45-9708-019B960494DF}">
-                <a14:hiddenLine xmlns:a14="http://schemas.microsoft.com/office/drawing/2010/main" xmlns="" w="9525">
+                <a14:hiddenLine xmlns="" xmlns:a14="http://schemas.microsoft.com/office/drawing/2010/main" w="9525">
                   <a:solidFill>
                     <a:srgbClr val="000000"/>
                   </a:solidFill>
@@ -4724,7 +4724,7 @@
             </a:ln>
             <a:extLst>
               <a:ext uri="{91240B29-F687-4f45-9708-019B960494DF}">
-                <a14:hiddenLine xmlns:a14="http://schemas.microsoft.com/office/drawing/2010/main" xmlns="" w="9525">
+                <a14:hiddenLine xmlns="" xmlns:a14="http://schemas.microsoft.com/office/drawing/2010/main" w="9525">
                   <a:solidFill>
                     <a:srgbClr val="000000"/>
                   </a:solidFill>
@@ -4814,7 +4814,7 @@
             </a:ln>
             <a:extLst>
               <a:ext uri="{91240B29-F687-4f45-9708-019B960494DF}">
-                <a14:hiddenLine xmlns:a14="http://schemas.microsoft.com/office/drawing/2010/main" xmlns="" w="9525">
+                <a14:hiddenLine xmlns="" xmlns:a14="http://schemas.microsoft.com/office/drawing/2010/main" w="9525">
                   <a:solidFill>
                     <a:srgbClr val="000000"/>
                   </a:solidFill>
@@ -4954,7 +4954,7 @@
           <a:p>
             <a:fld id="{EC4347D3-4C9A-C240-8F14-750059DFEEB0}" type="datetimeFigureOut">
               <a:rPr lang="en-US" smtClean="0"/>
-              <a:t>1/15/25</a:t>
+              <a:t>1/27/25</a:t>
             </a:fld>
             <a:endParaRPr lang="en-US"/>
           </a:p>
@@ -5221,7 +5221,7 @@
           <a:p>
             <a:fld id="{EC4347D3-4C9A-C240-8F14-750059DFEEB0}" type="datetimeFigureOut">
               <a:rPr lang="en-US" smtClean="0"/>
-              <a:t>1/15/25</a:t>
+              <a:t>1/27/25</a:t>
             </a:fld>
             <a:endParaRPr lang="en-US"/>
           </a:p>
@@ -5417,7 +5417,7 @@
           <a:p>
             <a:fld id="{EC4347D3-4C9A-C240-8F14-750059DFEEB0}" type="datetimeFigureOut">
               <a:rPr lang="en-US" smtClean="0"/>
-              <a:t>1/15/25</a:t>
+              <a:t>1/27/25</a:t>
             </a:fld>
             <a:endParaRPr lang="en-US"/>
           </a:p>
@@ -5680,7 +5680,7 @@
           <a:p>
             <a:fld id="{EC4347D3-4C9A-C240-8F14-750059DFEEB0}" type="datetimeFigureOut">
               <a:rPr lang="en-US" smtClean="0"/>
-              <a:t>1/15/25</a:t>
+              <a:t>1/27/25</a:t>
             </a:fld>
             <a:endParaRPr lang="en-US"/>
           </a:p>
@@ -6114,7 +6114,7 @@
           <a:p>
             <a:fld id="{EC4347D3-4C9A-C240-8F14-750059DFEEB0}" type="datetimeFigureOut">
               <a:rPr lang="en-US" smtClean="0"/>
-              <a:t>1/15/25</a:t>
+              <a:t>1/27/25</a:t>
             </a:fld>
             <a:endParaRPr lang="en-US"/>
           </a:p>
@@ -6660,7 +6660,7 @@
           <a:p>
             <a:fld id="{EC4347D3-4C9A-C240-8F14-750059DFEEB0}" type="datetimeFigureOut">
               <a:rPr lang="en-US" smtClean="0"/>
-              <a:t>1/15/25</a:t>
+              <a:t>1/27/25</a:t>
             </a:fld>
             <a:endParaRPr lang="en-US"/>
           </a:p>
@@ -7380,7 +7380,7 @@
           <a:p>
             <a:fld id="{EC4347D3-4C9A-C240-8F14-750059DFEEB0}" type="datetimeFigureOut">
               <a:rPr lang="en-US" smtClean="0"/>
-              <a:t>1/15/25</a:t>
+              <a:t>1/27/25</a:t>
             </a:fld>
             <a:endParaRPr lang="en-US"/>
           </a:p>
@@ -7550,7 +7550,7 @@
           <a:p>
             <a:fld id="{EC4347D3-4C9A-C240-8F14-750059DFEEB0}" type="datetimeFigureOut">
               <a:rPr lang="en-US" smtClean="0"/>
-              <a:t>1/15/25</a:t>
+              <a:t>1/27/25</a:t>
             </a:fld>
             <a:endParaRPr lang="en-US"/>
           </a:p>
@@ -7730,7 +7730,7 @@
           <a:p>
             <a:fld id="{EC4347D3-4C9A-C240-8F14-750059DFEEB0}" type="datetimeFigureOut">
               <a:rPr lang="en-US" smtClean="0"/>
-              <a:t>1/15/25</a:t>
+              <a:t>1/27/25</a:t>
             </a:fld>
             <a:endParaRPr lang="en-US"/>
           </a:p>
@@ -7900,7 +7900,7 @@
           <a:p>
             <a:fld id="{EC4347D3-4C9A-C240-8F14-750059DFEEB0}" type="datetimeFigureOut">
               <a:rPr lang="en-US" smtClean="0"/>
-              <a:t>1/15/25</a:t>
+              <a:t>1/27/25</a:t>
             </a:fld>
             <a:endParaRPr lang="en-US"/>
           </a:p>
@@ -8150,7 +8150,7 @@
           <a:p>
             <a:fld id="{EC4347D3-4C9A-C240-8F14-750059DFEEB0}" type="datetimeFigureOut">
               <a:rPr lang="en-US" smtClean="0"/>
-              <a:t>1/15/25</a:t>
+              <a:t>1/27/25</a:t>
             </a:fld>
             <a:endParaRPr lang="en-US"/>
           </a:p>
@@ -8382,7 +8382,7 @@
           <a:p>
             <a:fld id="{EC4347D3-4C9A-C240-8F14-750059DFEEB0}" type="datetimeFigureOut">
               <a:rPr lang="en-US" smtClean="0"/>
-              <a:t>1/15/25</a:t>
+              <a:t>1/27/25</a:t>
             </a:fld>
             <a:endParaRPr lang="en-US"/>
           </a:p>
@@ -8768,7 +8768,7 @@
           <a:p>
             <a:fld id="{EC4347D3-4C9A-C240-8F14-750059DFEEB0}" type="datetimeFigureOut">
               <a:rPr lang="en-US" smtClean="0"/>
-              <a:t>1/15/25</a:t>
+              <a:t>1/27/25</a:t>
             </a:fld>
             <a:endParaRPr lang="en-US"/>
           </a:p>
@@ -8891,7 +8891,7 @@
           <a:p>
             <a:fld id="{EC4347D3-4C9A-C240-8F14-750059DFEEB0}" type="datetimeFigureOut">
               <a:rPr lang="en-US" smtClean="0"/>
-              <a:t>1/15/25</a:t>
+              <a:t>1/27/25</a:t>
             </a:fld>
             <a:endParaRPr lang="en-US"/>
           </a:p>
@@ -8986,7 +8986,7 @@
           <a:p>
             <a:fld id="{EC4347D3-4C9A-C240-8F14-750059DFEEB0}" type="datetimeFigureOut">
               <a:rPr lang="en-US" smtClean="0"/>
-              <a:t>1/15/25</a:t>
+              <a:t>1/27/25</a:t>
             </a:fld>
             <a:endParaRPr lang="en-US"/>
           </a:p>
@@ -9235,7 +9235,7 @@
           <a:p>
             <a:fld id="{EC4347D3-4C9A-C240-8F14-750059DFEEB0}" type="datetimeFigureOut">
               <a:rPr lang="en-US" smtClean="0"/>
-              <a:t>1/15/25</a:t>
+              <a:t>1/27/25</a:t>
             </a:fld>
             <a:endParaRPr lang="en-US"/>
           </a:p>
@@ -9520,7 +9520,7 @@
           <a:p>
             <a:fld id="{EC4347D3-4C9A-C240-8F14-750059DFEEB0}" type="datetimeFigureOut">
               <a:rPr lang="en-US" smtClean="0"/>
-              <a:t>1/15/25</a:t>
+              <a:t>1/27/25</a:t>
             </a:fld>
             <a:endParaRPr lang="en-US"/>
           </a:p>
@@ -9643,7 +9643,7 @@
           <a:noFill/>
           <a:extLst>
             <a:ext uri="{909E8E84-426E-40dd-AFC4-6F175D3DCCD1}">
-              <a14:hiddenFill xmlns:a14="http://schemas.microsoft.com/office/drawing/2010/main" xmlns="">
+              <a14:hiddenFill xmlns="" xmlns:a14="http://schemas.microsoft.com/office/drawing/2010/main">
                 <a:solidFill>
                   <a:srgbClr val="FFFFFF"/>
                 </a:solidFill>
@@ -9717,7 +9717,7 @@
               </a:ln>
               <a:extLst>
                 <a:ext uri="{91240B29-F687-4f45-9708-019B960494DF}">
-                  <a14:hiddenLine xmlns:a14="http://schemas.microsoft.com/office/drawing/2010/main" xmlns="" w="9525">
+                  <a14:hiddenLine xmlns="" xmlns:a14="http://schemas.microsoft.com/office/drawing/2010/main" w="9525">
                     <a:solidFill>
                       <a:srgbClr val="000000"/>
                     </a:solidFill>
@@ -9807,7 +9807,7 @@
               </a:ln>
               <a:extLst>
                 <a:ext uri="{91240B29-F687-4f45-9708-019B960494DF}">
-                  <a14:hiddenLine xmlns:a14="http://schemas.microsoft.com/office/drawing/2010/main" xmlns="" w="9525">
+                  <a14:hiddenLine xmlns="" xmlns:a14="http://schemas.microsoft.com/office/drawing/2010/main" w="9525">
                     <a:solidFill>
                       <a:srgbClr val="000000"/>
                     </a:solidFill>
@@ -9897,7 +9897,7 @@
               </a:ln>
               <a:extLst>
                 <a:ext uri="{91240B29-F687-4f45-9708-019B960494DF}">
-                  <a14:hiddenLine xmlns:a14="http://schemas.microsoft.com/office/drawing/2010/main" xmlns="" w="9525">
+                  <a14:hiddenLine xmlns="" xmlns:a14="http://schemas.microsoft.com/office/drawing/2010/main" w="9525">
                     <a:solidFill>
                       <a:srgbClr val="000000"/>
                     </a:solidFill>
@@ -9959,7 +9959,7 @@
               </a:ln>
               <a:extLst>
                 <a:ext uri="{91240B29-F687-4f45-9708-019B960494DF}">
-                  <a14:hiddenLine xmlns:a14="http://schemas.microsoft.com/office/drawing/2010/main" xmlns="" w="9525">
+                  <a14:hiddenLine xmlns="" xmlns:a14="http://schemas.microsoft.com/office/drawing/2010/main" w="9525">
                     <a:solidFill>
                       <a:srgbClr val="000000"/>
                     </a:solidFill>
@@ -10049,7 +10049,7 @@
               </a:ln>
               <a:extLst>
                 <a:ext uri="{91240B29-F687-4f45-9708-019B960494DF}">
-                  <a14:hiddenLine xmlns:a14="http://schemas.microsoft.com/office/drawing/2010/main" xmlns="" w="9525">
+                  <a14:hiddenLine xmlns="" xmlns:a14="http://schemas.microsoft.com/office/drawing/2010/main" w="9525">
                     <a:solidFill>
                       <a:srgbClr val="000000"/>
                     </a:solidFill>
@@ -10111,7 +10111,7 @@
               </a:ln>
               <a:extLst>
                 <a:ext uri="{91240B29-F687-4f45-9708-019B960494DF}">
-                  <a14:hiddenLine xmlns:a14="http://schemas.microsoft.com/office/drawing/2010/main" xmlns="" w="9525">
+                  <a14:hiddenLine xmlns="" xmlns:a14="http://schemas.microsoft.com/office/drawing/2010/main" w="9525">
                     <a:solidFill>
                       <a:srgbClr val="000000"/>
                     </a:solidFill>
@@ -10173,7 +10173,7 @@
               </a:ln>
               <a:extLst>
                 <a:ext uri="{91240B29-F687-4f45-9708-019B960494DF}">
-                  <a14:hiddenLine xmlns:a14="http://schemas.microsoft.com/office/drawing/2010/main" xmlns="" w="9525">
+                  <a14:hiddenLine xmlns="" xmlns:a14="http://schemas.microsoft.com/office/drawing/2010/main" w="9525">
                     <a:solidFill>
                       <a:srgbClr val="000000"/>
                     </a:solidFill>
@@ -10263,7 +10263,7 @@
               </a:ln>
               <a:extLst>
                 <a:ext uri="{91240B29-F687-4f45-9708-019B960494DF}">
-                  <a14:hiddenLine xmlns:a14="http://schemas.microsoft.com/office/drawing/2010/main" xmlns="" w="9525">
+                  <a14:hiddenLine xmlns="" xmlns:a14="http://schemas.microsoft.com/office/drawing/2010/main" w="9525">
                     <a:solidFill>
                       <a:srgbClr val="000000"/>
                     </a:solidFill>
@@ -10353,7 +10353,7 @@
               </a:ln>
               <a:extLst>
                 <a:ext uri="{91240B29-F687-4f45-9708-019B960494DF}">
-                  <a14:hiddenLine xmlns:a14="http://schemas.microsoft.com/office/drawing/2010/main" xmlns="" w="9525">
+                  <a14:hiddenLine xmlns="" xmlns:a14="http://schemas.microsoft.com/office/drawing/2010/main" w="9525">
                     <a:solidFill>
                       <a:srgbClr val="000000"/>
                     </a:solidFill>
@@ -10415,7 +10415,7 @@
               </a:ln>
               <a:extLst>
                 <a:ext uri="{91240B29-F687-4f45-9708-019B960494DF}">
-                  <a14:hiddenLine xmlns:a14="http://schemas.microsoft.com/office/drawing/2010/main" xmlns="" w="9525">
+                  <a14:hiddenLine xmlns="" xmlns:a14="http://schemas.microsoft.com/office/drawing/2010/main" w="9525">
                     <a:solidFill>
                       <a:srgbClr val="000000"/>
                     </a:solidFill>
@@ -10525,7 +10525,7 @@
               </a:ln>
               <a:extLst>
                 <a:ext uri="{91240B29-F687-4f45-9708-019B960494DF}">
-                  <a14:hiddenLine xmlns:a14="http://schemas.microsoft.com/office/drawing/2010/main" xmlns="" w="9525">
+                  <a14:hiddenLine xmlns="" xmlns:a14="http://schemas.microsoft.com/office/drawing/2010/main" w="9525">
                     <a:solidFill>
                       <a:srgbClr val="000000"/>
                     </a:solidFill>
@@ -10609,7 +10609,7 @@
               </a:ln>
               <a:extLst>
                 <a:ext uri="{91240B29-F687-4f45-9708-019B960494DF}">
-                  <a14:hiddenLine xmlns:a14="http://schemas.microsoft.com/office/drawing/2010/main" xmlns="" w="9525">
+                  <a14:hiddenLine xmlns="" xmlns:a14="http://schemas.microsoft.com/office/drawing/2010/main" w="9525">
                     <a:solidFill>
                       <a:srgbClr val="000000"/>
                     </a:solidFill>
@@ -10671,7 +10671,7 @@
               </a:ln>
               <a:extLst>
                 <a:ext uri="{91240B29-F687-4f45-9708-019B960494DF}">
-                  <a14:hiddenLine xmlns:a14="http://schemas.microsoft.com/office/drawing/2010/main" xmlns="" w="9525">
+                  <a14:hiddenLine xmlns="" xmlns:a14="http://schemas.microsoft.com/office/drawing/2010/main" w="9525">
                     <a:solidFill>
                       <a:srgbClr val="000000"/>
                     </a:solidFill>
@@ -10733,7 +10733,7 @@
               </a:ln>
               <a:extLst>
                 <a:ext uri="{91240B29-F687-4f45-9708-019B960494DF}">
-                  <a14:hiddenLine xmlns:a14="http://schemas.microsoft.com/office/drawing/2010/main" xmlns="" w="9525">
+                  <a14:hiddenLine xmlns="" xmlns:a14="http://schemas.microsoft.com/office/drawing/2010/main" w="9525">
                     <a:solidFill>
                       <a:srgbClr val="000000"/>
                     </a:solidFill>
@@ -10823,7 +10823,7 @@
               </a:ln>
               <a:extLst>
                 <a:ext uri="{91240B29-F687-4f45-9708-019B960494DF}">
-                  <a14:hiddenLine xmlns:a14="http://schemas.microsoft.com/office/drawing/2010/main" xmlns="" w="9525">
+                  <a14:hiddenLine xmlns="" xmlns:a14="http://schemas.microsoft.com/office/drawing/2010/main" w="9525">
                     <a:solidFill>
                       <a:srgbClr val="000000"/>
                     </a:solidFill>
@@ -10857,7 +10857,7 @@
               </a:ln>
               <a:extLst>
                 <a:ext uri="{91240B29-F687-4f45-9708-019B960494DF}">
-                  <a14:hiddenLine xmlns:a14="http://schemas.microsoft.com/office/drawing/2010/main" xmlns="" w="9525">
+                  <a14:hiddenLine xmlns="" xmlns:a14="http://schemas.microsoft.com/office/drawing/2010/main" w="9525">
                     <a:solidFill>
                       <a:srgbClr val="000000"/>
                     </a:solidFill>
@@ -10922,7 +10922,7 @@
               </a:ln>
               <a:extLst>
                 <a:ext uri="{91240B29-F687-4f45-9708-019B960494DF}">
-                  <a14:hiddenLine xmlns:a14="http://schemas.microsoft.com/office/drawing/2010/main" xmlns="" w="9525">
+                  <a14:hiddenLine xmlns="" xmlns:a14="http://schemas.microsoft.com/office/drawing/2010/main" w="9525">
                     <a:solidFill>
                       <a:srgbClr val="000000"/>
                     </a:solidFill>
@@ -11012,7 +11012,7 @@
               </a:ln>
               <a:extLst>
                 <a:ext uri="{91240B29-F687-4f45-9708-019B960494DF}">
-                  <a14:hiddenLine xmlns:a14="http://schemas.microsoft.com/office/drawing/2010/main" xmlns="" w="9525">
+                  <a14:hiddenLine xmlns="" xmlns:a14="http://schemas.microsoft.com/office/drawing/2010/main" w="9525">
                     <a:solidFill>
                       <a:srgbClr val="000000"/>
                     </a:solidFill>
@@ -11074,7 +11074,7 @@
               </a:ln>
               <a:extLst>
                 <a:ext uri="{91240B29-F687-4f45-9708-019B960494DF}">
-                  <a14:hiddenLine xmlns:a14="http://schemas.microsoft.com/office/drawing/2010/main" xmlns="" w="9525">
+                  <a14:hiddenLine xmlns="" xmlns:a14="http://schemas.microsoft.com/office/drawing/2010/main" w="9525">
                     <a:solidFill>
                       <a:srgbClr val="000000"/>
                     </a:solidFill>
@@ -11164,7 +11164,7 @@
               </a:ln>
               <a:extLst>
                 <a:ext uri="{91240B29-F687-4f45-9708-019B960494DF}">
-                  <a14:hiddenLine xmlns:a14="http://schemas.microsoft.com/office/drawing/2010/main" xmlns="" w="9525">
+                  <a14:hiddenLine xmlns="" xmlns:a14="http://schemas.microsoft.com/office/drawing/2010/main" w="9525">
                     <a:solidFill>
                       <a:srgbClr val="000000"/>
                     </a:solidFill>
@@ -11229,7 +11229,7 @@
               </a:ln>
               <a:extLst>
                 <a:ext uri="{91240B29-F687-4f45-9708-019B960494DF}">
-                  <a14:hiddenLine xmlns:a14="http://schemas.microsoft.com/office/drawing/2010/main" xmlns="" w="9525">
+                  <a14:hiddenLine xmlns="" xmlns:a14="http://schemas.microsoft.com/office/drawing/2010/main" w="9525">
                     <a:solidFill>
                       <a:srgbClr val="000000"/>
                     </a:solidFill>
@@ -11291,7 +11291,7 @@
               </a:ln>
               <a:extLst>
                 <a:ext uri="{91240B29-F687-4f45-9708-019B960494DF}">
-                  <a14:hiddenLine xmlns:a14="http://schemas.microsoft.com/office/drawing/2010/main" xmlns="" w="9525">
+                  <a14:hiddenLine xmlns="" xmlns:a14="http://schemas.microsoft.com/office/drawing/2010/main" w="9525">
                     <a:solidFill>
                       <a:srgbClr val="000000"/>
                     </a:solidFill>
@@ -11381,7 +11381,7 @@
               </a:ln>
               <a:extLst>
                 <a:ext uri="{91240B29-F687-4f45-9708-019B960494DF}">
-                  <a14:hiddenLine xmlns:a14="http://schemas.microsoft.com/office/drawing/2010/main" xmlns="" w="9525">
+                  <a14:hiddenLine xmlns="" xmlns:a14="http://schemas.microsoft.com/office/drawing/2010/main" w="9525">
                     <a:solidFill>
                       <a:srgbClr val="000000"/>
                     </a:solidFill>
@@ -11471,7 +11471,7 @@
               </a:ln>
               <a:extLst>
                 <a:ext uri="{91240B29-F687-4f45-9708-019B960494DF}">
-                  <a14:hiddenLine xmlns:a14="http://schemas.microsoft.com/office/drawing/2010/main" xmlns="" w="9525">
+                  <a14:hiddenLine xmlns="" xmlns:a14="http://schemas.microsoft.com/office/drawing/2010/main" w="9525">
                     <a:solidFill>
                       <a:srgbClr val="000000"/>
                     </a:solidFill>
@@ -11536,7 +11536,7 @@
               </a:ln>
               <a:extLst>
                 <a:ext uri="{91240B29-F687-4f45-9708-019B960494DF}">
-                  <a14:hiddenLine xmlns:a14="http://schemas.microsoft.com/office/drawing/2010/main" xmlns="" w="9525">
+                  <a14:hiddenLine xmlns="" xmlns:a14="http://schemas.microsoft.com/office/drawing/2010/main" w="9525">
                     <a:solidFill>
                       <a:srgbClr val="000000"/>
                     </a:solidFill>
@@ -11656,7 +11656,7 @@
               </a:ln>
               <a:extLst>
                 <a:ext uri="{91240B29-F687-4f45-9708-019B960494DF}">
-                  <a14:hiddenLine xmlns:a14="http://schemas.microsoft.com/office/drawing/2010/main" xmlns="" w="9525">
+                  <a14:hiddenLine xmlns="" xmlns:a14="http://schemas.microsoft.com/office/drawing/2010/main" w="9525">
                     <a:solidFill>
                       <a:srgbClr val="000000"/>
                     </a:solidFill>
@@ -11737,7 +11737,7 @@
               </a:ln>
               <a:extLst>
                 <a:ext uri="{91240B29-F687-4f45-9708-019B960494DF}">
-                  <a14:hiddenLine xmlns:a14="http://schemas.microsoft.com/office/drawing/2010/main" xmlns="" w="9525">
+                  <a14:hiddenLine xmlns="" xmlns:a14="http://schemas.microsoft.com/office/drawing/2010/main" w="9525">
                     <a:solidFill>
                       <a:srgbClr val="000000"/>
                     </a:solidFill>
@@ -11852,7 +11852,7 @@
               </a:ln>
               <a:extLst>
                 <a:ext uri="{91240B29-F687-4f45-9708-019B960494DF}">
-                  <a14:hiddenLine xmlns:a14="http://schemas.microsoft.com/office/drawing/2010/main" xmlns="" w="9525">
+                  <a14:hiddenLine xmlns="" xmlns:a14="http://schemas.microsoft.com/office/drawing/2010/main" w="9525">
                     <a:solidFill>
                       <a:srgbClr val="000000"/>
                     </a:solidFill>
@@ -11942,7 +11942,7 @@
               </a:ln>
               <a:extLst>
                 <a:ext uri="{91240B29-F687-4f45-9708-019B960494DF}">
-                  <a14:hiddenLine xmlns:a14="http://schemas.microsoft.com/office/drawing/2010/main" xmlns="" w="9525">
+                  <a14:hiddenLine xmlns="" xmlns:a14="http://schemas.microsoft.com/office/drawing/2010/main" w="9525">
                     <a:solidFill>
                       <a:srgbClr val="000000"/>
                     </a:solidFill>
@@ -12007,7 +12007,7 @@
               </a:ln>
               <a:extLst>
                 <a:ext uri="{91240B29-F687-4f45-9708-019B960494DF}">
-                  <a14:hiddenLine xmlns:a14="http://schemas.microsoft.com/office/drawing/2010/main" xmlns="" w="9525">
+                  <a14:hiddenLine xmlns="" xmlns:a14="http://schemas.microsoft.com/office/drawing/2010/main" w="9525">
                     <a:solidFill>
                       <a:srgbClr val="000000"/>
                     </a:solidFill>
@@ -12097,7 +12097,7 @@
               </a:ln>
               <a:extLst>
                 <a:ext uri="{91240B29-F687-4f45-9708-019B960494DF}">
-                  <a14:hiddenLine xmlns:a14="http://schemas.microsoft.com/office/drawing/2010/main" xmlns="" w="9525">
+                  <a14:hiddenLine xmlns="" xmlns:a14="http://schemas.microsoft.com/office/drawing/2010/main" w="9525">
                     <a:solidFill>
                       <a:srgbClr val="000000"/>
                     </a:solidFill>
@@ -12165,7 +12165,7 @@
               </a:ln>
               <a:extLst>
                 <a:ext uri="{91240B29-F687-4f45-9708-019B960494DF}">
-                  <a14:hiddenLine xmlns:a14="http://schemas.microsoft.com/office/drawing/2010/main" xmlns="" w="9525">
+                  <a14:hiddenLine xmlns="" xmlns:a14="http://schemas.microsoft.com/office/drawing/2010/main" w="9525">
                     <a:solidFill>
                       <a:srgbClr val="000000"/>
                     </a:solidFill>
@@ -12255,7 +12255,7 @@
               </a:ln>
               <a:extLst>
                 <a:ext uri="{91240B29-F687-4f45-9708-019B960494DF}">
-                  <a14:hiddenLine xmlns:a14="http://schemas.microsoft.com/office/drawing/2010/main" xmlns="" w="9525">
+                  <a14:hiddenLine xmlns="" xmlns:a14="http://schemas.microsoft.com/office/drawing/2010/main" w="9525">
                     <a:solidFill>
                       <a:srgbClr val="000000"/>
                     </a:solidFill>
@@ -12323,7 +12323,7 @@
               </a:ln>
               <a:extLst>
                 <a:ext uri="{91240B29-F687-4f45-9708-019B960494DF}">
-                  <a14:hiddenLine xmlns:a14="http://schemas.microsoft.com/office/drawing/2010/main" xmlns="" w="9525">
+                  <a14:hiddenLine xmlns="" xmlns:a14="http://schemas.microsoft.com/office/drawing/2010/main" w="9525">
                     <a:solidFill>
                       <a:srgbClr val="000000"/>
                     </a:solidFill>
@@ -12413,7 +12413,7 @@
               </a:ln>
               <a:extLst>
                 <a:ext uri="{91240B29-F687-4f45-9708-019B960494DF}">
-                  <a14:hiddenLine xmlns:a14="http://schemas.microsoft.com/office/drawing/2010/main" xmlns="" w="9525">
+                  <a14:hiddenLine xmlns="" xmlns:a14="http://schemas.microsoft.com/office/drawing/2010/main" w="9525">
                     <a:solidFill>
                       <a:srgbClr val="000000"/>
                     </a:solidFill>
@@ -12447,7 +12447,7 @@
               </a:ln>
               <a:extLst>
                 <a:ext uri="{91240B29-F687-4f45-9708-019B960494DF}">
-                  <a14:hiddenLine xmlns:a14="http://schemas.microsoft.com/office/drawing/2010/main" xmlns="" w="9525">
+                  <a14:hiddenLine xmlns="" xmlns:a14="http://schemas.microsoft.com/office/drawing/2010/main" w="9525">
                     <a:solidFill>
                       <a:srgbClr val="000000"/>
                     </a:solidFill>
@@ -12587,7 +12587,7 @@
           <a:p>
             <a:fld id="{EC4347D3-4C9A-C240-8F14-750059DFEEB0}" type="datetimeFigureOut">
               <a:rPr lang="en-US" smtClean="0"/>
-              <a:t>1/15/25</a:t>
+              <a:t>1/27/25</a:t>
             </a:fld>
             <a:endParaRPr lang="en-US"/>
           </a:p>
@@ -43169,8 +43169,8 @@
         </p:blipFill>
         <p:spPr>
           <a:xfrm>
-            <a:off x="1600949" y="1062288"/>
-            <a:ext cx="5583045" cy="4032899"/>
+            <a:off x="1600949" y="1322103"/>
+            <a:ext cx="5223363" cy="3773084"/>
           </a:xfrm>
           <a:prstGeom prst="rect">
             <a:avLst/>

--- a/slides/Trees-SegmentTrees.pptx
+++ b/slides/Trees-SegmentTrees.pptx
@@ -5,7 +5,7 @@
     <p:sldMasterId id="2147484006" r:id="rId1"/>
   </p:sldMasterIdLst>
   <p:notesMasterIdLst>
-    <p:notesMasterId r:id="rId43"/>
+    <p:notesMasterId r:id="rId45"/>
   </p:notesMasterIdLst>
   <p:sldIdLst>
     <p:sldId id="256" r:id="rId2"/>
@@ -47,8 +47,10 @@
     <p:sldId id="365" r:id="rId38"/>
     <p:sldId id="364" r:id="rId39"/>
     <p:sldId id="363" r:id="rId40"/>
-    <p:sldId id="357" r:id="rId41"/>
-    <p:sldId id="333" r:id="rId42"/>
+    <p:sldId id="371" r:id="rId41"/>
+    <p:sldId id="372" r:id="rId42"/>
+    <p:sldId id="357" r:id="rId43"/>
+    <p:sldId id="333" r:id="rId44"/>
   </p:sldIdLst>
   <p:sldSz cx="12192000" cy="6858000"/>
   <p:notesSz cx="6858000" cy="9144000"/>
@@ -237,7 +239,7 @@
           <a:p>
             <a:fld id="{C5B45307-6ED4-B142-BD64-10F739779302}" type="datetimeFigureOut">
               <a:rPr lang="en-US" smtClean="0"/>
-              <a:t>1/27/25</a:t>
+              <a:t>2/5/25</a:t>
             </a:fld>
             <a:endParaRPr lang="en-US"/>
           </a:p>
@@ -663,6 +665,174 @@
     <p:extLst>
       <p:ext uri="{BB962C8B-B14F-4D97-AF65-F5344CB8AC3E}">
         <p14:creationId xmlns:p14="http://schemas.microsoft.com/office/powerpoint/2010/main" val="4232935358"/>
+      </p:ext>
+    </p:extLst>
+  </p:cSld>
+  <p:clrMapOvr>
+    <a:masterClrMapping/>
+  </p:clrMapOvr>
+</p:notes>
+</file>
+
+<file path=ppt/notesSlides/notesSlide3.xml><?xml version="1.0" encoding="utf-8"?>
+<p:notes xmlns:a="http://schemas.openxmlformats.org/drawingml/2006/main" xmlns:r="http://schemas.openxmlformats.org/officeDocument/2006/relationships" xmlns:p="http://schemas.openxmlformats.org/presentationml/2006/main">
+  <p:cSld>
+    <p:spTree>
+      <p:nvGrpSpPr>
+        <p:cNvPr id="1" name=""/>
+        <p:cNvGrpSpPr/>
+        <p:nvPr/>
+      </p:nvGrpSpPr>
+      <p:grpSpPr>
+        <a:xfrm>
+          <a:off x="0" y="0"/>
+          <a:ext cx="0" cy="0"/>
+          <a:chOff x="0" y="0"/>
+          <a:chExt cx="0" cy="0"/>
+        </a:xfrm>
+      </p:grpSpPr>
+      <p:sp>
+        <p:nvSpPr>
+          <p:cNvPr id="2" name="Slide Image Placeholder 1"/>
+          <p:cNvSpPr>
+            <a:spLocks noGrp="1" noRot="1" noChangeAspect="1"/>
+          </p:cNvSpPr>
+          <p:nvPr>
+            <p:ph type="sldImg"/>
+          </p:nvPr>
+        </p:nvSpPr>
+        <p:spPr/>
+      </p:sp>
+      <p:sp>
+        <p:nvSpPr>
+          <p:cNvPr id="3" name="Notes Placeholder 2"/>
+          <p:cNvSpPr>
+            <a:spLocks noGrp="1"/>
+          </p:cNvSpPr>
+          <p:nvPr>
+            <p:ph type="body" idx="1"/>
+          </p:nvPr>
+        </p:nvSpPr>
+        <p:spPr/>
+        <p:txBody>
+          <a:bodyPr/>
+          <a:lstStyle/>
+          <a:p>
+            <a:endParaRPr lang="en-US" dirty="0"/>
+          </a:p>
+        </p:txBody>
+      </p:sp>
+      <p:sp>
+        <p:nvSpPr>
+          <p:cNvPr id="4" name="Slide Number Placeholder 3"/>
+          <p:cNvSpPr>
+            <a:spLocks noGrp="1"/>
+          </p:cNvSpPr>
+          <p:nvPr>
+            <p:ph type="sldNum" sz="quarter" idx="5"/>
+          </p:nvPr>
+        </p:nvSpPr>
+        <p:spPr/>
+        <p:txBody>
+          <a:bodyPr/>
+          <a:lstStyle/>
+          <a:p>
+            <a:fld id="{51BDE956-AECE-4A49-8BC2-51A8C013B720}" type="slidenum">
+              <a:rPr lang="en-US" smtClean="0"/>
+              <a:t>40</a:t>
+            </a:fld>
+            <a:endParaRPr lang="en-US"/>
+          </a:p>
+        </p:txBody>
+      </p:sp>
+    </p:spTree>
+    <p:extLst>
+      <p:ext uri="{BB962C8B-B14F-4D97-AF65-F5344CB8AC3E}">
+        <p14:creationId xmlns:p14="http://schemas.microsoft.com/office/powerpoint/2010/main" val="4121863516"/>
+      </p:ext>
+    </p:extLst>
+  </p:cSld>
+  <p:clrMapOvr>
+    <a:masterClrMapping/>
+  </p:clrMapOvr>
+</p:notes>
+</file>
+
+<file path=ppt/notesSlides/notesSlide4.xml><?xml version="1.0" encoding="utf-8"?>
+<p:notes xmlns:a="http://schemas.openxmlformats.org/drawingml/2006/main" xmlns:r="http://schemas.openxmlformats.org/officeDocument/2006/relationships" xmlns:p="http://schemas.openxmlformats.org/presentationml/2006/main">
+  <p:cSld>
+    <p:spTree>
+      <p:nvGrpSpPr>
+        <p:cNvPr id="1" name=""/>
+        <p:cNvGrpSpPr/>
+        <p:nvPr/>
+      </p:nvGrpSpPr>
+      <p:grpSpPr>
+        <a:xfrm>
+          <a:off x="0" y="0"/>
+          <a:ext cx="0" cy="0"/>
+          <a:chOff x="0" y="0"/>
+          <a:chExt cx="0" cy="0"/>
+        </a:xfrm>
+      </p:grpSpPr>
+      <p:sp>
+        <p:nvSpPr>
+          <p:cNvPr id="2" name="Slide Image Placeholder 1"/>
+          <p:cNvSpPr>
+            <a:spLocks noGrp="1" noRot="1" noChangeAspect="1"/>
+          </p:cNvSpPr>
+          <p:nvPr>
+            <p:ph type="sldImg"/>
+          </p:nvPr>
+        </p:nvSpPr>
+        <p:spPr/>
+      </p:sp>
+      <p:sp>
+        <p:nvSpPr>
+          <p:cNvPr id="3" name="Notes Placeholder 2"/>
+          <p:cNvSpPr>
+            <a:spLocks noGrp="1"/>
+          </p:cNvSpPr>
+          <p:nvPr>
+            <p:ph type="body" idx="1"/>
+          </p:nvPr>
+        </p:nvSpPr>
+        <p:spPr/>
+        <p:txBody>
+          <a:bodyPr/>
+          <a:lstStyle/>
+          <a:p>
+            <a:endParaRPr lang="en-US" dirty="0"/>
+          </a:p>
+        </p:txBody>
+      </p:sp>
+      <p:sp>
+        <p:nvSpPr>
+          <p:cNvPr id="4" name="Slide Number Placeholder 3"/>
+          <p:cNvSpPr>
+            <a:spLocks noGrp="1"/>
+          </p:cNvSpPr>
+          <p:nvPr>
+            <p:ph type="sldNum" sz="quarter" idx="5"/>
+          </p:nvPr>
+        </p:nvSpPr>
+        <p:spPr/>
+        <p:txBody>
+          <a:bodyPr/>
+          <a:lstStyle/>
+          <a:p>
+            <a:fld id="{51BDE956-AECE-4A49-8BC2-51A8C013B720}" type="slidenum">
+              <a:rPr lang="en-US" smtClean="0"/>
+              <a:t>41</a:t>
+            </a:fld>
+            <a:endParaRPr lang="en-US"/>
+          </a:p>
+        </p:txBody>
+      </p:sp>
+    </p:spTree>
+    <p:extLst>
+      <p:ext uri="{BB962C8B-B14F-4D97-AF65-F5344CB8AC3E}">
+        <p14:creationId xmlns:p14="http://schemas.microsoft.com/office/powerpoint/2010/main" val="2240313968"/>
       </p:ext>
     </p:extLst>
   </p:cSld>
@@ -4954,7 +5124,7 @@
           <a:p>
             <a:fld id="{EC4347D3-4C9A-C240-8F14-750059DFEEB0}" type="datetimeFigureOut">
               <a:rPr lang="en-US" smtClean="0"/>
-              <a:t>1/27/25</a:t>
+              <a:t>2/5/25</a:t>
             </a:fld>
             <a:endParaRPr lang="en-US"/>
           </a:p>
@@ -5221,7 +5391,7 @@
           <a:p>
             <a:fld id="{EC4347D3-4C9A-C240-8F14-750059DFEEB0}" type="datetimeFigureOut">
               <a:rPr lang="en-US" smtClean="0"/>
-              <a:t>1/27/25</a:t>
+              <a:t>2/5/25</a:t>
             </a:fld>
             <a:endParaRPr lang="en-US"/>
           </a:p>
@@ -5417,7 +5587,7 @@
           <a:p>
             <a:fld id="{EC4347D3-4C9A-C240-8F14-750059DFEEB0}" type="datetimeFigureOut">
               <a:rPr lang="en-US" smtClean="0"/>
-              <a:t>1/27/25</a:t>
+              <a:t>2/5/25</a:t>
             </a:fld>
             <a:endParaRPr lang="en-US"/>
           </a:p>
@@ -5680,7 +5850,7 @@
           <a:p>
             <a:fld id="{EC4347D3-4C9A-C240-8F14-750059DFEEB0}" type="datetimeFigureOut">
               <a:rPr lang="en-US" smtClean="0"/>
-              <a:t>1/27/25</a:t>
+              <a:t>2/5/25</a:t>
             </a:fld>
             <a:endParaRPr lang="en-US"/>
           </a:p>
@@ -6114,7 +6284,7 @@
           <a:p>
             <a:fld id="{EC4347D3-4C9A-C240-8F14-750059DFEEB0}" type="datetimeFigureOut">
               <a:rPr lang="en-US" smtClean="0"/>
-              <a:t>1/27/25</a:t>
+              <a:t>2/5/25</a:t>
             </a:fld>
             <a:endParaRPr lang="en-US"/>
           </a:p>
@@ -6660,7 +6830,7 @@
           <a:p>
             <a:fld id="{EC4347D3-4C9A-C240-8F14-750059DFEEB0}" type="datetimeFigureOut">
               <a:rPr lang="en-US" smtClean="0"/>
-              <a:t>1/27/25</a:t>
+              <a:t>2/5/25</a:t>
             </a:fld>
             <a:endParaRPr lang="en-US"/>
           </a:p>
@@ -7380,7 +7550,7 @@
           <a:p>
             <a:fld id="{EC4347D3-4C9A-C240-8F14-750059DFEEB0}" type="datetimeFigureOut">
               <a:rPr lang="en-US" smtClean="0"/>
-              <a:t>1/27/25</a:t>
+              <a:t>2/5/25</a:t>
             </a:fld>
             <a:endParaRPr lang="en-US"/>
           </a:p>
@@ -7550,7 +7720,7 @@
           <a:p>
             <a:fld id="{EC4347D3-4C9A-C240-8F14-750059DFEEB0}" type="datetimeFigureOut">
               <a:rPr lang="en-US" smtClean="0"/>
-              <a:t>1/27/25</a:t>
+              <a:t>2/5/25</a:t>
             </a:fld>
             <a:endParaRPr lang="en-US"/>
           </a:p>
@@ -7730,7 +7900,7 @@
           <a:p>
             <a:fld id="{EC4347D3-4C9A-C240-8F14-750059DFEEB0}" type="datetimeFigureOut">
               <a:rPr lang="en-US" smtClean="0"/>
-              <a:t>1/27/25</a:t>
+              <a:t>2/5/25</a:t>
             </a:fld>
             <a:endParaRPr lang="en-US"/>
           </a:p>
@@ -7900,7 +8070,7 @@
           <a:p>
             <a:fld id="{EC4347D3-4C9A-C240-8F14-750059DFEEB0}" type="datetimeFigureOut">
               <a:rPr lang="en-US" smtClean="0"/>
-              <a:t>1/27/25</a:t>
+              <a:t>2/5/25</a:t>
             </a:fld>
             <a:endParaRPr lang="en-US"/>
           </a:p>
@@ -8150,7 +8320,7 @@
           <a:p>
             <a:fld id="{EC4347D3-4C9A-C240-8F14-750059DFEEB0}" type="datetimeFigureOut">
               <a:rPr lang="en-US" smtClean="0"/>
-              <a:t>1/27/25</a:t>
+              <a:t>2/5/25</a:t>
             </a:fld>
             <a:endParaRPr lang="en-US"/>
           </a:p>
@@ -8382,7 +8552,7 @@
           <a:p>
             <a:fld id="{EC4347D3-4C9A-C240-8F14-750059DFEEB0}" type="datetimeFigureOut">
               <a:rPr lang="en-US" smtClean="0"/>
-              <a:t>1/27/25</a:t>
+              <a:t>2/5/25</a:t>
             </a:fld>
             <a:endParaRPr lang="en-US"/>
           </a:p>
@@ -8768,7 +8938,7 @@
           <a:p>
             <a:fld id="{EC4347D3-4C9A-C240-8F14-750059DFEEB0}" type="datetimeFigureOut">
               <a:rPr lang="en-US" smtClean="0"/>
-              <a:t>1/27/25</a:t>
+              <a:t>2/5/25</a:t>
             </a:fld>
             <a:endParaRPr lang="en-US"/>
           </a:p>
@@ -8891,7 +9061,7 @@
           <a:p>
             <a:fld id="{EC4347D3-4C9A-C240-8F14-750059DFEEB0}" type="datetimeFigureOut">
               <a:rPr lang="en-US" smtClean="0"/>
-              <a:t>1/27/25</a:t>
+              <a:t>2/5/25</a:t>
             </a:fld>
             <a:endParaRPr lang="en-US"/>
           </a:p>
@@ -8986,7 +9156,7 @@
           <a:p>
             <a:fld id="{EC4347D3-4C9A-C240-8F14-750059DFEEB0}" type="datetimeFigureOut">
               <a:rPr lang="en-US" smtClean="0"/>
-              <a:t>1/27/25</a:t>
+              <a:t>2/5/25</a:t>
             </a:fld>
             <a:endParaRPr lang="en-US"/>
           </a:p>
@@ -9235,7 +9405,7 @@
           <a:p>
             <a:fld id="{EC4347D3-4C9A-C240-8F14-750059DFEEB0}" type="datetimeFigureOut">
               <a:rPr lang="en-US" smtClean="0"/>
-              <a:t>1/27/25</a:t>
+              <a:t>2/5/25</a:t>
             </a:fld>
             <a:endParaRPr lang="en-US"/>
           </a:p>
@@ -9520,7 +9690,7 @@
           <a:p>
             <a:fld id="{EC4347D3-4C9A-C240-8F14-750059DFEEB0}" type="datetimeFigureOut">
               <a:rPr lang="en-US" smtClean="0"/>
-              <a:t>1/27/25</a:t>
+              <a:t>2/5/25</a:t>
             </a:fld>
             <a:endParaRPr lang="en-US"/>
           </a:p>
@@ -12587,7 +12757,7 @@
           <a:p>
             <a:fld id="{EC4347D3-4C9A-C240-8F14-750059DFEEB0}" type="datetimeFigureOut">
               <a:rPr lang="en-US" smtClean="0"/>
-              <a:t>1/27/25</a:t>
+              <a:t>2/5/25</a:t>
             </a:fld>
             <a:endParaRPr lang="en-US"/>
           </a:p>
@@ -34644,7 +34814,7 @@
             <a:pPr algn="ctr"/>
             <a:r>
               <a:rPr lang="en-US" dirty="0"/>
-              <a:t>Another Example</a:t>
+              <a:t>More Examples</a:t>
             </a:r>
           </a:p>
         </p:txBody>
@@ -37112,7 +37282,7 @@
             </a:r>
             <a:r>
               <a:rPr lang="en-US" sz="2200" dirty="0"/>
-              <a:t> Simply sum the two counts together</a:t>
+              <a:t> Simple, just add number of 0’s together</a:t>
             </a:r>
             <a:endParaRPr lang="en-US" sz="2200" b="1" i="1" u="sng" dirty="0"/>
           </a:p>
@@ -37150,7 +37320,7 @@
         </p:spPr>
         <p:txBody>
           <a:bodyPr vert="horz" lIns="91440" tIns="45720" rIns="91440" bIns="45720" rtlCol="0">
-            <a:normAutofit fontScale="92500"/>
+            <a:normAutofit lnSpcReduction="10000"/>
           </a:bodyPr>
           <a:lstStyle>
             <a:lvl1pPr marL="228600" indent="-228600" algn="l" defTabSz="914400" rtl="0" eaLnBrk="1" latinLnBrk="0" hangingPunct="1">
@@ -37332,15 +37502,11 @@
             </a:pPr>
             <a:r>
               <a:rPr lang="en-US" sz="2200" b="1" i="1" u="sng" dirty="0"/>
-              <a:t>Query:</a:t>
+              <a:t>Query (# of 0’s):</a:t>
             </a:r>
             <a:r>
               <a:rPr lang="en-US" sz="2200" dirty="0"/>
-              <a:t> For number of 0’s, similar to sum, for kth zero, figure out which direction kth 0 is and </a:t>
-            </a:r>
-            <a:r>
-              <a:rPr lang="en-US" sz="2200" dirty="0" err="1"/>
-              <a:t>recurse</a:t>
+              <a:t> Simply query like we did with sum()</a:t>
             </a:r>
             <a:endParaRPr lang="en-US" sz="2200" b="1" i="1" u="sng" dirty="0"/>
           </a:p>
@@ -37362,7 +37528,239 @@
         </p:nvSpPr>
         <p:spPr>
           <a:xfrm>
-            <a:off x="830994" y="5749153"/>
+            <a:off x="6515030" y="2748258"/>
+            <a:ext cx="5522508" cy="1099465"/>
+          </a:xfrm>
+          <a:prstGeom prst="rect">
+            <a:avLst/>
+          </a:prstGeom>
+          <a:ln>
+            <a:solidFill>
+              <a:schemeClr val="tx1">
+                <a:lumMod val="95000"/>
+              </a:schemeClr>
+            </a:solidFill>
+          </a:ln>
+        </p:spPr>
+        <p:txBody>
+          <a:bodyPr vert="horz" lIns="91440" tIns="45720" rIns="91440" bIns="45720" rtlCol="0">
+            <a:normAutofit fontScale="92500" lnSpcReduction="10000"/>
+          </a:bodyPr>
+          <a:lstStyle>
+            <a:lvl1pPr marL="228600" indent="-228600" algn="l" defTabSz="914400" rtl="0" eaLnBrk="1" latinLnBrk="0" hangingPunct="1">
+              <a:lnSpc>
+                <a:spcPct val="120000"/>
+              </a:lnSpc>
+              <a:spcBef>
+                <a:spcPts val="1000"/>
+              </a:spcBef>
+              <a:buSzPct val="125000"/>
+              <a:buFont typeface="Arial" panose="020B0604020202020204" pitchFamily="34" charset="0"/>
+              <a:buChar char="•"/>
+              <a:defRPr sz="2400" kern="1200">
+                <a:solidFill>
+                  <a:schemeClr val="tx1"/>
+                </a:solidFill>
+                <a:latin typeface="+mn-lt"/>
+                <a:ea typeface="+mn-ea"/>
+                <a:cs typeface="+mn-cs"/>
+              </a:defRPr>
+            </a:lvl1pPr>
+            <a:lvl2pPr marL="685800" indent="-228600" algn="l" defTabSz="914400" rtl="0" eaLnBrk="1" latinLnBrk="0" hangingPunct="1">
+              <a:lnSpc>
+                <a:spcPct val="120000"/>
+              </a:lnSpc>
+              <a:spcBef>
+                <a:spcPts val="500"/>
+              </a:spcBef>
+              <a:buSzPct val="125000"/>
+              <a:buFont typeface="Arial" panose="020B0604020202020204" pitchFamily="34" charset="0"/>
+              <a:buChar char="•"/>
+              <a:defRPr sz="2000" kern="1200">
+                <a:solidFill>
+                  <a:schemeClr val="tx1"/>
+                </a:solidFill>
+                <a:latin typeface="+mn-lt"/>
+                <a:ea typeface="+mn-ea"/>
+                <a:cs typeface="+mn-cs"/>
+              </a:defRPr>
+            </a:lvl2pPr>
+            <a:lvl3pPr marL="1143000" indent="-228600" algn="l" defTabSz="914400" rtl="0" eaLnBrk="1" latinLnBrk="0" hangingPunct="1">
+              <a:lnSpc>
+                <a:spcPct val="120000"/>
+              </a:lnSpc>
+              <a:spcBef>
+                <a:spcPts val="500"/>
+              </a:spcBef>
+              <a:buSzPct val="125000"/>
+              <a:buFont typeface="Arial" panose="020B0604020202020204" pitchFamily="34" charset="0"/>
+              <a:buChar char="•"/>
+              <a:defRPr sz="1800" kern="1200">
+                <a:solidFill>
+                  <a:schemeClr val="tx1"/>
+                </a:solidFill>
+                <a:latin typeface="+mn-lt"/>
+                <a:ea typeface="+mn-ea"/>
+                <a:cs typeface="+mn-cs"/>
+              </a:defRPr>
+            </a:lvl3pPr>
+            <a:lvl4pPr marL="1600200" indent="-228600" algn="l" defTabSz="914400" rtl="0" eaLnBrk="1" latinLnBrk="0" hangingPunct="1">
+              <a:lnSpc>
+                <a:spcPct val="120000"/>
+              </a:lnSpc>
+              <a:spcBef>
+                <a:spcPts val="500"/>
+              </a:spcBef>
+              <a:buSzPct val="125000"/>
+              <a:buFont typeface="Arial" panose="020B0604020202020204" pitchFamily="34" charset="0"/>
+              <a:buChar char="•"/>
+              <a:defRPr sz="1600" kern="1200">
+                <a:solidFill>
+                  <a:schemeClr val="tx1"/>
+                </a:solidFill>
+                <a:latin typeface="+mn-lt"/>
+                <a:ea typeface="+mn-ea"/>
+                <a:cs typeface="+mn-cs"/>
+              </a:defRPr>
+            </a:lvl4pPr>
+            <a:lvl5pPr marL="2057400" indent="-228600" algn="l" defTabSz="914400" rtl="0" eaLnBrk="1" latinLnBrk="0" hangingPunct="1">
+              <a:lnSpc>
+                <a:spcPct val="120000"/>
+              </a:lnSpc>
+              <a:spcBef>
+                <a:spcPts val="500"/>
+              </a:spcBef>
+              <a:buSzPct val="125000"/>
+              <a:buFont typeface="Arial" panose="020B0604020202020204" pitchFamily="34" charset="0"/>
+              <a:buChar char="•"/>
+              <a:defRPr sz="1600" kern="1200">
+                <a:solidFill>
+                  <a:schemeClr val="tx1"/>
+                </a:solidFill>
+                <a:latin typeface="+mn-lt"/>
+                <a:ea typeface="+mn-ea"/>
+                <a:cs typeface="+mn-cs"/>
+              </a:defRPr>
+            </a:lvl5pPr>
+            <a:lvl6pPr marL="2514600" indent="-228600" algn="l" defTabSz="914400" rtl="0" eaLnBrk="1" latinLnBrk="0" hangingPunct="1">
+              <a:lnSpc>
+                <a:spcPct val="120000"/>
+              </a:lnSpc>
+              <a:spcBef>
+                <a:spcPts val="500"/>
+              </a:spcBef>
+              <a:buSzPct val="125000"/>
+              <a:buFont typeface="Arial" panose="020B0604020202020204" pitchFamily="34" charset="0"/>
+              <a:buChar char="•"/>
+              <a:defRPr sz="1400" kern="1200">
+                <a:solidFill>
+                  <a:schemeClr val="tx1"/>
+                </a:solidFill>
+                <a:latin typeface="+mn-lt"/>
+                <a:ea typeface="+mn-ea"/>
+                <a:cs typeface="+mn-cs"/>
+              </a:defRPr>
+            </a:lvl6pPr>
+            <a:lvl7pPr marL="2971800" indent="-228600" algn="l" defTabSz="914400" rtl="0" eaLnBrk="1" latinLnBrk="0" hangingPunct="1">
+              <a:lnSpc>
+                <a:spcPct val="120000"/>
+              </a:lnSpc>
+              <a:spcBef>
+                <a:spcPts val="500"/>
+              </a:spcBef>
+              <a:buSzPct val="125000"/>
+              <a:buFont typeface="Arial" panose="020B0604020202020204" pitchFamily="34" charset="0"/>
+              <a:buChar char="•"/>
+              <a:defRPr sz="1400" kern="1200">
+                <a:solidFill>
+                  <a:schemeClr val="tx1"/>
+                </a:solidFill>
+                <a:latin typeface="+mn-lt"/>
+                <a:ea typeface="+mn-ea"/>
+                <a:cs typeface="+mn-cs"/>
+              </a:defRPr>
+            </a:lvl7pPr>
+            <a:lvl8pPr marL="3429000" indent="-228600" algn="l" defTabSz="914400" rtl="0" eaLnBrk="1" latinLnBrk="0" hangingPunct="1">
+              <a:lnSpc>
+                <a:spcPct val="120000"/>
+              </a:lnSpc>
+              <a:spcBef>
+                <a:spcPts val="500"/>
+              </a:spcBef>
+              <a:buSzPct val="125000"/>
+              <a:buFont typeface="Arial" panose="020B0604020202020204" pitchFamily="34" charset="0"/>
+              <a:buChar char="•"/>
+              <a:defRPr sz="1400" kern="1200">
+                <a:solidFill>
+                  <a:schemeClr val="tx1"/>
+                </a:solidFill>
+                <a:latin typeface="+mn-lt"/>
+                <a:ea typeface="+mn-ea"/>
+                <a:cs typeface="+mn-cs"/>
+              </a:defRPr>
+            </a:lvl8pPr>
+            <a:lvl9pPr marL="3886200" indent="-228600" algn="l" defTabSz="914400" rtl="0" eaLnBrk="1" latinLnBrk="0" hangingPunct="1">
+              <a:lnSpc>
+                <a:spcPct val="120000"/>
+              </a:lnSpc>
+              <a:spcBef>
+                <a:spcPts val="500"/>
+              </a:spcBef>
+              <a:buSzPct val="125000"/>
+              <a:buFont typeface="Arial" panose="020B0604020202020204" pitchFamily="34" charset="0"/>
+              <a:buChar char="•"/>
+              <a:defRPr sz="1400" kern="1200">
+                <a:solidFill>
+                  <a:schemeClr val="tx1"/>
+                </a:solidFill>
+                <a:latin typeface="+mn-lt"/>
+                <a:ea typeface="+mn-ea"/>
+                <a:cs typeface="+mn-cs"/>
+              </a:defRPr>
+            </a:lvl9pPr>
+          </a:lstStyle>
+          <a:p>
+            <a:pPr marL="0" indent="0">
+              <a:buFont typeface="Arial" panose="020B0604020202020204" pitchFamily="34" charset="0"/>
+              <a:buNone/>
+            </a:pPr>
+            <a:r>
+              <a:rPr lang="en-US" sz="2200" b="1" i="1" u="sng" dirty="0"/>
+              <a:t>Update:</a:t>
+            </a:r>
+            <a:r>
+              <a:rPr lang="en-US" sz="2200" dirty="0"/>
+              <a:t> Only thing that matters is…did the new value become a 0 or change FROM a 0. Update </a:t>
+            </a:r>
+            <a:r>
+              <a:rPr lang="en-US" sz="2200" dirty="0" err="1"/>
+              <a:t>num</a:t>
+            </a:r>
+            <a:r>
+              <a:rPr lang="en-US" sz="2200" dirty="0"/>
+              <a:t> 0’s by 1 if so and merge up.</a:t>
+            </a:r>
+            <a:endParaRPr lang="en-US" sz="2200" b="1" i="1" u="sng" dirty="0"/>
+          </a:p>
+        </p:txBody>
+      </p:sp>
+      <p:sp>
+        <p:nvSpPr>
+          <p:cNvPr id="10" name="Content Placeholder 2">
+            <a:extLst>
+              <a:ext uri="{FF2B5EF4-FFF2-40B4-BE49-F238E27FC236}">
+                <a16:creationId xmlns:a16="http://schemas.microsoft.com/office/drawing/2014/main" id="{2A08D647-4F78-954F-9E54-3DB5BC7013BE}"/>
+              </a:ext>
+            </a:extLst>
+          </p:cNvPr>
+          <p:cNvSpPr txBox="1">
+            <a:spLocks/>
+          </p:cNvSpPr>
+          <p:nvPr/>
+        </p:nvSpPr>
+        <p:spPr>
+          <a:xfrm>
+            <a:off x="830995" y="5763315"/>
             <a:ext cx="5522508" cy="866567"/>
           </a:xfrm>
           <a:prstGeom prst="rect">
@@ -37378,7 +37776,7 @@
         </p:spPr>
         <p:txBody>
           <a:bodyPr vert="horz" lIns="91440" tIns="45720" rIns="91440" bIns="45720" rtlCol="0">
-            <a:normAutofit lnSpcReduction="10000"/>
+            <a:normAutofit fontScale="92500"/>
           </a:bodyPr>
           <a:lstStyle>
             <a:lvl1pPr marL="228600" indent="-228600" algn="l" defTabSz="914400" rtl="0" eaLnBrk="1" latinLnBrk="0" hangingPunct="1">
@@ -37560,11 +37958,35 @@
             </a:pPr>
             <a:r>
               <a:rPr lang="en-US" sz="2200" b="1" i="1" u="sng" dirty="0"/>
-              <a:t>Update:</a:t>
+              <a:t>Query (</a:t>
+            </a:r>
+            <a:r>
+              <a:rPr lang="en-US" sz="2200" b="1" i="1" u="sng" dirty="0" err="1"/>
+              <a:t>k’th</a:t>
+            </a:r>
+            <a:r>
+              <a:rPr lang="en-US" sz="2200" b="1" i="1" u="sng" dirty="0"/>
+              <a:t> 0):</a:t>
             </a:r>
             <a:r>
               <a:rPr lang="en-US" sz="2200" dirty="0"/>
-              <a:t> If the update changes the number of zeros, add / subtract by 1 and return</a:t>
+              <a:t> If number of 0’s on left is k or larger, </a:t>
+            </a:r>
+            <a:r>
+              <a:rPr lang="en-US" sz="2200" dirty="0" err="1"/>
+              <a:t>recurse</a:t>
+            </a:r>
+            <a:r>
+              <a:rPr lang="en-US" sz="2200" dirty="0"/>
+              <a:t> left. Or search for the </a:t>
+            </a:r>
+            <a:r>
+              <a:rPr lang="en-US" sz="2200" dirty="0" err="1"/>
+              <a:t>leftChild</a:t>
+            </a:r>
+            <a:r>
+              <a:rPr lang="en-US" sz="2200" dirty="0"/>
+              <a:t>-k on right</a:t>
             </a:r>
             <a:endParaRPr lang="en-US" sz="2200" b="1" i="1" u="sng" dirty="0"/>
           </a:p>
@@ -39010,218 +39432,6 @@
       </p:sp>
       <p:sp>
         <p:nvSpPr>
-          <p:cNvPr id="15" name="Content Placeholder 2">
-            <a:extLst>
-              <a:ext uri="{FF2B5EF4-FFF2-40B4-BE49-F238E27FC236}">
-                <a16:creationId xmlns:a16="http://schemas.microsoft.com/office/drawing/2014/main" id="{F1FF9976-2C79-D540-BF82-098E97D91709}"/>
-              </a:ext>
-            </a:extLst>
-          </p:cNvPr>
-          <p:cNvSpPr txBox="1">
-            <a:spLocks/>
-          </p:cNvSpPr>
-          <p:nvPr/>
-        </p:nvSpPr>
-        <p:spPr>
-          <a:xfrm>
-            <a:off x="1335492" y="5570693"/>
-            <a:ext cx="5998412" cy="866567"/>
-          </a:xfrm>
-          <a:prstGeom prst="rect">
-            <a:avLst/>
-          </a:prstGeom>
-        </p:spPr>
-        <p:txBody>
-          <a:bodyPr vert="horz" lIns="91440" tIns="45720" rIns="91440" bIns="45720" rtlCol="0">
-            <a:normAutofit lnSpcReduction="10000"/>
-          </a:bodyPr>
-          <a:lstStyle>
-            <a:lvl1pPr marL="228600" indent="-228600" algn="l" defTabSz="914400" rtl="0" eaLnBrk="1" latinLnBrk="0" hangingPunct="1">
-              <a:lnSpc>
-                <a:spcPct val="120000"/>
-              </a:lnSpc>
-              <a:spcBef>
-                <a:spcPts val="1000"/>
-              </a:spcBef>
-              <a:buSzPct val="125000"/>
-              <a:buFont typeface="Arial" panose="020B0604020202020204" pitchFamily="34" charset="0"/>
-              <a:buChar char="•"/>
-              <a:defRPr sz="2400" kern="1200">
-                <a:solidFill>
-                  <a:schemeClr val="tx1"/>
-                </a:solidFill>
-                <a:latin typeface="+mn-lt"/>
-                <a:ea typeface="+mn-ea"/>
-                <a:cs typeface="+mn-cs"/>
-              </a:defRPr>
-            </a:lvl1pPr>
-            <a:lvl2pPr marL="685800" indent="-228600" algn="l" defTabSz="914400" rtl="0" eaLnBrk="1" latinLnBrk="0" hangingPunct="1">
-              <a:lnSpc>
-                <a:spcPct val="120000"/>
-              </a:lnSpc>
-              <a:spcBef>
-                <a:spcPts val="500"/>
-              </a:spcBef>
-              <a:buSzPct val="125000"/>
-              <a:buFont typeface="Arial" panose="020B0604020202020204" pitchFamily="34" charset="0"/>
-              <a:buChar char="•"/>
-              <a:defRPr sz="2000" kern="1200">
-                <a:solidFill>
-                  <a:schemeClr val="tx1"/>
-                </a:solidFill>
-                <a:latin typeface="+mn-lt"/>
-                <a:ea typeface="+mn-ea"/>
-                <a:cs typeface="+mn-cs"/>
-              </a:defRPr>
-            </a:lvl2pPr>
-            <a:lvl3pPr marL="1143000" indent="-228600" algn="l" defTabSz="914400" rtl="0" eaLnBrk="1" latinLnBrk="0" hangingPunct="1">
-              <a:lnSpc>
-                <a:spcPct val="120000"/>
-              </a:lnSpc>
-              <a:spcBef>
-                <a:spcPts val="500"/>
-              </a:spcBef>
-              <a:buSzPct val="125000"/>
-              <a:buFont typeface="Arial" panose="020B0604020202020204" pitchFamily="34" charset="0"/>
-              <a:buChar char="•"/>
-              <a:defRPr sz="1800" kern="1200">
-                <a:solidFill>
-                  <a:schemeClr val="tx1"/>
-                </a:solidFill>
-                <a:latin typeface="+mn-lt"/>
-                <a:ea typeface="+mn-ea"/>
-                <a:cs typeface="+mn-cs"/>
-              </a:defRPr>
-            </a:lvl3pPr>
-            <a:lvl4pPr marL="1600200" indent="-228600" algn="l" defTabSz="914400" rtl="0" eaLnBrk="1" latinLnBrk="0" hangingPunct="1">
-              <a:lnSpc>
-                <a:spcPct val="120000"/>
-              </a:lnSpc>
-              <a:spcBef>
-                <a:spcPts val="500"/>
-              </a:spcBef>
-              <a:buSzPct val="125000"/>
-              <a:buFont typeface="Arial" panose="020B0604020202020204" pitchFamily="34" charset="0"/>
-              <a:buChar char="•"/>
-              <a:defRPr sz="1600" kern="1200">
-                <a:solidFill>
-                  <a:schemeClr val="tx1"/>
-                </a:solidFill>
-                <a:latin typeface="+mn-lt"/>
-                <a:ea typeface="+mn-ea"/>
-                <a:cs typeface="+mn-cs"/>
-              </a:defRPr>
-            </a:lvl4pPr>
-            <a:lvl5pPr marL="2057400" indent="-228600" algn="l" defTabSz="914400" rtl="0" eaLnBrk="1" latinLnBrk="0" hangingPunct="1">
-              <a:lnSpc>
-                <a:spcPct val="120000"/>
-              </a:lnSpc>
-              <a:spcBef>
-                <a:spcPts val="500"/>
-              </a:spcBef>
-              <a:buSzPct val="125000"/>
-              <a:buFont typeface="Arial" panose="020B0604020202020204" pitchFamily="34" charset="0"/>
-              <a:buChar char="•"/>
-              <a:defRPr sz="1600" kern="1200">
-                <a:solidFill>
-                  <a:schemeClr val="tx1"/>
-                </a:solidFill>
-                <a:latin typeface="+mn-lt"/>
-                <a:ea typeface="+mn-ea"/>
-                <a:cs typeface="+mn-cs"/>
-              </a:defRPr>
-            </a:lvl5pPr>
-            <a:lvl6pPr marL="2514600" indent="-228600" algn="l" defTabSz="914400" rtl="0" eaLnBrk="1" latinLnBrk="0" hangingPunct="1">
-              <a:lnSpc>
-                <a:spcPct val="120000"/>
-              </a:lnSpc>
-              <a:spcBef>
-                <a:spcPts val="500"/>
-              </a:spcBef>
-              <a:buSzPct val="125000"/>
-              <a:buFont typeface="Arial" panose="020B0604020202020204" pitchFamily="34" charset="0"/>
-              <a:buChar char="•"/>
-              <a:defRPr sz="1400" kern="1200">
-                <a:solidFill>
-                  <a:schemeClr val="tx1"/>
-                </a:solidFill>
-                <a:latin typeface="+mn-lt"/>
-                <a:ea typeface="+mn-ea"/>
-                <a:cs typeface="+mn-cs"/>
-              </a:defRPr>
-            </a:lvl6pPr>
-            <a:lvl7pPr marL="2971800" indent="-228600" algn="l" defTabSz="914400" rtl="0" eaLnBrk="1" latinLnBrk="0" hangingPunct="1">
-              <a:lnSpc>
-                <a:spcPct val="120000"/>
-              </a:lnSpc>
-              <a:spcBef>
-                <a:spcPts val="500"/>
-              </a:spcBef>
-              <a:buSzPct val="125000"/>
-              <a:buFont typeface="Arial" panose="020B0604020202020204" pitchFamily="34" charset="0"/>
-              <a:buChar char="•"/>
-              <a:defRPr sz="1400" kern="1200">
-                <a:solidFill>
-                  <a:schemeClr val="tx1"/>
-                </a:solidFill>
-                <a:latin typeface="+mn-lt"/>
-                <a:ea typeface="+mn-ea"/>
-                <a:cs typeface="+mn-cs"/>
-              </a:defRPr>
-            </a:lvl7pPr>
-            <a:lvl8pPr marL="3429000" indent="-228600" algn="l" defTabSz="914400" rtl="0" eaLnBrk="1" latinLnBrk="0" hangingPunct="1">
-              <a:lnSpc>
-                <a:spcPct val="120000"/>
-              </a:lnSpc>
-              <a:spcBef>
-                <a:spcPts val="500"/>
-              </a:spcBef>
-              <a:buSzPct val="125000"/>
-              <a:buFont typeface="Arial" panose="020B0604020202020204" pitchFamily="34" charset="0"/>
-              <a:buChar char="•"/>
-              <a:defRPr sz="1400" kern="1200">
-                <a:solidFill>
-                  <a:schemeClr val="tx1"/>
-                </a:solidFill>
-                <a:latin typeface="+mn-lt"/>
-                <a:ea typeface="+mn-ea"/>
-                <a:cs typeface="+mn-cs"/>
-              </a:defRPr>
-            </a:lvl8pPr>
-            <a:lvl9pPr marL="3886200" indent="-228600" algn="l" defTabSz="914400" rtl="0" eaLnBrk="1" latinLnBrk="0" hangingPunct="1">
-              <a:lnSpc>
-                <a:spcPct val="120000"/>
-              </a:lnSpc>
-              <a:spcBef>
-                <a:spcPts val="500"/>
-              </a:spcBef>
-              <a:buSzPct val="125000"/>
-              <a:buFont typeface="Arial" panose="020B0604020202020204" pitchFamily="34" charset="0"/>
-              <a:buChar char="•"/>
-              <a:defRPr sz="1400" kern="1200">
-                <a:solidFill>
-                  <a:schemeClr val="tx1"/>
-                </a:solidFill>
-                <a:latin typeface="+mn-lt"/>
-                <a:ea typeface="+mn-ea"/>
-                <a:cs typeface="+mn-cs"/>
-              </a:defRPr>
-            </a:lvl9pPr>
-          </a:lstStyle>
-          <a:p>
-            <a:pPr marL="0" indent="0">
-              <a:buFont typeface="Arial" panose="020B0604020202020204" pitchFamily="34" charset="0"/>
-              <a:buNone/>
-            </a:pPr>
-            <a:r>
-              <a:rPr lang="en-US" sz="2200" b="1" i="1" u="sng" dirty="0"/>
-              <a:t>Try to solve this problem on your own! This one is definitely harder!! Check out the reading for details!</a:t>
-            </a:r>
-          </a:p>
-        </p:txBody>
-      </p:sp>
-      <p:sp>
-        <p:nvSpPr>
           <p:cNvPr id="16" name="Content Placeholder 2">
             <a:extLst>
               <a:ext uri="{FF2B5EF4-FFF2-40B4-BE49-F238E27FC236}">
@@ -39427,7 +39637,7 @@
             </a:pPr>
             <a:r>
               <a:rPr lang="en-US" sz="1600" i="1" dirty="0"/>
-              <a:t>So maximal(2, 8) would return [7 .. 8], 11+12 is the maximal sum within the range [2 .. 8].</a:t>
+              <a:t>So maximal(2, 8) would return 23 because range [7 .. 8] (11+12) is the maximal sum within the range [2 .. 8].</a:t>
             </a:r>
           </a:p>
         </p:txBody>
@@ -40404,6 +40614,5356 @@
           <p:cNvPr id="2" name="Title 1">
             <a:extLst>
               <a:ext uri="{FF2B5EF4-FFF2-40B4-BE49-F238E27FC236}">
+                <a16:creationId xmlns:a16="http://schemas.microsoft.com/office/drawing/2014/main" id="{D63C04CD-2329-4D47-84D9-12CB3EDD9F46}"/>
+              </a:ext>
+            </a:extLst>
+          </p:cNvPr>
+          <p:cNvSpPr>
+            <a:spLocks noGrp="1"/>
+          </p:cNvSpPr>
+          <p:nvPr>
+            <p:ph type="title"/>
+          </p:nvPr>
+        </p:nvSpPr>
+        <p:spPr>
+          <a:xfrm>
+            <a:off x="1141412" y="228903"/>
+            <a:ext cx="9905998" cy="860425"/>
+          </a:xfrm>
+        </p:spPr>
+        <p:txBody>
+          <a:bodyPr/>
+          <a:lstStyle/>
+          <a:p>
+            <a:pPr algn="ctr"/>
+            <a:r>
+              <a:rPr lang="en-US" dirty="0"/>
+              <a:t>Finding Maximal Sub-Segment</a:t>
+            </a:r>
+          </a:p>
+        </p:txBody>
+      </p:sp>
+      <mc:AlternateContent xmlns:mc="http://schemas.openxmlformats.org/markup-compatibility/2006" xmlns:a14="http://schemas.microsoft.com/office/drawing/2010/main">
+        <mc:Choice Requires="a14">
+          <p:sp>
+            <p:nvSpPr>
+              <p:cNvPr id="13" name="Content Placeholder 2">
+                <a:extLst>
+                  <a:ext uri="{FF2B5EF4-FFF2-40B4-BE49-F238E27FC236}">
+                    <a16:creationId xmlns:a16="http://schemas.microsoft.com/office/drawing/2014/main" id="{53AB7927-4B56-1D41-85D2-35A73551ABFB}"/>
+                  </a:ext>
+                </a:extLst>
+              </p:cNvPr>
+              <p:cNvSpPr txBox="1">
+                <a:spLocks/>
+              </p:cNvSpPr>
+              <p:nvPr/>
+            </p:nvSpPr>
+            <p:spPr>
+              <a:xfrm>
+                <a:off x="1141412" y="1072714"/>
+                <a:ext cx="10165079" cy="866567"/>
+              </a:xfrm>
+              <a:prstGeom prst="rect">
+                <a:avLst/>
+              </a:prstGeom>
+            </p:spPr>
+            <p:txBody>
+              <a:bodyPr vert="horz" lIns="91440" tIns="45720" rIns="91440" bIns="45720" rtlCol="0">
+                <a:normAutofit/>
+              </a:bodyPr>
+              <a:lstStyle>
+                <a:lvl1pPr marL="228600" indent="-228600" algn="l" defTabSz="914400" rtl="0" eaLnBrk="1" latinLnBrk="0" hangingPunct="1">
+                  <a:lnSpc>
+                    <a:spcPct val="120000"/>
+                  </a:lnSpc>
+                  <a:spcBef>
+                    <a:spcPts val="1000"/>
+                  </a:spcBef>
+                  <a:buSzPct val="125000"/>
+                  <a:buFont typeface="Arial" panose="020B0604020202020204" pitchFamily="34" charset="0"/>
+                  <a:buChar char="•"/>
+                  <a:defRPr sz="2400" kern="1200">
+                    <a:solidFill>
+                      <a:schemeClr val="tx1"/>
+                    </a:solidFill>
+                    <a:latin typeface="+mn-lt"/>
+                    <a:ea typeface="+mn-ea"/>
+                    <a:cs typeface="+mn-cs"/>
+                  </a:defRPr>
+                </a:lvl1pPr>
+                <a:lvl2pPr marL="685800" indent="-228600" algn="l" defTabSz="914400" rtl="0" eaLnBrk="1" latinLnBrk="0" hangingPunct="1">
+                  <a:lnSpc>
+                    <a:spcPct val="120000"/>
+                  </a:lnSpc>
+                  <a:spcBef>
+                    <a:spcPts val="500"/>
+                  </a:spcBef>
+                  <a:buSzPct val="125000"/>
+                  <a:buFont typeface="Arial" panose="020B0604020202020204" pitchFamily="34" charset="0"/>
+                  <a:buChar char="•"/>
+                  <a:defRPr sz="2000" kern="1200">
+                    <a:solidFill>
+                      <a:schemeClr val="tx1"/>
+                    </a:solidFill>
+                    <a:latin typeface="+mn-lt"/>
+                    <a:ea typeface="+mn-ea"/>
+                    <a:cs typeface="+mn-cs"/>
+                  </a:defRPr>
+                </a:lvl2pPr>
+                <a:lvl3pPr marL="1143000" indent="-228600" algn="l" defTabSz="914400" rtl="0" eaLnBrk="1" latinLnBrk="0" hangingPunct="1">
+                  <a:lnSpc>
+                    <a:spcPct val="120000"/>
+                  </a:lnSpc>
+                  <a:spcBef>
+                    <a:spcPts val="500"/>
+                  </a:spcBef>
+                  <a:buSzPct val="125000"/>
+                  <a:buFont typeface="Arial" panose="020B0604020202020204" pitchFamily="34" charset="0"/>
+                  <a:buChar char="•"/>
+                  <a:defRPr sz="1800" kern="1200">
+                    <a:solidFill>
+                      <a:schemeClr val="tx1"/>
+                    </a:solidFill>
+                    <a:latin typeface="+mn-lt"/>
+                    <a:ea typeface="+mn-ea"/>
+                    <a:cs typeface="+mn-cs"/>
+                  </a:defRPr>
+                </a:lvl3pPr>
+                <a:lvl4pPr marL="1600200" indent="-228600" algn="l" defTabSz="914400" rtl="0" eaLnBrk="1" latinLnBrk="0" hangingPunct="1">
+                  <a:lnSpc>
+                    <a:spcPct val="120000"/>
+                  </a:lnSpc>
+                  <a:spcBef>
+                    <a:spcPts val="500"/>
+                  </a:spcBef>
+                  <a:buSzPct val="125000"/>
+                  <a:buFont typeface="Arial" panose="020B0604020202020204" pitchFamily="34" charset="0"/>
+                  <a:buChar char="•"/>
+                  <a:defRPr sz="1600" kern="1200">
+                    <a:solidFill>
+                      <a:schemeClr val="tx1"/>
+                    </a:solidFill>
+                    <a:latin typeface="+mn-lt"/>
+                    <a:ea typeface="+mn-ea"/>
+                    <a:cs typeface="+mn-cs"/>
+                  </a:defRPr>
+                </a:lvl4pPr>
+                <a:lvl5pPr marL="2057400" indent="-228600" algn="l" defTabSz="914400" rtl="0" eaLnBrk="1" latinLnBrk="0" hangingPunct="1">
+                  <a:lnSpc>
+                    <a:spcPct val="120000"/>
+                  </a:lnSpc>
+                  <a:spcBef>
+                    <a:spcPts val="500"/>
+                  </a:spcBef>
+                  <a:buSzPct val="125000"/>
+                  <a:buFont typeface="Arial" panose="020B0604020202020204" pitchFamily="34" charset="0"/>
+                  <a:buChar char="•"/>
+                  <a:defRPr sz="1600" kern="1200">
+                    <a:solidFill>
+                      <a:schemeClr val="tx1"/>
+                    </a:solidFill>
+                    <a:latin typeface="+mn-lt"/>
+                    <a:ea typeface="+mn-ea"/>
+                    <a:cs typeface="+mn-cs"/>
+                  </a:defRPr>
+                </a:lvl5pPr>
+                <a:lvl6pPr marL="2514600" indent="-228600" algn="l" defTabSz="914400" rtl="0" eaLnBrk="1" latinLnBrk="0" hangingPunct="1">
+                  <a:lnSpc>
+                    <a:spcPct val="120000"/>
+                  </a:lnSpc>
+                  <a:spcBef>
+                    <a:spcPts val="500"/>
+                  </a:spcBef>
+                  <a:buSzPct val="125000"/>
+                  <a:buFont typeface="Arial" panose="020B0604020202020204" pitchFamily="34" charset="0"/>
+                  <a:buChar char="•"/>
+                  <a:defRPr sz="1400" kern="1200">
+                    <a:solidFill>
+                      <a:schemeClr val="tx1"/>
+                    </a:solidFill>
+                    <a:latin typeface="+mn-lt"/>
+                    <a:ea typeface="+mn-ea"/>
+                    <a:cs typeface="+mn-cs"/>
+                  </a:defRPr>
+                </a:lvl6pPr>
+                <a:lvl7pPr marL="2971800" indent="-228600" algn="l" defTabSz="914400" rtl="0" eaLnBrk="1" latinLnBrk="0" hangingPunct="1">
+                  <a:lnSpc>
+                    <a:spcPct val="120000"/>
+                  </a:lnSpc>
+                  <a:spcBef>
+                    <a:spcPts val="500"/>
+                  </a:spcBef>
+                  <a:buSzPct val="125000"/>
+                  <a:buFont typeface="Arial" panose="020B0604020202020204" pitchFamily="34" charset="0"/>
+                  <a:buChar char="•"/>
+                  <a:defRPr sz="1400" kern="1200">
+                    <a:solidFill>
+                      <a:schemeClr val="tx1"/>
+                    </a:solidFill>
+                    <a:latin typeface="+mn-lt"/>
+                    <a:ea typeface="+mn-ea"/>
+                    <a:cs typeface="+mn-cs"/>
+                  </a:defRPr>
+                </a:lvl7pPr>
+                <a:lvl8pPr marL="3429000" indent="-228600" algn="l" defTabSz="914400" rtl="0" eaLnBrk="1" latinLnBrk="0" hangingPunct="1">
+                  <a:lnSpc>
+                    <a:spcPct val="120000"/>
+                  </a:lnSpc>
+                  <a:spcBef>
+                    <a:spcPts val="500"/>
+                  </a:spcBef>
+                  <a:buSzPct val="125000"/>
+                  <a:buFont typeface="Arial" panose="020B0604020202020204" pitchFamily="34" charset="0"/>
+                  <a:buChar char="•"/>
+                  <a:defRPr sz="1400" kern="1200">
+                    <a:solidFill>
+                      <a:schemeClr val="tx1"/>
+                    </a:solidFill>
+                    <a:latin typeface="+mn-lt"/>
+                    <a:ea typeface="+mn-ea"/>
+                    <a:cs typeface="+mn-cs"/>
+                  </a:defRPr>
+                </a:lvl8pPr>
+                <a:lvl9pPr marL="3886200" indent="-228600" algn="l" defTabSz="914400" rtl="0" eaLnBrk="1" latinLnBrk="0" hangingPunct="1">
+                  <a:lnSpc>
+                    <a:spcPct val="120000"/>
+                  </a:lnSpc>
+                  <a:spcBef>
+                    <a:spcPts val="500"/>
+                  </a:spcBef>
+                  <a:buSzPct val="125000"/>
+                  <a:buFont typeface="Arial" panose="020B0604020202020204" pitchFamily="34" charset="0"/>
+                  <a:buChar char="•"/>
+                  <a:defRPr sz="1400" kern="1200">
+                    <a:solidFill>
+                      <a:schemeClr val="tx1"/>
+                    </a:solidFill>
+                    <a:latin typeface="+mn-lt"/>
+                    <a:ea typeface="+mn-ea"/>
+                    <a:cs typeface="+mn-cs"/>
+                  </a:defRPr>
+                </a:lvl9pPr>
+              </a:lstStyle>
+              <a:p>
+                <a:pPr marL="0" indent="0" algn="ctr">
+                  <a:buFont typeface="Arial" panose="020B0604020202020204" pitchFamily="34" charset="0"/>
+                  <a:buNone/>
+                </a:pPr>
+                <a:r>
+                  <a:rPr lang="en-US" sz="1600" i="1" dirty="0"/>
+                  <a:t>Given an array A, and a range [l .. r], find the subsegment [l’ .. r’] such that </a:t>
+                </a:r>
+                <a14:m>
+                  <m:oMath xmlns:m="http://schemas.openxmlformats.org/officeDocument/2006/math">
+                    <m:r>
+                      <a:rPr lang="en-US" sz="1600" b="0" i="1" smtClean="0">
+                        <a:latin typeface="Cambria Math" panose="02040503050406030204" pitchFamily="18" charset="0"/>
+                      </a:rPr>
+                      <m:t>𝑙</m:t>
+                    </m:r>
+                    <m:r>
+                      <a:rPr lang="en-US" sz="1600" b="0" i="1" smtClean="0">
+                        <a:latin typeface="Cambria Math" panose="02040503050406030204" pitchFamily="18" charset="0"/>
+                      </a:rPr>
+                      <m:t>≤</m:t>
+                    </m:r>
+                    <m:r>
+                      <a:rPr lang="en-US" sz="1600" b="0" i="1" smtClean="0">
+                        <a:latin typeface="Cambria Math" panose="02040503050406030204" pitchFamily="18" charset="0"/>
+                      </a:rPr>
+                      <m:t>𝑙</m:t>
+                    </m:r>
+                    <m:r>
+                      <a:rPr lang="en-US" sz="1600" b="0" i="1" smtClean="0">
+                        <a:latin typeface="Cambria Math" panose="02040503050406030204" pitchFamily="18" charset="0"/>
+                      </a:rPr>
+                      <m:t>′</m:t>
+                    </m:r>
+                  </m:oMath>
+                </a14:m>
+                <a:r>
+                  <a:rPr lang="en-US" sz="1600" i="1" dirty="0"/>
+                  <a:t> and </a:t>
+                </a:r>
+                <a14:m>
+                  <m:oMath xmlns:m="http://schemas.openxmlformats.org/officeDocument/2006/math">
+                    <m:r>
+                      <a:rPr lang="en-US" sz="1600" b="0" i="1" smtClean="0">
+                        <a:latin typeface="Cambria Math" panose="02040503050406030204" pitchFamily="18" charset="0"/>
+                      </a:rPr>
+                      <m:t>𝑟</m:t>
+                    </m:r>
+                    <m:r>
+                      <a:rPr lang="en-US" sz="1600" b="0" i="1" smtClean="0">
+                        <a:latin typeface="Cambria Math" panose="02040503050406030204" pitchFamily="18" charset="0"/>
+                      </a:rPr>
+                      <m:t>≥</m:t>
+                    </m:r>
+                    <m:r>
+                      <a:rPr lang="en-US" sz="1600" b="0" i="1" smtClean="0">
+                        <a:latin typeface="Cambria Math" panose="02040503050406030204" pitchFamily="18" charset="0"/>
+                      </a:rPr>
+                      <m:t>𝑟</m:t>
+                    </m:r>
+                    <m:r>
+                      <a:rPr lang="en-US" sz="1600" b="0" i="1" smtClean="0">
+                        <a:latin typeface="Cambria Math" panose="02040503050406030204" pitchFamily="18" charset="0"/>
+                      </a:rPr>
+                      <m:t>′</m:t>
+                    </m:r>
+                  </m:oMath>
+                </a14:m>
+                <a:r>
+                  <a:rPr lang="en-US" sz="1600" i="1" dirty="0"/>
+                  <a:t> and sum of [l’ .. r’] is maximal</a:t>
+                </a:r>
+              </a:p>
+            </p:txBody>
+          </p:sp>
+        </mc:Choice>
+        <mc:Fallback xmlns="">
+          <p:sp>
+            <p:nvSpPr>
+              <p:cNvPr id="13" name="Content Placeholder 2">
+                <a:extLst>
+                  <a:ext uri="{FF2B5EF4-FFF2-40B4-BE49-F238E27FC236}">
+                    <a16:creationId xmlns:a16="http://schemas.microsoft.com/office/drawing/2014/main" id="{53AB7927-4B56-1D41-85D2-35A73551ABFB}"/>
+                  </a:ext>
+                </a:extLst>
+              </p:cNvPr>
+              <p:cNvSpPr txBox="1">
+                <a:spLocks noRot="1" noChangeAspect="1" noMove="1" noResize="1" noEditPoints="1" noAdjustHandles="1" noChangeArrowheads="1" noChangeShapeType="1" noTextEdit="1"/>
+              </p:cNvSpPr>
+              <p:nvPr/>
+            </p:nvSpPr>
+            <p:spPr>
+              <a:xfrm>
+                <a:off x="1141412" y="1072714"/>
+                <a:ext cx="10165079" cy="866567"/>
+              </a:xfrm>
+              <a:prstGeom prst="rect">
+                <a:avLst/>
+              </a:prstGeom>
+              <a:blipFill>
+                <a:blip r:embed="rId3"/>
+                <a:stretch>
+                  <a:fillRect/>
+                </a:stretch>
+              </a:blipFill>
+            </p:spPr>
+            <p:txBody>
+              <a:bodyPr/>
+              <a:lstStyle/>
+              <a:p>
+                <a:r>
+                  <a:rPr lang="en-US">
+                    <a:noFill/>
+                  </a:rPr>
+                  <a:t> </a:t>
+                </a:r>
+              </a:p>
+            </p:txBody>
+          </p:sp>
+        </mc:Fallback>
+      </mc:AlternateContent>
+      <p:cxnSp>
+        <p:nvCxnSpPr>
+          <p:cNvPr id="12" name="Straight Connector 11">
+            <a:extLst>
+              <a:ext uri="{FF2B5EF4-FFF2-40B4-BE49-F238E27FC236}">
+                <a16:creationId xmlns:a16="http://schemas.microsoft.com/office/drawing/2014/main" id="{878C0CFD-E756-C64F-B86F-A385D066CC08}"/>
+              </a:ext>
+            </a:extLst>
+          </p:cNvPr>
+          <p:cNvCxnSpPr>
+            <a:cxnSpLocks/>
+          </p:cNvCxnSpPr>
+          <p:nvPr/>
+        </p:nvCxnSpPr>
+        <p:spPr>
+          <a:xfrm>
+            <a:off x="6926703" y="3628409"/>
+            <a:ext cx="612194" cy="810907"/>
+          </a:xfrm>
+          <a:prstGeom prst="line">
+            <a:avLst/>
+          </a:prstGeom>
+          <a:ln>
+            <a:solidFill>
+              <a:schemeClr val="tx1"/>
+            </a:solidFill>
+          </a:ln>
+        </p:spPr>
+        <p:style>
+          <a:lnRef idx="1">
+            <a:schemeClr val="accent1"/>
+          </a:lnRef>
+          <a:fillRef idx="0">
+            <a:schemeClr val="accent1"/>
+          </a:fillRef>
+          <a:effectRef idx="0">
+            <a:schemeClr val="accent1"/>
+          </a:effectRef>
+          <a:fontRef idx="minor">
+            <a:schemeClr val="tx1"/>
+          </a:fontRef>
+        </p:style>
+      </p:cxnSp>
+      <p:sp>
+        <p:nvSpPr>
+          <p:cNvPr id="14" name="Content Placeholder 2">
+            <a:extLst>
+              <a:ext uri="{FF2B5EF4-FFF2-40B4-BE49-F238E27FC236}">
+                <a16:creationId xmlns:a16="http://schemas.microsoft.com/office/drawing/2014/main" id="{67057155-16F3-854B-A54A-C77F36AF4DCF}"/>
+              </a:ext>
+            </a:extLst>
+          </p:cNvPr>
+          <p:cNvSpPr txBox="1">
+            <a:spLocks/>
+          </p:cNvSpPr>
+          <p:nvPr/>
+        </p:nvSpPr>
+        <p:spPr>
+          <a:xfrm>
+            <a:off x="986859" y="1663429"/>
+            <a:ext cx="10474184" cy="469316"/>
+          </a:xfrm>
+          <a:prstGeom prst="rect">
+            <a:avLst/>
+          </a:prstGeom>
+          <a:solidFill>
+            <a:schemeClr val="tx1">
+              <a:lumMod val="95000"/>
+            </a:schemeClr>
+          </a:solidFill>
+          <a:ln>
+            <a:solidFill>
+              <a:schemeClr val="bg1"/>
+            </a:solidFill>
+          </a:ln>
+        </p:spPr>
+        <p:txBody>
+          <a:bodyPr vert="horz" lIns="91440" tIns="45720" rIns="91440" bIns="45720" rtlCol="0">
+            <a:normAutofit/>
+          </a:bodyPr>
+          <a:lstStyle>
+            <a:lvl1pPr marL="228600" indent="-228600" algn="l" defTabSz="914400" rtl="0" eaLnBrk="1" latinLnBrk="0" hangingPunct="1">
+              <a:lnSpc>
+                <a:spcPct val="120000"/>
+              </a:lnSpc>
+              <a:spcBef>
+                <a:spcPts val="1000"/>
+              </a:spcBef>
+              <a:buSzPct val="125000"/>
+              <a:buFont typeface="Arial" panose="020B0604020202020204" pitchFamily="34" charset="0"/>
+              <a:buChar char="•"/>
+              <a:defRPr sz="2400" kern="1200">
+                <a:solidFill>
+                  <a:schemeClr val="tx1"/>
+                </a:solidFill>
+                <a:latin typeface="+mn-lt"/>
+                <a:ea typeface="+mn-ea"/>
+                <a:cs typeface="+mn-cs"/>
+              </a:defRPr>
+            </a:lvl1pPr>
+            <a:lvl2pPr marL="685800" indent="-228600" algn="l" defTabSz="914400" rtl="0" eaLnBrk="1" latinLnBrk="0" hangingPunct="1">
+              <a:lnSpc>
+                <a:spcPct val="120000"/>
+              </a:lnSpc>
+              <a:spcBef>
+                <a:spcPts val="500"/>
+              </a:spcBef>
+              <a:buSzPct val="125000"/>
+              <a:buFont typeface="Arial" panose="020B0604020202020204" pitchFamily="34" charset="0"/>
+              <a:buChar char="•"/>
+              <a:defRPr sz="2000" kern="1200">
+                <a:solidFill>
+                  <a:schemeClr val="tx1"/>
+                </a:solidFill>
+                <a:latin typeface="+mn-lt"/>
+                <a:ea typeface="+mn-ea"/>
+                <a:cs typeface="+mn-cs"/>
+              </a:defRPr>
+            </a:lvl2pPr>
+            <a:lvl3pPr marL="1143000" indent="-228600" algn="l" defTabSz="914400" rtl="0" eaLnBrk="1" latinLnBrk="0" hangingPunct="1">
+              <a:lnSpc>
+                <a:spcPct val="120000"/>
+              </a:lnSpc>
+              <a:spcBef>
+                <a:spcPts val="500"/>
+              </a:spcBef>
+              <a:buSzPct val="125000"/>
+              <a:buFont typeface="Arial" panose="020B0604020202020204" pitchFamily="34" charset="0"/>
+              <a:buChar char="•"/>
+              <a:defRPr sz="1800" kern="1200">
+                <a:solidFill>
+                  <a:schemeClr val="tx1"/>
+                </a:solidFill>
+                <a:latin typeface="+mn-lt"/>
+                <a:ea typeface="+mn-ea"/>
+                <a:cs typeface="+mn-cs"/>
+              </a:defRPr>
+            </a:lvl3pPr>
+            <a:lvl4pPr marL="1600200" indent="-228600" algn="l" defTabSz="914400" rtl="0" eaLnBrk="1" latinLnBrk="0" hangingPunct="1">
+              <a:lnSpc>
+                <a:spcPct val="120000"/>
+              </a:lnSpc>
+              <a:spcBef>
+                <a:spcPts val="500"/>
+              </a:spcBef>
+              <a:buSzPct val="125000"/>
+              <a:buFont typeface="Arial" panose="020B0604020202020204" pitchFamily="34" charset="0"/>
+              <a:buChar char="•"/>
+              <a:defRPr sz="1600" kern="1200">
+                <a:solidFill>
+                  <a:schemeClr val="tx1"/>
+                </a:solidFill>
+                <a:latin typeface="+mn-lt"/>
+                <a:ea typeface="+mn-ea"/>
+                <a:cs typeface="+mn-cs"/>
+              </a:defRPr>
+            </a:lvl4pPr>
+            <a:lvl5pPr marL="2057400" indent="-228600" algn="l" defTabSz="914400" rtl="0" eaLnBrk="1" latinLnBrk="0" hangingPunct="1">
+              <a:lnSpc>
+                <a:spcPct val="120000"/>
+              </a:lnSpc>
+              <a:spcBef>
+                <a:spcPts val="500"/>
+              </a:spcBef>
+              <a:buSzPct val="125000"/>
+              <a:buFont typeface="Arial" panose="020B0604020202020204" pitchFamily="34" charset="0"/>
+              <a:buChar char="•"/>
+              <a:defRPr sz="1600" kern="1200">
+                <a:solidFill>
+                  <a:schemeClr val="tx1"/>
+                </a:solidFill>
+                <a:latin typeface="+mn-lt"/>
+                <a:ea typeface="+mn-ea"/>
+                <a:cs typeface="+mn-cs"/>
+              </a:defRPr>
+            </a:lvl5pPr>
+            <a:lvl6pPr marL="2514600" indent="-228600" algn="l" defTabSz="914400" rtl="0" eaLnBrk="1" latinLnBrk="0" hangingPunct="1">
+              <a:lnSpc>
+                <a:spcPct val="120000"/>
+              </a:lnSpc>
+              <a:spcBef>
+                <a:spcPts val="500"/>
+              </a:spcBef>
+              <a:buSzPct val="125000"/>
+              <a:buFont typeface="Arial" panose="020B0604020202020204" pitchFamily="34" charset="0"/>
+              <a:buChar char="•"/>
+              <a:defRPr sz="1400" kern="1200">
+                <a:solidFill>
+                  <a:schemeClr val="tx1"/>
+                </a:solidFill>
+                <a:latin typeface="+mn-lt"/>
+                <a:ea typeface="+mn-ea"/>
+                <a:cs typeface="+mn-cs"/>
+              </a:defRPr>
+            </a:lvl6pPr>
+            <a:lvl7pPr marL="2971800" indent="-228600" algn="l" defTabSz="914400" rtl="0" eaLnBrk="1" latinLnBrk="0" hangingPunct="1">
+              <a:lnSpc>
+                <a:spcPct val="120000"/>
+              </a:lnSpc>
+              <a:spcBef>
+                <a:spcPts val="500"/>
+              </a:spcBef>
+              <a:buSzPct val="125000"/>
+              <a:buFont typeface="Arial" panose="020B0604020202020204" pitchFamily="34" charset="0"/>
+              <a:buChar char="•"/>
+              <a:defRPr sz="1400" kern="1200">
+                <a:solidFill>
+                  <a:schemeClr val="tx1"/>
+                </a:solidFill>
+                <a:latin typeface="+mn-lt"/>
+                <a:ea typeface="+mn-ea"/>
+                <a:cs typeface="+mn-cs"/>
+              </a:defRPr>
+            </a:lvl7pPr>
+            <a:lvl8pPr marL="3429000" indent="-228600" algn="l" defTabSz="914400" rtl="0" eaLnBrk="1" latinLnBrk="0" hangingPunct="1">
+              <a:lnSpc>
+                <a:spcPct val="120000"/>
+              </a:lnSpc>
+              <a:spcBef>
+                <a:spcPts val="500"/>
+              </a:spcBef>
+              <a:buSzPct val="125000"/>
+              <a:buFont typeface="Arial" panose="020B0604020202020204" pitchFamily="34" charset="0"/>
+              <a:buChar char="•"/>
+              <a:defRPr sz="1400" kern="1200">
+                <a:solidFill>
+                  <a:schemeClr val="tx1"/>
+                </a:solidFill>
+                <a:latin typeface="+mn-lt"/>
+                <a:ea typeface="+mn-ea"/>
+                <a:cs typeface="+mn-cs"/>
+              </a:defRPr>
+            </a:lvl8pPr>
+            <a:lvl9pPr marL="3886200" indent="-228600" algn="l" defTabSz="914400" rtl="0" eaLnBrk="1" latinLnBrk="0" hangingPunct="1">
+              <a:lnSpc>
+                <a:spcPct val="120000"/>
+              </a:lnSpc>
+              <a:spcBef>
+                <a:spcPts val="500"/>
+              </a:spcBef>
+              <a:buSzPct val="125000"/>
+              <a:buFont typeface="Arial" panose="020B0604020202020204" pitchFamily="34" charset="0"/>
+              <a:buChar char="•"/>
+              <a:defRPr sz="1400" kern="1200">
+                <a:solidFill>
+                  <a:schemeClr val="tx1"/>
+                </a:solidFill>
+                <a:latin typeface="+mn-lt"/>
+                <a:ea typeface="+mn-ea"/>
+                <a:cs typeface="+mn-cs"/>
+              </a:defRPr>
+            </a:lvl9pPr>
+          </a:lstStyle>
+          <a:p>
+            <a:pPr marL="0" indent="0">
+              <a:buFont typeface="Arial" panose="020B0604020202020204" pitchFamily="34" charset="0"/>
+              <a:buNone/>
+            </a:pPr>
+            <a:r>
+              <a:rPr lang="en-US" sz="1600" b="1" i="1" u="sng" dirty="0">
+                <a:solidFill>
+                  <a:schemeClr val="bg1"/>
+                </a:solidFill>
+              </a:rPr>
+              <a:t>Key Idea</a:t>
+            </a:r>
+            <a:r>
+              <a:rPr lang="en-US" sz="1600" i="1" dirty="0">
+                <a:solidFill>
+                  <a:schemeClr val="bg1"/>
+                </a:solidFill>
+              </a:rPr>
+              <a:t>: Observe that the maximal sub-segment of a range is one of a few options given the solution to its two children.</a:t>
+            </a:r>
+          </a:p>
+        </p:txBody>
+      </p:sp>
+      <p:grpSp>
+        <p:nvGrpSpPr>
+          <p:cNvPr id="10" name="Group 9">
+            <a:extLst>
+              <a:ext uri="{FF2B5EF4-FFF2-40B4-BE49-F238E27FC236}">
+                <a16:creationId xmlns:a16="http://schemas.microsoft.com/office/drawing/2014/main" id="{446F229A-20EA-5541-B22E-E8E4CC6B30EE}"/>
+              </a:ext>
+            </a:extLst>
+          </p:cNvPr>
+          <p:cNvGrpSpPr/>
+          <p:nvPr/>
+        </p:nvGrpSpPr>
+        <p:grpSpPr>
+          <a:xfrm>
+            <a:off x="2332699" y="2658816"/>
+            <a:ext cx="7225365" cy="990059"/>
+            <a:chOff x="2495662" y="2770363"/>
+            <a:chExt cx="7225365" cy="990059"/>
+          </a:xfrm>
+        </p:grpSpPr>
+        <p:sp>
+          <p:nvSpPr>
+            <p:cNvPr id="3" name="Rectangle 2">
+              <a:extLst>
+                <a:ext uri="{FF2B5EF4-FFF2-40B4-BE49-F238E27FC236}">
+                  <a16:creationId xmlns:a16="http://schemas.microsoft.com/office/drawing/2014/main" id="{9AF7525F-C848-0647-8A9F-2C2177FE4F93}"/>
+                </a:ext>
+              </a:extLst>
+            </p:cNvPr>
+            <p:cNvSpPr/>
+            <p:nvPr/>
+          </p:nvSpPr>
+          <p:spPr>
+            <a:xfrm>
+              <a:off x="2631460" y="3221741"/>
+              <a:ext cx="6925901" cy="389299"/>
+            </a:xfrm>
+            <a:prstGeom prst="rect">
+              <a:avLst/>
+            </a:prstGeom>
+            <a:ln>
+              <a:solidFill>
+                <a:schemeClr val="tx1">
+                  <a:lumMod val="95000"/>
+                </a:schemeClr>
+              </a:solidFill>
+            </a:ln>
+          </p:spPr>
+          <p:style>
+            <a:lnRef idx="2">
+              <a:schemeClr val="accent1">
+                <a:shade val="50000"/>
+              </a:schemeClr>
+            </a:lnRef>
+            <a:fillRef idx="1">
+              <a:schemeClr val="accent1"/>
+            </a:fillRef>
+            <a:effectRef idx="0">
+              <a:schemeClr val="accent1"/>
+            </a:effectRef>
+            <a:fontRef idx="minor">
+              <a:schemeClr val="lt1"/>
+            </a:fontRef>
+          </p:style>
+          <p:txBody>
+            <a:bodyPr rtlCol="0" anchor="ctr"/>
+            <a:lstStyle/>
+            <a:p>
+              <a:pPr algn="ctr"/>
+              <a:endParaRPr lang="en-US"/>
+            </a:p>
+          </p:txBody>
+        </p:sp>
+        <p:cxnSp>
+          <p:nvCxnSpPr>
+            <p:cNvPr id="5" name="Straight Connector 4">
+              <a:extLst>
+                <a:ext uri="{FF2B5EF4-FFF2-40B4-BE49-F238E27FC236}">
+                  <a16:creationId xmlns:a16="http://schemas.microsoft.com/office/drawing/2014/main" id="{8CC3F8C1-5C56-F048-AC62-B99B23772878}"/>
+                </a:ext>
+              </a:extLst>
+            </p:cNvPr>
+            <p:cNvCxnSpPr>
+              <a:cxnSpLocks/>
+            </p:cNvCxnSpPr>
+            <p:nvPr/>
+          </p:nvCxnSpPr>
+          <p:spPr>
+            <a:xfrm>
+              <a:off x="2622407" y="3060071"/>
+              <a:ext cx="0" cy="688064"/>
+            </a:xfrm>
+            <a:prstGeom prst="line">
+              <a:avLst/>
+            </a:prstGeom>
+          </p:spPr>
+          <p:style>
+            <a:lnRef idx="1">
+              <a:schemeClr val="accent1"/>
+            </a:lnRef>
+            <a:fillRef idx="0">
+              <a:schemeClr val="accent1"/>
+            </a:fillRef>
+            <a:effectRef idx="0">
+              <a:schemeClr val="accent1"/>
+            </a:effectRef>
+            <a:fontRef idx="minor">
+              <a:schemeClr val="tx1"/>
+            </a:fontRef>
+          </p:style>
+        </p:cxnSp>
+        <p:cxnSp>
+          <p:nvCxnSpPr>
+            <p:cNvPr id="18" name="Straight Connector 17">
+              <a:extLst>
+                <a:ext uri="{FF2B5EF4-FFF2-40B4-BE49-F238E27FC236}">
+                  <a16:creationId xmlns:a16="http://schemas.microsoft.com/office/drawing/2014/main" id="{0AD8A11C-D17C-2F42-A374-F8A90FEE78C3}"/>
+                </a:ext>
+              </a:extLst>
+            </p:cNvPr>
+            <p:cNvCxnSpPr>
+              <a:cxnSpLocks/>
+            </p:cNvCxnSpPr>
+            <p:nvPr/>
+          </p:nvCxnSpPr>
+          <p:spPr>
+            <a:xfrm>
+              <a:off x="9557361" y="3072358"/>
+              <a:ext cx="0" cy="688064"/>
+            </a:xfrm>
+            <a:prstGeom prst="line">
+              <a:avLst/>
+            </a:prstGeom>
+          </p:spPr>
+          <p:style>
+            <a:lnRef idx="1">
+              <a:schemeClr val="accent1"/>
+            </a:lnRef>
+            <a:fillRef idx="0">
+              <a:schemeClr val="accent1"/>
+            </a:fillRef>
+            <a:effectRef idx="0">
+              <a:schemeClr val="accent1"/>
+            </a:effectRef>
+            <a:fontRef idx="minor">
+              <a:schemeClr val="tx1"/>
+            </a:fontRef>
+          </p:style>
+        </p:cxnSp>
+        <p:sp>
+          <p:nvSpPr>
+            <p:cNvPr id="8" name="TextBox 7">
+              <a:extLst>
+                <a:ext uri="{FF2B5EF4-FFF2-40B4-BE49-F238E27FC236}">
+                  <a16:creationId xmlns:a16="http://schemas.microsoft.com/office/drawing/2014/main" id="{6615CDA8-9C6E-854C-914F-DDE532E28ABB}"/>
+                </a:ext>
+              </a:extLst>
+            </p:cNvPr>
+            <p:cNvSpPr txBox="1"/>
+            <p:nvPr/>
+          </p:nvSpPr>
+          <p:spPr>
+            <a:xfrm>
+              <a:off x="2495662" y="2770363"/>
+              <a:ext cx="272832" cy="369332"/>
+            </a:xfrm>
+            <a:prstGeom prst="rect">
+              <a:avLst/>
+            </a:prstGeom>
+            <a:noFill/>
+          </p:spPr>
+          <p:txBody>
+            <a:bodyPr wrap="none" rtlCol="0">
+              <a:spAutoFit/>
+            </a:bodyPr>
+            <a:lstStyle/>
+            <a:p>
+              <a:r>
+                <a:rPr lang="en-US" dirty="0">
+                  <a:solidFill>
+                    <a:schemeClr val="accent1"/>
+                  </a:solidFill>
+                </a:rPr>
+                <a:t>L</a:t>
+              </a:r>
+            </a:p>
+          </p:txBody>
+        </p:sp>
+        <p:sp>
+          <p:nvSpPr>
+            <p:cNvPr id="21" name="TextBox 20">
+              <a:extLst>
+                <a:ext uri="{FF2B5EF4-FFF2-40B4-BE49-F238E27FC236}">
+                  <a16:creationId xmlns:a16="http://schemas.microsoft.com/office/drawing/2014/main" id="{9A790306-89D3-A746-9CCD-DD70B8509FAC}"/>
+                </a:ext>
+              </a:extLst>
+            </p:cNvPr>
+            <p:cNvSpPr txBox="1"/>
+            <p:nvPr/>
+          </p:nvSpPr>
+          <p:spPr>
+            <a:xfrm>
+              <a:off x="9420945" y="2770363"/>
+              <a:ext cx="300082" cy="369332"/>
+            </a:xfrm>
+            <a:prstGeom prst="rect">
+              <a:avLst/>
+            </a:prstGeom>
+            <a:noFill/>
+          </p:spPr>
+          <p:txBody>
+            <a:bodyPr wrap="none" rtlCol="0">
+              <a:spAutoFit/>
+            </a:bodyPr>
+            <a:lstStyle/>
+            <a:p>
+              <a:r>
+                <a:rPr lang="en-US" dirty="0">
+                  <a:solidFill>
+                    <a:schemeClr val="accent1"/>
+                  </a:solidFill>
+                </a:rPr>
+                <a:t>R</a:t>
+              </a:r>
+            </a:p>
+          </p:txBody>
+        </p:sp>
+        <p:sp>
+          <p:nvSpPr>
+            <p:cNvPr id="24" name="TextBox 23">
+              <a:extLst>
+                <a:ext uri="{FF2B5EF4-FFF2-40B4-BE49-F238E27FC236}">
+                  <a16:creationId xmlns:a16="http://schemas.microsoft.com/office/drawing/2014/main" id="{2C53D8B1-19DB-3F49-86FD-D78C87C52689}"/>
+                </a:ext>
+              </a:extLst>
+            </p:cNvPr>
+            <p:cNvSpPr txBox="1"/>
+            <p:nvPr/>
+          </p:nvSpPr>
+          <p:spPr>
+            <a:xfrm>
+              <a:off x="4087565" y="2773394"/>
+              <a:ext cx="319318" cy="369332"/>
+            </a:xfrm>
+            <a:prstGeom prst="rect">
+              <a:avLst/>
+            </a:prstGeom>
+            <a:noFill/>
+          </p:spPr>
+          <p:txBody>
+            <a:bodyPr wrap="none" rtlCol="0">
+              <a:spAutoFit/>
+            </a:bodyPr>
+            <a:lstStyle/>
+            <a:p>
+              <a:r>
+                <a:rPr lang="en-US" dirty="0">
+                  <a:solidFill>
+                    <a:schemeClr val="accent3"/>
+                  </a:solidFill>
+                </a:rPr>
+                <a:t>T</a:t>
+              </a:r>
+              <a:r>
+                <a:rPr lang="en-US" baseline="-25000" dirty="0">
+                  <a:solidFill>
+                    <a:schemeClr val="accent3"/>
+                  </a:solidFill>
+                </a:rPr>
+                <a:t>l</a:t>
+              </a:r>
+            </a:p>
+          </p:txBody>
+        </p:sp>
+        <p:cxnSp>
+          <p:nvCxnSpPr>
+            <p:cNvPr id="25" name="Straight Connector 24">
+              <a:extLst>
+                <a:ext uri="{FF2B5EF4-FFF2-40B4-BE49-F238E27FC236}">
+                  <a16:creationId xmlns:a16="http://schemas.microsoft.com/office/drawing/2014/main" id="{C8831F5F-C95A-7D42-ADF8-B1626D5C6D7D}"/>
+                </a:ext>
+              </a:extLst>
+            </p:cNvPr>
+            <p:cNvCxnSpPr>
+              <a:cxnSpLocks/>
+            </p:cNvCxnSpPr>
+            <p:nvPr/>
+          </p:nvCxnSpPr>
+          <p:spPr>
+            <a:xfrm>
+              <a:off x="4232413" y="3072358"/>
+              <a:ext cx="0" cy="688064"/>
+            </a:xfrm>
+            <a:prstGeom prst="line">
+              <a:avLst/>
+            </a:prstGeom>
+            <a:ln>
+              <a:solidFill>
+                <a:schemeClr val="accent3"/>
+              </a:solidFill>
+            </a:ln>
+          </p:spPr>
+          <p:style>
+            <a:lnRef idx="1">
+              <a:schemeClr val="accent1"/>
+            </a:lnRef>
+            <a:fillRef idx="0">
+              <a:schemeClr val="accent1"/>
+            </a:fillRef>
+            <a:effectRef idx="0">
+              <a:schemeClr val="accent1"/>
+            </a:effectRef>
+            <a:fontRef idx="minor">
+              <a:schemeClr val="tx1"/>
+            </a:fontRef>
+          </p:style>
+        </p:cxnSp>
+        <p:sp>
+          <p:nvSpPr>
+            <p:cNvPr id="26" name="TextBox 25">
+              <a:extLst>
+                <a:ext uri="{FF2B5EF4-FFF2-40B4-BE49-F238E27FC236}">
+                  <a16:creationId xmlns:a16="http://schemas.microsoft.com/office/drawing/2014/main" id="{D87CCAF1-37A0-FB48-833D-CD000C23F96F}"/>
+                </a:ext>
+              </a:extLst>
+            </p:cNvPr>
+            <p:cNvSpPr txBox="1"/>
+            <p:nvPr/>
+          </p:nvSpPr>
+          <p:spPr>
+            <a:xfrm>
+              <a:off x="7933114" y="2773394"/>
+              <a:ext cx="362600" cy="369332"/>
+            </a:xfrm>
+            <a:prstGeom prst="rect">
+              <a:avLst/>
+            </a:prstGeom>
+            <a:noFill/>
+          </p:spPr>
+          <p:txBody>
+            <a:bodyPr wrap="none" rtlCol="0">
+              <a:spAutoFit/>
+            </a:bodyPr>
+            <a:lstStyle/>
+            <a:p>
+              <a:r>
+                <a:rPr lang="en-US" dirty="0">
+                  <a:solidFill>
+                    <a:schemeClr val="accent3"/>
+                  </a:solidFill>
+                </a:rPr>
+                <a:t>T</a:t>
+              </a:r>
+              <a:r>
+                <a:rPr lang="en-US" baseline="-25000" dirty="0">
+                  <a:solidFill>
+                    <a:schemeClr val="accent3"/>
+                  </a:solidFill>
+                </a:rPr>
+                <a:t>R</a:t>
+              </a:r>
+            </a:p>
+          </p:txBody>
+        </p:sp>
+        <p:cxnSp>
+          <p:nvCxnSpPr>
+            <p:cNvPr id="27" name="Straight Connector 26">
+              <a:extLst>
+                <a:ext uri="{FF2B5EF4-FFF2-40B4-BE49-F238E27FC236}">
+                  <a16:creationId xmlns:a16="http://schemas.microsoft.com/office/drawing/2014/main" id="{74B2ED63-85BA-E84A-9D07-1DF1BFA70776}"/>
+                </a:ext>
+              </a:extLst>
+            </p:cNvPr>
+            <p:cNvCxnSpPr>
+              <a:cxnSpLocks/>
+            </p:cNvCxnSpPr>
+            <p:nvPr/>
+          </p:nvCxnSpPr>
+          <p:spPr>
+            <a:xfrm>
+              <a:off x="8077962" y="3072358"/>
+              <a:ext cx="0" cy="688064"/>
+            </a:xfrm>
+            <a:prstGeom prst="line">
+              <a:avLst/>
+            </a:prstGeom>
+            <a:ln>
+              <a:solidFill>
+                <a:schemeClr val="accent3"/>
+              </a:solidFill>
+            </a:ln>
+          </p:spPr>
+          <p:style>
+            <a:lnRef idx="1">
+              <a:schemeClr val="accent1"/>
+            </a:lnRef>
+            <a:fillRef idx="0">
+              <a:schemeClr val="accent1"/>
+            </a:fillRef>
+            <a:effectRef idx="0">
+              <a:schemeClr val="accent1"/>
+            </a:effectRef>
+            <a:fontRef idx="minor">
+              <a:schemeClr val="tx1"/>
+            </a:fontRef>
+          </p:style>
+        </p:cxnSp>
+        <p:sp>
+          <p:nvSpPr>
+            <p:cNvPr id="28" name="Rectangle 27">
+              <a:extLst>
+                <a:ext uri="{FF2B5EF4-FFF2-40B4-BE49-F238E27FC236}">
+                  <a16:creationId xmlns:a16="http://schemas.microsoft.com/office/drawing/2014/main" id="{52693FE5-CE1C-0847-9964-2F915FB3D739}"/>
+                </a:ext>
+              </a:extLst>
+            </p:cNvPr>
+            <p:cNvSpPr/>
+            <p:nvPr/>
+          </p:nvSpPr>
+          <p:spPr>
+            <a:xfrm>
+              <a:off x="4241466" y="3224772"/>
+              <a:ext cx="3836495" cy="386268"/>
+            </a:xfrm>
+            <a:prstGeom prst="rect">
+              <a:avLst/>
+            </a:prstGeom>
+            <a:solidFill>
+              <a:schemeClr val="accent3"/>
+            </a:solidFill>
+            <a:ln>
+              <a:solidFill>
+                <a:schemeClr val="tx1">
+                  <a:lumMod val="95000"/>
+                </a:schemeClr>
+              </a:solidFill>
+            </a:ln>
+          </p:spPr>
+          <p:style>
+            <a:lnRef idx="2">
+              <a:schemeClr val="accent1">
+                <a:shade val="50000"/>
+              </a:schemeClr>
+            </a:lnRef>
+            <a:fillRef idx="1">
+              <a:schemeClr val="accent1"/>
+            </a:fillRef>
+            <a:effectRef idx="0">
+              <a:schemeClr val="accent1"/>
+            </a:effectRef>
+            <a:fontRef idx="minor">
+              <a:schemeClr val="lt1"/>
+            </a:fontRef>
+          </p:style>
+          <p:txBody>
+            <a:bodyPr rtlCol="0" anchor="ctr"/>
+            <a:lstStyle/>
+            <a:p>
+              <a:pPr algn="ctr"/>
+              <a:endParaRPr lang="en-US"/>
+            </a:p>
+          </p:txBody>
+        </p:sp>
+      </p:grpSp>
+      <p:cxnSp>
+        <p:nvCxnSpPr>
+          <p:cNvPr id="35" name="Straight Connector 34">
+            <a:extLst>
+              <a:ext uri="{FF2B5EF4-FFF2-40B4-BE49-F238E27FC236}">
+                <a16:creationId xmlns:a16="http://schemas.microsoft.com/office/drawing/2014/main" id="{34B58A68-62E3-4049-9B0C-382599609155}"/>
+              </a:ext>
+            </a:extLst>
+          </p:cNvPr>
+          <p:cNvCxnSpPr>
+            <a:cxnSpLocks/>
+          </p:cNvCxnSpPr>
+          <p:nvPr/>
+        </p:nvCxnSpPr>
+        <p:spPr>
+          <a:xfrm flipH="1">
+            <a:off x="4434845" y="3646818"/>
+            <a:ext cx="590156" cy="715244"/>
+          </a:xfrm>
+          <a:prstGeom prst="line">
+            <a:avLst/>
+          </a:prstGeom>
+          <a:ln>
+            <a:solidFill>
+              <a:schemeClr val="tx1"/>
+            </a:solidFill>
+          </a:ln>
+        </p:spPr>
+        <p:style>
+          <a:lnRef idx="1">
+            <a:schemeClr val="accent1"/>
+          </a:lnRef>
+          <a:fillRef idx="0">
+            <a:schemeClr val="accent1"/>
+          </a:fillRef>
+          <a:effectRef idx="0">
+            <a:schemeClr val="accent1"/>
+          </a:effectRef>
+          <a:fontRef idx="minor">
+            <a:schemeClr val="tx1"/>
+          </a:fontRef>
+        </p:style>
+      </p:cxnSp>
+      <p:grpSp>
+        <p:nvGrpSpPr>
+          <p:cNvPr id="47" name="Group 46">
+            <a:extLst>
+              <a:ext uri="{FF2B5EF4-FFF2-40B4-BE49-F238E27FC236}">
+                <a16:creationId xmlns:a16="http://schemas.microsoft.com/office/drawing/2014/main" id="{2243AD5D-0531-CE42-9361-B0417FCE993F}"/>
+              </a:ext>
+            </a:extLst>
+          </p:cNvPr>
+          <p:cNvGrpSpPr/>
+          <p:nvPr/>
+        </p:nvGrpSpPr>
+        <p:grpSpPr>
+          <a:xfrm>
+            <a:off x="1262268" y="4223551"/>
+            <a:ext cx="4142655" cy="1380545"/>
+            <a:chOff x="1262268" y="4893499"/>
+            <a:chExt cx="4142655" cy="1380545"/>
+          </a:xfrm>
+        </p:grpSpPr>
+        <p:sp>
+          <p:nvSpPr>
+            <p:cNvPr id="29" name="Rectangle 28">
+              <a:extLst>
+                <a:ext uri="{FF2B5EF4-FFF2-40B4-BE49-F238E27FC236}">
+                  <a16:creationId xmlns:a16="http://schemas.microsoft.com/office/drawing/2014/main" id="{C0CB340C-92A2-EC4F-91E8-FB3A785813E9}"/>
+                </a:ext>
+              </a:extLst>
+            </p:cNvPr>
+            <p:cNvSpPr/>
+            <p:nvPr/>
+          </p:nvSpPr>
+          <p:spPr>
+            <a:xfrm>
+              <a:off x="1407737" y="5338940"/>
+              <a:ext cx="3997186" cy="734840"/>
+            </a:xfrm>
+            <a:prstGeom prst="rect">
+              <a:avLst/>
+            </a:prstGeom>
+            <a:ln>
+              <a:solidFill>
+                <a:schemeClr val="tx1">
+                  <a:lumMod val="95000"/>
+                </a:schemeClr>
+              </a:solidFill>
+            </a:ln>
+          </p:spPr>
+          <p:style>
+            <a:lnRef idx="2">
+              <a:schemeClr val="accent1">
+                <a:shade val="50000"/>
+              </a:schemeClr>
+            </a:lnRef>
+            <a:fillRef idx="1">
+              <a:schemeClr val="accent1"/>
+            </a:fillRef>
+            <a:effectRef idx="0">
+              <a:schemeClr val="accent1"/>
+            </a:effectRef>
+            <a:fontRef idx="minor">
+              <a:schemeClr val="lt1"/>
+            </a:fontRef>
+          </p:style>
+          <p:txBody>
+            <a:bodyPr rtlCol="0" anchor="ctr"/>
+            <a:lstStyle/>
+            <a:p>
+              <a:pPr algn="ctr"/>
+              <a:endParaRPr lang="en-US"/>
+            </a:p>
+          </p:txBody>
+        </p:sp>
+        <p:cxnSp>
+          <p:nvCxnSpPr>
+            <p:cNvPr id="33" name="Straight Connector 32">
+              <a:extLst>
+                <a:ext uri="{FF2B5EF4-FFF2-40B4-BE49-F238E27FC236}">
+                  <a16:creationId xmlns:a16="http://schemas.microsoft.com/office/drawing/2014/main" id="{56C6BC34-4301-204E-97CA-69AD2BF1A020}"/>
+                </a:ext>
+              </a:extLst>
+            </p:cNvPr>
+            <p:cNvCxnSpPr>
+              <a:cxnSpLocks/>
+            </p:cNvCxnSpPr>
+            <p:nvPr/>
+          </p:nvCxnSpPr>
+          <p:spPr>
+            <a:xfrm>
+              <a:off x="1398684" y="5195494"/>
+              <a:ext cx="0" cy="1078550"/>
+            </a:xfrm>
+            <a:prstGeom prst="line">
+              <a:avLst/>
+            </a:prstGeom>
+          </p:spPr>
+          <p:style>
+            <a:lnRef idx="1">
+              <a:schemeClr val="accent1"/>
+            </a:lnRef>
+            <a:fillRef idx="0">
+              <a:schemeClr val="accent1"/>
+            </a:fillRef>
+            <a:effectRef idx="0">
+              <a:schemeClr val="accent1"/>
+            </a:effectRef>
+            <a:fontRef idx="minor">
+              <a:schemeClr val="tx1"/>
+            </a:fontRef>
+          </p:style>
+        </p:cxnSp>
+        <p:sp>
+          <p:nvSpPr>
+            <p:cNvPr id="34" name="TextBox 33">
+              <a:extLst>
+                <a:ext uri="{FF2B5EF4-FFF2-40B4-BE49-F238E27FC236}">
+                  <a16:creationId xmlns:a16="http://schemas.microsoft.com/office/drawing/2014/main" id="{B34CE098-A5B4-E64B-B8C7-E66B31DDE297}"/>
+                </a:ext>
+              </a:extLst>
+            </p:cNvPr>
+            <p:cNvSpPr txBox="1"/>
+            <p:nvPr/>
+          </p:nvSpPr>
+          <p:spPr>
+            <a:xfrm>
+              <a:off x="1262268" y="4893499"/>
+              <a:ext cx="300082" cy="369332"/>
+            </a:xfrm>
+            <a:prstGeom prst="rect">
+              <a:avLst/>
+            </a:prstGeom>
+            <a:noFill/>
+          </p:spPr>
+          <p:txBody>
+            <a:bodyPr wrap="square" rtlCol="0">
+              <a:spAutoFit/>
+            </a:bodyPr>
+            <a:lstStyle/>
+            <a:p>
+              <a:r>
+                <a:rPr lang="en-US" dirty="0">
+                  <a:solidFill>
+                    <a:schemeClr val="accent1"/>
+                  </a:solidFill>
+                </a:rPr>
+                <a:t>L</a:t>
+              </a:r>
+            </a:p>
+          </p:txBody>
+        </p:sp>
+        <p:sp>
+          <p:nvSpPr>
+            <p:cNvPr id="37" name="TextBox 36">
+              <a:extLst>
+                <a:ext uri="{FF2B5EF4-FFF2-40B4-BE49-F238E27FC236}">
+                  <a16:creationId xmlns:a16="http://schemas.microsoft.com/office/drawing/2014/main" id="{4954183A-B2A9-D34A-AF2C-078E14F2C0F9}"/>
+                </a:ext>
+              </a:extLst>
+            </p:cNvPr>
+            <p:cNvSpPr txBox="1"/>
+            <p:nvPr/>
+          </p:nvSpPr>
+          <p:spPr>
+            <a:xfrm>
+              <a:off x="2038386" y="4896530"/>
+              <a:ext cx="319318" cy="369332"/>
+            </a:xfrm>
+            <a:prstGeom prst="rect">
+              <a:avLst/>
+            </a:prstGeom>
+            <a:noFill/>
+          </p:spPr>
+          <p:txBody>
+            <a:bodyPr wrap="square" rtlCol="0">
+              <a:spAutoFit/>
+            </a:bodyPr>
+            <a:lstStyle/>
+            <a:p>
+              <a:r>
+                <a:rPr lang="en-US" dirty="0">
+                  <a:solidFill>
+                    <a:schemeClr val="accent3"/>
+                  </a:solidFill>
+                </a:rPr>
+                <a:t>T</a:t>
+              </a:r>
+              <a:r>
+                <a:rPr lang="en-US" baseline="-25000" dirty="0">
+                  <a:solidFill>
+                    <a:schemeClr val="accent3"/>
+                  </a:solidFill>
+                </a:rPr>
+                <a:t>l</a:t>
+              </a:r>
+            </a:p>
+          </p:txBody>
+        </p:sp>
+        <p:cxnSp>
+          <p:nvCxnSpPr>
+            <p:cNvPr id="38" name="Straight Connector 37">
+              <a:extLst>
+                <a:ext uri="{FF2B5EF4-FFF2-40B4-BE49-F238E27FC236}">
+                  <a16:creationId xmlns:a16="http://schemas.microsoft.com/office/drawing/2014/main" id="{82B1407D-E2AB-1E40-9D0A-8D09B117BBFF}"/>
+                </a:ext>
+              </a:extLst>
+            </p:cNvPr>
+            <p:cNvCxnSpPr>
+              <a:cxnSpLocks/>
+            </p:cNvCxnSpPr>
+            <p:nvPr/>
+          </p:nvCxnSpPr>
+          <p:spPr>
+            <a:xfrm>
+              <a:off x="2183234" y="5195494"/>
+              <a:ext cx="0" cy="1078550"/>
+            </a:xfrm>
+            <a:prstGeom prst="line">
+              <a:avLst/>
+            </a:prstGeom>
+            <a:ln>
+              <a:solidFill>
+                <a:schemeClr val="accent3"/>
+              </a:solidFill>
+            </a:ln>
+          </p:spPr>
+          <p:style>
+            <a:lnRef idx="1">
+              <a:schemeClr val="accent1"/>
+            </a:lnRef>
+            <a:fillRef idx="0">
+              <a:schemeClr val="accent1"/>
+            </a:fillRef>
+            <a:effectRef idx="0">
+              <a:schemeClr val="accent1"/>
+            </a:effectRef>
+            <a:fontRef idx="minor">
+              <a:schemeClr val="tx1"/>
+            </a:fontRef>
+          </p:style>
+        </p:cxnSp>
+        <p:sp>
+          <p:nvSpPr>
+            <p:cNvPr id="43" name="Rectangle 42">
+              <a:extLst>
+                <a:ext uri="{FF2B5EF4-FFF2-40B4-BE49-F238E27FC236}">
+                  <a16:creationId xmlns:a16="http://schemas.microsoft.com/office/drawing/2014/main" id="{74237EC0-31A3-574A-804D-AF038C35E1BA}"/>
+                </a:ext>
+              </a:extLst>
+            </p:cNvPr>
+            <p:cNvSpPr/>
+            <p:nvPr/>
+          </p:nvSpPr>
+          <p:spPr>
+            <a:xfrm>
+              <a:off x="2259620" y="5340721"/>
+              <a:ext cx="1895922" cy="270142"/>
+            </a:xfrm>
+            <a:prstGeom prst="rect">
+              <a:avLst/>
+            </a:prstGeom>
+            <a:solidFill>
+              <a:schemeClr val="accent4"/>
+            </a:solidFill>
+            <a:ln>
+              <a:solidFill>
+                <a:schemeClr val="tx1">
+                  <a:lumMod val="95000"/>
+                </a:schemeClr>
+              </a:solidFill>
+            </a:ln>
+          </p:spPr>
+          <p:style>
+            <a:lnRef idx="2">
+              <a:schemeClr val="accent1">
+                <a:shade val="50000"/>
+              </a:schemeClr>
+            </a:lnRef>
+            <a:fillRef idx="1">
+              <a:schemeClr val="accent1"/>
+            </a:fillRef>
+            <a:effectRef idx="0">
+              <a:schemeClr val="accent1"/>
+            </a:effectRef>
+            <a:fontRef idx="minor">
+              <a:schemeClr val="lt1"/>
+            </a:fontRef>
+          </p:style>
+          <p:txBody>
+            <a:bodyPr rtlCol="0" anchor="ctr"/>
+            <a:lstStyle/>
+            <a:p>
+              <a:pPr algn="ctr"/>
+              <a:endParaRPr lang="en-US"/>
+            </a:p>
+          </p:txBody>
+        </p:sp>
+        <p:sp>
+          <p:nvSpPr>
+            <p:cNvPr id="45" name="Rectangle 44">
+              <a:extLst>
+                <a:ext uri="{FF2B5EF4-FFF2-40B4-BE49-F238E27FC236}">
+                  <a16:creationId xmlns:a16="http://schemas.microsoft.com/office/drawing/2014/main" id="{84995792-58E0-D348-AAC8-7A2D768ECE14}"/>
+                </a:ext>
+              </a:extLst>
+            </p:cNvPr>
+            <p:cNvSpPr/>
+            <p:nvPr/>
+          </p:nvSpPr>
+          <p:spPr>
+            <a:xfrm>
+              <a:off x="3504990" y="5626684"/>
+              <a:ext cx="1895922" cy="270142"/>
+            </a:xfrm>
+            <a:prstGeom prst="rect">
+              <a:avLst/>
+            </a:prstGeom>
+            <a:solidFill>
+              <a:schemeClr val="accent5"/>
+            </a:solidFill>
+            <a:ln>
+              <a:solidFill>
+                <a:schemeClr val="tx1">
+                  <a:lumMod val="95000"/>
+                </a:schemeClr>
+              </a:solidFill>
+            </a:ln>
+          </p:spPr>
+          <p:style>
+            <a:lnRef idx="2">
+              <a:schemeClr val="accent1">
+                <a:shade val="50000"/>
+              </a:schemeClr>
+            </a:lnRef>
+            <a:fillRef idx="1">
+              <a:schemeClr val="accent1"/>
+            </a:fillRef>
+            <a:effectRef idx="0">
+              <a:schemeClr val="accent1"/>
+            </a:effectRef>
+            <a:fontRef idx="minor">
+              <a:schemeClr val="lt1"/>
+            </a:fontRef>
+          </p:style>
+          <p:txBody>
+            <a:bodyPr rtlCol="0" anchor="ctr"/>
+            <a:lstStyle/>
+            <a:p>
+              <a:pPr algn="ctr"/>
+              <a:endParaRPr lang="en-US"/>
+            </a:p>
+          </p:txBody>
+        </p:sp>
+      </p:grpSp>
+      <p:grpSp>
+        <p:nvGrpSpPr>
+          <p:cNvPr id="48" name="Group 47">
+            <a:extLst>
+              <a:ext uri="{FF2B5EF4-FFF2-40B4-BE49-F238E27FC236}">
+                <a16:creationId xmlns:a16="http://schemas.microsoft.com/office/drawing/2014/main" id="{C01A93CF-A9B5-944A-915E-5AF443D3E103}"/>
+              </a:ext>
+            </a:extLst>
+          </p:cNvPr>
+          <p:cNvGrpSpPr/>
+          <p:nvPr/>
+        </p:nvGrpSpPr>
+        <p:grpSpPr>
+          <a:xfrm>
+            <a:off x="6572830" y="4223551"/>
+            <a:ext cx="4163779" cy="1380545"/>
+            <a:chOff x="6572830" y="4893499"/>
+            <a:chExt cx="4163779" cy="1380545"/>
+          </a:xfrm>
+        </p:grpSpPr>
+        <p:sp>
+          <p:nvSpPr>
+            <p:cNvPr id="30" name="Rectangle 29">
+              <a:extLst>
+                <a:ext uri="{FF2B5EF4-FFF2-40B4-BE49-F238E27FC236}">
+                  <a16:creationId xmlns:a16="http://schemas.microsoft.com/office/drawing/2014/main" id="{400C9D5B-E6E4-9348-BB77-D61E63006426}"/>
+                </a:ext>
+              </a:extLst>
+            </p:cNvPr>
+            <p:cNvSpPr/>
+            <p:nvPr/>
+          </p:nvSpPr>
+          <p:spPr>
+            <a:xfrm>
+              <a:off x="6575757" y="5338940"/>
+              <a:ext cx="3997186" cy="734840"/>
+            </a:xfrm>
+            <a:prstGeom prst="rect">
+              <a:avLst/>
+            </a:prstGeom>
+            <a:ln>
+              <a:solidFill>
+                <a:schemeClr val="tx1">
+                  <a:lumMod val="95000"/>
+                </a:schemeClr>
+              </a:solidFill>
+            </a:ln>
+          </p:spPr>
+          <p:style>
+            <a:lnRef idx="2">
+              <a:schemeClr val="accent1">
+                <a:shade val="50000"/>
+              </a:schemeClr>
+            </a:lnRef>
+            <a:fillRef idx="1">
+              <a:schemeClr val="accent1"/>
+            </a:fillRef>
+            <a:effectRef idx="0">
+              <a:schemeClr val="accent1"/>
+            </a:effectRef>
+            <a:fontRef idx="minor">
+              <a:schemeClr val="lt1"/>
+            </a:fontRef>
+          </p:style>
+          <p:txBody>
+            <a:bodyPr rtlCol="0" anchor="ctr"/>
+            <a:lstStyle/>
+            <a:p>
+              <a:pPr algn="ctr"/>
+              <a:endParaRPr lang="en-US"/>
+            </a:p>
+          </p:txBody>
+        </p:sp>
+        <p:cxnSp>
+          <p:nvCxnSpPr>
+            <p:cNvPr id="31" name="Straight Connector 30">
+              <a:extLst>
+                <a:ext uri="{FF2B5EF4-FFF2-40B4-BE49-F238E27FC236}">
+                  <a16:creationId xmlns:a16="http://schemas.microsoft.com/office/drawing/2014/main" id="{48D5CA1C-0AC0-B643-B1FF-ED6DA5D941FB}"/>
+                </a:ext>
+              </a:extLst>
+            </p:cNvPr>
+            <p:cNvCxnSpPr>
+              <a:cxnSpLocks/>
+            </p:cNvCxnSpPr>
+            <p:nvPr/>
+          </p:nvCxnSpPr>
+          <p:spPr>
+            <a:xfrm>
+              <a:off x="10572943" y="5195494"/>
+              <a:ext cx="0" cy="1078550"/>
+            </a:xfrm>
+            <a:prstGeom prst="line">
+              <a:avLst/>
+            </a:prstGeom>
+          </p:spPr>
+          <p:style>
+            <a:lnRef idx="1">
+              <a:schemeClr val="accent1"/>
+            </a:lnRef>
+            <a:fillRef idx="0">
+              <a:schemeClr val="accent1"/>
+            </a:fillRef>
+            <a:effectRef idx="0">
+              <a:schemeClr val="accent1"/>
+            </a:effectRef>
+            <a:fontRef idx="minor">
+              <a:schemeClr val="tx1"/>
+            </a:fontRef>
+          </p:style>
+        </p:cxnSp>
+        <p:sp>
+          <p:nvSpPr>
+            <p:cNvPr id="32" name="TextBox 31">
+              <a:extLst>
+                <a:ext uri="{FF2B5EF4-FFF2-40B4-BE49-F238E27FC236}">
+                  <a16:creationId xmlns:a16="http://schemas.microsoft.com/office/drawing/2014/main" id="{A80D185D-C417-BD4C-8104-E08DAAA31D89}"/>
+                </a:ext>
+              </a:extLst>
+            </p:cNvPr>
+            <p:cNvSpPr txBox="1"/>
+            <p:nvPr/>
+          </p:nvSpPr>
+          <p:spPr>
+            <a:xfrm>
+              <a:off x="10436527" y="4893499"/>
+              <a:ext cx="300082" cy="369332"/>
+            </a:xfrm>
+            <a:prstGeom prst="rect">
+              <a:avLst/>
+            </a:prstGeom>
+            <a:noFill/>
+          </p:spPr>
+          <p:txBody>
+            <a:bodyPr wrap="square" rtlCol="0">
+              <a:spAutoFit/>
+            </a:bodyPr>
+            <a:lstStyle/>
+            <a:p>
+              <a:r>
+                <a:rPr lang="en-US" dirty="0">
+                  <a:solidFill>
+                    <a:schemeClr val="accent1"/>
+                  </a:solidFill>
+                </a:rPr>
+                <a:t>R</a:t>
+              </a:r>
+            </a:p>
+          </p:txBody>
+        </p:sp>
+        <p:sp>
+          <p:nvSpPr>
+            <p:cNvPr id="41" name="TextBox 40">
+              <a:extLst>
+                <a:ext uri="{FF2B5EF4-FFF2-40B4-BE49-F238E27FC236}">
+                  <a16:creationId xmlns:a16="http://schemas.microsoft.com/office/drawing/2014/main" id="{4756968D-5409-C447-AC7A-464685DC7FBE}"/>
+                </a:ext>
+              </a:extLst>
+            </p:cNvPr>
+            <p:cNvSpPr txBox="1"/>
+            <p:nvPr/>
+          </p:nvSpPr>
+          <p:spPr>
+            <a:xfrm>
+              <a:off x="9457772" y="4893499"/>
+              <a:ext cx="319318" cy="369332"/>
+            </a:xfrm>
+            <a:prstGeom prst="rect">
+              <a:avLst/>
+            </a:prstGeom>
+            <a:noFill/>
+          </p:spPr>
+          <p:txBody>
+            <a:bodyPr wrap="square" rtlCol="0">
+              <a:spAutoFit/>
+            </a:bodyPr>
+            <a:lstStyle/>
+            <a:p>
+              <a:r>
+                <a:rPr lang="en-US" dirty="0">
+                  <a:solidFill>
+                    <a:schemeClr val="accent3"/>
+                  </a:solidFill>
+                </a:rPr>
+                <a:t>T</a:t>
+              </a:r>
+              <a:r>
+                <a:rPr lang="en-US" baseline="-25000" dirty="0">
+                  <a:solidFill>
+                    <a:schemeClr val="accent3"/>
+                  </a:solidFill>
+                </a:rPr>
+                <a:t>l</a:t>
+              </a:r>
+            </a:p>
+          </p:txBody>
+        </p:sp>
+        <p:cxnSp>
+          <p:nvCxnSpPr>
+            <p:cNvPr id="42" name="Straight Connector 41">
+              <a:extLst>
+                <a:ext uri="{FF2B5EF4-FFF2-40B4-BE49-F238E27FC236}">
+                  <a16:creationId xmlns:a16="http://schemas.microsoft.com/office/drawing/2014/main" id="{E12616FF-22B4-3747-95B6-73BFA0A68186}"/>
+                </a:ext>
+              </a:extLst>
+            </p:cNvPr>
+            <p:cNvCxnSpPr>
+              <a:cxnSpLocks/>
+            </p:cNvCxnSpPr>
+            <p:nvPr/>
+          </p:nvCxnSpPr>
+          <p:spPr>
+            <a:xfrm>
+              <a:off x="9602620" y="5192463"/>
+              <a:ext cx="0" cy="1078550"/>
+            </a:xfrm>
+            <a:prstGeom prst="line">
+              <a:avLst/>
+            </a:prstGeom>
+            <a:ln>
+              <a:solidFill>
+                <a:schemeClr val="accent3"/>
+              </a:solidFill>
+            </a:ln>
+          </p:spPr>
+          <p:style>
+            <a:lnRef idx="1">
+              <a:schemeClr val="accent1"/>
+            </a:lnRef>
+            <a:fillRef idx="0">
+              <a:schemeClr val="accent1"/>
+            </a:fillRef>
+            <a:effectRef idx="0">
+              <a:schemeClr val="accent1"/>
+            </a:effectRef>
+            <a:fontRef idx="minor">
+              <a:schemeClr val="tx1"/>
+            </a:fontRef>
+          </p:style>
+        </p:cxnSp>
+        <p:sp>
+          <p:nvSpPr>
+            <p:cNvPr id="44" name="Rectangle 43">
+              <a:extLst>
+                <a:ext uri="{FF2B5EF4-FFF2-40B4-BE49-F238E27FC236}">
+                  <a16:creationId xmlns:a16="http://schemas.microsoft.com/office/drawing/2014/main" id="{49BC126E-2D9B-F84F-81D7-FE7506860EB7}"/>
+                </a:ext>
+              </a:extLst>
+            </p:cNvPr>
+            <p:cNvSpPr/>
+            <p:nvPr/>
+          </p:nvSpPr>
+          <p:spPr>
+            <a:xfrm>
+              <a:off x="7561850" y="5344452"/>
+              <a:ext cx="1895922" cy="270142"/>
+            </a:xfrm>
+            <a:prstGeom prst="rect">
+              <a:avLst/>
+            </a:prstGeom>
+            <a:solidFill>
+              <a:schemeClr val="accent4"/>
+            </a:solidFill>
+            <a:ln>
+              <a:solidFill>
+                <a:schemeClr val="tx1">
+                  <a:lumMod val="95000"/>
+                </a:schemeClr>
+              </a:solidFill>
+            </a:ln>
+          </p:spPr>
+          <p:style>
+            <a:lnRef idx="2">
+              <a:schemeClr val="accent1">
+                <a:shade val="50000"/>
+              </a:schemeClr>
+            </a:lnRef>
+            <a:fillRef idx="1">
+              <a:schemeClr val="accent1"/>
+            </a:fillRef>
+            <a:effectRef idx="0">
+              <a:schemeClr val="accent1"/>
+            </a:effectRef>
+            <a:fontRef idx="minor">
+              <a:schemeClr val="lt1"/>
+            </a:fontRef>
+          </p:style>
+          <p:txBody>
+            <a:bodyPr rtlCol="0" anchor="ctr"/>
+            <a:lstStyle/>
+            <a:p>
+              <a:pPr algn="ctr"/>
+              <a:endParaRPr lang="en-US"/>
+            </a:p>
+          </p:txBody>
+        </p:sp>
+        <p:sp>
+          <p:nvSpPr>
+            <p:cNvPr id="46" name="Rectangle 45">
+              <a:extLst>
+                <a:ext uri="{FF2B5EF4-FFF2-40B4-BE49-F238E27FC236}">
+                  <a16:creationId xmlns:a16="http://schemas.microsoft.com/office/drawing/2014/main" id="{459BCFDB-C76A-674A-A1FD-EDBD63F46156}"/>
+                </a:ext>
+              </a:extLst>
+            </p:cNvPr>
+            <p:cNvSpPr/>
+            <p:nvPr/>
+          </p:nvSpPr>
+          <p:spPr>
+            <a:xfrm>
+              <a:off x="6572830" y="5612068"/>
+              <a:ext cx="1895922" cy="270142"/>
+            </a:xfrm>
+            <a:prstGeom prst="rect">
+              <a:avLst/>
+            </a:prstGeom>
+            <a:solidFill>
+              <a:schemeClr val="accent5"/>
+            </a:solidFill>
+            <a:ln>
+              <a:solidFill>
+                <a:schemeClr val="tx1">
+                  <a:lumMod val="95000"/>
+                </a:schemeClr>
+              </a:solidFill>
+            </a:ln>
+          </p:spPr>
+          <p:style>
+            <a:lnRef idx="2">
+              <a:schemeClr val="accent1">
+                <a:shade val="50000"/>
+              </a:schemeClr>
+            </a:lnRef>
+            <a:fillRef idx="1">
+              <a:schemeClr val="accent1"/>
+            </a:fillRef>
+            <a:effectRef idx="0">
+              <a:schemeClr val="accent1"/>
+            </a:effectRef>
+            <a:fontRef idx="minor">
+              <a:schemeClr val="lt1"/>
+            </a:fontRef>
+          </p:style>
+          <p:txBody>
+            <a:bodyPr rtlCol="0" anchor="ctr"/>
+            <a:lstStyle/>
+            <a:p>
+              <a:pPr algn="ctr"/>
+              <a:endParaRPr lang="en-US"/>
+            </a:p>
+          </p:txBody>
+        </p:sp>
+      </p:grpSp>
+      <p:sp>
+        <p:nvSpPr>
+          <p:cNvPr id="49" name="Content Placeholder 2">
+            <a:extLst>
+              <a:ext uri="{FF2B5EF4-FFF2-40B4-BE49-F238E27FC236}">
+                <a16:creationId xmlns:a16="http://schemas.microsoft.com/office/drawing/2014/main" id="{858717F3-F7B3-094B-8DEC-C0F4D3B19D79}"/>
+              </a:ext>
+            </a:extLst>
+          </p:cNvPr>
+          <p:cNvSpPr txBox="1">
+            <a:spLocks/>
+          </p:cNvSpPr>
+          <p:nvPr/>
+        </p:nvSpPr>
+        <p:spPr>
+          <a:xfrm>
+            <a:off x="2382912" y="4139612"/>
+            <a:ext cx="1646161" cy="477163"/>
+          </a:xfrm>
+          <a:prstGeom prst="rect">
+            <a:avLst/>
+          </a:prstGeom>
+          <a:ln>
+            <a:solidFill>
+              <a:schemeClr val="tx1">
+                <a:lumMod val="95000"/>
+              </a:schemeClr>
+            </a:solidFill>
+          </a:ln>
+        </p:spPr>
+        <p:txBody>
+          <a:bodyPr vert="horz" lIns="91440" tIns="45720" rIns="91440" bIns="45720" rtlCol="0">
+            <a:normAutofit fontScale="85000" lnSpcReduction="20000"/>
+          </a:bodyPr>
+          <a:lstStyle>
+            <a:lvl1pPr marL="228600" indent="-228600" algn="l" defTabSz="914400" rtl="0" eaLnBrk="1" latinLnBrk="0" hangingPunct="1">
+              <a:lnSpc>
+                <a:spcPct val="120000"/>
+              </a:lnSpc>
+              <a:spcBef>
+                <a:spcPts val="1000"/>
+              </a:spcBef>
+              <a:buSzPct val="125000"/>
+              <a:buFont typeface="Arial" panose="020B0604020202020204" pitchFamily="34" charset="0"/>
+              <a:buChar char="•"/>
+              <a:defRPr sz="2400" kern="1200">
+                <a:solidFill>
+                  <a:schemeClr val="tx1"/>
+                </a:solidFill>
+                <a:latin typeface="+mn-lt"/>
+                <a:ea typeface="+mn-ea"/>
+                <a:cs typeface="+mn-cs"/>
+              </a:defRPr>
+            </a:lvl1pPr>
+            <a:lvl2pPr marL="685800" indent="-228600" algn="l" defTabSz="914400" rtl="0" eaLnBrk="1" latinLnBrk="0" hangingPunct="1">
+              <a:lnSpc>
+                <a:spcPct val="120000"/>
+              </a:lnSpc>
+              <a:spcBef>
+                <a:spcPts val="500"/>
+              </a:spcBef>
+              <a:buSzPct val="125000"/>
+              <a:buFont typeface="Arial" panose="020B0604020202020204" pitchFamily="34" charset="0"/>
+              <a:buChar char="•"/>
+              <a:defRPr sz="2000" kern="1200">
+                <a:solidFill>
+                  <a:schemeClr val="tx1"/>
+                </a:solidFill>
+                <a:latin typeface="+mn-lt"/>
+                <a:ea typeface="+mn-ea"/>
+                <a:cs typeface="+mn-cs"/>
+              </a:defRPr>
+            </a:lvl2pPr>
+            <a:lvl3pPr marL="1143000" indent="-228600" algn="l" defTabSz="914400" rtl="0" eaLnBrk="1" latinLnBrk="0" hangingPunct="1">
+              <a:lnSpc>
+                <a:spcPct val="120000"/>
+              </a:lnSpc>
+              <a:spcBef>
+                <a:spcPts val="500"/>
+              </a:spcBef>
+              <a:buSzPct val="125000"/>
+              <a:buFont typeface="Arial" panose="020B0604020202020204" pitchFamily="34" charset="0"/>
+              <a:buChar char="•"/>
+              <a:defRPr sz="1800" kern="1200">
+                <a:solidFill>
+                  <a:schemeClr val="tx1"/>
+                </a:solidFill>
+                <a:latin typeface="+mn-lt"/>
+                <a:ea typeface="+mn-ea"/>
+                <a:cs typeface="+mn-cs"/>
+              </a:defRPr>
+            </a:lvl3pPr>
+            <a:lvl4pPr marL="1600200" indent="-228600" algn="l" defTabSz="914400" rtl="0" eaLnBrk="1" latinLnBrk="0" hangingPunct="1">
+              <a:lnSpc>
+                <a:spcPct val="120000"/>
+              </a:lnSpc>
+              <a:spcBef>
+                <a:spcPts val="500"/>
+              </a:spcBef>
+              <a:buSzPct val="125000"/>
+              <a:buFont typeface="Arial" panose="020B0604020202020204" pitchFamily="34" charset="0"/>
+              <a:buChar char="•"/>
+              <a:defRPr sz="1600" kern="1200">
+                <a:solidFill>
+                  <a:schemeClr val="tx1"/>
+                </a:solidFill>
+                <a:latin typeface="+mn-lt"/>
+                <a:ea typeface="+mn-ea"/>
+                <a:cs typeface="+mn-cs"/>
+              </a:defRPr>
+            </a:lvl4pPr>
+            <a:lvl5pPr marL="2057400" indent="-228600" algn="l" defTabSz="914400" rtl="0" eaLnBrk="1" latinLnBrk="0" hangingPunct="1">
+              <a:lnSpc>
+                <a:spcPct val="120000"/>
+              </a:lnSpc>
+              <a:spcBef>
+                <a:spcPts val="500"/>
+              </a:spcBef>
+              <a:buSzPct val="125000"/>
+              <a:buFont typeface="Arial" panose="020B0604020202020204" pitchFamily="34" charset="0"/>
+              <a:buChar char="•"/>
+              <a:defRPr sz="1600" kern="1200">
+                <a:solidFill>
+                  <a:schemeClr val="tx1"/>
+                </a:solidFill>
+                <a:latin typeface="+mn-lt"/>
+                <a:ea typeface="+mn-ea"/>
+                <a:cs typeface="+mn-cs"/>
+              </a:defRPr>
+            </a:lvl5pPr>
+            <a:lvl6pPr marL="2514600" indent="-228600" algn="l" defTabSz="914400" rtl="0" eaLnBrk="1" latinLnBrk="0" hangingPunct="1">
+              <a:lnSpc>
+                <a:spcPct val="120000"/>
+              </a:lnSpc>
+              <a:spcBef>
+                <a:spcPts val="500"/>
+              </a:spcBef>
+              <a:buSzPct val="125000"/>
+              <a:buFont typeface="Arial" panose="020B0604020202020204" pitchFamily="34" charset="0"/>
+              <a:buChar char="•"/>
+              <a:defRPr sz="1400" kern="1200">
+                <a:solidFill>
+                  <a:schemeClr val="tx1"/>
+                </a:solidFill>
+                <a:latin typeface="+mn-lt"/>
+                <a:ea typeface="+mn-ea"/>
+                <a:cs typeface="+mn-cs"/>
+              </a:defRPr>
+            </a:lvl6pPr>
+            <a:lvl7pPr marL="2971800" indent="-228600" algn="l" defTabSz="914400" rtl="0" eaLnBrk="1" latinLnBrk="0" hangingPunct="1">
+              <a:lnSpc>
+                <a:spcPct val="120000"/>
+              </a:lnSpc>
+              <a:spcBef>
+                <a:spcPts val="500"/>
+              </a:spcBef>
+              <a:buSzPct val="125000"/>
+              <a:buFont typeface="Arial" panose="020B0604020202020204" pitchFamily="34" charset="0"/>
+              <a:buChar char="•"/>
+              <a:defRPr sz="1400" kern="1200">
+                <a:solidFill>
+                  <a:schemeClr val="tx1"/>
+                </a:solidFill>
+                <a:latin typeface="+mn-lt"/>
+                <a:ea typeface="+mn-ea"/>
+                <a:cs typeface="+mn-cs"/>
+              </a:defRPr>
+            </a:lvl7pPr>
+            <a:lvl8pPr marL="3429000" indent="-228600" algn="l" defTabSz="914400" rtl="0" eaLnBrk="1" latinLnBrk="0" hangingPunct="1">
+              <a:lnSpc>
+                <a:spcPct val="120000"/>
+              </a:lnSpc>
+              <a:spcBef>
+                <a:spcPts val="500"/>
+              </a:spcBef>
+              <a:buSzPct val="125000"/>
+              <a:buFont typeface="Arial" panose="020B0604020202020204" pitchFamily="34" charset="0"/>
+              <a:buChar char="•"/>
+              <a:defRPr sz="1400" kern="1200">
+                <a:solidFill>
+                  <a:schemeClr val="tx1"/>
+                </a:solidFill>
+                <a:latin typeface="+mn-lt"/>
+                <a:ea typeface="+mn-ea"/>
+                <a:cs typeface="+mn-cs"/>
+              </a:defRPr>
+            </a:lvl8pPr>
+            <a:lvl9pPr marL="3886200" indent="-228600" algn="l" defTabSz="914400" rtl="0" eaLnBrk="1" latinLnBrk="0" hangingPunct="1">
+              <a:lnSpc>
+                <a:spcPct val="120000"/>
+              </a:lnSpc>
+              <a:spcBef>
+                <a:spcPts val="500"/>
+              </a:spcBef>
+              <a:buSzPct val="125000"/>
+              <a:buFont typeface="Arial" panose="020B0604020202020204" pitchFamily="34" charset="0"/>
+              <a:buChar char="•"/>
+              <a:defRPr sz="1400" kern="1200">
+                <a:solidFill>
+                  <a:schemeClr val="tx1"/>
+                </a:solidFill>
+                <a:latin typeface="+mn-lt"/>
+                <a:ea typeface="+mn-ea"/>
+                <a:cs typeface="+mn-cs"/>
+              </a:defRPr>
+            </a:lvl9pPr>
+          </a:lstStyle>
+          <a:p>
+            <a:pPr marL="0" indent="0" algn="ctr">
+              <a:buFont typeface="Arial" panose="020B0604020202020204" pitchFamily="34" charset="0"/>
+              <a:buNone/>
+            </a:pPr>
+            <a:r>
+              <a:rPr lang="en-US" sz="1400" i="1" dirty="0"/>
+              <a:t>Option 1: Solution is the max segment on left</a:t>
+            </a:r>
+          </a:p>
+        </p:txBody>
+      </p:sp>
+      <p:sp>
+        <p:nvSpPr>
+          <p:cNvPr id="50" name="Content Placeholder 2">
+            <a:extLst>
+              <a:ext uri="{FF2B5EF4-FFF2-40B4-BE49-F238E27FC236}">
+                <a16:creationId xmlns:a16="http://schemas.microsoft.com/office/drawing/2014/main" id="{E62FAA99-8398-FB45-BE0A-5DA4624BE6D0}"/>
+              </a:ext>
+            </a:extLst>
+          </p:cNvPr>
+          <p:cNvSpPr txBox="1">
+            <a:spLocks/>
+          </p:cNvSpPr>
+          <p:nvPr/>
+        </p:nvSpPr>
+        <p:spPr>
+          <a:xfrm>
+            <a:off x="7664369" y="4138915"/>
+            <a:ext cx="1646161" cy="477163"/>
+          </a:xfrm>
+          <a:prstGeom prst="rect">
+            <a:avLst/>
+          </a:prstGeom>
+          <a:ln>
+            <a:solidFill>
+              <a:schemeClr val="tx1">
+                <a:lumMod val="95000"/>
+              </a:schemeClr>
+            </a:solidFill>
+          </a:ln>
+        </p:spPr>
+        <p:txBody>
+          <a:bodyPr vert="horz" lIns="91440" tIns="45720" rIns="91440" bIns="45720" rtlCol="0">
+            <a:normAutofit fontScale="85000" lnSpcReduction="20000"/>
+          </a:bodyPr>
+          <a:lstStyle>
+            <a:lvl1pPr marL="228600" indent="-228600" algn="l" defTabSz="914400" rtl="0" eaLnBrk="1" latinLnBrk="0" hangingPunct="1">
+              <a:lnSpc>
+                <a:spcPct val="120000"/>
+              </a:lnSpc>
+              <a:spcBef>
+                <a:spcPts val="1000"/>
+              </a:spcBef>
+              <a:buSzPct val="125000"/>
+              <a:buFont typeface="Arial" panose="020B0604020202020204" pitchFamily="34" charset="0"/>
+              <a:buChar char="•"/>
+              <a:defRPr sz="2400" kern="1200">
+                <a:solidFill>
+                  <a:schemeClr val="tx1"/>
+                </a:solidFill>
+                <a:latin typeface="+mn-lt"/>
+                <a:ea typeface="+mn-ea"/>
+                <a:cs typeface="+mn-cs"/>
+              </a:defRPr>
+            </a:lvl1pPr>
+            <a:lvl2pPr marL="685800" indent="-228600" algn="l" defTabSz="914400" rtl="0" eaLnBrk="1" latinLnBrk="0" hangingPunct="1">
+              <a:lnSpc>
+                <a:spcPct val="120000"/>
+              </a:lnSpc>
+              <a:spcBef>
+                <a:spcPts val="500"/>
+              </a:spcBef>
+              <a:buSzPct val="125000"/>
+              <a:buFont typeface="Arial" panose="020B0604020202020204" pitchFamily="34" charset="0"/>
+              <a:buChar char="•"/>
+              <a:defRPr sz="2000" kern="1200">
+                <a:solidFill>
+                  <a:schemeClr val="tx1"/>
+                </a:solidFill>
+                <a:latin typeface="+mn-lt"/>
+                <a:ea typeface="+mn-ea"/>
+                <a:cs typeface="+mn-cs"/>
+              </a:defRPr>
+            </a:lvl2pPr>
+            <a:lvl3pPr marL="1143000" indent="-228600" algn="l" defTabSz="914400" rtl="0" eaLnBrk="1" latinLnBrk="0" hangingPunct="1">
+              <a:lnSpc>
+                <a:spcPct val="120000"/>
+              </a:lnSpc>
+              <a:spcBef>
+                <a:spcPts val="500"/>
+              </a:spcBef>
+              <a:buSzPct val="125000"/>
+              <a:buFont typeface="Arial" panose="020B0604020202020204" pitchFamily="34" charset="0"/>
+              <a:buChar char="•"/>
+              <a:defRPr sz="1800" kern="1200">
+                <a:solidFill>
+                  <a:schemeClr val="tx1"/>
+                </a:solidFill>
+                <a:latin typeface="+mn-lt"/>
+                <a:ea typeface="+mn-ea"/>
+                <a:cs typeface="+mn-cs"/>
+              </a:defRPr>
+            </a:lvl3pPr>
+            <a:lvl4pPr marL="1600200" indent="-228600" algn="l" defTabSz="914400" rtl="0" eaLnBrk="1" latinLnBrk="0" hangingPunct="1">
+              <a:lnSpc>
+                <a:spcPct val="120000"/>
+              </a:lnSpc>
+              <a:spcBef>
+                <a:spcPts val="500"/>
+              </a:spcBef>
+              <a:buSzPct val="125000"/>
+              <a:buFont typeface="Arial" panose="020B0604020202020204" pitchFamily="34" charset="0"/>
+              <a:buChar char="•"/>
+              <a:defRPr sz="1600" kern="1200">
+                <a:solidFill>
+                  <a:schemeClr val="tx1"/>
+                </a:solidFill>
+                <a:latin typeface="+mn-lt"/>
+                <a:ea typeface="+mn-ea"/>
+                <a:cs typeface="+mn-cs"/>
+              </a:defRPr>
+            </a:lvl4pPr>
+            <a:lvl5pPr marL="2057400" indent="-228600" algn="l" defTabSz="914400" rtl="0" eaLnBrk="1" latinLnBrk="0" hangingPunct="1">
+              <a:lnSpc>
+                <a:spcPct val="120000"/>
+              </a:lnSpc>
+              <a:spcBef>
+                <a:spcPts val="500"/>
+              </a:spcBef>
+              <a:buSzPct val="125000"/>
+              <a:buFont typeface="Arial" panose="020B0604020202020204" pitchFamily="34" charset="0"/>
+              <a:buChar char="•"/>
+              <a:defRPr sz="1600" kern="1200">
+                <a:solidFill>
+                  <a:schemeClr val="tx1"/>
+                </a:solidFill>
+                <a:latin typeface="+mn-lt"/>
+                <a:ea typeface="+mn-ea"/>
+                <a:cs typeface="+mn-cs"/>
+              </a:defRPr>
+            </a:lvl5pPr>
+            <a:lvl6pPr marL="2514600" indent="-228600" algn="l" defTabSz="914400" rtl="0" eaLnBrk="1" latinLnBrk="0" hangingPunct="1">
+              <a:lnSpc>
+                <a:spcPct val="120000"/>
+              </a:lnSpc>
+              <a:spcBef>
+                <a:spcPts val="500"/>
+              </a:spcBef>
+              <a:buSzPct val="125000"/>
+              <a:buFont typeface="Arial" panose="020B0604020202020204" pitchFamily="34" charset="0"/>
+              <a:buChar char="•"/>
+              <a:defRPr sz="1400" kern="1200">
+                <a:solidFill>
+                  <a:schemeClr val="tx1"/>
+                </a:solidFill>
+                <a:latin typeface="+mn-lt"/>
+                <a:ea typeface="+mn-ea"/>
+                <a:cs typeface="+mn-cs"/>
+              </a:defRPr>
+            </a:lvl6pPr>
+            <a:lvl7pPr marL="2971800" indent="-228600" algn="l" defTabSz="914400" rtl="0" eaLnBrk="1" latinLnBrk="0" hangingPunct="1">
+              <a:lnSpc>
+                <a:spcPct val="120000"/>
+              </a:lnSpc>
+              <a:spcBef>
+                <a:spcPts val="500"/>
+              </a:spcBef>
+              <a:buSzPct val="125000"/>
+              <a:buFont typeface="Arial" panose="020B0604020202020204" pitchFamily="34" charset="0"/>
+              <a:buChar char="•"/>
+              <a:defRPr sz="1400" kern="1200">
+                <a:solidFill>
+                  <a:schemeClr val="tx1"/>
+                </a:solidFill>
+                <a:latin typeface="+mn-lt"/>
+                <a:ea typeface="+mn-ea"/>
+                <a:cs typeface="+mn-cs"/>
+              </a:defRPr>
+            </a:lvl7pPr>
+            <a:lvl8pPr marL="3429000" indent="-228600" algn="l" defTabSz="914400" rtl="0" eaLnBrk="1" latinLnBrk="0" hangingPunct="1">
+              <a:lnSpc>
+                <a:spcPct val="120000"/>
+              </a:lnSpc>
+              <a:spcBef>
+                <a:spcPts val="500"/>
+              </a:spcBef>
+              <a:buSzPct val="125000"/>
+              <a:buFont typeface="Arial" panose="020B0604020202020204" pitchFamily="34" charset="0"/>
+              <a:buChar char="•"/>
+              <a:defRPr sz="1400" kern="1200">
+                <a:solidFill>
+                  <a:schemeClr val="tx1"/>
+                </a:solidFill>
+                <a:latin typeface="+mn-lt"/>
+                <a:ea typeface="+mn-ea"/>
+                <a:cs typeface="+mn-cs"/>
+              </a:defRPr>
+            </a:lvl8pPr>
+            <a:lvl9pPr marL="3886200" indent="-228600" algn="l" defTabSz="914400" rtl="0" eaLnBrk="1" latinLnBrk="0" hangingPunct="1">
+              <a:lnSpc>
+                <a:spcPct val="120000"/>
+              </a:lnSpc>
+              <a:spcBef>
+                <a:spcPts val="500"/>
+              </a:spcBef>
+              <a:buSzPct val="125000"/>
+              <a:buFont typeface="Arial" panose="020B0604020202020204" pitchFamily="34" charset="0"/>
+              <a:buChar char="•"/>
+              <a:defRPr sz="1400" kern="1200">
+                <a:solidFill>
+                  <a:schemeClr val="tx1"/>
+                </a:solidFill>
+                <a:latin typeface="+mn-lt"/>
+                <a:ea typeface="+mn-ea"/>
+                <a:cs typeface="+mn-cs"/>
+              </a:defRPr>
+            </a:lvl9pPr>
+          </a:lstStyle>
+          <a:p>
+            <a:pPr marL="0" indent="0" algn="ctr">
+              <a:buFont typeface="Arial" panose="020B0604020202020204" pitchFamily="34" charset="0"/>
+              <a:buNone/>
+            </a:pPr>
+            <a:r>
+              <a:rPr lang="en-US" sz="1400" i="1" dirty="0"/>
+              <a:t>Option 2: Solution is the max segment on right</a:t>
+            </a:r>
+          </a:p>
+        </p:txBody>
+      </p:sp>
+      <p:sp>
+        <p:nvSpPr>
+          <p:cNvPr id="51" name="Content Placeholder 2">
+            <a:extLst>
+              <a:ext uri="{FF2B5EF4-FFF2-40B4-BE49-F238E27FC236}">
+                <a16:creationId xmlns:a16="http://schemas.microsoft.com/office/drawing/2014/main" id="{53E140D4-6B97-CB49-9EAF-3C39707472EE}"/>
+              </a:ext>
+            </a:extLst>
+          </p:cNvPr>
+          <p:cNvSpPr txBox="1">
+            <a:spLocks/>
+          </p:cNvSpPr>
+          <p:nvPr/>
+        </p:nvSpPr>
+        <p:spPr>
+          <a:xfrm>
+            <a:off x="4155542" y="5493990"/>
+            <a:ext cx="3977209" cy="477163"/>
+          </a:xfrm>
+          <a:prstGeom prst="rect">
+            <a:avLst/>
+          </a:prstGeom>
+          <a:ln>
+            <a:solidFill>
+              <a:schemeClr val="tx1">
+                <a:lumMod val="95000"/>
+              </a:schemeClr>
+            </a:solidFill>
+          </a:ln>
+        </p:spPr>
+        <p:txBody>
+          <a:bodyPr vert="horz" lIns="91440" tIns="45720" rIns="91440" bIns="45720" rtlCol="0">
+            <a:normAutofit fontScale="85000" lnSpcReduction="20000"/>
+          </a:bodyPr>
+          <a:lstStyle>
+            <a:lvl1pPr marL="228600" indent="-228600" algn="l" defTabSz="914400" rtl="0" eaLnBrk="1" latinLnBrk="0" hangingPunct="1">
+              <a:lnSpc>
+                <a:spcPct val="120000"/>
+              </a:lnSpc>
+              <a:spcBef>
+                <a:spcPts val="1000"/>
+              </a:spcBef>
+              <a:buSzPct val="125000"/>
+              <a:buFont typeface="Arial" panose="020B0604020202020204" pitchFamily="34" charset="0"/>
+              <a:buChar char="•"/>
+              <a:defRPr sz="2400" kern="1200">
+                <a:solidFill>
+                  <a:schemeClr val="tx1"/>
+                </a:solidFill>
+                <a:latin typeface="+mn-lt"/>
+                <a:ea typeface="+mn-ea"/>
+                <a:cs typeface="+mn-cs"/>
+              </a:defRPr>
+            </a:lvl1pPr>
+            <a:lvl2pPr marL="685800" indent="-228600" algn="l" defTabSz="914400" rtl="0" eaLnBrk="1" latinLnBrk="0" hangingPunct="1">
+              <a:lnSpc>
+                <a:spcPct val="120000"/>
+              </a:lnSpc>
+              <a:spcBef>
+                <a:spcPts val="500"/>
+              </a:spcBef>
+              <a:buSzPct val="125000"/>
+              <a:buFont typeface="Arial" panose="020B0604020202020204" pitchFamily="34" charset="0"/>
+              <a:buChar char="•"/>
+              <a:defRPr sz="2000" kern="1200">
+                <a:solidFill>
+                  <a:schemeClr val="tx1"/>
+                </a:solidFill>
+                <a:latin typeface="+mn-lt"/>
+                <a:ea typeface="+mn-ea"/>
+                <a:cs typeface="+mn-cs"/>
+              </a:defRPr>
+            </a:lvl2pPr>
+            <a:lvl3pPr marL="1143000" indent="-228600" algn="l" defTabSz="914400" rtl="0" eaLnBrk="1" latinLnBrk="0" hangingPunct="1">
+              <a:lnSpc>
+                <a:spcPct val="120000"/>
+              </a:lnSpc>
+              <a:spcBef>
+                <a:spcPts val="500"/>
+              </a:spcBef>
+              <a:buSzPct val="125000"/>
+              <a:buFont typeface="Arial" panose="020B0604020202020204" pitchFamily="34" charset="0"/>
+              <a:buChar char="•"/>
+              <a:defRPr sz="1800" kern="1200">
+                <a:solidFill>
+                  <a:schemeClr val="tx1"/>
+                </a:solidFill>
+                <a:latin typeface="+mn-lt"/>
+                <a:ea typeface="+mn-ea"/>
+                <a:cs typeface="+mn-cs"/>
+              </a:defRPr>
+            </a:lvl3pPr>
+            <a:lvl4pPr marL="1600200" indent="-228600" algn="l" defTabSz="914400" rtl="0" eaLnBrk="1" latinLnBrk="0" hangingPunct="1">
+              <a:lnSpc>
+                <a:spcPct val="120000"/>
+              </a:lnSpc>
+              <a:spcBef>
+                <a:spcPts val="500"/>
+              </a:spcBef>
+              <a:buSzPct val="125000"/>
+              <a:buFont typeface="Arial" panose="020B0604020202020204" pitchFamily="34" charset="0"/>
+              <a:buChar char="•"/>
+              <a:defRPr sz="1600" kern="1200">
+                <a:solidFill>
+                  <a:schemeClr val="tx1"/>
+                </a:solidFill>
+                <a:latin typeface="+mn-lt"/>
+                <a:ea typeface="+mn-ea"/>
+                <a:cs typeface="+mn-cs"/>
+              </a:defRPr>
+            </a:lvl4pPr>
+            <a:lvl5pPr marL="2057400" indent="-228600" algn="l" defTabSz="914400" rtl="0" eaLnBrk="1" latinLnBrk="0" hangingPunct="1">
+              <a:lnSpc>
+                <a:spcPct val="120000"/>
+              </a:lnSpc>
+              <a:spcBef>
+                <a:spcPts val="500"/>
+              </a:spcBef>
+              <a:buSzPct val="125000"/>
+              <a:buFont typeface="Arial" panose="020B0604020202020204" pitchFamily="34" charset="0"/>
+              <a:buChar char="•"/>
+              <a:defRPr sz="1600" kern="1200">
+                <a:solidFill>
+                  <a:schemeClr val="tx1"/>
+                </a:solidFill>
+                <a:latin typeface="+mn-lt"/>
+                <a:ea typeface="+mn-ea"/>
+                <a:cs typeface="+mn-cs"/>
+              </a:defRPr>
+            </a:lvl5pPr>
+            <a:lvl6pPr marL="2514600" indent="-228600" algn="l" defTabSz="914400" rtl="0" eaLnBrk="1" latinLnBrk="0" hangingPunct="1">
+              <a:lnSpc>
+                <a:spcPct val="120000"/>
+              </a:lnSpc>
+              <a:spcBef>
+                <a:spcPts val="500"/>
+              </a:spcBef>
+              <a:buSzPct val="125000"/>
+              <a:buFont typeface="Arial" panose="020B0604020202020204" pitchFamily="34" charset="0"/>
+              <a:buChar char="•"/>
+              <a:defRPr sz="1400" kern="1200">
+                <a:solidFill>
+                  <a:schemeClr val="tx1"/>
+                </a:solidFill>
+                <a:latin typeface="+mn-lt"/>
+                <a:ea typeface="+mn-ea"/>
+                <a:cs typeface="+mn-cs"/>
+              </a:defRPr>
+            </a:lvl6pPr>
+            <a:lvl7pPr marL="2971800" indent="-228600" algn="l" defTabSz="914400" rtl="0" eaLnBrk="1" latinLnBrk="0" hangingPunct="1">
+              <a:lnSpc>
+                <a:spcPct val="120000"/>
+              </a:lnSpc>
+              <a:spcBef>
+                <a:spcPts val="500"/>
+              </a:spcBef>
+              <a:buSzPct val="125000"/>
+              <a:buFont typeface="Arial" panose="020B0604020202020204" pitchFamily="34" charset="0"/>
+              <a:buChar char="•"/>
+              <a:defRPr sz="1400" kern="1200">
+                <a:solidFill>
+                  <a:schemeClr val="tx1"/>
+                </a:solidFill>
+                <a:latin typeface="+mn-lt"/>
+                <a:ea typeface="+mn-ea"/>
+                <a:cs typeface="+mn-cs"/>
+              </a:defRPr>
+            </a:lvl7pPr>
+            <a:lvl8pPr marL="3429000" indent="-228600" algn="l" defTabSz="914400" rtl="0" eaLnBrk="1" latinLnBrk="0" hangingPunct="1">
+              <a:lnSpc>
+                <a:spcPct val="120000"/>
+              </a:lnSpc>
+              <a:spcBef>
+                <a:spcPts val="500"/>
+              </a:spcBef>
+              <a:buSzPct val="125000"/>
+              <a:buFont typeface="Arial" panose="020B0604020202020204" pitchFamily="34" charset="0"/>
+              <a:buChar char="•"/>
+              <a:defRPr sz="1400" kern="1200">
+                <a:solidFill>
+                  <a:schemeClr val="tx1"/>
+                </a:solidFill>
+                <a:latin typeface="+mn-lt"/>
+                <a:ea typeface="+mn-ea"/>
+                <a:cs typeface="+mn-cs"/>
+              </a:defRPr>
+            </a:lvl8pPr>
+            <a:lvl9pPr marL="3886200" indent="-228600" algn="l" defTabSz="914400" rtl="0" eaLnBrk="1" latinLnBrk="0" hangingPunct="1">
+              <a:lnSpc>
+                <a:spcPct val="120000"/>
+              </a:lnSpc>
+              <a:spcBef>
+                <a:spcPts val="500"/>
+              </a:spcBef>
+              <a:buSzPct val="125000"/>
+              <a:buFont typeface="Arial" panose="020B0604020202020204" pitchFamily="34" charset="0"/>
+              <a:buChar char="•"/>
+              <a:defRPr sz="1400" kern="1200">
+                <a:solidFill>
+                  <a:schemeClr val="tx1"/>
+                </a:solidFill>
+                <a:latin typeface="+mn-lt"/>
+                <a:ea typeface="+mn-ea"/>
+                <a:cs typeface="+mn-cs"/>
+              </a:defRPr>
+            </a:lvl9pPr>
+          </a:lstStyle>
+          <a:p>
+            <a:pPr marL="0" indent="0" algn="ctr">
+              <a:buFont typeface="Arial" panose="020B0604020202020204" pitchFamily="34" charset="0"/>
+              <a:buNone/>
+            </a:pPr>
+            <a:r>
+              <a:rPr lang="en-US" sz="1400" i="1" dirty="0"/>
+              <a:t>Option 3: Solution is max suffix sum on left concatenated with max prefix sum on right (orange bars)</a:t>
+            </a:r>
+          </a:p>
+        </p:txBody>
+      </p:sp>
+    </p:spTree>
+    <p:extLst>
+      <p:ext uri="{BB962C8B-B14F-4D97-AF65-F5344CB8AC3E}">
+        <p14:creationId xmlns:p14="http://schemas.microsoft.com/office/powerpoint/2010/main" val="1217348655"/>
+      </p:ext>
+    </p:extLst>
+  </p:cSld>
+  <p:clrMapOvr>
+    <a:masterClrMapping/>
+  </p:clrMapOvr>
+</p:sld>
+</file>
+
+<file path=ppt/slides/slide41.xml><?xml version="1.0" encoding="utf-8"?>
+<p:sld xmlns:a="http://schemas.openxmlformats.org/drawingml/2006/main" xmlns:r="http://schemas.openxmlformats.org/officeDocument/2006/relationships" xmlns:p="http://schemas.openxmlformats.org/presentationml/2006/main">
+  <p:cSld>
+    <p:spTree>
+      <p:nvGrpSpPr>
+        <p:cNvPr id="1" name=""/>
+        <p:cNvGrpSpPr/>
+        <p:nvPr/>
+      </p:nvGrpSpPr>
+      <p:grpSpPr>
+        <a:xfrm>
+          <a:off x="0" y="0"/>
+          <a:ext cx="0" cy="0"/>
+          <a:chOff x="0" y="0"/>
+          <a:chExt cx="0" cy="0"/>
+        </a:xfrm>
+      </p:grpSpPr>
+      <p:sp>
+        <p:nvSpPr>
+          <p:cNvPr id="2" name="Title 1">
+            <a:extLst>
+              <a:ext uri="{FF2B5EF4-FFF2-40B4-BE49-F238E27FC236}">
+                <a16:creationId xmlns:a16="http://schemas.microsoft.com/office/drawing/2014/main" id="{D63C04CD-2329-4D47-84D9-12CB3EDD9F46}"/>
+              </a:ext>
+            </a:extLst>
+          </p:cNvPr>
+          <p:cNvSpPr>
+            <a:spLocks noGrp="1"/>
+          </p:cNvSpPr>
+          <p:nvPr>
+            <p:ph type="title"/>
+          </p:nvPr>
+        </p:nvSpPr>
+        <p:spPr>
+          <a:xfrm>
+            <a:off x="1141412" y="47837"/>
+            <a:ext cx="9905998" cy="860425"/>
+          </a:xfrm>
+        </p:spPr>
+        <p:txBody>
+          <a:bodyPr/>
+          <a:lstStyle/>
+          <a:p>
+            <a:pPr algn="ctr"/>
+            <a:r>
+              <a:rPr lang="en-US" dirty="0"/>
+              <a:t>Finding Maximal Sub-Segment</a:t>
+            </a:r>
+          </a:p>
+        </p:txBody>
+      </p:sp>
+      <p:sp>
+        <p:nvSpPr>
+          <p:cNvPr id="14" name="Content Placeholder 2">
+            <a:extLst>
+              <a:ext uri="{FF2B5EF4-FFF2-40B4-BE49-F238E27FC236}">
+                <a16:creationId xmlns:a16="http://schemas.microsoft.com/office/drawing/2014/main" id="{67057155-16F3-854B-A54A-C77F36AF4DCF}"/>
+              </a:ext>
+            </a:extLst>
+          </p:cNvPr>
+          <p:cNvSpPr txBox="1">
+            <a:spLocks/>
+          </p:cNvSpPr>
+          <p:nvPr/>
+        </p:nvSpPr>
+        <p:spPr>
+          <a:xfrm>
+            <a:off x="757301" y="4372434"/>
+            <a:ext cx="5174146" cy="2358000"/>
+          </a:xfrm>
+          <a:prstGeom prst="rect">
+            <a:avLst/>
+          </a:prstGeom>
+          <a:solidFill>
+            <a:schemeClr val="tx1">
+              <a:lumMod val="95000"/>
+            </a:schemeClr>
+          </a:solidFill>
+          <a:ln>
+            <a:solidFill>
+              <a:schemeClr val="bg1"/>
+            </a:solidFill>
+          </a:ln>
+        </p:spPr>
+        <p:txBody>
+          <a:bodyPr vert="horz" lIns="91440" tIns="45720" rIns="91440" bIns="45720" rtlCol="0">
+            <a:normAutofit/>
+          </a:bodyPr>
+          <a:lstStyle>
+            <a:lvl1pPr marL="228600" indent="-228600" algn="l" defTabSz="914400" rtl="0" eaLnBrk="1" latinLnBrk="0" hangingPunct="1">
+              <a:lnSpc>
+                <a:spcPct val="120000"/>
+              </a:lnSpc>
+              <a:spcBef>
+                <a:spcPts val="1000"/>
+              </a:spcBef>
+              <a:buSzPct val="125000"/>
+              <a:buFont typeface="Arial" panose="020B0604020202020204" pitchFamily="34" charset="0"/>
+              <a:buChar char="•"/>
+              <a:defRPr sz="2400" kern="1200">
+                <a:solidFill>
+                  <a:schemeClr val="tx1"/>
+                </a:solidFill>
+                <a:latin typeface="+mn-lt"/>
+                <a:ea typeface="+mn-ea"/>
+                <a:cs typeface="+mn-cs"/>
+              </a:defRPr>
+            </a:lvl1pPr>
+            <a:lvl2pPr marL="685800" indent="-228600" algn="l" defTabSz="914400" rtl="0" eaLnBrk="1" latinLnBrk="0" hangingPunct="1">
+              <a:lnSpc>
+                <a:spcPct val="120000"/>
+              </a:lnSpc>
+              <a:spcBef>
+                <a:spcPts val="500"/>
+              </a:spcBef>
+              <a:buSzPct val="125000"/>
+              <a:buFont typeface="Arial" panose="020B0604020202020204" pitchFamily="34" charset="0"/>
+              <a:buChar char="•"/>
+              <a:defRPr sz="2000" kern="1200">
+                <a:solidFill>
+                  <a:schemeClr val="tx1"/>
+                </a:solidFill>
+                <a:latin typeface="+mn-lt"/>
+                <a:ea typeface="+mn-ea"/>
+                <a:cs typeface="+mn-cs"/>
+              </a:defRPr>
+            </a:lvl2pPr>
+            <a:lvl3pPr marL="1143000" indent="-228600" algn="l" defTabSz="914400" rtl="0" eaLnBrk="1" latinLnBrk="0" hangingPunct="1">
+              <a:lnSpc>
+                <a:spcPct val="120000"/>
+              </a:lnSpc>
+              <a:spcBef>
+                <a:spcPts val="500"/>
+              </a:spcBef>
+              <a:buSzPct val="125000"/>
+              <a:buFont typeface="Arial" panose="020B0604020202020204" pitchFamily="34" charset="0"/>
+              <a:buChar char="•"/>
+              <a:defRPr sz="1800" kern="1200">
+                <a:solidFill>
+                  <a:schemeClr val="tx1"/>
+                </a:solidFill>
+                <a:latin typeface="+mn-lt"/>
+                <a:ea typeface="+mn-ea"/>
+                <a:cs typeface="+mn-cs"/>
+              </a:defRPr>
+            </a:lvl3pPr>
+            <a:lvl4pPr marL="1600200" indent="-228600" algn="l" defTabSz="914400" rtl="0" eaLnBrk="1" latinLnBrk="0" hangingPunct="1">
+              <a:lnSpc>
+                <a:spcPct val="120000"/>
+              </a:lnSpc>
+              <a:spcBef>
+                <a:spcPts val="500"/>
+              </a:spcBef>
+              <a:buSzPct val="125000"/>
+              <a:buFont typeface="Arial" panose="020B0604020202020204" pitchFamily="34" charset="0"/>
+              <a:buChar char="•"/>
+              <a:defRPr sz="1600" kern="1200">
+                <a:solidFill>
+                  <a:schemeClr val="tx1"/>
+                </a:solidFill>
+                <a:latin typeface="+mn-lt"/>
+                <a:ea typeface="+mn-ea"/>
+                <a:cs typeface="+mn-cs"/>
+              </a:defRPr>
+            </a:lvl4pPr>
+            <a:lvl5pPr marL="2057400" indent="-228600" algn="l" defTabSz="914400" rtl="0" eaLnBrk="1" latinLnBrk="0" hangingPunct="1">
+              <a:lnSpc>
+                <a:spcPct val="120000"/>
+              </a:lnSpc>
+              <a:spcBef>
+                <a:spcPts val="500"/>
+              </a:spcBef>
+              <a:buSzPct val="125000"/>
+              <a:buFont typeface="Arial" panose="020B0604020202020204" pitchFamily="34" charset="0"/>
+              <a:buChar char="•"/>
+              <a:defRPr sz="1600" kern="1200">
+                <a:solidFill>
+                  <a:schemeClr val="tx1"/>
+                </a:solidFill>
+                <a:latin typeface="+mn-lt"/>
+                <a:ea typeface="+mn-ea"/>
+                <a:cs typeface="+mn-cs"/>
+              </a:defRPr>
+            </a:lvl5pPr>
+            <a:lvl6pPr marL="2514600" indent="-228600" algn="l" defTabSz="914400" rtl="0" eaLnBrk="1" latinLnBrk="0" hangingPunct="1">
+              <a:lnSpc>
+                <a:spcPct val="120000"/>
+              </a:lnSpc>
+              <a:spcBef>
+                <a:spcPts val="500"/>
+              </a:spcBef>
+              <a:buSzPct val="125000"/>
+              <a:buFont typeface="Arial" panose="020B0604020202020204" pitchFamily="34" charset="0"/>
+              <a:buChar char="•"/>
+              <a:defRPr sz="1400" kern="1200">
+                <a:solidFill>
+                  <a:schemeClr val="tx1"/>
+                </a:solidFill>
+                <a:latin typeface="+mn-lt"/>
+                <a:ea typeface="+mn-ea"/>
+                <a:cs typeface="+mn-cs"/>
+              </a:defRPr>
+            </a:lvl6pPr>
+            <a:lvl7pPr marL="2971800" indent="-228600" algn="l" defTabSz="914400" rtl="0" eaLnBrk="1" latinLnBrk="0" hangingPunct="1">
+              <a:lnSpc>
+                <a:spcPct val="120000"/>
+              </a:lnSpc>
+              <a:spcBef>
+                <a:spcPts val="500"/>
+              </a:spcBef>
+              <a:buSzPct val="125000"/>
+              <a:buFont typeface="Arial" panose="020B0604020202020204" pitchFamily="34" charset="0"/>
+              <a:buChar char="•"/>
+              <a:defRPr sz="1400" kern="1200">
+                <a:solidFill>
+                  <a:schemeClr val="tx1"/>
+                </a:solidFill>
+                <a:latin typeface="+mn-lt"/>
+                <a:ea typeface="+mn-ea"/>
+                <a:cs typeface="+mn-cs"/>
+              </a:defRPr>
+            </a:lvl7pPr>
+            <a:lvl8pPr marL="3429000" indent="-228600" algn="l" defTabSz="914400" rtl="0" eaLnBrk="1" latinLnBrk="0" hangingPunct="1">
+              <a:lnSpc>
+                <a:spcPct val="120000"/>
+              </a:lnSpc>
+              <a:spcBef>
+                <a:spcPts val="500"/>
+              </a:spcBef>
+              <a:buSzPct val="125000"/>
+              <a:buFont typeface="Arial" panose="020B0604020202020204" pitchFamily="34" charset="0"/>
+              <a:buChar char="•"/>
+              <a:defRPr sz="1400" kern="1200">
+                <a:solidFill>
+                  <a:schemeClr val="tx1"/>
+                </a:solidFill>
+                <a:latin typeface="+mn-lt"/>
+                <a:ea typeface="+mn-ea"/>
+                <a:cs typeface="+mn-cs"/>
+              </a:defRPr>
+            </a:lvl8pPr>
+            <a:lvl9pPr marL="3886200" indent="-228600" algn="l" defTabSz="914400" rtl="0" eaLnBrk="1" latinLnBrk="0" hangingPunct="1">
+              <a:lnSpc>
+                <a:spcPct val="120000"/>
+              </a:lnSpc>
+              <a:spcBef>
+                <a:spcPts val="500"/>
+              </a:spcBef>
+              <a:buSzPct val="125000"/>
+              <a:buFont typeface="Arial" panose="020B0604020202020204" pitchFamily="34" charset="0"/>
+              <a:buChar char="•"/>
+              <a:defRPr sz="1400" kern="1200">
+                <a:solidFill>
+                  <a:schemeClr val="tx1"/>
+                </a:solidFill>
+                <a:latin typeface="+mn-lt"/>
+                <a:ea typeface="+mn-ea"/>
+                <a:cs typeface="+mn-cs"/>
+              </a:defRPr>
+            </a:lvl9pPr>
+          </a:lstStyle>
+          <a:p>
+            <a:pPr marL="0" indent="0" algn="ctr">
+              <a:buFont typeface="Arial" panose="020B0604020202020204" pitchFamily="34" charset="0"/>
+              <a:buNone/>
+            </a:pPr>
+            <a:r>
+              <a:rPr lang="en-US" sz="1600" b="1" i="1" u="sng" dirty="0">
+                <a:solidFill>
+                  <a:schemeClr val="bg1"/>
+                </a:solidFill>
+              </a:rPr>
+              <a:t>Each node should store</a:t>
+            </a:r>
+            <a:r>
+              <a:rPr lang="en-US" sz="1600" i="1" dirty="0">
+                <a:solidFill>
+                  <a:schemeClr val="bg1"/>
+                </a:solidFill>
+              </a:rPr>
+              <a:t>:</a:t>
+            </a:r>
+          </a:p>
+          <a:p>
+            <a:pPr marL="0" indent="0">
+              <a:buFont typeface="Arial" panose="020B0604020202020204" pitchFamily="34" charset="0"/>
+              <a:buNone/>
+            </a:pPr>
+            <a:r>
+              <a:rPr lang="en-US" sz="1600" i="1" u="sng" dirty="0">
+                <a:solidFill>
+                  <a:schemeClr val="bg1"/>
+                </a:solidFill>
+              </a:rPr>
+              <a:t>Sum of segment</a:t>
+            </a:r>
+            <a:r>
+              <a:rPr lang="en-US" sz="1600" i="1" dirty="0">
+                <a:solidFill>
+                  <a:schemeClr val="bg1"/>
+                </a:solidFill>
+              </a:rPr>
+              <a:t>:	useful for computing other values below</a:t>
+            </a:r>
+          </a:p>
+          <a:p>
+            <a:pPr marL="0" indent="0">
+              <a:buFont typeface="Arial" panose="020B0604020202020204" pitchFamily="34" charset="0"/>
+              <a:buNone/>
+            </a:pPr>
+            <a:r>
+              <a:rPr lang="en-US" sz="1600" i="1" u="sng" dirty="0">
+                <a:solidFill>
+                  <a:schemeClr val="bg1"/>
+                </a:solidFill>
+              </a:rPr>
+              <a:t>Max prefix sum</a:t>
+            </a:r>
+            <a:r>
+              <a:rPr lang="en-US" sz="1600" i="1" dirty="0">
+                <a:solidFill>
+                  <a:schemeClr val="bg1"/>
+                </a:solidFill>
+              </a:rPr>
+              <a:t>:	for combining across splits</a:t>
+            </a:r>
+          </a:p>
+          <a:p>
+            <a:pPr marL="0" indent="0">
+              <a:buFont typeface="Arial" panose="020B0604020202020204" pitchFamily="34" charset="0"/>
+              <a:buNone/>
+            </a:pPr>
+            <a:r>
+              <a:rPr lang="en-US" sz="1600" i="1" u="sng" dirty="0">
+                <a:solidFill>
+                  <a:schemeClr val="bg1"/>
+                </a:solidFill>
+              </a:rPr>
+              <a:t>Max suffix sum</a:t>
+            </a:r>
+            <a:r>
+              <a:rPr lang="en-US" sz="1600" i="1" dirty="0">
+                <a:solidFill>
+                  <a:schemeClr val="bg1"/>
+                </a:solidFill>
+              </a:rPr>
+              <a:t>:	for combining across splits</a:t>
+            </a:r>
+          </a:p>
+          <a:p>
+            <a:pPr marL="0" indent="0">
+              <a:buFont typeface="Arial" panose="020B0604020202020204" pitchFamily="34" charset="0"/>
+              <a:buNone/>
+            </a:pPr>
+            <a:r>
+              <a:rPr lang="en-US" sz="1600" i="1" u="sng" dirty="0">
+                <a:solidFill>
+                  <a:schemeClr val="bg1"/>
+                </a:solidFill>
+              </a:rPr>
+              <a:t>Ans</a:t>
+            </a:r>
+            <a:r>
+              <a:rPr lang="en-US" sz="1600" i="1" dirty="0">
+                <a:solidFill>
+                  <a:schemeClr val="bg1"/>
+                </a:solidFill>
+              </a:rPr>
+              <a:t>:		The answer (max segment)</a:t>
+            </a:r>
+          </a:p>
+        </p:txBody>
+      </p:sp>
+      <p:grpSp>
+        <p:nvGrpSpPr>
+          <p:cNvPr id="4" name="Group 3">
+            <a:extLst>
+              <a:ext uri="{FF2B5EF4-FFF2-40B4-BE49-F238E27FC236}">
+                <a16:creationId xmlns:a16="http://schemas.microsoft.com/office/drawing/2014/main" id="{F5C238E4-1106-914E-A558-F7512A104DEC}"/>
+              </a:ext>
+            </a:extLst>
+          </p:cNvPr>
+          <p:cNvGrpSpPr/>
+          <p:nvPr/>
+        </p:nvGrpSpPr>
+        <p:grpSpPr>
+          <a:xfrm>
+            <a:off x="1262268" y="811921"/>
+            <a:ext cx="9474341" cy="3312337"/>
+            <a:chOff x="1262268" y="2658816"/>
+            <a:chExt cx="9474341" cy="3312337"/>
+          </a:xfrm>
+        </p:grpSpPr>
+        <p:cxnSp>
+          <p:nvCxnSpPr>
+            <p:cNvPr id="12" name="Straight Connector 11">
+              <a:extLst>
+                <a:ext uri="{FF2B5EF4-FFF2-40B4-BE49-F238E27FC236}">
+                  <a16:creationId xmlns:a16="http://schemas.microsoft.com/office/drawing/2014/main" id="{878C0CFD-E756-C64F-B86F-A385D066CC08}"/>
+                </a:ext>
+              </a:extLst>
+            </p:cNvPr>
+            <p:cNvCxnSpPr>
+              <a:cxnSpLocks/>
+            </p:cNvCxnSpPr>
+            <p:nvPr/>
+          </p:nvCxnSpPr>
+          <p:spPr>
+            <a:xfrm>
+              <a:off x="6926703" y="3628409"/>
+              <a:ext cx="612194" cy="810907"/>
+            </a:xfrm>
+            <a:prstGeom prst="line">
+              <a:avLst/>
+            </a:prstGeom>
+            <a:ln>
+              <a:solidFill>
+                <a:schemeClr val="tx1"/>
+              </a:solidFill>
+            </a:ln>
+          </p:spPr>
+          <p:style>
+            <a:lnRef idx="1">
+              <a:schemeClr val="accent1"/>
+            </a:lnRef>
+            <a:fillRef idx="0">
+              <a:schemeClr val="accent1"/>
+            </a:fillRef>
+            <a:effectRef idx="0">
+              <a:schemeClr val="accent1"/>
+            </a:effectRef>
+            <a:fontRef idx="minor">
+              <a:schemeClr val="tx1"/>
+            </a:fontRef>
+          </p:style>
+        </p:cxnSp>
+        <p:grpSp>
+          <p:nvGrpSpPr>
+            <p:cNvPr id="10" name="Group 9">
+              <a:extLst>
+                <a:ext uri="{FF2B5EF4-FFF2-40B4-BE49-F238E27FC236}">
+                  <a16:creationId xmlns:a16="http://schemas.microsoft.com/office/drawing/2014/main" id="{446F229A-20EA-5541-B22E-E8E4CC6B30EE}"/>
+                </a:ext>
+              </a:extLst>
+            </p:cNvPr>
+            <p:cNvGrpSpPr/>
+            <p:nvPr/>
+          </p:nvGrpSpPr>
+          <p:grpSpPr>
+            <a:xfrm>
+              <a:off x="2332699" y="2658816"/>
+              <a:ext cx="7225365" cy="990059"/>
+              <a:chOff x="2495662" y="2770363"/>
+              <a:chExt cx="7225365" cy="990059"/>
+            </a:xfrm>
+          </p:grpSpPr>
+          <p:sp>
+            <p:nvSpPr>
+              <p:cNvPr id="3" name="Rectangle 2">
+                <a:extLst>
+                  <a:ext uri="{FF2B5EF4-FFF2-40B4-BE49-F238E27FC236}">
+                    <a16:creationId xmlns:a16="http://schemas.microsoft.com/office/drawing/2014/main" id="{9AF7525F-C848-0647-8A9F-2C2177FE4F93}"/>
+                  </a:ext>
+                </a:extLst>
+              </p:cNvPr>
+              <p:cNvSpPr/>
+              <p:nvPr/>
+            </p:nvSpPr>
+            <p:spPr>
+              <a:xfrm>
+                <a:off x="2631460" y="3221741"/>
+                <a:ext cx="6925901" cy="389299"/>
+              </a:xfrm>
+              <a:prstGeom prst="rect">
+                <a:avLst/>
+              </a:prstGeom>
+              <a:ln>
+                <a:solidFill>
+                  <a:schemeClr val="tx1">
+                    <a:lumMod val="95000"/>
+                  </a:schemeClr>
+                </a:solidFill>
+              </a:ln>
+            </p:spPr>
+            <p:style>
+              <a:lnRef idx="2">
+                <a:schemeClr val="accent1">
+                  <a:shade val="50000"/>
+                </a:schemeClr>
+              </a:lnRef>
+              <a:fillRef idx="1">
+                <a:schemeClr val="accent1"/>
+              </a:fillRef>
+              <a:effectRef idx="0">
+                <a:schemeClr val="accent1"/>
+              </a:effectRef>
+              <a:fontRef idx="minor">
+                <a:schemeClr val="lt1"/>
+              </a:fontRef>
+            </p:style>
+            <p:txBody>
+              <a:bodyPr rtlCol="0" anchor="ctr"/>
+              <a:lstStyle/>
+              <a:p>
+                <a:pPr algn="ctr"/>
+                <a:endParaRPr lang="en-US"/>
+              </a:p>
+            </p:txBody>
+          </p:sp>
+          <p:cxnSp>
+            <p:nvCxnSpPr>
+              <p:cNvPr id="5" name="Straight Connector 4">
+                <a:extLst>
+                  <a:ext uri="{FF2B5EF4-FFF2-40B4-BE49-F238E27FC236}">
+                    <a16:creationId xmlns:a16="http://schemas.microsoft.com/office/drawing/2014/main" id="{8CC3F8C1-5C56-F048-AC62-B99B23772878}"/>
+                  </a:ext>
+                </a:extLst>
+              </p:cNvPr>
+              <p:cNvCxnSpPr>
+                <a:cxnSpLocks/>
+              </p:cNvCxnSpPr>
+              <p:nvPr/>
+            </p:nvCxnSpPr>
+            <p:spPr>
+              <a:xfrm>
+                <a:off x="2622407" y="3060071"/>
+                <a:ext cx="0" cy="688064"/>
+              </a:xfrm>
+              <a:prstGeom prst="line">
+                <a:avLst/>
+              </a:prstGeom>
+            </p:spPr>
+            <p:style>
+              <a:lnRef idx="1">
+                <a:schemeClr val="accent1"/>
+              </a:lnRef>
+              <a:fillRef idx="0">
+                <a:schemeClr val="accent1"/>
+              </a:fillRef>
+              <a:effectRef idx="0">
+                <a:schemeClr val="accent1"/>
+              </a:effectRef>
+              <a:fontRef idx="minor">
+                <a:schemeClr val="tx1"/>
+              </a:fontRef>
+            </p:style>
+          </p:cxnSp>
+          <p:cxnSp>
+            <p:nvCxnSpPr>
+              <p:cNvPr id="18" name="Straight Connector 17">
+                <a:extLst>
+                  <a:ext uri="{FF2B5EF4-FFF2-40B4-BE49-F238E27FC236}">
+                    <a16:creationId xmlns:a16="http://schemas.microsoft.com/office/drawing/2014/main" id="{0AD8A11C-D17C-2F42-A374-F8A90FEE78C3}"/>
+                  </a:ext>
+                </a:extLst>
+              </p:cNvPr>
+              <p:cNvCxnSpPr>
+                <a:cxnSpLocks/>
+              </p:cNvCxnSpPr>
+              <p:nvPr/>
+            </p:nvCxnSpPr>
+            <p:spPr>
+              <a:xfrm>
+                <a:off x="9557361" y="3072358"/>
+                <a:ext cx="0" cy="688064"/>
+              </a:xfrm>
+              <a:prstGeom prst="line">
+                <a:avLst/>
+              </a:prstGeom>
+            </p:spPr>
+            <p:style>
+              <a:lnRef idx="1">
+                <a:schemeClr val="accent1"/>
+              </a:lnRef>
+              <a:fillRef idx="0">
+                <a:schemeClr val="accent1"/>
+              </a:fillRef>
+              <a:effectRef idx="0">
+                <a:schemeClr val="accent1"/>
+              </a:effectRef>
+              <a:fontRef idx="minor">
+                <a:schemeClr val="tx1"/>
+              </a:fontRef>
+            </p:style>
+          </p:cxnSp>
+          <p:sp>
+            <p:nvSpPr>
+              <p:cNvPr id="8" name="TextBox 7">
+                <a:extLst>
+                  <a:ext uri="{FF2B5EF4-FFF2-40B4-BE49-F238E27FC236}">
+                    <a16:creationId xmlns:a16="http://schemas.microsoft.com/office/drawing/2014/main" id="{6615CDA8-9C6E-854C-914F-DDE532E28ABB}"/>
+                  </a:ext>
+                </a:extLst>
+              </p:cNvPr>
+              <p:cNvSpPr txBox="1"/>
+              <p:nvPr/>
+            </p:nvSpPr>
+            <p:spPr>
+              <a:xfrm>
+                <a:off x="2495662" y="2770363"/>
+                <a:ext cx="272832" cy="369332"/>
+              </a:xfrm>
+              <a:prstGeom prst="rect">
+                <a:avLst/>
+              </a:prstGeom>
+              <a:noFill/>
+            </p:spPr>
+            <p:txBody>
+              <a:bodyPr wrap="none" rtlCol="0">
+                <a:spAutoFit/>
+              </a:bodyPr>
+              <a:lstStyle/>
+              <a:p>
+                <a:r>
+                  <a:rPr lang="en-US" dirty="0">
+                    <a:solidFill>
+                      <a:schemeClr val="accent1"/>
+                    </a:solidFill>
+                  </a:rPr>
+                  <a:t>L</a:t>
+                </a:r>
+              </a:p>
+            </p:txBody>
+          </p:sp>
+          <p:sp>
+            <p:nvSpPr>
+              <p:cNvPr id="21" name="TextBox 20">
+                <a:extLst>
+                  <a:ext uri="{FF2B5EF4-FFF2-40B4-BE49-F238E27FC236}">
+                    <a16:creationId xmlns:a16="http://schemas.microsoft.com/office/drawing/2014/main" id="{9A790306-89D3-A746-9CCD-DD70B8509FAC}"/>
+                  </a:ext>
+                </a:extLst>
+              </p:cNvPr>
+              <p:cNvSpPr txBox="1"/>
+              <p:nvPr/>
+            </p:nvSpPr>
+            <p:spPr>
+              <a:xfrm>
+                <a:off x="9420945" y="2770363"/>
+                <a:ext cx="300082" cy="369332"/>
+              </a:xfrm>
+              <a:prstGeom prst="rect">
+                <a:avLst/>
+              </a:prstGeom>
+              <a:noFill/>
+            </p:spPr>
+            <p:txBody>
+              <a:bodyPr wrap="none" rtlCol="0">
+                <a:spAutoFit/>
+              </a:bodyPr>
+              <a:lstStyle/>
+              <a:p>
+                <a:r>
+                  <a:rPr lang="en-US" dirty="0">
+                    <a:solidFill>
+                      <a:schemeClr val="accent1"/>
+                    </a:solidFill>
+                  </a:rPr>
+                  <a:t>R</a:t>
+                </a:r>
+              </a:p>
+            </p:txBody>
+          </p:sp>
+          <p:sp>
+            <p:nvSpPr>
+              <p:cNvPr id="24" name="TextBox 23">
+                <a:extLst>
+                  <a:ext uri="{FF2B5EF4-FFF2-40B4-BE49-F238E27FC236}">
+                    <a16:creationId xmlns:a16="http://schemas.microsoft.com/office/drawing/2014/main" id="{2C53D8B1-19DB-3F49-86FD-D78C87C52689}"/>
+                  </a:ext>
+                </a:extLst>
+              </p:cNvPr>
+              <p:cNvSpPr txBox="1"/>
+              <p:nvPr/>
+            </p:nvSpPr>
+            <p:spPr>
+              <a:xfrm>
+                <a:off x="4087565" y="2773394"/>
+                <a:ext cx="319318" cy="369332"/>
+              </a:xfrm>
+              <a:prstGeom prst="rect">
+                <a:avLst/>
+              </a:prstGeom>
+              <a:noFill/>
+            </p:spPr>
+            <p:txBody>
+              <a:bodyPr wrap="none" rtlCol="0">
+                <a:spAutoFit/>
+              </a:bodyPr>
+              <a:lstStyle/>
+              <a:p>
+                <a:r>
+                  <a:rPr lang="en-US" dirty="0">
+                    <a:solidFill>
+                      <a:schemeClr val="accent3"/>
+                    </a:solidFill>
+                  </a:rPr>
+                  <a:t>T</a:t>
+                </a:r>
+                <a:r>
+                  <a:rPr lang="en-US" baseline="-25000" dirty="0">
+                    <a:solidFill>
+                      <a:schemeClr val="accent3"/>
+                    </a:solidFill>
+                  </a:rPr>
+                  <a:t>l</a:t>
+                </a:r>
+              </a:p>
+            </p:txBody>
+          </p:sp>
+          <p:cxnSp>
+            <p:nvCxnSpPr>
+              <p:cNvPr id="25" name="Straight Connector 24">
+                <a:extLst>
+                  <a:ext uri="{FF2B5EF4-FFF2-40B4-BE49-F238E27FC236}">
+                    <a16:creationId xmlns:a16="http://schemas.microsoft.com/office/drawing/2014/main" id="{C8831F5F-C95A-7D42-ADF8-B1626D5C6D7D}"/>
+                  </a:ext>
+                </a:extLst>
+              </p:cNvPr>
+              <p:cNvCxnSpPr>
+                <a:cxnSpLocks/>
+              </p:cNvCxnSpPr>
+              <p:nvPr/>
+            </p:nvCxnSpPr>
+            <p:spPr>
+              <a:xfrm>
+                <a:off x="4232413" y="3072358"/>
+                <a:ext cx="0" cy="688064"/>
+              </a:xfrm>
+              <a:prstGeom prst="line">
+                <a:avLst/>
+              </a:prstGeom>
+              <a:ln>
+                <a:solidFill>
+                  <a:schemeClr val="accent3"/>
+                </a:solidFill>
+              </a:ln>
+            </p:spPr>
+            <p:style>
+              <a:lnRef idx="1">
+                <a:schemeClr val="accent1"/>
+              </a:lnRef>
+              <a:fillRef idx="0">
+                <a:schemeClr val="accent1"/>
+              </a:fillRef>
+              <a:effectRef idx="0">
+                <a:schemeClr val="accent1"/>
+              </a:effectRef>
+              <a:fontRef idx="minor">
+                <a:schemeClr val="tx1"/>
+              </a:fontRef>
+            </p:style>
+          </p:cxnSp>
+          <p:sp>
+            <p:nvSpPr>
+              <p:cNvPr id="26" name="TextBox 25">
+                <a:extLst>
+                  <a:ext uri="{FF2B5EF4-FFF2-40B4-BE49-F238E27FC236}">
+                    <a16:creationId xmlns:a16="http://schemas.microsoft.com/office/drawing/2014/main" id="{D87CCAF1-37A0-FB48-833D-CD000C23F96F}"/>
+                  </a:ext>
+                </a:extLst>
+              </p:cNvPr>
+              <p:cNvSpPr txBox="1"/>
+              <p:nvPr/>
+            </p:nvSpPr>
+            <p:spPr>
+              <a:xfrm>
+                <a:off x="7933114" y="2773394"/>
+                <a:ext cx="362600" cy="369332"/>
+              </a:xfrm>
+              <a:prstGeom prst="rect">
+                <a:avLst/>
+              </a:prstGeom>
+              <a:noFill/>
+            </p:spPr>
+            <p:txBody>
+              <a:bodyPr wrap="none" rtlCol="0">
+                <a:spAutoFit/>
+              </a:bodyPr>
+              <a:lstStyle/>
+              <a:p>
+                <a:r>
+                  <a:rPr lang="en-US" dirty="0">
+                    <a:solidFill>
+                      <a:schemeClr val="accent3"/>
+                    </a:solidFill>
+                  </a:rPr>
+                  <a:t>T</a:t>
+                </a:r>
+                <a:r>
+                  <a:rPr lang="en-US" baseline="-25000" dirty="0">
+                    <a:solidFill>
+                      <a:schemeClr val="accent3"/>
+                    </a:solidFill>
+                  </a:rPr>
+                  <a:t>R</a:t>
+                </a:r>
+              </a:p>
+            </p:txBody>
+          </p:sp>
+          <p:cxnSp>
+            <p:nvCxnSpPr>
+              <p:cNvPr id="27" name="Straight Connector 26">
+                <a:extLst>
+                  <a:ext uri="{FF2B5EF4-FFF2-40B4-BE49-F238E27FC236}">
+                    <a16:creationId xmlns:a16="http://schemas.microsoft.com/office/drawing/2014/main" id="{74B2ED63-85BA-E84A-9D07-1DF1BFA70776}"/>
+                  </a:ext>
+                </a:extLst>
+              </p:cNvPr>
+              <p:cNvCxnSpPr>
+                <a:cxnSpLocks/>
+              </p:cNvCxnSpPr>
+              <p:nvPr/>
+            </p:nvCxnSpPr>
+            <p:spPr>
+              <a:xfrm>
+                <a:off x="8077962" y="3072358"/>
+                <a:ext cx="0" cy="688064"/>
+              </a:xfrm>
+              <a:prstGeom prst="line">
+                <a:avLst/>
+              </a:prstGeom>
+              <a:ln>
+                <a:solidFill>
+                  <a:schemeClr val="accent3"/>
+                </a:solidFill>
+              </a:ln>
+            </p:spPr>
+            <p:style>
+              <a:lnRef idx="1">
+                <a:schemeClr val="accent1"/>
+              </a:lnRef>
+              <a:fillRef idx="0">
+                <a:schemeClr val="accent1"/>
+              </a:fillRef>
+              <a:effectRef idx="0">
+                <a:schemeClr val="accent1"/>
+              </a:effectRef>
+              <a:fontRef idx="minor">
+                <a:schemeClr val="tx1"/>
+              </a:fontRef>
+            </p:style>
+          </p:cxnSp>
+          <p:sp>
+            <p:nvSpPr>
+              <p:cNvPr id="28" name="Rectangle 27">
+                <a:extLst>
+                  <a:ext uri="{FF2B5EF4-FFF2-40B4-BE49-F238E27FC236}">
+                    <a16:creationId xmlns:a16="http://schemas.microsoft.com/office/drawing/2014/main" id="{52693FE5-CE1C-0847-9964-2F915FB3D739}"/>
+                  </a:ext>
+                </a:extLst>
+              </p:cNvPr>
+              <p:cNvSpPr/>
+              <p:nvPr/>
+            </p:nvSpPr>
+            <p:spPr>
+              <a:xfrm>
+                <a:off x="4241466" y="3224772"/>
+                <a:ext cx="3836495" cy="386268"/>
+              </a:xfrm>
+              <a:prstGeom prst="rect">
+                <a:avLst/>
+              </a:prstGeom>
+              <a:solidFill>
+                <a:schemeClr val="accent3"/>
+              </a:solidFill>
+              <a:ln>
+                <a:solidFill>
+                  <a:schemeClr val="tx1">
+                    <a:lumMod val="95000"/>
+                  </a:schemeClr>
+                </a:solidFill>
+              </a:ln>
+            </p:spPr>
+            <p:style>
+              <a:lnRef idx="2">
+                <a:schemeClr val="accent1">
+                  <a:shade val="50000"/>
+                </a:schemeClr>
+              </a:lnRef>
+              <a:fillRef idx="1">
+                <a:schemeClr val="accent1"/>
+              </a:fillRef>
+              <a:effectRef idx="0">
+                <a:schemeClr val="accent1"/>
+              </a:effectRef>
+              <a:fontRef idx="minor">
+                <a:schemeClr val="lt1"/>
+              </a:fontRef>
+            </p:style>
+            <p:txBody>
+              <a:bodyPr rtlCol="0" anchor="ctr"/>
+              <a:lstStyle/>
+              <a:p>
+                <a:pPr algn="ctr"/>
+                <a:endParaRPr lang="en-US"/>
+              </a:p>
+            </p:txBody>
+          </p:sp>
+        </p:grpSp>
+        <p:cxnSp>
+          <p:nvCxnSpPr>
+            <p:cNvPr id="35" name="Straight Connector 34">
+              <a:extLst>
+                <a:ext uri="{FF2B5EF4-FFF2-40B4-BE49-F238E27FC236}">
+                  <a16:creationId xmlns:a16="http://schemas.microsoft.com/office/drawing/2014/main" id="{34B58A68-62E3-4049-9B0C-382599609155}"/>
+                </a:ext>
+              </a:extLst>
+            </p:cNvPr>
+            <p:cNvCxnSpPr>
+              <a:cxnSpLocks/>
+            </p:cNvCxnSpPr>
+            <p:nvPr/>
+          </p:nvCxnSpPr>
+          <p:spPr>
+            <a:xfrm flipH="1">
+              <a:off x="4434845" y="3646818"/>
+              <a:ext cx="590156" cy="715244"/>
+            </a:xfrm>
+            <a:prstGeom prst="line">
+              <a:avLst/>
+            </a:prstGeom>
+            <a:ln>
+              <a:solidFill>
+                <a:schemeClr val="tx1"/>
+              </a:solidFill>
+            </a:ln>
+          </p:spPr>
+          <p:style>
+            <a:lnRef idx="1">
+              <a:schemeClr val="accent1"/>
+            </a:lnRef>
+            <a:fillRef idx="0">
+              <a:schemeClr val="accent1"/>
+            </a:fillRef>
+            <a:effectRef idx="0">
+              <a:schemeClr val="accent1"/>
+            </a:effectRef>
+            <a:fontRef idx="minor">
+              <a:schemeClr val="tx1"/>
+            </a:fontRef>
+          </p:style>
+        </p:cxnSp>
+        <p:grpSp>
+          <p:nvGrpSpPr>
+            <p:cNvPr id="47" name="Group 46">
+              <a:extLst>
+                <a:ext uri="{FF2B5EF4-FFF2-40B4-BE49-F238E27FC236}">
+                  <a16:creationId xmlns:a16="http://schemas.microsoft.com/office/drawing/2014/main" id="{2243AD5D-0531-CE42-9361-B0417FCE993F}"/>
+                </a:ext>
+              </a:extLst>
+            </p:cNvPr>
+            <p:cNvGrpSpPr/>
+            <p:nvPr/>
+          </p:nvGrpSpPr>
+          <p:grpSpPr>
+            <a:xfrm>
+              <a:off x="1262268" y="4223551"/>
+              <a:ext cx="4142655" cy="1380545"/>
+              <a:chOff x="1262268" y="4893499"/>
+              <a:chExt cx="4142655" cy="1380545"/>
+            </a:xfrm>
+          </p:grpSpPr>
+          <p:sp>
+            <p:nvSpPr>
+              <p:cNvPr id="29" name="Rectangle 28">
+                <a:extLst>
+                  <a:ext uri="{FF2B5EF4-FFF2-40B4-BE49-F238E27FC236}">
+                    <a16:creationId xmlns:a16="http://schemas.microsoft.com/office/drawing/2014/main" id="{C0CB340C-92A2-EC4F-91E8-FB3A785813E9}"/>
+                  </a:ext>
+                </a:extLst>
+              </p:cNvPr>
+              <p:cNvSpPr/>
+              <p:nvPr/>
+            </p:nvSpPr>
+            <p:spPr>
+              <a:xfrm>
+                <a:off x="1407737" y="5338940"/>
+                <a:ext cx="3997186" cy="734840"/>
+              </a:xfrm>
+              <a:prstGeom prst="rect">
+                <a:avLst/>
+              </a:prstGeom>
+              <a:ln>
+                <a:solidFill>
+                  <a:schemeClr val="tx1">
+                    <a:lumMod val="95000"/>
+                  </a:schemeClr>
+                </a:solidFill>
+              </a:ln>
+            </p:spPr>
+            <p:style>
+              <a:lnRef idx="2">
+                <a:schemeClr val="accent1">
+                  <a:shade val="50000"/>
+                </a:schemeClr>
+              </a:lnRef>
+              <a:fillRef idx="1">
+                <a:schemeClr val="accent1"/>
+              </a:fillRef>
+              <a:effectRef idx="0">
+                <a:schemeClr val="accent1"/>
+              </a:effectRef>
+              <a:fontRef idx="minor">
+                <a:schemeClr val="lt1"/>
+              </a:fontRef>
+            </p:style>
+            <p:txBody>
+              <a:bodyPr rtlCol="0" anchor="ctr"/>
+              <a:lstStyle/>
+              <a:p>
+                <a:pPr algn="ctr"/>
+                <a:endParaRPr lang="en-US"/>
+              </a:p>
+            </p:txBody>
+          </p:sp>
+          <p:cxnSp>
+            <p:nvCxnSpPr>
+              <p:cNvPr id="33" name="Straight Connector 32">
+                <a:extLst>
+                  <a:ext uri="{FF2B5EF4-FFF2-40B4-BE49-F238E27FC236}">
+                    <a16:creationId xmlns:a16="http://schemas.microsoft.com/office/drawing/2014/main" id="{56C6BC34-4301-204E-97CA-69AD2BF1A020}"/>
+                  </a:ext>
+                </a:extLst>
+              </p:cNvPr>
+              <p:cNvCxnSpPr>
+                <a:cxnSpLocks/>
+              </p:cNvCxnSpPr>
+              <p:nvPr/>
+            </p:nvCxnSpPr>
+            <p:spPr>
+              <a:xfrm>
+                <a:off x="1398684" y="5195494"/>
+                <a:ext cx="0" cy="1078550"/>
+              </a:xfrm>
+              <a:prstGeom prst="line">
+                <a:avLst/>
+              </a:prstGeom>
+            </p:spPr>
+            <p:style>
+              <a:lnRef idx="1">
+                <a:schemeClr val="accent1"/>
+              </a:lnRef>
+              <a:fillRef idx="0">
+                <a:schemeClr val="accent1"/>
+              </a:fillRef>
+              <a:effectRef idx="0">
+                <a:schemeClr val="accent1"/>
+              </a:effectRef>
+              <a:fontRef idx="minor">
+                <a:schemeClr val="tx1"/>
+              </a:fontRef>
+            </p:style>
+          </p:cxnSp>
+          <p:sp>
+            <p:nvSpPr>
+              <p:cNvPr id="34" name="TextBox 33">
+                <a:extLst>
+                  <a:ext uri="{FF2B5EF4-FFF2-40B4-BE49-F238E27FC236}">
+                    <a16:creationId xmlns:a16="http://schemas.microsoft.com/office/drawing/2014/main" id="{B34CE098-A5B4-E64B-B8C7-E66B31DDE297}"/>
+                  </a:ext>
+                </a:extLst>
+              </p:cNvPr>
+              <p:cNvSpPr txBox="1"/>
+              <p:nvPr/>
+            </p:nvSpPr>
+            <p:spPr>
+              <a:xfrm>
+                <a:off x="1262268" y="4893499"/>
+                <a:ext cx="300082" cy="369332"/>
+              </a:xfrm>
+              <a:prstGeom prst="rect">
+                <a:avLst/>
+              </a:prstGeom>
+              <a:noFill/>
+            </p:spPr>
+            <p:txBody>
+              <a:bodyPr wrap="square" rtlCol="0">
+                <a:spAutoFit/>
+              </a:bodyPr>
+              <a:lstStyle/>
+              <a:p>
+                <a:r>
+                  <a:rPr lang="en-US" dirty="0">
+                    <a:solidFill>
+                      <a:schemeClr val="accent1"/>
+                    </a:solidFill>
+                  </a:rPr>
+                  <a:t>L</a:t>
+                </a:r>
+              </a:p>
+            </p:txBody>
+          </p:sp>
+          <p:sp>
+            <p:nvSpPr>
+              <p:cNvPr id="37" name="TextBox 36">
+                <a:extLst>
+                  <a:ext uri="{FF2B5EF4-FFF2-40B4-BE49-F238E27FC236}">
+                    <a16:creationId xmlns:a16="http://schemas.microsoft.com/office/drawing/2014/main" id="{4954183A-B2A9-D34A-AF2C-078E14F2C0F9}"/>
+                  </a:ext>
+                </a:extLst>
+              </p:cNvPr>
+              <p:cNvSpPr txBox="1"/>
+              <p:nvPr/>
+            </p:nvSpPr>
+            <p:spPr>
+              <a:xfrm>
+                <a:off x="2038386" y="4896530"/>
+                <a:ext cx="319318" cy="369332"/>
+              </a:xfrm>
+              <a:prstGeom prst="rect">
+                <a:avLst/>
+              </a:prstGeom>
+              <a:noFill/>
+            </p:spPr>
+            <p:txBody>
+              <a:bodyPr wrap="square" rtlCol="0">
+                <a:spAutoFit/>
+              </a:bodyPr>
+              <a:lstStyle/>
+              <a:p>
+                <a:r>
+                  <a:rPr lang="en-US" dirty="0">
+                    <a:solidFill>
+                      <a:schemeClr val="accent3"/>
+                    </a:solidFill>
+                  </a:rPr>
+                  <a:t>T</a:t>
+                </a:r>
+                <a:r>
+                  <a:rPr lang="en-US" baseline="-25000" dirty="0">
+                    <a:solidFill>
+                      <a:schemeClr val="accent3"/>
+                    </a:solidFill>
+                  </a:rPr>
+                  <a:t>l</a:t>
+                </a:r>
+              </a:p>
+            </p:txBody>
+          </p:sp>
+          <p:cxnSp>
+            <p:nvCxnSpPr>
+              <p:cNvPr id="38" name="Straight Connector 37">
+                <a:extLst>
+                  <a:ext uri="{FF2B5EF4-FFF2-40B4-BE49-F238E27FC236}">
+                    <a16:creationId xmlns:a16="http://schemas.microsoft.com/office/drawing/2014/main" id="{82B1407D-E2AB-1E40-9D0A-8D09B117BBFF}"/>
+                  </a:ext>
+                </a:extLst>
+              </p:cNvPr>
+              <p:cNvCxnSpPr>
+                <a:cxnSpLocks/>
+              </p:cNvCxnSpPr>
+              <p:nvPr/>
+            </p:nvCxnSpPr>
+            <p:spPr>
+              <a:xfrm>
+                <a:off x="2183234" y="5195494"/>
+                <a:ext cx="0" cy="1078550"/>
+              </a:xfrm>
+              <a:prstGeom prst="line">
+                <a:avLst/>
+              </a:prstGeom>
+              <a:ln>
+                <a:solidFill>
+                  <a:schemeClr val="accent3"/>
+                </a:solidFill>
+              </a:ln>
+            </p:spPr>
+            <p:style>
+              <a:lnRef idx="1">
+                <a:schemeClr val="accent1"/>
+              </a:lnRef>
+              <a:fillRef idx="0">
+                <a:schemeClr val="accent1"/>
+              </a:fillRef>
+              <a:effectRef idx="0">
+                <a:schemeClr val="accent1"/>
+              </a:effectRef>
+              <a:fontRef idx="minor">
+                <a:schemeClr val="tx1"/>
+              </a:fontRef>
+            </p:style>
+          </p:cxnSp>
+          <p:sp>
+            <p:nvSpPr>
+              <p:cNvPr id="43" name="Rectangle 42">
+                <a:extLst>
+                  <a:ext uri="{FF2B5EF4-FFF2-40B4-BE49-F238E27FC236}">
+                    <a16:creationId xmlns:a16="http://schemas.microsoft.com/office/drawing/2014/main" id="{74237EC0-31A3-574A-804D-AF038C35E1BA}"/>
+                  </a:ext>
+                </a:extLst>
+              </p:cNvPr>
+              <p:cNvSpPr/>
+              <p:nvPr/>
+            </p:nvSpPr>
+            <p:spPr>
+              <a:xfrm>
+                <a:off x="2259620" y="5340721"/>
+                <a:ext cx="1895922" cy="270142"/>
+              </a:xfrm>
+              <a:prstGeom prst="rect">
+                <a:avLst/>
+              </a:prstGeom>
+              <a:solidFill>
+                <a:schemeClr val="accent4"/>
+              </a:solidFill>
+              <a:ln>
+                <a:solidFill>
+                  <a:schemeClr val="tx1">
+                    <a:lumMod val="95000"/>
+                  </a:schemeClr>
+                </a:solidFill>
+              </a:ln>
+            </p:spPr>
+            <p:style>
+              <a:lnRef idx="2">
+                <a:schemeClr val="accent1">
+                  <a:shade val="50000"/>
+                </a:schemeClr>
+              </a:lnRef>
+              <a:fillRef idx="1">
+                <a:schemeClr val="accent1"/>
+              </a:fillRef>
+              <a:effectRef idx="0">
+                <a:schemeClr val="accent1"/>
+              </a:effectRef>
+              <a:fontRef idx="minor">
+                <a:schemeClr val="lt1"/>
+              </a:fontRef>
+            </p:style>
+            <p:txBody>
+              <a:bodyPr rtlCol="0" anchor="ctr"/>
+              <a:lstStyle/>
+              <a:p>
+                <a:pPr algn="ctr"/>
+                <a:endParaRPr lang="en-US"/>
+              </a:p>
+            </p:txBody>
+          </p:sp>
+          <p:sp>
+            <p:nvSpPr>
+              <p:cNvPr id="45" name="Rectangle 44">
+                <a:extLst>
+                  <a:ext uri="{FF2B5EF4-FFF2-40B4-BE49-F238E27FC236}">
+                    <a16:creationId xmlns:a16="http://schemas.microsoft.com/office/drawing/2014/main" id="{84995792-58E0-D348-AAC8-7A2D768ECE14}"/>
+                  </a:ext>
+                </a:extLst>
+              </p:cNvPr>
+              <p:cNvSpPr/>
+              <p:nvPr/>
+            </p:nvSpPr>
+            <p:spPr>
+              <a:xfrm>
+                <a:off x="3504990" y="5626684"/>
+                <a:ext cx="1895922" cy="270142"/>
+              </a:xfrm>
+              <a:prstGeom prst="rect">
+                <a:avLst/>
+              </a:prstGeom>
+              <a:solidFill>
+                <a:schemeClr val="accent5"/>
+              </a:solidFill>
+              <a:ln>
+                <a:solidFill>
+                  <a:schemeClr val="tx1">
+                    <a:lumMod val="95000"/>
+                  </a:schemeClr>
+                </a:solidFill>
+              </a:ln>
+            </p:spPr>
+            <p:style>
+              <a:lnRef idx="2">
+                <a:schemeClr val="accent1">
+                  <a:shade val="50000"/>
+                </a:schemeClr>
+              </a:lnRef>
+              <a:fillRef idx="1">
+                <a:schemeClr val="accent1"/>
+              </a:fillRef>
+              <a:effectRef idx="0">
+                <a:schemeClr val="accent1"/>
+              </a:effectRef>
+              <a:fontRef idx="minor">
+                <a:schemeClr val="lt1"/>
+              </a:fontRef>
+            </p:style>
+            <p:txBody>
+              <a:bodyPr rtlCol="0" anchor="ctr"/>
+              <a:lstStyle/>
+              <a:p>
+                <a:pPr algn="ctr"/>
+                <a:endParaRPr lang="en-US"/>
+              </a:p>
+            </p:txBody>
+          </p:sp>
+        </p:grpSp>
+        <p:grpSp>
+          <p:nvGrpSpPr>
+            <p:cNvPr id="48" name="Group 47">
+              <a:extLst>
+                <a:ext uri="{FF2B5EF4-FFF2-40B4-BE49-F238E27FC236}">
+                  <a16:creationId xmlns:a16="http://schemas.microsoft.com/office/drawing/2014/main" id="{C01A93CF-A9B5-944A-915E-5AF443D3E103}"/>
+                </a:ext>
+              </a:extLst>
+            </p:cNvPr>
+            <p:cNvGrpSpPr/>
+            <p:nvPr/>
+          </p:nvGrpSpPr>
+          <p:grpSpPr>
+            <a:xfrm>
+              <a:off x="6572830" y="4223551"/>
+              <a:ext cx="4163779" cy="1380545"/>
+              <a:chOff x="6572830" y="4893499"/>
+              <a:chExt cx="4163779" cy="1380545"/>
+            </a:xfrm>
+          </p:grpSpPr>
+          <p:sp>
+            <p:nvSpPr>
+              <p:cNvPr id="30" name="Rectangle 29">
+                <a:extLst>
+                  <a:ext uri="{FF2B5EF4-FFF2-40B4-BE49-F238E27FC236}">
+                    <a16:creationId xmlns:a16="http://schemas.microsoft.com/office/drawing/2014/main" id="{400C9D5B-E6E4-9348-BB77-D61E63006426}"/>
+                  </a:ext>
+                </a:extLst>
+              </p:cNvPr>
+              <p:cNvSpPr/>
+              <p:nvPr/>
+            </p:nvSpPr>
+            <p:spPr>
+              <a:xfrm>
+                <a:off x="6575757" y="5338940"/>
+                <a:ext cx="3997186" cy="734840"/>
+              </a:xfrm>
+              <a:prstGeom prst="rect">
+                <a:avLst/>
+              </a:prstGeom>
+              <a:ln>
+                <a:solidFill>
+                  <a:schemeClr val="tx1">
+                    <a:lumMod val="95000"/>
+                  </a:schemeClr>
+                </a:solidFill>
+              </a:ln>
+            </p:spPr>
+            <p:style>
+              <a:lnRef idx="2">
+                <a:schemeClr val="accent1">
+                  <a:shade val="50000"/>
+                </a:schemeClr>
+              </a:lnRef>
+              <a:fillRef idx="1">
+                <a:schemeClr val="accent1"/>
+              </a:fillRef>
+              <a:effectRef idx="0">
+                <a:schemeClr val="accent1"/>
+              </a:effectRef>
+              <a:fontRef idx="minor">
+                <a:schemeClr val="lt1"/>
+              </a:fontRef>
+            </p:style>
+            <p:txBody>
+              <a:bodyPr rtlCol="0" anchor="ctr"/>
+              <a:lstStyle/>
+              <a:p>
+                <a:pPr algn="ctr"/>
+                <a:endParaRPr lang="en-US"/>
+              </a:p>
+            </p:txBody>
+          </p:sp>
+          <p:cxnSp>
+            <p:nvCxnSpPr>
+              <p:cNvPr id="31" name="Straight Connector 30">
+                <a:extLst>
+                  <a:ext uri="{FF2B5EF4-FFF2-40B4-BE49-F238E27FC236}">
+                    <a16:creationId xmlns:a16="http://schemas.microsoft.com/office/drawing/2014/main" id="{48D5CA1C-0AC0-B643-B1FF-ED6DA5D941FB}"/>
+                  </a:ext>
+                </a:extLst>
+              </p:cNvPr>
+              <p:cNvCxnSpPr>
+                <a:cxnSpLocks/>
+              </p:cNvCxnSpPr>
+              <p:nvPr/>
+            </p:nvCxnSpPr>
+            <p:spPr>
+              <a:xfrm>
+                <a:off x="10572943" y="5195494"/>
+                <a:ext cx="0" cy="1078550"/>
+              </a:xfrm>
+              <a:prstGeom prst="line">
+                <a:avLst/>
+              </a:prstGeom>
+            </p:spPr>
+            <p:style>
+              <a:lnRef idx="1">
+                <a:schemeClr val="accent1"/>
+              </a:lnRef>
+              <a:fillRef idx="0">
+                <a:schemeClr val="accent1"/>
+              </a:fillRef>
+              <a:effectRef idx="0">
+                <a:schemeClr val="accent1"/>
+              </a:effectRef>
+              <a:fontRef idx="minor">
+                <a:schemeClr val="tx1"/>
+              </a:fontRef>
+            </p:style>
+          </p:cxnSp>
+          <p:sp>
+            <p:nvSpPr>
+              <p:cNvPr id="32" name="TextBox 31">
+                <a:extLst>
+                  <a:ext uri="{FF2B5EF4-FFF2-40B4-BE49-F238E27FC236}">
+                    <a16:creationId xmlns:a16="http://schemas.microsoft.com/office/drawing/2014/main" id="{A80D185D-C417-BD4C-8104-E08DAAA31D89}"/>
+                  </a:ext>
+                </a:extLst>
+              </p:cNvPr>
+              <p:cNvSpPr txBox="1"/>
+              <p:nvPr/>
+            </p:nvSpPr>
+            <p:spPr>
+              <a:xfrm>
+                <a:off x="10436527" y="4893499"/>
+                <a:ext cx="300082" cy="369332"/>
+              </a:xfrm>
+              <a:prstGeom prst="rect">
+                <a:avLst/>
+              </a:prstGeom>
+              <a:noFill/>
+            </p:spPr>
+            <p:txBody>
+              <a:bodyPr wrap="square" rtlCol="0">
+                <a:spAutoFit/>
+              </a:bodyPr>
+              <a:lstStyle/>
+              <a:p>
+                <a:r>
+                  <a:rPr lang="en-US" dirty="0">
+                    <a:solidFill>
+                      <a:schemeClr val="accent1"/>
+                    </a:solidFill>
+                  </a:rPr>
+                  <a:t>R</a:t>
+                </a:r>
+              </a:p>
+            </p:txBody>
+          </p:sp>
+          <p:sp>
+            <p:nvSpPr>
+              <p:cNvPr id="41" name="TextBox 40">
+                <a:extLst>
+                  <a:ext uri="{FF2B5EF4-FFF2-40B4-BE49-F238E27FC236}">
+                    <a16:creationId xmlns:a16="http://schemas.microsoft.com/office/drawing/2014/main" id="{4756968D-5409-C447-AC7A-464685DC7FBE}"/>
+                  </a:ext>
+                </a:extLst>
+              </p:cNvPr>
+              <p:cNvSpPr txBox="1"/>
+              <p:nvPr/>
+            </p:nvSpPr>
+            <p:spPr>
+              <a:xfrm>
+                <a:off x="9457772" y="4893499"/>
+                <a:ext cx="319318" cy="369332"/>
+              </a:xfrm>
+              <a:prstGeom prst="rect">
+                <a:avLst/>
+              </a:prstGeom>
+              <a:noFill/>
+            </p:spPr>
+            <p:txBody>
+              <a:bodyPr wrap="square" rtlCol="0">
+                <a:spAutoFit/>
+              </a:bodyPr>
+              <a:lstStyle/>
+              <a:p>
+                <a:r>
+                  <a:rPr lang="en-US" dirty="0">
+                    <a:solidFill>
+                      <a:schemeClr val="accent3"/>
+                    </a:solidFill>
+                  </a:rPr>
+                  <a:t>T</a:t>
+                </a:r>
+                <a:r>
+                  <a:rPr lang="en-US" baseline="-25000" dirty="0">
+                    <a:solidFill>
+                      <a:schemeClr val="accent3"/>
+                    </a:solidFill>
+                  </a:rPr>
+                  <a:t>l</a:t>
+                </a:r>
+              </a:p>
+            </p:txBody>
+          </p:sp>
+          <p:cxnSp>
+            <p:nvCxnSpPr>
+              <p:cNvPr id="42" name="Straight Connector 41">
+                <a:extLst>
+                  <a:ext uri="{FF2B5EF4-FFF2-40B4-BE49-F238E27FC236}">
+                    <a16:creationId xmlns:a16="http://schemas.microsoft.com/office/drawing/2014/main" id="{E12616FF-22B4-3747-95B6-73BFA0A68186}"/>
+                  </a:ext>
+                </a:extLst>
+              </p:cNvPr>
+              <p:cNvCxnSpPr>
+                <a:cxnSpLocks/>
+              </p:cNvCxnSpPr>
+              <p:nvPr/>
+            </p:nvCxnSpPr>
+            <p:spPr>
+              <a:xfrm>
+                <a:off x="9602620" y="5192463"/>
+                <a:ext cx="0" cy="1078550"/>
+              </a:xfrm>
+              <a:prstGeom prst="line">
+                <a:avLst/>
+              </a:prstGeom>
+              <a:ln>
+                <a:solidFill>
+                  <a:schemeClr val="accent3"/>
+                </a:solidFill>
+              </a:ln>
+            </p:spPr>
+            <p:style>
+              <a:lnRef idx="1">
+                <a:schemeClr val="accent1"/>
+              </a:lnRef>
+              <a:fillRef idx="0">
+                <a:schemeClr val="accent1"/>
+              </a:fillRef>
+              <a:effectRef idx="0">
+                <a:schemeClr val="accent1"/>
+              </a:effectRef>
+              <a:fontRef idx="minor">
+                <a:schemeClr val="tx1"/>
+              </a:fontRef>
+            </p:style>
+          </p:cxnSp>
+          <p:sp>
+            <p:nvSpPr>
+              <p:cNvPr id="44" name="Rectangle 43">
+                <a:extLst>
+                  <a:ext uri="{FF2B5EF4-FFF2-40B4-BE49-F238E27FC236}">
+                    <a16:creationId xmlns:a16="http://schemas.microsoft.com/office/drawing/2014/main" id="{49BC126E-2D9B-F84F-81D7-FE7506860EB7}"/>
+                  </a:ext>
+                </a:extLst>
+              </p:cNvPr>
+              <p:cNvSpPr/>
+              <p:nvPr/>
+            </p:nvSpPr>
+            <p:spPr>
+              <a:xfrm>
+                <a:off x="7561850" y="5344452"/>
+                <a:ext cx="1895922" cy="270142"/>
+              </a:xfrm>
+              <a:prstGeom prst="rect">
+                <a:avLst/>
+              </a:prstGeom>
+              <a:solidFill>
+                <a:schemeClr val="accent4"/>
+              </a:solidFill>
+              <a:ln>
+                <a:solidFill>
+                  <a:schemeClr val="tx1">
+                    <a:lumMod val="95000"/>
+                  </a:schemeClr>
+                </a:solidFill>
+              </a:ln>
+            </p:spPr>
+            <p:style>
+              <a:lnRef idx="2">
+                <a:schemeClr val="accent1">
+                  <a:shade val="50000"/>
+                </a:schemeClr>
+              </a:lnRef>
+              <a:fillRef idx="1">
+                <a:schemeClr val="accent1"/>
+              </a:fillRef>
+              <a:effectRef idx="0">
+                <a:schemeClr val="accent1"/>
+              </a:effectRef>
+              <a:fontRef idx="minor">
+                <a:schemeClr val="lt1"/>
+              </a:fontRef>
+            </p:style>
+            <p:txBody>
+              <a:bodyPr rtlCol="0" anchor="ctr"/>
+              <a:lstStyle/>
+              <a:p>
+                <a:pPr algn="ctr"/>
+                <a:endParaRPr lang="en-US"/>
+              </a:p>
+            </p:txBody>
+          </p:sp>
+          <p:sp>
+            <p:nvSpPr>
+              <p:cNvPr id="46" name="Rectangle 45">
+                <a:extLst>
+                  <a:ext uri="{FF2B5EF4-FFF2-40B4-BE49-F238E27FC236}">
+                    <a16:creationId xmlns:a16="http://schemas.microsoft.com/office/drawing/2014/main" id="{459BCFDB-C76A-674A-A1FD-EDBD63F46156}"/>
+                  </a:ext>
+                </a:extLst>
+              </p:cNvPr>
+              <p:cNvSpPr/>
+              <p:nvPr/>
+            </p:nvSpPr>
+            <p:spPr>
+              <a:xfrm>
+                <a:off x="6572830" y="5612068"/>
+                <a:ext cx="1895922" cy="270142"/>
+              </a:xfrm>
+              <a:prstGeom prst="rect">
+                <a:avLst/>
+              </a:prstGeom>
+              <a:solidFill>
+                <a:schemeClr val="accent5"/>
+              </a:solidFill>
+              <a:ln>
+                <a:solidFill>
+                  <a:schemeClr val="tx1">
+                    <a:lumMod val="95000"/>
+                  </a:schemeClr>
+                </a:solidFill>
+              </a:ln>
+            </p:spPr>
+            <p:style>
+              <a:lnRef idx="2">
+                <a:schemeClr val="accent1">
+                  <a:shade val="50000"/>
+                </a:schemeClr>
+              </a:lnRef>
+              <a:fillRef idx="1">
+                <a:schemeClr val="accent1"/>
+              </a:fillRef>
+              <a:effectRef idx="0">
+                <a:schemeClr val="accent1"/>
+              </a:effectRef>
+              <a:fontRef idx="minor">
+                <a:schemeClr val="lt1"/>
+              </a:fontRef>
+            </p:style>
+            <p:txBody>
+              <a:bodyPr rtlCol="0" anchor="ctr"/>
+              <a:lstStyle/>
+              <a:p>
+                <a:pPr algn="ctr"/>
+                <a:endParaRPr lang="en-US"/>
+              </a:p>
+            </p:txBody>
+          </p:sp>
+        </p:grpSp>
+        <p:sp>
+          <p:nvSpPr>
+            <p:cNvPr id="49" name="Content Placeholder 2">
+              <a:extLst>
+                <a:ext uri="{FF2B5EF4-FFF2-40B4-BE49-F238E27FC236}">
+                  <a16:creationId xmlns:a16="http://schemas.microsoft.com/office/drawing/2014/main" id="{858717F3-F7B3-094B-8DEC-C0F4D3B19D79}"/>
+                </a:ext>
+              </a:extLst>
+            </p:cNvPr>
+            <p:cNvSpPr txBox="1">
+              <a:spLocks/>
+            </p:cNvSpPr>
+            <p:nvPr/>
+          </p:nvSpPr>
+          <p:spPr>
+            <a:xfrm>
+              <a:off x="2382912" y="4139612"/>
+              <a:ext cx="1646161" cy="477163"/>
+            </a:xfrm>
+            <a:prstGeom prst="rect">
+              <a:avLst/>
+            </a:prstGeom>
+            <a:ln>
+              <a:solidFill>
+                <a:schemeClr val="tx1">
+                  <a:lumMod val="95000"/>
+                </a:schemeClr>
+              </a:solidFill>
+            </a:ln>
+          </p:spPr>
+          <p:txBody>
+            <a:bodyPr vert="horz" lIns="91440" tIns="45720" rIns="91440" bIns="45720" rtlCol="0">
+              <a:normAutofit fontScale="85000" lnSpcReduction="20000"/>
+            </a:bodyPr>
+            <a:lstStyle>
+              <a:lvl1pPr marL="228600" indent="-228600" algn="l" defTabSz="914400" rtl="0" eaLnBrk="1" latinLnBrk="0" hangingPunct="1">
+                <a:lnSpc>
+                  <a:spcPct val="120000"/>
+                </a:lnSpc>
+                <a:spcBef>
+                  <a:spcPts val="1000"/>
+                </a:spcBef>
+                <a:buSzPct val="125000"/>
+                <a:buFont typeface="Arial" panose="020B0604020202020204" pitchFamily="34" charset="0"/>
+                <a:buChar char="•"/>
+                <a:defRPr sz="2400" kern="1200">
+                  <a:solidFill>
+                    <a:schemeClr val="tx1"/>
+                  </a:solidFill>
+                  <a:latin typeface="+mn-lt"/>
+                  <a:ea typeface="+mn-ea"/>
+                  <a:cs typeface="+mn-cs"/>
+                </a:defRPr>
+              </a:lvl1pPr>
+              <a:lvl2pPr marL="685800" indent="-228600" algn="l" defTabSz="914400" rtl="0" eaLnBrk="1" latinLnBrk="0" hangingPunct="1">
+                <a:lnSpc>
+                  <a:spcPct val="120000"/>
+                </a:lnSpc>
+                <a:spcBef>
+                  <a:spcPts val="500"/>
+                </a:spcBef>
+                <a:buSzPct val="125000"/>
+                <a:buFont typeface="Arial" panose="020B0604020202020204" pitchFamily="34" charset="0"/>
+                <a:buChar char="•"/>
+                <a:defRPr sz="2000" kern="1200">
+                  <a:solidFill>
+                    <a:schemeClr val="tx1"/>
+                  </a:solidFill>
+                  <a:latin typeface="+mn-lt"/>
+                  <a:ea typeface="+mn-ea"/>
+                  <a:cs typeface="+mn-cs"/>
+                </a:defRPr>
+              </a:lvl2pPr>
+              <a:lvl3pPr marL="1143000" indent="-228600" algn="l" defTabSz="914400" rtl="0" eaLnBrk="1" latinLnBrk="0" hangingPunct="1">
+                <a:lnSpc>
+                  <a:spcPct val="120000"/>
+                </a:lnSpc>
+                <a:spcBef>
+                  <a:spcPts val="500"/>
+                </a:spcBef>
+                <a:buSzPct val="125000"/>
+                <a:buFont typeface="Arial" panose="020B0604020202020204" pitchFamily="34" charset="0"/>
+                <a:buChar char="•"/>
+                <a:defRPr sz="1800" kern="1200">
+                  <a:solidFill>
+                    <a:schemeClr val="tx1"/>
+                  </a:solidFill>
+                  <a:latin typeface="+mn-lt"/>
+                  <a:ea typeface="+mn-ea"/>
+                  <a:cs typeface="+mn-cs"/>
+                </a:defRPr>
+              </a:lvl3pPr>
+              <a:lvl4pPr marL="1600200" indent="-228600" algn="l" defTabSz="914400" rtl="0" eaLnBrk="1" latinLnBrk="0" hangingPunct="1">
+                <a:lnSpc>
+                  <a:spcPct val="120000"/>
+                </a:lnSpc>
+                <a:spcBef>
+                  <a:spcPts val="500"/>
+                </a:spcBef>
+                <a:buSzPct val="125000"/>
+                <a:buFont typeface="Arial" panose="020B0604020202020204" pitchFamily="34" charset="0"/>
+                <a:buChar char="•"/>
+                <a:defRPr sz="1600" kern="1200">
+                  <a:solidFill>
+                    <a:schemeClr val="tx1"/>
+                  </a:solidFill>
+                  <a:latin typeface="+mn-lt"/>
+                  <a:ea typeface="+mn-ea"/>
+                  <a:cs typeface="+mn-cs"/>
+                </a:defRPr>
+              </a:lvl4pPr>
+              <a:lvl5pPr marL="2057400" indent="-228600" algn="l" defTabSz="914400" rtl="0" eaLnBrk="1" latinLnBrk="0" hangingPunct="1">
+                <a:lnSpc>
+                  <a:spcPct val="120000"/>
+                </a:lnSpc>
+                <a:spcBef>
+                  <a:spcPts val="500"/>
+                </a:spcBef>
+                <a:buSzPct val="125000"/>
+                <a:buFont typeface="Arial" panose="020B0604020202020204" pitchFamily="34" charset="0"/>
+                <a:buChar char="•"/>
+                <a:defRPr sz="1600" kern="1200">
+                  <a:solidFill>
+                    <a:schemeClr val="tx1"/>
+                  </a:solidFill>
+                  <a:latin typeface="+mn-lt"/>
+                  <a:ea typeface="+mn-ea"/>
+                  <a:cs typeface="+mn-cs"/>
+                </a:defRPr>
+              </a:lvl5pPr>
+              <a:lvl6pPr marL="2514600" indent="-228600" algn="l" defTabSz="914400" rtl="0" eaLnBrk="1" latinLnBrk="0" hangingPunct="1">
+                <a:lnSpc>
+                  <a:spcPct val="120000"/>
+                </a:lnSpc>
+                <a:spcBef>
+                  <a:spcPts val="500"/>
+                </a:spcBef>
+                <a:buSzPct val="125000"/>
+                <a:buFont typeface="Arial" panose="020B0604020202020204" pitchFamily="34" charset="0"/>
+                <a:buChar char="•"/>
+                <a:defRPr sz="1400" kern="1200">
+                  <a:solidFill>
+                    <a:schemeClr val="tx1"/>
+                  </a:solidFill>
+                  <a:latin typeface="+mn-lt"/>
+                  <a:ea typeface="+mn-ea"/>
+                  <a:cs typeface="+mn-cs"/>
+                </a:defRPr>
+              </a:lvl6pPr>
+              <a:lvl7pPr marL="2971800" indent="-228600" algn="l" defTabSz="914400" rtl="0" eaLnBrk="1" latinLnBrk="0" hangingPunct="1">
+                <a:lnSpc>
+                  <a:spcPct val="120000"/>
+                </a:lnSpc>
+                <a:spcBef>
+                  <a:spcPts val="500"/>
+                </a:spcBef>
+                <a:buSzPct val="125000"/>
+                <a:buFont typeface="Arial" panose="020B0604020202020204" pitchFamily="34" charset="0"/>
+                <a:buChar char="•"/>
+                <a:defRPr sz="1400" kern="1200">
+                  <a:solidFill>
+                    <a:schemeClr val="tx1"/>
+                  </a:solidFill>
+                  <a:latin typeface="+mn-lt"/>
+                  <a:ea typeface="+mn-ea"/>
+                  <a:cs typeface="+mn-cs"/>
+                </a:defRPr>
+              </a:lvl7pPr>
+              <a:lvl8pPr marL="3429000" indent="-228600" algn="l" defTabSz="914400" rtl="0" eaLnBrk="1" latinLnBrk="0" hangingPunct="1">
+                <a:lnSpc>
+                  <a:spcPct val="120000"/>
+                </a:lnSpc>
+                <a:spcBef>
+                  <a:spcPts val="500"/>
+                </a:spcBef>
+                <a:buSzPct val="125000"/>
+                <a:buFont typeface="Arial" panose="020B0604020202020204" pitchFamily="34" charset="0"/>
+                <a:buChar char="•"/>
+                <a:defRPr sz="1400" kern="1200">
+                  <a:solidFill>
+                    <a:schemeClr val="tx1"/>
+                  </a:solidFill>
+                  <a:latin typeface="+mn-lt"/>
+                  <a:ea typeface="+mn-ea"/>
+                  <a:cs typeface="+mn-cs"/>
+                </a:defRPr>
+              </a:lvl8pPr>
+              <a:lvl9pPr marL="3886200" indent="-228600" algn="l" defTabSz="914400" rtl="0" eaLnBrk="1" latinLnBrk="0" hangingPunct="1">
+                <a:lnSpc>
+                  <a:spcPct val="120000"/>
+                </a:lnSpc>
+                <a:spcBef>
+                  <a:spcPts val="500"/>
+                </a:spcBef>
+                <a:buSzPct val="125000"/>
+                <a:buFont typeface="Arial" panose="020B0604020202020204" pitchFamily="34" charset="0"/>
+                <a:buChar char="•"/>
+                <a:defRPr sz="1400" kern="1200">
+                  <a:solidFill>
+                    <a:schemeClr val="tx1"/>
+                  </a:solidFill>
+                  <a:latin typeface="+mn-lt"/>
+                  <a:ea typeface="+mn-ea"/>
+                  <a:cs typeface="+mn-cs"/>
+                </a:defRPr>
+              </a:lvl9pPr>
+            </a:lstStyle>
+            <a:p>
+              <a:pPr marL="0" indent="0" algn="ctr">
+                <a:buFont typeface="Arial" panose="020B0604020202020204" pitchFamily="34" charset="0"/>
+                <a:buNone/>
+              </a:pPr>
+              <a:r>
+                <a:rPr lang="en-US" sz="1400" i="1" dirty="0"/>
+                <a:t>Option 1: Solution is the max segment on left</a:t>
+              </a:r>
+            </a:p>
+          </p:txBody>
+        </p:sp>
+        <p:sp>
+          <p:nvSpPr>
+            <p:cNvPr id="50" name="Content Placeholder 2">
+              <a:extLst>
+                <a:ext uri="{FF2B5EF4-FFF2-40B4-BE49-F238E27FC236}">
+                  <a16:creationId xmlns:a16="http://schemas.microsoft.com/office/drawing/2014/main" id="{E62FAA99-8398-FB45-BE0A-5DA4624BE6D0}"/>
+                </a:ext>
+              </a:extLst>
+            </p:cNvPr>
+            <p:cNvSpPr txBox="1">
+              <a:spLocks/>
+            </p:cNvSpPr>
+            <p:nvPr/>
+          </p:nvSpPr>
+          <p:spPr>
+            <a:xfrm>
+              <a:off x="7664369" y="4138915"/>
+              <a:ext cx="1646161" cy="477163"/>
+            </a:xfrm>
+            <a:prstGeom prst="rect">
+              <a:avLst/>
+            </a:prstGeom>
+            <a:ln>
+              <a:solidFill>
+                <a:schemeClr val="tx1">
+                  <a:lumMod val="95000"/>
+                </a:schemeClr>
+              </a:solidFill>
+            </a:ln>
+          </p:spPr>
+          <p:txBody>
+            <a:bodyPr vert="horz" lIns="91440" tIns="45720" rIns="91440" bIns="45720" rtlCol="0">
+              <a:normAutofit fontScale="85000" lnSpcReduction="20000"/>
+            </a:bodyPr>
+            <a:lstStyle>
+              <a:lvl1pPr marL="228600" indent="-228600" algn="l" defTabSz="914400" rtl="0" eaLnBrk="1" latinLnBrk="0" hangingPunct="1">
+                <a:lnSpc>
+                  <a:spcPct val="120000"/>
+                </a:lnSpc>
+                <a:spcBef>
+                  <a:spcPts val="1000"/>
+                </a:spcBef>
+                <a:buSzPct val="125000"/>
+                <a:buFont typeface="Arial" panose="020B0604020202020204" pitchFamily="34" charset="0"/>
+                <a:buChar char="•"/>
+                <a:defRPr sz="2400" kern="1200">
+                  <a:solidFill>
+                    <a:schemeClr val="tx1"/>
+                  </a:solidFill>
+                  <a:latin typeface="+mn-lt"/>
+                  <a:ea typeface="+mn-ea"/>
+                  <a:cs typeface="+mn-cs"/>
+                </a:defRPr>
+              </a:lvl1pPr>
+              <a:lvl2pPr marL="685800" indent="-228600" algn="l" defTabSz="914400" rtl="0" eaLnBrk="1" latinLnBrk="0" hangingPunct="1">
+                <a:lnSpc>
+                  <a:spcPct val="120000"/>
+                </a:lnSpc>
+                <a:spcBef>
+                  <a:spcPts val="500"/>
+                </a:spcBef>
+                <a:buSzPct val="125000"/>
+                <a:buFont typeface="Arial" panose="020B0604020202020204" pitchFamily="34" charset="0"/>
+                <a:buChar char="•"/>
+                <a:defRPr sz="2000" kern="1200">
+                  <a:solidFill>
+                    <a:schemeClr val="tx1"/>
+                  </a:solidFill>
+                  <a:latin typeface="+mn-lt"/>
+                  <a:ea typeface="+mn-ea"/>
+                  <a:cs typeface="+mn-cs"/>
+                </a:defRPr>
+              </a:lvl2pPr>
+              <a:lvl3pPr marL="1143000" indent="-228600" algn="l" defTabSz="914400" rtl="0" eaLnBrk="1" latinLnBrk="0" hangingPunct="1">
+                <a:lnSpc>
+                  <a:spcPct val="120000"/>
+                </a:lnSpc>
+                <a:spcBef>
+                  <a:spcPts val="500"/>
+                </a:spcBef>
+                <a:buSzPct val="125000"/>
+                <a:buFont typeface="Arial" panose="020B0604020202020204" pitchFamily="34" charset="0"/>
+                <a:buChar char="•"/>
+                <a:defRPr sz="1800" kern="1200">
+                  <a:solidFill>
+                    <a:schemeClr val="tx1"/>
+                  </a:solidFill>
+                  <a:latin typeface="+mn-lt"/>
+                  <a:ea typeface="+mn-ea"/>
+                  <a:cs typeface="+mn-cs"/>
+                </a:defRPr>
+              </a:lvl3pPr>
+              <a:lvl4pPr marL="1600200" indent="-228600" algn="l" defTabSz="914400" rtl="0" eaLnBrk="1" latinLnBrk="0" hangingPunct="1">
+                <a:lnSpc>
+                  <a:spcPct val="120000"/>
+                </a:lnSpc>
+                <a:spcBef>
+                  <a:spcPts val="500"/>
+                </a:spcBef>
+                <a:buSzPct val="125000"/>
+                <a:buFont typeface="Arial" panose="020B0604020202020204" pitchFamily="34" charset="0"/>
+                <a:buChar char="•"/>
+                <a:defRPr sz="1600" kern="1200">
+                  <a:solidFill>
+                    <a:schemeClr val="tx1"/>
+                  </a:solidFill>
+                  <a:latin typeface="+mn-lt"/>
+                  <a:ea typeface="+mn-ea"/>
+                  <a:cs typeface="+mn-cs"/>
+                </a:defRPr>
+              </a:lvl4pPr>
+              <a:lvl5pPr marL="2057400" indent="-228600" algn="l" defTabSz="914400" rtl="0" eaLnBrk="1" latinLnBrk="0" hangingPunct="1">
+                <a:lnSpc>
+                  <a:spcPct val="120000"/>
+                </a:lnSpc>
+                <a:spcBef>
+                  <a:spcPts val="500"/>
+                </a:spcBef>
+                <a:buSzPct val="125000"/>
+                <a:buFont typeface="Arial" panose="020B0604020202020204" pitchFamily="34" charset="0"/>
+                <a:buChar char="•"/>
+                <a:defRPr sz="1600" kern="1200">
+                  <a:solidFill>
+                    <a:schemeClr val="tx1"/>
+                  </a:solidFill>
+                  <a:latin typeface="+mn-lt"/>
+                  <a:ea typeface="+mn-ea"/>
+                  <a:cs typeface="+mn-cs"/>
+                </a:defRPr>
+              </a:lvl5pPr>
+              <a:lvl6pPr marL="2514600" indent="-228600" algn="l" defTabSz="914400" rtl="0" eaLnBrk="1" latinLnBrk="0" hangingPunct="1">
+                <a:lnSpc>
+                  <a:spcPct val="120000"/>
+                </a:lnSpc>
+                <a:spcBef>
+                  <a:spcPts val="500"/>
+                </a:spcBef>
+                <a:buSzPct val="125000"/>
+                <a:buFont typeface="Arial" panose="020B0604020202020204" pitchFamily="34" charset="0"/>
+                <a:buChar char="•"/>
+                <a:defRPr sz="1400" kern="1200">
+                  <a:solidFill>
+                    <a:schemeClr val="tx1"/>
+                  </a:solidFill>
+                  <a:latin typeface="+mn-lt"/>
+                  <a:ea typeface="+mn-ea"/>
+                  <a:cs typeface="+mn-cs"/>
+                </a:defRPr>
+              </a:lvl6pPr>
+              <a:lvl7pPr marL="2971800" indent="-228600" algn="l" defTabSz="914400" rtl="0" eaLnBrk="1" latinLnBrk="0" hangingPunct="1">
+                <a:lnSpc>
+                  <a:spcPct val="120000"/>
+                </a:lnSpc>
+                <a:spcBef>
+                  <a:spcPts val="500"/>
+                </a:spcBef>
+                <a:buSzPct val="125000"/>
+                <a:buFont typeface="Arial" panose="020B0604020202020204" pitchFamily="34" charset="0"/>
+                <a:buChar char="•"/>
+                <a:defRPr sz="1400" kern="1200">
+                  <a:solidFill>
+                    <a:schemeClr val="tx1"/>
+                  </a:solidFill>
+                  <a:latin typeface="+mn-lt"/>
+                  <a:ea typeface="+mn-ea"/>
+                  <a:cs typeface="+mn-cs"/>
+                </a:defRPr>
+              </a:lvl7pPr>
+              <a:lvl8pPr marL="3429000" indent="-228600" algn="l" defTabSz="914400" rtl="0" eaLnBrk="1" latinLnBrk="0" hangingPunct="1">
+                <a:lnSpc>
+                  <a:spcPct val="120000"/>
+                </a:lnSpc>
+                <a:spcBef>
+                  <a:spcPts val="500"/>
+                </a:spcBef>
+                <a:buSzPct val="125000"/>
+                <a:buFont typeface="Arial" panose="020B0604020202020204" pitchFamily="34" charset="0"/>
+                <a:buChar char="•"/>
+                <a:defRPr sz="1400" kern="1200">
+                  <a:solidFill>
+                    <a:schemeClr val="tx1"/>
+                  </a:solidFill>
+                  <a:latin typeface="+mn-lt"/>
+                  <a:ea typeface="+mn-ea"/>
+                  <a:cs typeface="+mn-cs"/>
+                </a:defRPr>
+              </a:lvl8pPr>
+              <a:lvl9pPr marL="3886200" indent="-228600" algn="l" defTabSz="914400" rtl="0" eaLnBrk="1" latinLnBrk="0" hangingPunct="1">
+                <a:lnSpc>
+                  <a:spcPct val="120000"/>
+                </a:lnSpc>
+                <a:spcBef>
+                  <a:spcPts val="500"/>
+                </a:spcBef>
+                <a:buSzPct val="125000"/>
+                <a:buFont typeface="Arial" panose="020B0604020202020204" pitchFamily="34" charset="0"/>
+                <a:buChar char="•"/>
+                <a:defRPr sz="1400" kern="1200">
+                  <a:solidFill>
+                    <a:schemeClr val="tx1"/>
+                  </a:solidFill>
+                  <a:latin typeface="+mn-lt"/>
+                  <a:ea typeface="+mn-ea"/>
+                  <a:cs typeface="+mn-cs"/>
+                </a:defRPr>
+              </a:lvl9pPr>
+            </a:lstStyle>
+            <a:p>
+              <a:pPr marL="0" indent="0" algn="ctr">
+                <a:buFont typeface="Arial" panose="020B0604020202020204" pitchFamily="34" charset="0"/>
+                <a:buNone/>
+              </a:pPr>
+              <a:r>
+                <a:rPr lang="en-US" sz="1400" i="1" dirty="0"/>
+                <a:t>Option 2: Solution is the max segment on right</a:t>
+              </a:r>
+            </a:p>
+          </p:txBody>
+        </p:sp>
+        <p:sp>
+          <p:nvSpPr>
+            <p:cNvPr id="51" name="Content Placeholder 2">
+              <a:extLst>
+                <a:ext uri="{FF2B5EF4-FFF2-40B4-BE49-F238E27FC236}">
+                  <a16:creationId xmlns:a16="http://schemas.microsoft.com/office/drawing/2014/main" id="{53E140D4-6B97-CB49-9EAF-3C39707472EE}"/>
+                </a:ext>
+              </a:extLst>
+            </p:cNvPr>
+            <p:cNvSpPr txBox="1">
+              <a:spLocks/>
+            </p:cNvSpPr>
+            <p:nvPr/>
+          </p:nvSpPr>
+          <p:spPr>
+            <a:xfrm>
+              <a:off x="4155542" y="5493990"/>
+              <a:ext cx="3977209" cy="477163"/>
+            </a:xfrm>
+            <a:prstGeom prst="rect">
+              <a:avLst/>
+            </a:prstGeom>
+            <a:ln>
+              <a:solidFill>
+                <a:schemeClr val="tx1">
+                  <a:lumMod val="95000"/>
+                </a:schemeClr>
+              </a:solidFill>
+            </a:ln>
+          </p:spPr>
+          <p:txBody>
+            <a:bodyPr vert="horz" lIns="91440" tIns="45720" rIns="91440" bIns="45720" rtlCol="0">
+              <a:normAutofit fontScale="85000" lnSpcReduction="20000"/>
+            </a:bodyPr>
+            <a:lstStyle>
+              <a:lvl1pPr marL="228600" indent="-228600" algn="l" defTabSz="914400" rtl="0" eaLnBrk="1" latinLnBrk="0" hangingPunct="1">
+                <a:lnSpc>
+                  <a:spcPct val="120000"/>
+                </a:lnSpc>
+                <a:spcBef>
+                  <a:spcPts val="1000"/>
+                </a:spcBef>
+                <a:buSzPct val="125000"/>
+                <a:buFont typeface="Arial" panose="020B0604020202020204" pitchFamily="34" charset="0"/>
+                <a:buChar char="•"/>
+                <a:defRPr sz="2400" kern="1200">
+                  <a:solidFill>
+                    <a:schemeClr val="tx1"/>
+                  </a:solidFill>
+                  <a:latin typeface="+mn-lt"/>
+                  <a:ea typeface="+mn-ea"/>
+                  <a:cs typeface="+mn-cs"/>
+                </a:defRPr>
+              </a:lvl1pPr>
+              <a:lvl2pPr marL="685800" indent="-228600" algn="l" defTabSz="914400" rtl="0" eaLnBrk="1" latinLnBrk="0" hangingPunct="1">
+                <a:lnSpc>
+                  <a:spcPct val="120000"/>
+                </a:lnSpc>
+                <a:spcBef>
+                  <a:spcPts val="500"/>
+                </a:spcBef>
+                <a:buSzPct val="125000"/>
+                <a:buFont typeface="Arial" panose="020B0604020202020204" pitchFamily="34" charset="0"/>
+                <a:buChar char="•"/>
+                <a:defRPr sz="2000" kern="1200">
+                  <a:solidFill>
+                    <a:schemeClr val="tx1"/>
+                  </a:solidFill>
+                  <a:latin typeface="+mn-lt"/>
+                  <a:ea typeface="+mn-ea"/>
+                  <a:cs typeface="+mn-cs"/>
+                </a:defRPr>
+              </a:lvl2pPr>
+              <a:lvl3pPr marL="1143000" indent="-228600" algn="l" defTabSz="914400" rtl="0" eaLnBrk="1" latinLnBrk="0" hangingPunct="1">
+                <a:lnSpc>
+                  <a:spcPct val="120000"/>
+                </a:lnSpc>
+                <a:spcBef>
+                  <a:spcPts val="500"/>
+                </a:spcBef>
+                <a:buSzPct val="125000"/>
+                <a:buFont typeface="Arial" panose="020B0604020202020204" pitchFamily="34" charset="0"/>
+                <a:buChar char="•"/>
+                <a:defRPr sz="1800" kern="1200">
+                  <a:solidFill>
+                    <a:schemeClr val="tx1"/>
+                  </a:solidFill>
+                  <a:latin typeface="+mn-lt"/>
+                  <a:ea typeface="+mn-ea"/>
+                  <a:cs typeface="+mn-cs"/>
+                </a:defRPr>
+              </a:lvl3pPr>
+              <a:lvl4pPr marL="1600200" indent="-228600" algn="l" defTabSz="914400" rtl="0" eaLnBrk="1" latinLnBrk="0" hangingPunct="1">
+                <a:lnSpc>
+                  <a:spcPct val="120000"/>
+                </a:lnSpc>
+                <a:spcBef>
+                  <a:spcPts val="500"/>
+                </a:spcBef>
+                <a:buSzPct val="125000"/>
+                <a:buFont typeface="Arial" panose="020B0604020202020204" pitchFamily="34" charset="0"/>
+                <a:buChar char="•"/>
+                <a:defRPr sz="1600" kern="1200">
+                  <a:solidFill>
+                    <a:schemeClr val="tx1"/>
+                  </a:solidFill>
+                  <a:latin typeface="+mn-lt"/>
+                  <a:ea typeface="+mn-ea"/>
+                  <a:cs typeface="+mn-cs"/>
+                </a:defRPr>
+              </a:lvl4pPr>
+              <a:lvl5pPr marL="2057400" indent="-228600" algn="l" defTabSz="914400" rtl="0" eaLnBrk="1" latinLnBrk="0" hangingPunct="1">
+                <a:lnSpc>
+                  <a:spcPct val="120000"/>
+                </a:lnSpc>
+                <a:spcBef>
+                  <a:spcPts val="500"/>
+                </a:spcBef>
+                <a:buSzPct val="125000"/>
+                <a:buFont typeface="Arial" panose="020B0604020202020204" pitchFamily="34" charset="0"/>
+                <a:buChar char="•"/>
+                <a:defRPr sz="1600" kern="1200">
+                  <a:solidFill>
+                    <a:schemeClr val="tx1"/>
+                  </a:solidFill>
+                  <a:latin typeface="+mn-lt"/>
+                  <a:ea typeface="+mn-ea"/>
+                  <a:cs typeface="+mn-cs"/>
+                </a:defRPr>
+              </a:lvl5pPr>
+              <a:lvl6pPr marL="2514600" indent="-228600" algn="l" defTabSz="914400" rtl="0" eaLnBrk="1" latinLnBrk="0" hangingPunct="1">
+                <a:lnSpc>
+                  <a:spcPct val="120000"/>
+                </a:lnSpc>
+                <a:spcBef>
+                  <a:spcPts val="500"/>
+                </a:spcBef>
+                <a:buSzPct val="125000"/>
+                <a:buFont typeface="Arial" panose="020B0604020202020204" pitchFamily="34" charset="0"/>
+                <a:buChar char="•"/>
+                <a:defRPr sz="1400" kern="1200">
+                  <a:solidFill>
+                    <a:schemeClr val="tx1"/>
+                  </a:solidFill>
+                  <a:latin typeface="+mn-lt"/>
+                  <a:ea typeface="+mn-ea"/>
+                  <a:cs typeface="+mn-cs"/>
+                </a:defRPr>
+              </a:lvl6pPr>
+              <a:lvl7pPr marL="2971800" indent="-228600" algn="l" defTabSz="914400" rtl="0" eaLnBrk="1" latinLnBrk="0" hangingPunct="1">
+                <a:lnSpc>
+                  <a:spcPct val="120000"/>
+                </a:lnSpc>
+                <a:spcBef>
+                  <a:spcPts val="500"/>
+                </a:spcBef>
+                <a:buSzPct val="125000"/>
+                <a:buFont typeface="Arial" panose="020B0604020202020204" pitchFamily="34" charset="0"/>
+                <a:buChar char="•"/>
+                <a:defRPr sz="1400" kern="1200">
+                  <a:solidFill>
+                    <a:schemeClr val="tx1"/>
+                  </a:solidFill>
+                  <a:latin typeface="+mn-lt"/>
+                  <a:ea typeface="+mn-ea"/>
+                  <a:cs typeface="+mn-cs"/>
+                </a:defRPr>
+              </a:lvl7pPr>
+              <a:lvl8pPr marL="3429000" indent="-228600" algn="l" defTabSz="914400" rtl="0" eaLnBrk="1" latinLnBrk="0" hangingPunct="1">
+                <a:lnSpc>
+                  <a:spcPct val="120000"/>
+                </a:lnSpc>
+                <a:spcBef>
+                  <a:spcPts val="500"/>
+                </a:spcBef>
+                <a:buSzPct val="125000"/>
+                <a:buFont typeface="Arial" panose="020B0604020202020204" pitchFamily="34" charset="0"/>
+                <a:buChar char="•"/>
+                <a:defRPr sz="1400" kern="1200">
+                  <a:solidFill>
+                    <a:schemeClr val="tx1"/>
+                  </a:solidFill>
+                  <a:latin typeface="+mn-lt"/>
+                  <a:ea typeface="+mn-ea"/>
+                  <a:cs typeface="+mn-cs"/>
+                </a:defRPr>
+              </a:lvl8pPr>
+              <a:lvl9pPr marL="3886200" indent="-228600" algn="l" defTabSz="914400" rtl="0" eaLnBrk="1" latinLnBrk="0" hangingPunct="1">
+                <a:lnSpc>
+                  <a:spcPct val="120000"/>
+                </a:lnSpc>
+                <a:spcBef>
+                  <a:spcPts val="500"/>
+                </a:spcBef>
+                <a:buSzPct val="125000"/>
+                <a:buFont typeface="Arial" panose="020B0604020202020204" pitchFamily="34" charset="0"/>
+                <a:buChar char="•"/>
+                <a:defRPr sz="1400" kern="1200">
+                  <a:solidFill>
+                    <a:schemeClr val="tx1"/>
+                  </a:solidFill>
+                  <a:latin typeface="+mn-lt"/>
+                  <a:ea typeface="+mn-ea"/>
+                  <a:cs typeface="+mn-cs"/>
+                </a:defRPr>
+              </a:lvl9pPr>
+            </a:lstStyle>
+            <a:p>
+              <a:pPr marL="0" indent="0" algn="ctr">
+                <a:buFont typeface="Arial" panose="020B0604020202020204" pitchFamily="34" charset="0"/>
+                <a:buNone/>
+              </a:pPr>
+              <a:r>
+                <a:rPr lang="en-US" sz="1400" i="1" dirty="0"/>
+                <a:t>Option 3: Solution is max suffix sum on left concatenated with max prefix sum on right (orange bars)</a:t>
+              </a:r>
+            </a:p>
+          </p:txBody>
+        </p:sp>
+      </p:grpSp>
+      <p:sp>
+        <p:nvSpPr>
+          <p:cNvPr id="39" name="Content Placeholder 2">
+            <a:extLst>
+              <a:ext uri="{FF2B5EF4-FFF2-40B4-BE49-F238E27FC236}">
+                <a16:creationId xmlns:a16="http://schemas.microsoft.com/office/drawing/2014/main" id="{83A16616-9629-F549-8F29-CDA04E6EC9F1}"/>
+              </a:ext>
+            </a:extLst>
+          </p:cNvPr>
+          <p:cNvSpPr txBox="1">
+            <a:spLocks/>
+          </p:cNvSpPr>
+          <p:nvPr/>
+        </p:nvSpPr>
+        <p:spPr>
+          <a:xfrm>
+            <a:off x="6420333" y="4372434"/>
+            <a:ext cx="5174146" cy="2358000"/>
+          </a:xfrm>
+          <a:prstGeom prst="rect">
+            <a:avLst/>
+          </a:prstGeom>
+          <a:solidFill>
+            <a:schemeClr val="tx1">
+              <a:lumMod val="95000"/>
+            </a:schemeClr>
+          </a:solidFill>
+          <a:ln>
+            <a:solidFill>
+              <a:schemeClr val="bg1"/>
+            </a:solidFill>
+          </a:ln>
+        </p:spPr>
+        <p:txBody>
+          <a:bodyPr vert="horz" lIns="91440" tIns="45720" rIns="91440" bIns="45720" rtlCol="0">
+            <a:normAutofit/>
+          </a:bodyPr>
+          <a:lstStyle>
+            <a:lvl1pPr marL="228600" indent="-228600" algn="l" defTabSz="914400" rtl="0" eaLnBrk="1" latinLnBrk="0" hangingPunct="1">
+              <a:lnSpc>
+                <a:spcPct val="120000"/>
+              </a:lnSpc>
+              <a:spcBef>
+                <a:spcPts val="1000"/>
+              </a:spcBef>
+              <a:buSzPct val="125000"/>
+              <a:buFont typeface="Arial" panose="020B0604020202020204" pitchFamily="34" charset="0"/>
+              <a:buChar char="•"/>
+              <a:defRPr sz="2400" kern="1200">
+                <a:solidFill>
+                  <a:schemeClr val="tx1"/>
+                </a:solidFill>
+                <a:latin typeface="+mn-lt"/>
+                <a:ea typeface="+mn-ea"/>
+                <a:cs typeface="+mn-cs"/>
+              </a:defRPr>
+            </a:lvl1pPr>
+            <a:lvl2pPr marL="685800" indent="-228600" algn="l" defTabSz="914400" rtl="0" eaLnBrk="1" latinLnBrk="0" hangingPunct="1">
+              <a:lnSpc>
+                <a:spcPct val="120000"/>
+              </a:lnSpc>
+              <a:spcBef>
+                <a:spcPts val="500"/>
+              </a:spcBef>
+              <a:buSzPct val="125000"/>
+              <a:buFont typeface="Arial" panose="020B0604020202020204" pitchFamily="34" charset="0"/>
+              <a:buChar char="•"/>
+              <a:defRPr sz="2000" kern="1200">
+                <a:solidFill>
+                  <a:schemeClr val="tx1"/>
+                </a:solidFill>
+                <a:latin typeface="+mn-lt"/>
+                <a:ea typeface="+mn-ea"/>
+                <a:cs typeface="+mn-cs"/>
+              </a:defRPr>
+            </a:lvl2pPr>
+            <a:lvl3pPr marL="1143000" indent="-228600" algn="l" defTabSz="914400" rtl="0" eaLnBrk="1" latinLnBrk="0" hangingPunct="1">
+              <a:lnSpc>
+                <a:spcPct val="120000"/>
+              </a:lnSpc>
+              <a:spcBef>
+                <a:spcPts val="500"/>
+              </a:spcBef>
+              <a:buSzPct val="125000"/>
+              <a:buFont typeface="Arial" panose="020B0604020202020204" pitchFamily="34" charset="0"/>
+              <a:buChar char="•"/>
+              <a:defRPr sz="1800" kern="1200">
+                <a:solidFill>
+                  <a:schemeClr val="tx1"/>
+                </a:solidFill>
+                <a:latin typeface="+mn-lt"/>
+                <a:ea typeface="+mn-ea"/>
+                <a:cs typeface="+mn-cs"/>
+              </a:defRPr>
+            </a:lvl3pPr>
+            <a:lvl4pPr marL="1600200" indent="-228600" algn="l" defTabSz="914400" rtl="0" eaLnBrk="1" latinLnBrk="0" hangingPunct="1">
+              <a:lnSpc>
+                <a:spcPct val="120000"/>
+              </a:lnSpc>
+              <a:spcBef>
+                <a:spcPts val="500"/>
+              </a:spcBef>
+              <a:buSzPct val="125000"/>
+              <a:buFont typeface="Arial" panose="020B0604020202020204" pitchFamily="34" charset="0"/>
+              <a:buChar char="•"/>
+              <a:defRPr sz="1600" kern="1200">
+                <a:solidFill>
+                  <a:schemeClr val="tx1"/>
+                </a:solidFill>
+                <a:latin typeface="+mn-lt"/>
+                <a:ea typeface="+mn-ea"/>
+                <a:cs typeface="+mn-cs"/>
+              </a:defRPr>
+            </a:lvl4pPr>
+            <a:lvl5pPr marL="2057400" indent="-228600" algn="l" defTabSz="914400" rtl="0" eaLnBrk="1" latinLnBrk="0" hangingPunct="1">
+              <a:lnSpc>
+                <a:spcPct val="120000"/>
+              </a:lnSpc>
+              <a:spcBef>
+                <a:spcPts val="500"/>
+              </a:spcBef>
+              <a:buSzPct val="125000"/>
+              <a:buFont typeface="Arial" panose="020B0604020202020204" pitchFamily="34" charset="0"/>
+              <a:buChar char="•"/>
+              <a:defRPr sz="1600" kern="1200">
+                <a:solidFill>
+                  <a:schemeClr val="tx1"/>
+                </a:solidFill>
+                <a:latin typeface="+mn-lt"/>
+                <a:ea typeface="+mn-ea"/>
+                <a:cs typeface="+mn-cs"/>
+              </a:defRPr>
+            </a:lvl5pPr>
+            <a:lvl6pPr marL="2514600" indent="-228600" algn="l" defTabSz="914400" rtl="0" eaLnBrk="1" latinLnBrk="0" hangingPunct="1">
+              <a:lnSpc>
+                <a:spcPct val="120000"/>
+              </a:lnSpc>
+              <a:spcBef>
+                <a:spcPts val="500"/>
+              </a:spcBef>
+              <a:buSzPct val="125000"/>
+              <a:buFont typeface="Arial" panose="020B0604020202020204" pitchFamily="34" charset="0"/>
+              <a:buChar char="•"/>
+              <a:defRPr sz="1400" kern="1200">
+                <a:solidFill>
+                  <a:schemeClr val="tx1"/>
+                </a:solidFill>
+                <a:latin typeface="+mn-lt"/>
+                <a:ea typeface="+mn-ea"/>
+                <a:cs typeface="+mn-cs"/>
+              </a:defRPr>
+            </a:lvl6pPr>
+            <a:lvl7pPr marL="2971800" indent="-228600" algn="l" defTabSz="914400" rtl="0" eaLnBrk="1" latinLnBrk="0" hangingPunct="1">
+              <a:lnSpc>
+                <a:spcPct val="120000"/>
+              </a:lnSpc>
+              <a:spcBef>
+                <a:spcPts val="500"/>
+              </a:spcBef>
+              <a:buSzPct val="125000"/>
+              <a:buFont typeface="Arial" panose="020B0604020202020204" pitchFamily="34" charset="0"/>
+              <a:buChar char="•"/>
+              <a:defRPr sz="1400" kern="1200">
+                <a:solidFill>
+                  <a:schemeClr val="tx1"/>
+                </a:solidFill>
+                <a:latin typeface="+mn-lt"/>
+                <a:ea typeface="+mn-ea"/>
+                <a:cs typeface="+mn-cs"/>
+              </a:defRPr>
+            </a:lvl7pPr>
+            <a:lvl8pPr marL="3429000" indent="-228600" algn="l" defTabSz="914400" rtl="0" eaLnBrk="1" latinLnBrk="0" hangingPunct="1">
+              <a:lnSpc>
+                <a:spcPct val="120000"/>
+              </a:lnSpc>
+              <a:spcBef>
+                <a:spcPts val="500"/>
+              </a:spcBef>
+              <a:buSzPct val="125000"/>
+              <a:buFont typeface="Arial" panose="020B0604020202020204" pitchFamily="34" charset="0"/>
+              <a:buChar char="•"/>
+              <a:defRPr sz="1400" kern="1200">
+                <a:solidFill>
+                  <a:schemeClr val="tx1"/>
+                </a:solidFill>
+                <a:latin typeface="+mn-lt"/>
+                <a:ea typeface="+mn-ea"/>
+                <a:cs typeface="+mn-cs"/>
+              </a:defRPr>
+            </a:lvl8pPr>
+            <a:lvl9pPr marL="3886200" indent="-228600" algn="l" defTabSz="914400" rtl="0" eaLnBrk="1" latinLnBrk="0" hangingPunct="1">
+              <a:lnSpc>
+                <a:spcPct val="120000"/>
+              </a:lnSpc>
+              <a:spcBef>
+                <a:spcPts val="500"/>
+              </a:spcBef>
+              <a:buSzPct val="125000"/>
+              <a:buFont typeface="Arial" panose="020B0604020202020204" pitchFamily="34" charset="0"/>
+              <a:buChar char="•"/>
+              <a:defRPr sz="1400" kern="1200">
+                <a:solidFill>
+                  <a:schemeClr val="tx1"/>
+                </a:solidFill>
+                <a:latin typeface="+mn-lt"/>
+                <a:ea typeface="+mn-ea"/>
+                <a:cs typeface="+mn-cs"/>
+              </a:defRPr>
+            </a:lvl9pPr>
+          </a:lstStyle>
+          <a:p>
+            <a:pPr marL="0" indent="0" algn="ctr">
+              <a:buFont typeface="Arial" panose="020B0604020202020204" pitchFamily="34" charset="0"/>
+              <a:buNone/>
+            </a:pPr>
+            <a:r>
+              <a:rPr lang="en-US" sz="1600" b="1" i="1" u="sng" dirty="0">
+                <a:solidFill>
+                  <a:schemeClr val="bg1"/>
+                </a:solidFill>
+              </a:rPr>
+              <a:t>How to merge</a:t>
+            </a:r>
+            <a:r>
+              <a:rPr lang="en-US" sz="1600" i="1" dirty="0">
+                <a:solidFill>
+                  <a:schemeClr val="bg1"/>
+                </a:solidFill>
+              </a:rPr>
+              <a:t>:</a:t>
+            </a:r>
+          </a:p>
+          <a:p>
+            <a:pPr marL="0" indent="0">
+              <a:buFont typeface="Arial" panose="020B0604020202020204" pitchFamily="34" charset="0"/>
+              <a:buNone/>
+            </a:pPr>
+            <a:r>
+              <a:rPr lang="en-US" sz="1600" i="1" dirty="0">
+                <a:solidFill>
+                  <a:schemeClr val="bg1"/>
+                </a:solidFill>
+              </a:rPr>
+              <a:t>sum = </a:t>
+            </a:r>
+            <a:r>
+              <a:rPr lang="en-US" sz="1600" i="1" dirty="0" err="1">
+                <a:solidFill>
+                  <a:schemeClr val="bg1"/>
+                </a:solidFill>
+              </a:rPr>
+              <a:t>L.sum</a:t>
+            </a:r>
+            <a:r>
+              <a:rPr lang="en-US" sz="1600" i="1" dirty="0">
+                <a:solidFill>
+                  <a:schemeClr val="bg1"/>
+                </a:solidFill>
+              </a:rPr>
+              <a:t> + </a:t>
+            </a:r>
+            <a:r>
+              <a:rPr lang="en-US" sz="1600" i="1" dirty="0" err="1">
+                <a:solidFill>
+                  <a:schemeClr val="bg1"/>
+                </a:solidFill>
+              </a:rPr>
+              <a:t>R.sum</a:t>
+            </a:r>
+            <a:endParaRPr lang="en-US" sz="1600" i="1" dirty="0">
+              <a:solidFill>
+                <a:schemeClr val="bg1"/>
+              </a:solidFill>
+            </a:endParaRPr>
+          </a:p>
+          <a:p>
+            <a:pPr marL="0" indent="0">
+              <a:buFont typeface="Arial" panose="020B0604020202020204" pitchFamily="34" charset="0"/>
+              <a:buNone/>
+            </a:pPr>
+            <a:r>
+              <a:rPr lang="en-US" sz="1600" i="1" dirty="0">
+                <a:solidFill>
+                  <a:schemeClr val="bg1"/>
+                </a:solidFill>
+              </a:rPr>
+              <a:t>pre = Max(</a:t>
+            </a:r>
+            <a:r>
+              <a:rPr lang="en-US" sz="1600" i="1" dirty="0" err="1">
+                <a:solidFill>
+                  <a:schemeClr val="bg1"/>
+                </a:solidFill>
+              </a:rPr>
+              <a:t>L.pre</a:t>
+            </a:r>
+            <a:r>
+              <a:rPr lang="en-US" sz="1600" i="1" dirty="0">
+                <a:solidFill>
+                  <a:schemeClr val="bg1"/>
+                </a:solidFill>
+              </a:rPr>
+              <a:t>, </a:t>
+            </a:r>
+            <a:r>
+              <a:rPr lang="en-US" sz="1600" i="1" dirty="0" err="1">
+                <a:solidFill>
+                  <a:schemeClr val="bg1"/>
+                </a:solidFill>
+              </a:rPr>
+              <a:t>L.sum</a:t>
+            </a:r>
+            <a:r>
+              <a:rPr lang="en-US" sz="1600" i="1" dirty="0">
+                <a:solidFill>
+                  <a:schemeClr val="bg1"/>
+                </a:solidFill>
+              </a:rPr>
+              <a:t> + </a:t>
+            </a:r>
+            <a:r>
+              <a:rPr lang="en-US" sz="1600" i="1" dirty="0" err="1">
+                <a:solidFill>
+                  <a:schemeClr val="bg1"/>
+                </a:solidFill>
+              </a:rPr>
+              <a:t>R.pre</a:t>
+            </a:r>
+            <a:r>
+              <a:rPr lang="en-US" sz="1600" i="1" dirty="0">
+                <a:solidFill>
+                  <a:schemeClr val="bg1"/>
+                </a:solidFill>
+              </a:rPr>
+              <a:t>)</a:t>
+            </a:r>
+          </a:p>
+          <a:p>
+            <a:pPr marL="0" indent="0">
+              <a:buFont typeface="Arial" panose="020B0604020202020204" pitchFamily="34" charset="0"/>
+              <a:buNone/>
+            </a:pPr>
+            <a:r>
+              <a:rPr lang="en-US" sz="1600" i="1" dirty="0" err="1">
+                <a:solidFill>
+                  <a:schemeClr val="bg1"/>
+                </a:solidFill>
+              </a:rPr>
+              <a:t>suf</a:t>
+            </a:r>
+            <a:r>
+              <a:rPr lang="en-US" sz="1600" i="1" dirty="0">
+                <a:solidFill>
+                  <a:schemeClr val="bg1"/>
+                </a:solidFill>
+              </a:rPr>
+              <a:t> = Max(</a:t>
+            </a:r>
+            <a:r>
+              <a:rPr lang="en-US" sz="1600" i="1" dirty="0" err="1">
+                <a:solidFill>
+                  <a:schemeClr val="bg1"/>
+                </a:solidFill>
+              </a:rPr>
+              <a:t>R.suf</a:t>
+            </a:r>
+            <a:r>
+              <a:rPr lang="en-US" sz="1600" i="1" dirty="0">
+                <a:solidFill>
+                  <a:schemeClr val="bg1"/>
+                </a:solidFill>
+              </a:rPr>
+              <a:t>, </a:t>
+            </a:r>
+            <a:r>
+              <a:rPr lang="en-US" sz="1600" i="1" dirty="0" err="1">
+                <a:solidFill>
+                  <a:schemeClr val="bg1"/>
+                </a:solidFill>
+              </a:rPr>
+              <a:t>R.sum</a:t>
+            </a:r>
+            <a:r>
+              <a:rPr lang="en-US" sz="1600" i="1" dirty="0">
+                <a:solidFill>
+                  <a:schemeClr val="bg1"/>
+                </a:solidFill>
+              </a:rPr>
+              <a:t> + </a:t>
+            </a:r>
+            <a:r>
+              <a:rPr lang="en-US" sz="1600" i="1" dirty="0" err="1">
+                <a:solidFill>
+                  <a:schemeClr val="bg1"/>
+                </a:solidFill>
+              </a:rPr>
+              <a:t>L.suf</a:t>
+            </a:r>
+            <a:r>
+              <a:rPr lang="en-US" sz="1600" i="1" dirty="0">
+                <a:solidFill>
+                  <a:schemeClr val="bg1"/>
+                </a:solidFill>
+              </a:rPr>
+              <a:t>)</a:t>
+            </a:r>
+          </a:p>
+          <a:p>
+            <a:pPr marL="0" indent="0">
+              <a:buFont typeface="Arial" panose="020B0604020202020204" pitchFamily="34" charset="0"/>
+              <a:buNone/>
+            </a:pPr>
+            <a:r>
+              <a:rPr lang="en-US" sz="1600" i="1" dirty="0" err="1">
+                <a:solidFill>
+                  <a:schemeClr val="bg1"/>
+                </a:solidFill>
+              </a:rPr>
+              <a:t>ans</a:t>
+            </a:r>
+            <a:r>
+              <a:rPr lang="en-US" sz="1600" i="1" dirty="0">
+                <a:solidFill>
+                  <a:schemeClr val="bg1"/>
+                </a:solidFill>
+              </a:rPr>
+              <a:t> = Max(</a:t>
+            </a:r>
+            <a:r>
+              <a:rPr lang="en-US" sz="1600" i="1" dirty="0" err="1">
+                <a:solidFill>
+                  <a:schemeClr val="bg1"/>
+                </a:solidFill>
+              </a:rPr>
+              <a:t>L.ans</a:t>
+            </a:r>
+            <a:r>
+              <a:rPr lang="en-US" sz="1600" i="1" dirty="0">
+                <a:solidFill>
+                  <a:schemeClr val="bg1"/>
+                </a:solidFill>
+              </a:rPr>
+              <a:t>, </a:t>
+            </a:r>
+            <a:r>
+              <a:rPr lang="en-US" sz="1600" i="1" dirty="0" err="1">
+                <a:solidFill>
+                  <a:schemeClr val="bg1"/>
+                </a:solidFill>
+              </a:rPr>
+              <a:t>R.ans</a:t>
+            </a:r>
+            <a:r>
+              <a:rPr lang="en-US" sz="1600" i="1" dirty="0">
+                <a:solidFill>
+                  <a:schemeClr val="bg1"/>
+                </a:solidFill>
+              </a:rPr>
+              <a:t>, </a:t>
+            </a:r>
+            <a:r>
+              <a:rPr lang="en-US" sz="1600" i="1" dirty="0" err="1">
+                <a:solidFill>
+                  <a:schemeClr val="bg1"/>
+                </a:solidFill>
+              </a:rPr>
+              <a:t>L.suf</a:t>
+            </a:r>
+            <a:r>
+              <a:rPr lang="en-US" sz="1600" i="1" dirty="0">
+                <a:solidFill>
+                  <a:schemeClr val="bg1"/>
+                </a:solidFill>
+              </a:rPr>
+              <a:t> + </a:t>
+            </a:r>
+            <a:r>
+              <a:rPr lang="en-US" sz="1600" i="1" dirty="0" err="1">
+                <a:solidFill>
+                  <a:schemeClr val="bg1"/>
+                </a:solidFill>
+              </a:rPr>
+              <a:t>R.pre</a:t>
+            </a:r>
+            <a:r>
+              <a:rPr lang="en-US" sz="1600" i="1" dirty="0">
+                <a:solidFill>
+                  <a:schemeClr val="bg1"/>
+                </a:solidFill>
+              </a:rPr>
+              <a:t>)</a:t>
+            </a:r>
+          </a:p>
+        </p:txBody>
+      </p:sp>
+    </p:spTree>
+    <p:extLst>
+      <p:ext uri="{BB962C8B-B14F-4D97-AF65-F5344CB8AC3E}">
+        <p14:creationId xmlns:p14="http://schemas.microsoft.com/office/powerpoint/2010/main" val="2627886941"/>
+      </p:ext>
+    </p:extLst>
+  </p:cSld>
+  <p:clrMapOvr>
+    <a:masterClrMapping/>
+  </p:clrMapOvr>
+</p:sld>
+</file>
+
+<file path=ppt/slides/slide42.xml><?xml version="1.0" encoding="utf-8"?>
+<p:sld xmlns:a="http://schemas.openxmlformats.org/drawingml/2006/main" xmlns:r="http://schemas.openxmlformats.org/officeDocument/2006/relationships" xmlns:p="http://schemas.openxmlformats.org/presentationml/2006/main">
+  <p:cSld>
+    <p:spTree>
+      <p:nvGrpSpPr>
+        <p:cNvPr id="1" name=""/>
+        <p:cNvGrpSpPr/>
+        <p:nvPr/>
+      </p:nvGrpSpPr>
+      <p:grpSpPr>
+        <a:xfrm>
+          <a:off x="0" y="0"/>
+          <a:ext cx="0" cy="0"/>
+          <a:chOff x="0" y="0"/>
+          <a:chExt cx="0" cy="0"/>
+        </a:xfrm>
+      </p:grpSpPr>
+      <p:sp>
+        <p:nvSpPr>
+          <p:cNvPr id="2" name="Title 1">
+            <a:extLst>
+              <a:ext uri="{FF2B5EF4-FFF2-40B4-BE49-F238E27FC236}">
                 <a16:creationId xmlns:a16="http://schemas.microsoft.com/office/drawing/2014/main" id="{87719C56-21DC-0A40-AA49-9AF4AF4C92DA}"/>
               </a:ext>
             </a:extLst>
@@ -40441,7 +46001,7 @@
 </p:sld>
 </file>
 
-<file path=ppt/slides/slide41.xml><?xml version="1.0" encoding="utf-8"?>
+<file path=ppt/slides/slide43.xml><?xml version="1.0" encoding="utf-8"?>
 <p:sld xmlns:a="http://schemas.openxmlformats.org/drawingml/2006/main" xmlns:r="http://schemas.openxmlformats.org/officeDocument/2006/relationships" xmlns:p="http://schemas.openxmlformats.org/presentationml/2006/main">
   <p:cSld>
     <p:spTree>

--- a/slides/Trees-SegmentTrees.pptx
+++ b/slides/Trees-SegmentTrees.pptx
@@ -239,7 +239,7 @@
           <a:p>
             <a:fld id="{C5B45307-6ED4-B142-BD64-10F739779302}" type="datetimeFigureOut">
               <a:rPr lang="en-US" smtClean="0"/>
-              <a:t>2/5/25</a:t>
+              <a:t>2/10/25</a:t>
             </a:fld>
             <a:endParaRPr lang="en-US"/>
           </a:p>
@@ -899,7 +899,7 @@
           <a:noFill/>
           <a:extLst>
             <a:ext uri="{909E8E84-426E-40dd-AFC4-6F175D3DCCD1}">
-              <a14:hiddenFill xmlns="" xmlns:a14="http://schemas.microsoft.com/office/drawing/2010/main">
+              <a14:hiddenFill xmlns:a14="http://schemas.microsoft.com/office/drawing/2010/main" xmlns="">
                 <a:solidFill>
                   <a:srgbClr val="FFFFFF"/>
                 </a:solidFill>
@@ -958,7 +958,7 @@
             </a:ln>
             <a:extLst>
               <a:ext uri="{91240B29-F687-4f45-9708-019B960494DF}">
-                <a14:hiddenLine xmlns="" xmlns:a14="http://schemas.microsoft.com/office/drawing/2010/main" w="9525">
+                <a14:hiddenLine xmlns:a14="http://schemas.microsoft.com/office/drawing/2010/main" xmlns="" w="9525">
                   <a:solidFill>
                     <a:srgbClr val="000000"/>
                   </a:solidFill>
@@ -1048,7 +1048,7 @@
             </a:ln>
             <a:extLst>
               <a:ext uri="{91240B29-F687-4f45-9708-019B960494DF}">
-                <a14:hiddenLine xmlns="" xmlns:a14="http://schemas.microsoft.com/office/drawing/2010/main" w="9525">
+                <a14:hiddenLine xmlns:a14="http://schemas.microsoft.com/office/drawing/2010/main" xmlns="" w="9525">
                   <a:solidFill>
                     <a:srgbClr val="000000"/>
                   </a:solidFill>
@@ -1138,7 +1138,7 @@
             </a:ln>
             <a:extLst>
               <a:ext uri="{91240B29-F687-4f45-9708-019B960494DF}">
-                <a14:hiddenLine xmlns="" xmlns:a14="http://schemas.microsoft.com/office/drawing/2010/main" w="9525">
+                <a14:hiddenLine xmlns:a14="http://schemas.microsoft.com/office/drawing/2010/main" xmlns="" w="9525">
                   <a:solidFill>
                     <a:srgbClr val="000000"/>
                   </a:solidFill>
@@ -1172,7 +1172,7 @@
             </a:ln>
             <a:extLst>
               <a:ext uri="{91240B29-F687-4f45-9708-019B960494DF}">
-                <a14:hiddenLine xmlns="" xmlns:a14="http://schemas.microsoft.com/office/drawing/2010/main" w="9525">
+                <a14:hiddenLine xmlns:a14="http://schemas.microsoft.com/office/drawing/2010/main" xmlns="" w="9525">
                   <a:solidFill>
                     <a:srgbClr val="000000"/>
                   </a:solidFill>
@@ -1262,7 +1262,7 @@
             </a:ln>
             <a:extLst>
               <a:ext uri="{91240B29-F687-4f45-9708-019B960494DF}">
-                <a14:hiddenLine xmlns="" xmlns:a14="http://schemas.microsoft.com/office/drawing/2010/main" w="9525">
+                <a14:hiddenLine xmlns:a14="http://schemas.microsoft.com/office/drawing/2010/main" xmlns="" w="9525">
                   <a:solidFill>
                     <a:srgbClr val="000000"/>
                   </a:solidFill>
@@ -1324,7 +1324,7 @@
             </a:ln>
             <a:extLst>
               <a:ext uri="{91240B29-F687-4f45-9708-019B960494DF}">
-                <a14:hiddenLine xmlns="" xmlns:a14="http://schemas.microsoft.com/office/drawing/2010/main" w="9525">
+                <a14:hiddenLine xmlns:a14="http://schemas.microsoft.com/office/drawing/2010/main" xmlns="" w="9525">
                   <a:solidFill>
                     <a:srgbClr val="000000"/>
                   </a:solidFill>
@@ -1386,7 +1386,7 @@
             </a:ln>
             <a:extLst>
               <a:ext uri="{91240B29-F687-4f45-9708-019B960494DF}">
-                <a14:hiddenLine xmlns="" xmlns:a14="http://schemas.microsoft.com/office/drawing/2010/main" w="9525">
+                <a14:hiddenLine xmlns:a14="http://schemas.microsoft.com/office/drawing/2010/main" xmlns="" w="9525">
                   <a:solidFill>
                     <a:srgbClr val="000000"/>
                   </a:solidFill>
@@ -1476,7 +1476,7 @@
             </a:ln>
             <a:extLst>
               <a:ext uri="{91240B29-F687-4f45-9708-019B960494DF}">
-                <a14:hiddenLine xmlns="" xmlns:a14="http://schemas.microsoft.com/office/drawing/2010/main" w="9525">
+                <a14:hiddenLine xmlns:a14="http://schemas.microsoft.com/office/drawing/2010/main" xmlns="" w="9525">
                   <a:solidFill>
                     <a:srgbClr val="000000"/>
                   </a:solidFill>
@@ -1538,7 +1538,7 @@
             </a:ln>
             <a:extLst>
               <a:ext uri="{91240B29-F687-4f45-9708-019B960494DF}">
-                <a14:hiddenLine xmlns="" xmlns:a14="http://schemas.microsoft.com/office/drawing/2010/main" w="9525">
+                <a14:hiddenLine xmlns:a14="http://schemas.microsoft.com/office/drawing/2010/main" xmlns="" w="9525">
                   <a:solidFill>
                     <a:srgbClr val="000000"/>
                   </a:solidFill>
@@ -1600,7 +1600,7 @@
             </a:ln>
             <a:extLst>
               <a:ext uri="{91240B29-F687-4f45-9708-019B960494DF}">
-                <a14:hiddenLine xmlns="" xmlns:a14="http://schemas.microsoft.com/office/drawing/2010/main" w="9525">
+                <a14:hiddenLine xmlns:a14="http://schemas.microsoft.com/office/drawing/2010/main" xmlns="" w="9525">
                   <a:solidFill>
                     <a:srgbClr val="000000"/>
                   </a:solidFill>
@@ -1690,7 +1690,7 @@
             </a:ln>
             <a:extLst>
               <a:ext uri="{91240B29-F687-4f45-9708-019B960494DF}">
-                <a14:hiddenLine xmlns="" xmlns:a14="http://schemas.microsoft.com/office/drawing/2010/main" w="9525">
+                <a14:hiddenLine xmlns:a14="http://schemas.microsoft.com/office/drawing/2010/main" xmlns="" w="9525">
                   <a:solidFill>
                     <a:srgbClr val="000000"/>
                   </a:solidFill>
@@ -1780,7 +1780,7 @@
             </a:ln>
             <a:extLst>
               <a:ext uri="{91240B29-F687-4f45-9708-019B960494DF}">
-                <a14:hiddenLine xmlns="" xmlns:a14="http://schemas.microsoft.com/office/drawing/2010/main" w="9525">
+                <a14:hiddenLine xmlns:a14="http://schemas.microsoft.com/office/drawing/2010/main" xmlns="" w="9525">
                   <a:solidFill>
                     <a:srgbClr val="000000"/>
                   </a:solidFill>
@@ -1842,7 +1842,7 @@
             </a:ln>
             <a:extLst>
               <a:ext uri="{91240B29-F687-4f45-9708-019B960494DF}">
-                <a14:hiddenLine xmlns="" xmlns:a14="http://schemas.microsoft.com/office/drawing/2010/main" w="9525">
+                <a14:hiddenLine xmlns:a14="http://schemas.microsoft.com/office/drawing/2010/main" xmlns="" w="9525">
                   <a:solidFill>
                     <a:srgbClr val="000000"/>
                   </a:solidFill>
@@ -1952,7 +1952,7 @@
             </a:ln>
             <a:extLst>
               <a:ext uri="{91240B29-F687-4f45-9708-019B960494DF}">
-                <a14:hiddenLine xmlns="" xmlns:a14="http://schemas.microsoft.com/office/drawing/2010/main" w="9525">
+                <a14:hiddenLine xmlns:a14="http://schemas.microsoft.com/office/drawing/2010/main" xmlns="" w="9525">
                   <a:solidFill>
                     <a:srgbClr val="000000"/>
                   </a:solidFill>
@@ -2014,7 +2014,7 @@
             </a:ln>
             <a:extLst>
               <a:ext uri="{91240B29-F687-4f45-9708-019B960494DF}">
-                <a14:hiddenLine xmlns="" xmlns:a14="http://schemas.microsoft.com/office/drawing/2010/main" w="9525">
+                <a14:hiddenLine xmlns:a14="http://schemas.microsoft.com/office/drawing/2010/main" xmlns="" w="9525">
                   <a:solidFill>
                     <a:srgbClr val="000000"/>
                   </a:solidFill>
@@ -2104,7 +2104,7 @@
             </a:ln>
             <a:extLst>
               <a:ext uri="{91240B29-F687-4f45-9708-019B960494DF}">
-                <a14:hiddenLine xmlns="" xmlns:a14="http://schemas.microsoft.com/office/drawing/2010/main" w="9525">
+                <a14:hiddenLine xmlns:a14="http://schemas.microsoft.com/office/drawing/2010/main" xmlns="" w="9525">
                   <a:solidFill>
                     <a:srgbClr val="000000"/>
                   </a:solidFill>
@@ -2194,7 +2194,7 @@
             </a:ln>
             <a:extLst>
               <a:ext uri="{91240B29-F687-4f45-9708-019B960494DF}">
-                <a14:hiddenLine xmlns="" xmlns:a14="http://schemas.microsoft.com/office/drawing/2010/main" w="9525">
+                <a14:hiddenLine xmlns:a14="http://schemas.microsoft.com/office/drawing/2010/main" xmlns="" w="9525">
                   <a:solidFill>
                     <a:srgbClr val="000000"/>
                   </a:solidFill>
@@ -2256,7 +2256,7 @@
             </a:ln>
             <a:extLst>
               <a:ext uri="{91240B29-F687-4f45-9708-019B960494DF}">
-                <a14:hiddenLine xmlns="" xmlns:a14="http://schemas.microsoft.com/office/drawing/2010/main" w="9525">
+                <a14:hiddenLine xmlns:a14="http://schemas.microsoft.com/office/drawing/2010/main" xmlns="" w="9525">
                   <a:solidFill>
                     <a:srgbClr val="000000"/>
                   </a:solidFill>
@@ -2346,7 +2346,7 @@
             </a:ln>
             <a:extLst>
               <a:ext uri="{91240B29-F687-4f45-9708-019B960494DF}">
-                <a14:hiddenLine xmlns="" xmlns:a14="http://schemas.microsoft.com/office/drawing/2010/main" w="9525">
+                <a14:hiddenLine xmlns:a14="http://schemas.microsoft.com/office/drawing/2010/main" xmlns="" w="9525">
                   <a:solidFill>
                     <a:srgbClr val="000000"/>
                   </a:solidFill>
@@ -2436,7 +2436,7 @@
             </a:ln>
             <a:extLst>
               <a:ext uri="{91240B29-F687-4f45-9708-019B960494DF}">
-                <a14:hiddenLine xmlns="" xmlns:a14="http://schemas.microsoft.com/office/drawing/2010/main" w="9525">
+                <a14:hiddenLine xmlns:a14="http://schemas.microsoft.com/office/drawing/2010/main" xmlns="" w="9525">
                   <a:solidFill>
                     <a:srgbClr val="000000"/>
                   </a:solidFill>
@@ -2492,7 +2492,7 @@
             </a:ln>
             <a:extLst>
               <a:ext uri="{91240B29-F687-4f45-9708-019B960494DF}">
-                <a14:hiddenLine xmlns="" xmlns:a14="http://schemas.microsoft.com/office/drawing/2010/main" w="9525">
+                <a14:hiddenLine xmlns:a14="http://schemas.microsoft.com/office/drawing/2010/main" xmlns="" w="9525">
                   <a:solidFill>
                     <a:srgbClr val="000000"/>
                   </a:solidFill>
@@ -2582,7 +2582,7 @@
             </a:ln>
             <a:extLst>
               <a:ext uri="{91240B29-F687-4f45-9708-019B960494DF}">
-                <a14:hiddenLine xmlns="" xmlns:a14="http://schemas.microsoft.com/office/drawing/2010/main" w="9525">
+                <a14:hiddenLine xmlns:a14="http://schemas.microsoft.com/office/drawing/2010/main" xmlns="" w="9525">
                   <a:solidFill>
                     <a:srgbClr val="000000"/>
                   </a:solidFill>
@@ -2638,7 +2638,7 @@
             </a:ln>
             <a:extLst>
               <a:ext uri="{91240B29-F687-4f45-9708-019B960494DF}">
-                <a14:hiddenLine xmlns="" xmlns:a14="http://schemas.microsoft.com/office/drawing/2010/main" w="9525">
+                <a14:hiddenLine xmlns:a14="http://schemas.microsoft.com/office/drawing/2010/main" xmlns="" w="9525">
                   <a:solidFill>
                     <a:srgbClr val="000000"/>
                   </a:solidFill>
@@ -2728,7 +2728,7 @@
             </a:ln>
             <a:extLst>
               <a:ext uri="{91240B29-F687-4f45-9708-019B960494DF}">
-                <a14:hiddenLine xmlns="" xmlns:a14="http://schemas.microsoft.com/office/drawing/2010/main" w="9525">
+                <a14:hiddenLine xmlns:a14="http://schemas.microsoft.com/office/drawing/2010/main" xmlns="" w="9525">
                   <a:solidFill>
                     <a:srgbClr val="000000"/>
                   </a:solidFill>
@@ -2796,7 +2796,7 @@
             </a:ln>
             <a:extLst>
               <a:ext uri="{91240B29-F687-4f45-9708-019B960494DF}">
-                <a14:hiddenLine xmlns="" xmlns:a14="http://schemas.microsoft.com/office/drawing/2010/main" w="9525">
+                <a14:hiddenLine xmlns:a14="http://schemas.microsoft.com/office/drawing/2010/main" xmlns="" w="9525">
                   <a:solidFill>
                     <a:srgbClr val="000000"/>
                   </a:solidFill>
@@ -2886,7 +2886,7 @@
             </a:ln>
             <a:extLst>
               <a:ext uri="{91240B29-F687-4f45-9708-019B960494DF}">
-                <a14:hiddenLine xmlns="" xmlns:a14="http://schemas.microsoft.com/office/drawing/2010/main" w="9525">
+                <a14:hiddenLine xmlns:a14="http://schemas.microsoft.com/office/drawing/2010/main" xmlns="" w="9525">
                   <a:solidFill>
                     <a:srgbClr val="000000"/>
                   </a:solidFill>
@@ -2954,7 +2954,7 @@
             </a:ln>
             <a:extLst>
               <a:ext uri="{91240B29-F687-4f45-9708-019B960494DF}">
-                <a14:hiddenLine xmlns="" xmlns:a14="http://schemas.microsoft.com/office/drawing/2010/main" w="9525">
+                <a14:hiddenLine xmlns:a14="http://schemas.microsoft.com/office/drawing/2010/main" xmlns="" w="9525">
                   <a:solidFill>
                     <a:srgbClr val="000000"/>
                   </a:solidFill>
@@ -3044,7 +3044,7 @@
             </a:ln>
             <a:extLst>
               <a:ext uri="{91240B29-F687-4f45-9708-019B960494DF}">
-                <a14:hiddenLine xmlns="" xmlns:a14="http://schemas.microsoft.com/office/drawing/2010/main" w="9525">
+                <a14:hiddenLine xmlns:a14="http://schemas.microsoft.com/office/drawing/2010/main" xmlns="" w="9525">
                   <a:solidFill>
                     <a:srgbClr val="000000"/>
                   </a:solidFill>
@@ -3078,7 +3078,7 @@
             </a:ln>
             <a:extLst>
               <a:ext uri="{91240B29-F687-4f45-9708-019B960494DF}">
-                <a14:hiddenLine xmlns="" xmlns:a14="http://schemas.microsoft.com/office/drawing/2010/main" w="9525">
+                <a14:hiddenLine xmlns:a14="http://schemas.microsoft.com/office/drawing/2010/main" xmlns="" w="9525">
                   <a:solidFill>
                     <a:srgbClr val="000000"/>
                   </a:solidFill>
@@ -3168,7 +3168,7 @@
             </a:ln>
             <a:extLst>
               <a:ext uri="{91240B29-F687-4f45-9708-019B960494DF}">
-                <a14:hiddenLine xmlns="" xmlns:a14="http://schemas.microsoft.com/office/drawing/2010/main" w="9525">
+                <a14:hiddenLine xmlns:a14="http://schemas.microsoft.com/office/drawing/2010/main" xmlns="" w="9525">
                   <a:solidFill>
                     <a:srgbClr val="000000"/>
                   </a:solidFill>
@@ -3230,7 +3230,7 @@
             </a:ln>
             <a:extLst>
               <a:ext uri="{91240B29-F687-4f45-9708-019B960494DF}">
-                <a14:hiddenLine xmlns="" xmlns:a14="http://schemas.microsoft.com/office/drawing/2010/main" w="9525">
+                <a14:hiddenLine xmlns:a14="http://schemas.microsoft.com/office/drawing/2010/main" xmlns="" w="9525">
                   <a:solidFill>
                     <a:srgbClr val="000000"/>
                   </a:solidFill>
@@ -3292,7 +3292,7 @@
             </a:ln>
             <a:extLst>
               <a:ext uri="{91240B29-F687-4f45-9708-019B960494DF}">
-                <a14:hiddenLine xmlns="" xmlns:a14="http://schemas.microsoft.com/office/drawing/2010/main" w="9525">
+                <a14:hiddenLine xmlns:a14="http://schemas.microsoft.com/office/drawing/2010/main" xmlns="" w="9525">
                   <a:solidFill>
                     <a:srgbClr val="000000"/>
                   </a:solidFill>
@@ -3382,7 +3382,7 @@
             </a:ln>
             <a:extLst>
               <a:ext uri="{91240B29-F687-4f45-9708-019B960494DF}">
-                <a14:hiddenLine xmlns="" xmlns:a14="http://schemas.microsoft.com/office/drawing/2010/main" w="9525">
+                <a14:hiddenLine xmlns:a14="http://schemas.microsoft.com/office/drawing/2010/main" xmlns="" w="9525">
                   <a:solidFill>
                     <a:srgbClr val="000000"/>
                   </a:solidFill>
@@ -3450,7 +3450,7 @@
             </a:ln>
             <a:extLst>
               <a:ext uri="{91240B29-F687-4f45-9708-019B960494DF}">
-                <a14:hiddenLine xmlns="" xmlns:a14="http://schemas.microsoft.com/office/drawing/2010/main" w="9525">
+                <a14:hiddenLine xmlns:a14="http://schemas.microsoft.com/office/drawing/2010/main" xmlns="" w="9525">
                   <a:solidFill>
                     <a:srgbClr val="000000"/>
                   </a:solidFill>
@@ -3512,7 +3512,7 @@
             </a:ln>
             <a:extLst>
               <a:ext uri="{91240B29-F687-4f45-9708-019B960494DF}">
-                <a14:hiddenLine xmlns="" xmlns:a14="http://schemas.microsoft.com/office/drawing/2010/main" w="9525">
+                <a14:hiddenLine xmlns:a14="http://schemas.microsoft.com/office/drawing/2010/main" xmlns="" w="9525">
                   <a:solidFill>
                     <a:srgbClr val="000000"/>
                   </a:solidFill>
@@ -3602,7 +3602,7 @@
             </a:ln>
             <a:extLst>
               <a:ext uri="{91240B29-F687-4f45-9708-019B960494DF}">
-                <a14:hiddenLine xmlns="" xmlns:a14="http://schemas.microsoft.com/office/drawing/2010/main" w="9525">
+                <a14:hiddenLine xmlns:a14="http://schemas.microsoft.com/office/drawing/2010/main" xmlns="" w="9525">
                   <a:solidFill>
                     <a:srgbClr val="000000"/>
                   </a:solidFill>
@@ -3664,7 +3664,7 @@
             </a:ln>
             <a:extLst>
               <a:ext uri="{91240B29-F687-4f45-9708-019B960494DF}">
-                <a14:hiddenLine xmlns="" xmlns:a14="http://schemas.microsoft.com/office/drawing/2010/main" w="9525">
+                <a14:hiddenLine xmlns:a14="http://schemas.microsoft.com/office/drawing/2010/main" xmlns="" w="9525">
                   <a:solidFill>
                     <a:srgbClr val="000000"/>
                   </a:solidFill>
@@ -3754,7 +3754,7 @@
             </a:ln>
             <a:extLst>
               <a:ext uri="{91240B29-F687-4f45-9708-019B960494DF}">
-                <a14:hiddenLine xmlns="" xmlns:a14="http://schemas.microsoft.com/office/drawing/2010/main" w="9525">
+                <a14:hiddenLine xmlns:a14="http://schemas.microsoft.com/office/drawing/2010/main" xmlns="" w="9525">
                   <a:solidFill>
                     <a:srgbClr val="000000"/>
                   </a:solidFill>
@@ -3816,7 +3816,7 @@
             </a:ln>
             <a:extLst>
               <a:ext uri="{91240B29-F687-4f45-9708-019B960494DF}">
-                <a14:hiddenLine xmlns="" xmlns:a14="http://schemas.microsoft.com/office/drawing/2010/main" w="9525">
+                <a14:hiddenLine xmlns:a14="http://schemas.microsoft.com/office/drawing/2010/main" xmlns="" w="9525">
                   <a:solidFill>
                     <a:srgbClr val="000000"/>
                   </a:solidFill>
@@ -3906,7 +3906,7 @@
             </a:ln>
             <a:extLst>
               <a:ext uri="{91240B29-F687-4f45-9708-019B960494DF}">
-                <a14:hiddenLine xmlns="" xmlns:a14="http://schemas.microsoft.com/office/drawing/2010/main" w="9525">
+                <a14:hiddenLine xmlns:a14="http://schemas.microsoft.com/office/drawing/2010/main" xmlns="" w="9525">
                   <a:solidFill>
                     <a:srgbClr val="000000"/>
                   </a:solidFill>
@@ -3940,7 +3940,7 @@
             </a:ln>
             <a:extLst>
               <a:ext uri="{91240B29-F687-4f45-9708-019B960494DF}">
-                <a14:hiddenLine xmlns="" xmlns:a14="http://schemas.microsoft.com/office/drawing/2010/main" w="9525">
+                <a14:hiddenLine xmlns:a14="http://schemas.microsoft.com/office/drawing/2010/main" xmlns="" w="9525">
                   <a:solidFill>
                     <a:srgbClr val="000000"/>
                   </a:solidFill>
@@ -4005,7 +4005,7 @@
             </a:ln>
             <a:extLst>
               <a:ext uri="{91240B29-F687-4f45-9708-019B960494DF}">
-                <a14:hiddenLine xmlns="" xmlns:a14="http://schemas.microsoft.com/office/drawing/2010/main" w="9525">
+                <a14:hiddenLine xmlns:a14="http://schemas.microsoft.com/office/drawing/2010/main" xmlns="" w="9525">
                   <a:solidFill>
                     <a:srgbClr val="000000"/>
                   </a:solidFill>
@@ -4095,7 +4095,7 @@
             </a:ln>
             <a:extLst>
               <a:ext uri="{91240B29-F687-4f45-9708-019B960494DF}">
-                <a14:hiddenLine xmlns="" xmlns:a14="http://schemas.microsoft.com/office/drawing/2010/main" w="9525">
+                <a14:hiddenLine xmlns:a14="http://schemas.microsoft.com/office/drawing/2010/main" xmlns="" w="9525">
                   <a:solidFill>
                     <a:srgbClr val="000000"/>
                   </a:solidFill>
@@ -4157,7 +4157,7 @@
             </a:ln>
             <a:extLst>
               <a:ext uri="{91240B29-F687-4f45-9708-019B960494DF}">
-                <a14:hiddenLine xmlns="" xmlns:a14="http://schemas.microsoft.com/office/drawing/2010/main" w="9525">
+                <a14:hiddenLine xmlns:a14="http://schemas.microsoft.com/office/drawing/2010/main" xmlns="" w="9525">
                   <a:solidFill>
                     <a:srgbClr val="000000"/>
                   </a:solidFill>
@@ -4247,7 +4247,7 @@
             </a:ln>
             <a:extLst>
               <a:ext uri="{91240B29-F687-4f45-9708-019B960494DF}">
-                <a14:hiddenLine xmlns="" xmlns:a14="http://schemas.microsoft.com/office/drawing/2010/main" w="9525">
+                <a14:hiddenLine xmlns:a14="http://schemas.microsoft.com/office/drawing/2010/main" xmlns="" w="9525">
                   <a:solidFill>
                     <a:srgbClr val="000000"/>
                   </a:solidFill>
@@ -4337,7 +4337,7 @@
             </a:ln>
             <a:extLst>
               <a:ext uri="{91240B29-F687-4f45-9708-019B960494DF}">
-                <a14:hiddenLine xmlns="" xmlns:a14="http://schemas.microsoft.com/office/drawing/2010/main" w="9525">
+                <a14:hiddenLine xmlns:a14="http://schemas.microsoft.com/office/drawing/2010/main" xmlns="" w="9525">
                   <a:solidFill>
                     <a:srgbClr val="000000"/>
                   </a:solidFill>
@@ -4402,7 +4402,7 @@
             </a:ln>
             <a:extLst>
               <a:ext uri="{91240B29-F687-4f45-9708-019B960494DF}">
-                <a14:hiddenLine xmlns="" xmlns:a14="http://schemas.microsoft.com/office/drawing/2010/main" w="9525">
+                <a14:hiddenLine xmlns:a14="http://schemas.microsoft.com/office/drawing/2010/main" xmlns="" w="9525">
                   <a:solidFill>
                     <a:srgbClr val="000000"/>
                   </a:solidFill>
@@ -4464,7 +4464,7 @@
             </a:ln>
             <a:extLst>
               <a:ext uri="{91240B29-F687-4f45-9708-019B960494DF}">
-                <a14:hiddenLine xmlns="" xmlns:a14="http://schemas.microsoft.com/office/drawing/2010/main" w="9525">
+                <a14:hiddenLine xmlns:a14="http://schemas.microsoft.com/office/drawing/2010/main" xmlns="" w="9525">
                   <a:solidFill>
                     <a:srgbClr val="000000"/>
                   </a:solidFill>
@@ -4554,7 +4554,7 @@
             </a:ln>
             <a:extLst>
               <a:ext uri="{91240B29-F687-4f45-9708-019B960494DF}">
-                <a14:hiddenLine xmlns="" xmlns:a14="http://schemas.microsoft.com/office/drawing/2010/main" w="9525">
+                <a14:hiddenLine xmlns:a14="http://schemas.microsoft.com/office/drawing/2010/main" xmlns="" w="9525">
                   <a:solidFill>
                     <a:srgbClr val="000000"/>
                   </a:solidFill>
@@ -4644,7 +4644,7 @@
             </a:ln>
             <a:extLst>
               <a:ext uri="{91240B29-F687-4f45-9708-019B960494DF}">
-                <a14:hiddenLine xmlns="" xmlns:a14="http://schemas.microsoft.com/office/drawing/2010/main" w="9525">
+                <a14:hiddenLine xmlns:a14="http://schemas.microsoft.com/office/drawing/2010/main" xmlns="" w="9525">
                   <a:solidFill>
                     <a:srgbClr val="000000"/>
                   </a:solidFill>
@@ -4706,7 +4706,7 @@
             </a:ln>
             <a:extLst>
               <a:ext uri="{91240B29-F687-4f45-9708-019B960494DF}">
-                <a14:hiddenLine xmlns="" xmlns:a14="http://schemas.microsoft.com/office/drawing/2010/main" w="9525">
+                <a14:hiddenLine xmlns:a14="http://schemas.microsoft.com/office/drawing/2010/main" xmlns="" w="9525">
                   <a:solidFill>
                     <a:srgbClr val="000000"/>
                   </a:solidFill>
@@ -4826,7 +4826,7 @@
             </a:ln>
             <a:extLst>
               <a:ext uri="{91240B29-F687-4f45-9708-019B960494DF}">
-                <a14:hiddenLine xmlns="" xmlns:a14="http://schemas.microsoft.com/office/drawing/2010/main" w="9525">
+                <a14:hiddenLine xmlns:a14="http://schemas.microsoft.com/office/drawing/2010/main" xmlns="" w="9525">
                   <a:solidFill>
                     <a:srgbClr val="000000"/>
                   </a:solidFill>
@@ -4894,7 +4894,7 @@
             </a:ln>
             <a:extLst>
               <a:ext uri="{91240B29-F687-4f45-9708-019B960494DF}">
-                <a14:hiddenLine xmlns="" xmlns:a14="http://schemas.microsoft.com/office/drawing/2010/main" w="9525">
+                <a14:hiddenLine xmlns:a14="http://schemas.microsoft.com/office/drawing/2010/main" xmlns="" w="9525">
                   <a:solidFill>
                     <a:srgbClr val="000000"/>
                   </a:solidFill>
@@ -4984,7 +4984,7 @@
             </a:ln>
             <a:extLst>
               <a:ext uri="{91240B29-F687-4f45-9708-019B960494DF}">
-                <a14:hiddenLine xmlns="" xmlns:a14="http://schemas.microsoft.com/office/drawing/2010/main" w="9525">
+                <a14:hiddenLine xmlns:a14="http://schemas.microsoft.com/office/drawing/2010/main" xmlns="" w="9525">
                   <a:solidFill>
                     <a:srgbClr val="000000"/>
                   </a:solidFill>
@@ -5124,7 +5124,7 @@
           <a:p>
             <a:fld id="{EC4347D3-4C9A-C240-8F14-750059DFEEB0}" type="datetimeFigureOut">
               <a:rPr lang="en-US" smtClean="0"/>
-              <a:t>2/5/25</a:t>
+              <a:t>2/10/25</a:t>
             </a:fld>
             <a:endParaRPr lang="en-US"/>
           </a:p>
@@ -5391,7 +5391,7 @@
           <a:p>
             <a:fld id="{EC4347D3-4C9A-C240-8F14-750059DFEEB0}" type="datetimeFigureOut">
               <a:rPr lang="en-US" smtClean="0"/>
-              <a:t>2/5/25</a:t>
+              <a:t>2/10/25</a:t>
             </a:fld>
             <a:endParaRPr lang="en-US"/>
           </a:p>
@@ -5587,7 +5587,7 @@
           <a:p>
             <a:fld id="{EC4347D3-4C9A-C240-8F14-750059DFEEB0}" type="datetimeFigureOut">
               <a:rPr lang="en-US" smtClean="0"/>
-              <a:t>2/5/25</a:t>
+              <a:t>2/10/25</a:t>
             </a:fld>
             <a:endParaRPr lang="en-US"/>
           </a:p>
@@ -5850,7 +5850,7 @@
           <a:p>
             <a:fld id="{EC4347D3-4C9A-C240-8F14-750059DFEEB0}" type="datetimeFigureOut">
               <a:rPr lang="en-US" smtClean="0"/>
-              <a:t>2/5/25</a:t>
+              <a:t>2/10/25</a:t>
             </a:fld>
             <a:endParaRPr lang="en-US"/>
           </a:p>
@@ -6284,7 +6284,7 @@
           <a:p>
             <a:fld id="{EC4347D3-4C9A-C240-8F14-750059DFEEB0}" type="datetimeFigureOut">
               <a:rPr lang="en-US" smtClean="0"/>
-              <a:t>2/5/25</a:t>
+              <a:t>2/10/25</a:t>
             </a:fld>
             <a:endParaRPr lang="en-US"/>
           </a:p>
@@ -6830,7 +6830,7 @@
           <a:p>
             <a:fld id="{EC4347D3-4C9A-C240-8F14-750059DFEEB0}" type="datetimeFigureOut">
               <a:rPr lang="en-US" smtClean="0"/>
-              <a:t>2/5/25</a:t>
+              <a:t>2/10/25</a:t>
             </a:fld>
             <a:endParaRPr lang="en-US"/>
           </a:p>
@@ -7550,7 +7550,7 @@
           <a:p>
             <a:fld id="{EC4347D3-4C9A-C240-8F14-750059DFEEB0}" type="datetimeFigureOut">
               <a:rPr lang="en-US" smtClean="0"/>
-              <a:t>2/5/25</a:t>
+              <a:t>2/10/25</a:t>
             </a:fld>
             <a:endParaRPr lang="en-US"/>
           </a:p>
@@ -7720,7 +7720,7 @@
           <a:p>
             <a:fld id="{EC4347D3-4C9A-C240-8F14-750059DFEEB0}" type="datetimeFigureOut">
               <a:rPr lang="en-US" smtClean="0"/>
-              <a:t>2/5/25</a:t>
+              <a:t>2/10/25</a:t>
             </a:fld>
             <a:endParaRPr lang="en-US"/>
           </a:p>
@@ -7900,7 +7900,7 @@
           <a:p>
             <a:fld id="{EC4347D3-4C9A-C240-8F14-750059DFEEB0}" type="datetimeFigureOut">
               <a:rPr lang="en-US" smtClean="0"/>
-              <a:t>2/5/25</a:t>
+              <a:t>2/10/25</a:t>
             </a:fld>
             <a:endParaRPr lang="en-US"/>
           </a:p>
@@ -8070,7 +8070,7 @@
           <a:p>
             <a:fld id="{EC4347D3-4C9A-C240-8F14-750059DFEEB0}" type="datetimeFigureOut">
               <a:rPr lang="en-US" smtClean="0"/>
-              <a:t>2/5/25</a:t>
+              <a:t>2/10/25</a:t>
             </a:fld>
             <a:endParaRPr lang="en-US"/>
           </a:p>
@@ -8320,7 +8320,7 @@
           <a:p>
             <a:fld id="{EC4347D3-4C9A-C240-8F14-750059DFEEB0}" type="datetimeFigureOut">
               <a:rPr lang="en-US" smtClean="0"/>
-              <a:t>2/5/25</a:t>
+              <a:t>2/10/25</a:t>
             </a:fld>
             <a:endParaRPr lang="en-US"/>
           </a:p>
@@ -8552,7 +8552,7 @@
           <a:p>
             <a:fld id="{EC4347D3-4C9A-C240-8F14-750059DFEEB0}" type="datetimeFigureOut">
               <a:rPr lang="en-US" smtClean="0"/>
-              <a:t>2/5/25</a:t>
+              <a:t>2/10/25</a:t>
             </a:fld>
             <a:endParaRPr lang="en-US"/>
           </a:p>
@@ -8938,7 +8938,7 @@
           <a:p>
             <a:fld id="{EC4347D3-4C9A-C240-8F14-750059DFEEB0}" type="datetimeFigureOut">
               <a:rPr lang="en-US" smtClean="0"/>
-              <a:t>2/5/25</a:t>
+              <a:t>2/10/25</a:t>
             </a:fld>
             <a:endParaRPr lang="en-US"/>
           </a:p>
@@ -9061,7 +9061,7 @@
           <a:p>
             <a:fld id="{EC4347D3-4C9A-C240-8F14-750059DFEEB0}" type="datetimeFigureOut">
               <a:rPr lang="en-US" smtClean="0"/>
-              <a:t>2/5/25</a:t>
+              <a:t>2/10/25</a:t>
             </a:fld>
             <a:endParaRPr lang="en-US"/>
           </a:p>
@@ -9156,7 +9156,7 @@
           <a:p>
             <a:fld id="{EC4347D3-4C9A-C240-8F14-750059DFEEB0}" type="datetimeFigureOut">
               <a:rPr lang="en-US" smtClean="0"/>
-              <a:t>2/5/25</a:t>
+              <a:t>2/10/25</a:t>
             </a:fld>
             <a:endParaRPr lang="en-US"/>
           </a:p>
@@ -9405,7 +9405,7 @@
           <a:p>
             <a:fld id="{EC4347D3-4C9A-C240-8F14-750059DFEEB0}" type="datetimeFigureOut">
               <a:rPr lang="en-US" smtClean="0"/>
-              <a:t>2/5/25</a:t>
+              <a:t>2/10/25</a:t>
             </a:fld>
             <a:endParaRPr lang="en-US"/>
           </a:p>
@@ -9690,7 +9690,7 @@
           <a:p>
             <a:fld id="{EC4347D3-4C9A-C240-8F14-750059DFEEB0}" type="datetimeFigureOut">
               <a:rPr lang="en-US" smtClean="0"/>
-              <a:t>2/5/25</a:t>
+              <a:t>2/10/25</a:t>
             </a:fld>
             <a:endParaRPr lang="en-US"/>
           </a:p>
@@ -9813,7 +9813,7 @@
           <a:noFill/>
           <a:extLst>
             <a:ext uri="{909E8E84-426E-40dd-AFC4-6F175D3DCCD1}">
-              <a14:hiddenFill xmlns="" xmlns:a14="http://schemas.microsoft.com/office/drawing/2010/main">
+              <a14:hiddenFill xmlns:a14="http://schemas.microsoft.com/office/drawing/2010/main" xmlns="">
                 <a:solidFill>
                   <a:srgbClr val="FFFFFF"/>
                 </a:solidFill>
@@ -9887,7 +9887,7 @@
               </a:ln>
               <a:extLst>
                 <a:ext uri="{91240B29-F687-4f45-9708-019B960494DF}">
-                  <a14:hiddenLine xmlns="" xmlns:a14="http://schemas.microsoft.com/office/drawing/2010/main" w="9525">
+                  <a14:hiddenLine xmlns:a14="http://schemas.microsoft.com/office/drawing/2010/main" xmlns="" w="9525">
                     <a:solidFill>
                       <a:srgbClr val="000000"/>
                     </a:solidFill>
@@ -9977,7 +9977,7 @@
               </a:ln>
               <a:extLst>
                 <a:ext uri="{91240B29-F687-4f45-9708-019B960494DF}">
-                  <a14:hiddenLine xmlns="" xmlns:a14="http://schemas.microsoft.com/office/drawing/2010/main" w="9525">
+                  <a14:hiddenLine xmlns:a14="http://schemas.microsoft.com/office/drawing/2010/main" xmlns="" w="9525">
                     <a:solidFill>
                       <a:srgbClr val="000000"/>
                     </a:solidFill>
@@ -10067,7 +10067,7 @@
               </a:ln>
               <a:extLst>
                 <a:ext uri="{91240B29-F687-4f45-9708-019B960494DF}">
-                  <a14:hiddenLine xmlns="" xmlns:a14="http://schemas.microsoft.com/office/drawing/2010/main" w="9525">
+                  <a14:hiddenLine xmlns:a14="http://schemas.microsoft.com/office/drawing/2010/main" xmlns="" w="9525">
                     <a:solidFill>
                       <a:srgbClr val="000000"/>
                     </a:solidFill>
@@ -10129,7 +10129,7 @@
               </a:ln>
               <a:extLst>
                 <a:ext uri="{91240B29-F687-4f45-9708-019B960494DF}">
-                  <a14:hiddenLine xmlns="" xmlns:a14="http://schemas.microsoft.com/office/drawing/2010/main" w="9525">
+                  <a14:hiddenLine xmlns:a14="http://schemas.microsoft.com/office/drawing/2010/main" xmlns="" w="9525">
                     <a:solidFill>
                       <a:srgbClr val="000000"/>
                     </a:solidFill>
@@ -10219,7 +10219,7 @@
               </a:ln>
               <a:extLst>
                 <a:ext uri="{91240B29-F687-4f45-9708-019B960494DF}">
-                  <a14:hiddenLine xmlns="" xmlns:a14="http://schemas.microsoft.com/office/drawing/2010/main" w="9525">
+                  <a14:hiddenLine xmlns:a14="http://schemas.microsoft.com/office/drawing/2010/main" xmlns="" w="9525">
                     <a:solidFill>
                       <a:srgbClr val="000000"/>
                     </a:solidFill>
@@ -10281,7 +10281,7 @@
               </a:ln>
               <a:extLst>
                 <a:ext uri="{91240B29-F687-4f45-9708-019B960494DF}">
-                  <a14:hiddenLine xmlns="" xmlns:a14="http://schemas.microsoft.com/office/drawing/2010/main" w="9525">
+                  <a14:hiddenLine xmlns:a14="http://schemas.microsoft.com/office/drawing/2010/main" xmlns="" w="9525">
                     <a:solidFill>
                       <a:srgbClr val="000000"/>
                     </a:solidFill>
@@ -10343,7 +10343,7 @@
               </a:ln>
               <a:extLst>
                 <a:ext uri="{91240B29-F687-4f45-9708-019B960494DF}">
-                  <a14:hiddenLine xmlns="" xmlns:a14="http://schemas.microsoft.com/office/drawing/2010/main" w="9525">
+                  <a14:hiddenLine xmlns:a14="http://schemas.microsoft.com/office/drawing/2010/main" xmlns="" w="9525">
                     <a:solidFill>
                       <a:srgbClr val="000000"/>
                     </a:solidFill>
@@ -10433,7 +10433,7 @@
               </a:ln>
               <a:extLst>
                 <a:ext uri="{91240B29-F687-4f45-9708-019B960494DF}">
-                  <a14:hiddenLine xmlns="" xmlns:a14="http://schemas.microsoft.com/office/drawing/2010/main" w="9525">
+                  <a14:hiddenLine xmlns:a14="http://schemas.microsoft.com/office/drawing/2010/main" xmlns="" w="9525">
                     <a:solidFill>
                       <a:srgbClr val="000000"/>
                     </a:solidFill>
@@ -10523,7 +10523,7 @@
               </a:ln>
               <a:extLst>
                 <a:ext uri="{91240B29-F687-4f45-9708-019B960494DF}">
-                  <a14:hiddenLine xmlns="" xmlns:a14="http://schemas.microsoft.com/office/drawing/2010/main" w="9525">
+                  <a14:hiddenLine xmlns:a14="http://schemas.microsoft.com/office/drawing/2010/main" xmlns="" w="9525">
                     <a:solidFill>
                       <a:srgbClr val="000000"/>
                     </a:solidFill>
@@ -10585,7 +10585,7 @@
               </a:ln>
               <a:extLst>
                 <a:ext uri="{91240B29-F687-4f45-9708-019B960494DF}">
-                  <a14:hiddenLine xmlns="" xmlns:a14="http://schemas.microsoft.com/office/drawing/2010/main" w="9525">
+                  <a14:hiddenLine xmlns:a14="http://schemas.microsoft.com/office/drawing/2010/main" xmlns="" w="9525">
                     <a:solidFill>
                       <a:srgbClr val="000000"/>
                     </a:solidFill>
@@ -10695,7 +10695,7 @@
               </a:ln>
               <a:extLst>
                 <a:ext uri="{91240B29-F687-4f45-9708-019B960494DF}">
-                  <a14:hiddenLine xmlns="" xmlns:a14="http://schemas.microsoft.com/office/drawing/2010/main" w="9525">
+                  <a14:hiddenLine xmlns:a14="http://schemas.microsoft.com/office/drawing/2010/main" xmlns="" w="9525">
                     <a:solidFill>
                       <a:srgbClr val="000000"/>
                     </a:solidFill>
@@ -10779,7 +10779,7 @@
               </a:ln>
               <a:extLst>
                 <a:ext uri="{91240B29-F687-4f45-9708-019B960494DF}">
-                  <a14:hiddenLine xmlns="" xmlns:a14="http://schemas.microsoft.com/office/drawing/2010/main" w="9525">
+                  <a14:hiddenLine xmlns:a14="http://schemas.microsoft.com/office/drawing/2010/main" xmlns="" w="9525">
                     <a:solidFill>
                       <a:srgbClr val="000000"/>
                     </a:solidFill>
@@ -10841,7 +10841,7 @@
               </a:ln>
               <a:extLst>
                 <a:ext uri="{91240B29-F687-4f45-9708-019B960494DF}">
-                  <a14:hiddenLine xmlns="" xmlns:a14="http://schemas.microsoft.com/office/drawing/2010/main" w="9525">
+                  <a14:hiddenLine xmlns:a14="http://schemas.microsoft.com/office/drawing/2010/main" xmlns="" w="9525">
                     <a:solidFill>
                       <a:srgbClr val="000000"/>
                     </a:solidFill>
@@ -10903,7 +10903,7 @@
               </a:ln>
               <a:extLst>
                 <a:ext uri="{91240B29-F687-4f45-9708-019B960494DF}">
-                  <a14:hiddenLine xmlns="" xmlns:a14="http://schemas.microsoft.com/office/drawing/2010/main" w="9525">
+                  <a14:hiddenLine xmlns:a14="http://schemas.microsoft.com/office/drawing/2010/main" xmlns="" w="9525">
                     <a:solidFill>
                       <a:srgbClr val="000000"/>
                     </a:solidFill>
@@ -10993,7 +10993,7 @@
               </a:ln>
               <a:extLst>
                 <a:ext uri="{91240B29-F687-4f45-9708-019B960494DF}">
-                  <a14:hiddenLine xmlns="" xmlns:a14="http://schemas.microsoft.com/office/drawing/2010/main" w="9525">
+                  <a14:hiddenLine xmlns:a14="http://schemas.microsoft.com/office/drawing/2010/main" xmlns="" w="9525">
                     <a:solidFill>
                       <a:srgbClr val="000000"/>
                     </a:solidFill>
@@ -11027,7 +11027,7 @@
               </a:ln>
               <a:extLst>
                 <a:ext uri="{91240B29-F687-4f45-9708-019B960494DF}">
-                  <a14:hiddenLine xmlns="" xmlns:a14="http://schemas.microsoft.com/office/drawing/2010/main" w="9525">
+                  <a14:hiddenLine xmlns:a14="http://schemas.microsoft.com/office/drawing/2010/main" xmlns="" w="9525">
                     <a:solidFill>
                       <a:srgbClr val="000000"/>
                     </a:solidFill>
@@ -11092,7 +11092,7 @@
               </a:ln>
               <a:extLst>
                 <a:ext uri="{91240B29-F687-4f45-9708-019B960494DF}">
-                  <a14:hiddenLine xmlns="" xmlns:a14="http://schemas.microsoft.com/office/drawing/2010/main" w="9525">
+                  <a14:hiddenLine xmlns:a14="http://schemas.microsoft.com/office/drawing/2010/main" xmlns="" w="9525">
                     <a:solidFill>
                       <a:srgbClr val="000000"/>
                     </a:solidFill>
@@ -11182,7 +11182,7 @@
               </a:ln>
               <a:extLst>
                 <a:ext uri="{91240B29-F687-4f45-9708-019B960494DF}">
-                  <a14:hiddenLine xmlns="" xmlns:a14="http://schemas.microsoft.com/office/drawing/2010/main" w="9525">
+                  <a14:hiddenLine xmlns:a14="http://schemas.microsoft.com/office/drawing/2010/main" xmlns="" w="9525">
                     <a:solidFill>
                       <a:srgbClr val="000000"/>
                     </a:solidFill>
@@ -11244,7 +11244,7 @@
               </a:ln>
               <a:extLst>
                 <a:ext uri="{91240B29-F687-4f45-9708-019B960494DF}">
-                  <a14:hiddenLine xmlns="" xmlns:a14="http://schemas.microsoft.com/office/drawing/2010/main" w="9525">
+                  <a14:hiddenLine xmlns:a14="http://schemas.microsoft.com/office/drawing/2010/main" xmlns="" w="9525">
                     <a:solidFill>
                       <a:srgbClr val="000000"/>
                     </a:solidFill>
@@ -11334,7 +11334,7 @@
               </a:ln>
               <a:extLst>
                 <a:ext uri="{91240B29-F687-4f45-9708-019B960494DF}">
-                  <a14:hiddenLine xmlns="" xmlns:a14="http://schemas.microsoft.com/office/drawing/2010/main" w="9525">
+                  <a14:hiddenLine xmlns:a14="http://schemas.microsoft.com/office/drawing/2010/main" xmlns="" w="9525">
                     <a:solidFill>
                       <a:srgbClr val="000000"/>
                     </a:solidFill>
@@ -11399,7 +11399,7 @@
               </a:ln>
               <a:extLst>
                 <a:ext uri="{91240B29-F687-4f45-9708-019B960494DF}">
-                  <a14:hiddenLine xmlns="" xmlns:a14="http://schemas.microsoft.com/office/drawing/2010/main" w="9525">
+                  <a14:hiddenLine xmlns:a14="http://schemas.microsoft.com/office/drawing/2010/main" xmlns="" w="9525">
                     <a:solidFill>
                       <a:srgbClr val="000000"/>
                     </a:solidFill>
@@ -11461,7 +11461,7 @@
               </a:ln>
               <a:extLst>
                 <a:ext uri="{91240B29-F687-4f45-9708-019B960494DF}">
-                  <a14:hiddenLine xmlns="" xmlns:a14="http://schemas.microsoft.com/office/drawing/2010/main" w="9525">
+                  <a14:hiddenLine xmlns:a14="http://schemas.microsoft.com/office/drawing/2010/main" xmlns="" w="9525">
                     <a:solidFill>
                       <a:srgbClr val="000000"/>
                     </a:solidFill>
@@ -11551,7 +11551,7 @@
               </a:ln>
               <a:extLst>
                 <a:ext uri="{91240B29-F687-4f45-9708-019B960494DF}">
-                  <a14:hiddenLine xmlns="" xmlns:a14="http://schemas.microsoft.com/office/drawing/2010/main" w="9525">
+                  <a14:hiddenLine xmlns:a14="http://schemas.microsoft.com/office/drawing/2010/main" xmlns="" w="9525">
                     <a:solidFill>
                       <a:srgbClr val="000000"/>
                     </a:solidFill>
@@ -11641,7 +11641,7 @@
               </a:ln>
               <a:extLst>
                 <a:ext uri="{91240B29-F687-4f45-9708-019B960494DF}">
-                  <a14:hiddenLine xmlns="" xmlns:a14="http://schemas.microsoft.com/office/drawing/2010/main" w="9525">
+                  <a14:hiddenLine xmlns:a14="http://schemas.microsoft.com/office/drawing/2010/main" xmlns="" w="9525">
                     <a:solidFill>
                       <a:srgbClr val="000000"/>
                     </a:solidFill>
@@ -11706,7 +11706,7 @@
               </a:ln>
               <a:extLst>
                 <a:ext uri="{91240B29-F687-4f45-9708-019B960494DF}">
-                  <a14:hiddenLine xmlns="" xmlns:a14="http://schemas.microsoft.com/office/drawing/2010/main" w="9525">
+                  <a14:hiddenLine xmlns:a14="http://schemas.microsoft.com/office/drawing/2010/main" xmlns="" w="9525">
                     <a:solidFill>
                       <a:srgbClr val="000000"/>
                     </a:solidFill>
@@ -11826,7 +11826,7 @@
               </a:ln>
               <a:extLst>
                 <a:ext uri="{91240B29-F687-4f45-9708-019B960494DF}">
-                  <a14:hiddenLine xmlns="" xmlns:a14="http://schemas.microsoft.com/office/drawing/2010/main" w="9525">
+                  <a14:hiddenLine xmlns:a14="http://schemas.microsoft.com/office/drawing/2010/main" xmlns="" w="9525">
                     <a:solidFill>
                       <a:srgbClr val="000000"/>
                     </a:solidFill>
@@ -11907,7 +11907,7 @@
               </a:ln>
               <a:extLst>
                 <a:ext uri="{91240B29-F687-4f45-9708-019B960494DF}">
-                  <a14:hiddenLine xmlns="" xmlns:a14="http://schemas.microsoft.com/office/drawing/2010/main" w="9525">
+                  <a14:hiddenLine xmlns:a14="http://schemas.microsoft.com/office/drawing/2010/main" xmlns="" w="9525">
                     <a:solidFill>
                       <a:srgbClr val="000000"/>
                     </a:solidFill>
@@ -12022,7 +12022,7 @@
               </a:ln>
               <a:extLst>
                 <a:ext uri="{91240B29-F687-4f45-9708-019B960494DF}">
-                  <a14:hiddenLine xmlns="" xmlns:a14="http://schemas.microsoft.com/office/drawing/2010/main" w="9525">
+                  <a14:hiddenLine xmlns:a14="http://schemas.microsoft.com/office/drawing/2010/main" xmlns="" w="9525">
                     <a:solidFill>
                       <a:srgbClr val="000000"/>
                     </a:solidFill>
@@ -12112,7 +12112,7 @@
               </a:ln>
               <a:extLst>
                 <a:ext uri="{91240B29-F687-4f45-9708-019B960494DF}">
-                  <a14:hiddenLine xmlns="" xmlns:a14="http://schemas.microsoft.com/office/drawing/2010/main" w="9525">
+                  <a14:hiddenLine xmlns:a14="http://schemas.microsoft.com/office/drawing/2010/main" xmlns="" w="9525">
                     <a:solidFill>
                       <a:srgbClr val="000000"/>
                     </a:solidFill>
@@ -12177,7 +12177,7 @@
               </a:ln>
               <a:extLst>
                 <a:ext uri="{91240B29-F687-4f45-9708-019B960494DF}">
-                  <a14:hiddenLine xmlns="" xmlns:a14="http://schemas.microsoft.com/office/drawing/2010/main" w="9525">
+                  <a14:hiddenLine xmlns:a14="http://schemas.microsoft.com/office/drawing/2010/main" xmlns="" w="9525">
                     <a:solidFill>
                       <a:srgbClr val="000000"/>
                     </a:solidFill>
@@ -12267,7 +12267,7 @@
               </a:ln>
               <a:extLst>
                 <a:ext uri="{91240B29-F687-4f45-9708-019B960494DF}">
-                  <a14:hiddenLine xmlns="" xmlns:a14="http://schemas.microsoft.com/office/drawing/2010/main" w="9525">
+                  <a14:hiddenLine xmlns:a14="http://schemas.microsoft.com/office/drawing/2010/main" xmlns="" w="9525">
                     <a:solidFill>
                       <a:srgbClr val="000000"/>
                     </a:solidFill>
@@ -12335,7 +12335,7 @@
               </a:ln>
               <a:extLst>
                 <a:ext uri="{91240B29-F687-4f45-9708-019B960494DF}">
-                  <a14:hiddenLine xmlns="" xmlns:a14="http://schemas.microsoft.com/office/drawing/2010/main" w="9525">
+                  <a14:hiddenLine xmlns:a14="http://schemas.microsoft.com/office/drawing/2010/main" xmlns="" w="9525">
                     <a:solidFill>
                       <a:srgbClr val="000000"/>
                     </a:solidFill>
@@ -12425,7 +12425,7 @@
               </a:ln>
               <a:extLst>
                 <a:ext uri="{91240B29-F687-4f45-9708-019B960494DF}">
-                  <a14:hiddenLine xmlns="" xmlns:a14="http://schemas.microsoft.com/office/drawing/2010/main" w="9525">
+                  <a14:hiddenLine xmlns:a14="http://schemas.microsoft.com/office/drawing/2010/main" xmlns="" w="9525">
                     <a:solidFill>
                       <a:srgbClr val="000000"/>
                     </a:solidFill>
@@ -12493,7 +12493,7 @@
               </a:ln>
               <a:extLst>
                 <a:ext uri="{91240B29-F687-4f45-9708-019B960494DF}">
-                  <a14:hiddenLine xmlns="" xmlns:a14="http://schemas.microsoft.com/office/drawing/2010/main" w="9525">
+                  <a14:hiddenLine xmlns:a14="http://schemas.microsoft.com/office/drawing/2010/main" xmlns="" w="9525">
                     <a:solidFill>
                       <a:srgbClr val="000000"/>
                     </a:solidFill>
@@ -12583,7 +12583,7 @@
               </a:ln>
               <a:extLst>
                 <a:ext uri="{91240B29-F687-4f45-9708-019B960494DF}">
-                  <a14:hiddenLine xmlns="" xmlns:a14="http://schemas.microsoft.com/office/drawing/2010/main" w="9525">
+                  <a14:hiddenLine xmlns:a14="http://schemas.microsoft.com/office/drawing/2010/main" xmlns="" w="9525">
                     <a:solidFill>
                       <a:srgbClr val="000000"/>
                     </a:solidFill>
@@ -12617,7 +12617,7 @@
               </a:ln>
               <a:extLst>
                 <a:ext uri="{91240B29-F687-4f45-9708-019B960494DF}">
-                  <a14:hiddenLine xmlns="" xmlns:a14="http://schemas.microsoft.com/office/drawing/2010/main" w="9525">
+                  <a14:hiddenLine xmlns:a14="http://schemas.microsoft.com/office/drawing/2010/main" xmlns="" w="9525">
                     <a:solidFill>
                       <a:srgbClr val="000000"/>
                     </a:solidFill>
@@ -12757,7 +12757,7 @@
           <a:p>
             <a:fld id="{EC4347D3-4C9A-C240-8F14-750059DFEEB0}" type="datetimeFigureOut">
               <a:rPr lang="en-US" smtClean="0"/>
-              <a:t>2/5/25</a:t>
+              <a:t>2/10/25</a:t>
             </a:fld>
             <a:endParaRPr lang="en-US"/>
           </a:p>

--- a/slides/Trees-SegmentTrees.pptx
+++ b/slides/Trees-SegmentTrees.pptx
@@ -239,7 +239,7 @@
           <a:p>
             <a:fld id="{C5B45307-6ED4-B142-BD64-10F739779302}" type="datetimeFigureOut">
               <a:rPr lang="en-US" smtClean="0"/>
-              <a:t>2/10/25</a:t>
+              <a:t>3/3/25</a:t>
             </a:fld>
             <a:endParaRPr lang="en-US"/>
           </a:p>
@@ -899,7 +899,7 @@
           <a:noFill/>
           <a:extLst>
             <a:ext uri="{909E8E84-426E-40dd-AFC4-6F175D3DCCD1}">
-              <a14:hiddenFill xmlns:a14="http://schemas.microsoft.com/office/drawing/2010/main" xmlns="">
+              <a14:hiddenFill xmlns="" xmlns:a14="http://schemas.microsoft.com/office/drawing/2010/main">
                 <a:solidFill>
                   <a:srgbClr val="FFFFFF"/>
                 </a:solidFill>
@@ -958,7 +958,7 @@
             </a:ln>
             <a:extLst>
               <a:ext uri="{91240B29-F687-4f45-9708-019B960494DF}">
-                <a14:hiddenLine xmlns:a14="http://schemas.microsoft.com/office/drawing/2010/main" xmlns="" w="9525">
+                <a14:hiddenLine xmlns="" xmlns:a14="http://schemas.microsoft.com/office/drawing/2010/main" w="9525">
                   <a:solidFill>
                     <a:srgbClr val="000000"/>
                   </a:solidFill>
@@ -1048,7 +1048,7 @@
             </a:ln>
             <a:extLst>
               <a:ext uri="{91240B29-F687-4f45-9708-019B960494DF}">
-                <a14:hiddenLine xmlns:a14="http://schemas.microsoft.com/office/drawing/2010/main" xmlns="" w="9525">
+                <a14:hiddenLine xmlns="" xmlns:a14="http://schemas.microsoft.com/office/drawing/2010/main" w="9525">
                   <a:solidFill>
                     <a:srgbClr val="000000"/>
                   </a:solidFill>
@@ -1138,7 +1138,7 @@
             </a:ln>
             <a:extLst>
               <a:ext uri="{91240B29-F687-4f45-9708-019B960494DF}">
-                <a14:hiddenLine xmlns:a14="http://schemas.microsoft.com/office/drawing/2010/main" xmlns="" w="9525">
+                <a14:hiddenLine xmlns="" xmlns:a14="http://schemas.microsoft.com/office/drawing/2010/main" w="9525">
                   <a:solidFill>
                     <a:srgbClr val="000000"/>
                   </a:solidFill>
@@ -1172,7 +1172,7 @@
             </a:ln>
             <a:extLst>
               <a:ext uri="{91240B29-F687-4f45-9708-019B960494DF}">
-                <a14:hiddenLine xmlns:a14="http://schemas.microsoft.com/office/drawing/2010/main" xmlns="" w="9525">
+                <a14:hiddenLine xmlns="" xmlns:a14="http://schemas.microsoft.com/office/drawing/2010/main" w="9525">
                   <a:solidFill>
                     <a:srgbClr val="000000"/>
                   </a:solidFill>
@@ -1262,7 +1262,7 @@
             </a:ln>
             <a:extLst>
               <a:ext uri="{91240B29-F687-4f45-9708-019B960494DF}">
-                <a14:hiddenLine xmlns:a14="http://schemas.microsoft.com/office/drawing/2010/main" xmlns="" w="9525">
+                <a14:hiddenLine xmlns="" xmlns:a14="http://schemas.microsoft.com/office/drawing/2010/main" w="9525">
                   <a:solidFill>
                     <a:srgbClr val="000000"/>
                   </a:solidFill>
@@ -1324,7 +1324,7 @@
             </a:ln>
             <a:extLst>
               <a:ext uri="{91240B29-F687-4f45-9708-019B960494DF}">
-                <a14:hiddenLine xmlns:a14="http://schemas.microsoft.com/office/drawing/2010/main" xmlns="" w="9525">
+                <a14:hiddenLine xmlns="" xmlns:a14="http://schemas.microsoft.com/office/drawing/2010/main" w="9525">
                   <a:solidFill>
                     <a:srgbClr val="000000"/>
                   </a:solidFill>
@@ -1386,7 +1386,7 @@
             </a:ln>
             <a:extLst>
               <a:ext uri="{91240B29-F687-4f45-9708-019B960494DF}">
-                <a14:hiddenLine xmlns:a14="http://schemas.microsoft.com/office/drawing/2010/main" xmlns="" w="9525">
+                <a14:hiddenLine xmlns="" xmlns:a14="http://schemas.microsoft.com/office/drawing/2010/main" w="9525">
                   <a:solidFill>
                     <a:srgbClr val="000000"/>
                   </a:solidFill>
@@ -1476,7 +1476,7 @@
             </a:ln>
             <a:extLst>
               <a:ext uri="{91240B29-F687-4f45-9708-019B960494DF}">
-                <a14:hiddenLine xmlns:a14="http://schemas.microsoft.com/office/drawing/2010/main" xmlns="" w="9525">
+                <a14:hiddenLine xmlns="" xmlns:a14="http://schemas.microsoft.com/office/drawing/2010/main" w="9525">
                   <a:solidFill>
                     <a:srgbClr val="000000"/>
                   </a:solidFill>
@@ -1538,7 +1538,7 @@
             </a:ln>
             <a:extLst>
               <a:ext uri="{91240B29-F687-4f45-9708-019B960494DF}">
-                <a14:hiddenLine xmlns:a14="http://schemas.microsoft.com/office/drawing/2010/main" xmlns="" w="9525">
+                <a14:hiddenLine xmlns="" xmlns:a14="http://schemas.microsoft.com/office/drawing/2010/main" w="9525">
                   <a:solidFill>
                     <a:srgbClr val="000000"/>
                   </a:solidFill>
@@ -1600,7 +1600,7 @@
             </a:ln>
             <a:extLst>
               <a:ext uri="{91240B29-F687-4f45-9708-019B960494DF}">
-                <a14:hiddenLine xmlns:a14="http://schemas.microsoft.com/office/drawing/2010/main" xmlns="" w="9525">
+                <a14:hiddenLine xmlns="" xmlns:a14="http://schemas.microsoft.com/office/drawing/2010/main" w="9525">
                   <a:solidFill>
                     <a:srgbClr val="000000"/>
                   </a:solidFill>
@@ -1690,7 +1690,7 @@
             </a:ln>
             <a:extLst>
               <a:ext uri="{91240B29-F687-4f45-9708-019B960494DF}">
-                <a14:hiddenLine xmlns:a14="http://schemas.microsoft.com/office/drawing/2010/main" xmlns="" w="9525">
+                <a14:hiddenLine xmlns="" xmlns:a14="http://schemas.microsoft.com/office/drawing/2010/main" w="9525">
                   <a:solidFill>
                     <a:srgbClr val="000000"/>
                   </a:solidFill>
@@ -1780,7 +1780,7 @@
             </a:ln>
             <a:extLst>
               <a:ext uri="{91240B29-F687-4f45-9708-019B960494DF}">
-                <a14:hiddenLine xmlns:a14="http://schemas.microsoft.com/office/drawing/2010/main" xmlns="" w="9525">
+                <a14:hiddenLine xmlns="" xmlns:a14="http://schemas.microsoft.com/office/drawing/2010/main" w="9525">
                   <a:solidFill>
                     <a:srgbClr val="000000"/>
                   </a:solidFill>
@@ -1842,7 +1842,7 @@
             </a:ln>
             <a:extLst>
               <a:ext uri="{91240B29-F687-4f45-9708-019B960494DF}">
-                <a14:hiddenLine xmlns:a14="http://schemas.microsoft.com/office/drawing/2010/main" xmlns="" w="9525">
+                <a14:hiddenLine xmlns="" xmlns:a14="http://schemas.microsoft.com/office/drawing/2010/main" w="9525">
                   <a:solidFill>
                     <a:srgbClr val="000000"/>
                   </a:solidFill>
@@ -1952,7 +1952,7 @@
             </a:ln>
             <a:extLst>
               <a:ext uri="{91240B29-F687-4f45-9708-019B960494DF}">
-                <a14:hiddenLine xmlns:a14="http://schemas.microsoft.com/office/drawing/2010/main" xmlns="" w="9525">
+                <a14:hiddenLine xmlns="" xmlns:a14="http://schemas.microsoft.com/office/drawing/2010/main" w="9525">
                   <a:solidFill>
                     <a:srgbClr val="000000"/>
                   </a:solidFill>
@@ -2014,7 +2014,7 @@
             </a:ln>
             <a:extLst>
               <a:ext uri="{91240B29-F687-4f45-9708-019B960494DF}">
-                <a14:hiddenLine xmlns:a14="http://schemas.microsoft.com/office/drawing/2010/main" xmlns="" w="9525">
+                <a14:hiddenLine xmlns="" xmlns:a14="http://schemas.microsoft.com/office/drawing/2010/main" w="9525">
                   <a:solidFill>
                     <a:srgbClr val="000000"/>
                   </a:solidFill>
@@ -2104,7 +2104,7 @@
             </a:ln>
             <a:extLst>
               <a:ext uri="{91240B29-F687-4f45-9708-019B960494DF}">
-                <a14:hiddenLine xmlns:a14="http://schemas.microsoft.com/office/drawing/2010/main" xmlns="" w="9525">
+                <a14:hiddenLine xmlns="" xmlns:a14="http://schemas.microsoft.com/office/drawing/2010/main" w="9525">
                   <a:solidFill>
                     <a:srgbClr val="000000"/>
                   </a:solidFill>
@@ -2194,7 +2194,7 @@
             </a:ln>
             <a:extLst>
               <a:ext uri="{91240B29-F687-4f45-9708-019B960494DF}">
-                <a14:hiddenLine xmlns:a14="http://schemas.microsoft.com/office/drawing/2010/main" xmlns="" w="9525">
+                <a14:hiddenLine xmlns="" xmlns:a14="http://schemas.microsoft.com/office/drawing/2010/main" w="9525">
                   <a:solidFill>
                     <a:srgbClr val="000000"/>
                   </a:solidFill>
@@ -2256,7 +2256,7 @@
             </a:ln>
             <a:extLst>
               <a:ext uri="{91240B29-F687-4f45-9708-019B960494DF}">
-                <a14:hiddenLine xmlns:a14="http://schemas.microsoft.com/office/drawing/2010/main" xmlns="" w="9525">
+                <a14:hiddenLine xmlns="" xmlns:a14="http://schemas.microsoft.com/office/drawing/2010/main" w="9525">
                   <a:solidFill>
                     <a:srgbClr val="000000"/>
                   </a:solidFill>
@@ -2346,7 +2346,7 @@
             </a:ln>
             <a:extLst>
               <a:ext uri="{91240B29-F687-4f45-9708-019B960494DF}">
-                <a14:hiddenLine xmlns:a14="http://schemas.microsoft.com/office/drawing/2010/main" xmlns="" w="9525">
+                <a14:hiddenLine xmlns="" xmlns:a14="http://schemas.microsoft.com/office/drawing/2010/main" w="9525">
                   <a:solidFill>
                     <a:srgbClr val="000000"/>
                   </a:solidFill>
@@ -2436,7 +2436,7 @@
             </a:ln>
             <a:extLst>
               <a:ext uri="{91240B29-F687-4f45-9708-019B960494DF}">
-                <a14:hiddenLine xmlns:a14="http://schemas.microsoft.com/office/drawing/2010/main" xmlns="" w="9525">
+                <a14:hiddenLine xmlns="" xmlns:a14="http://schemas.microsoft.com/office/drawing/2010/main" w="9525">
                   <a:solidFill>
                     <a:srgbClr val="000000"/>
                   </a:solidFill>
@@ -2492,7 +2492,7 @@
             </a:ln>
             <a:extLst>
               <a:ext uri="{91240B29-F687-4f45-9708-019B960494DF}">
-                <a14:hiddenLine xmlns:a14="http://schemas.microsoft.com/office/drawing/2010/main" xmlns="" w="9525">
+                <a14:hiddenLine xmlns="" xmlns:a14="http://schemas.microsoft.com/office/drawing/2010/main" w="9525">
                   <a:solidFill>
                     <a:srgbClr val="000000"/>
                   </a:solidFill>
@@ -2582,7 +2582,7 @@
             </a:ln>
             <a:extLst>
               <a:ext uri="{91240B29-F687-4f45-9708-019B960494DF}">
-                <a14:hiddenLine xmlns:a14="http://schemas.microsoft.com/office/drawing/2010/main" xmlns="" w="9525">
+                <a14:hiddenLine xmlns="" xmlns:a14="http://schemas.microsoft.com/office/drawing/2010/main" w="9525">
                   <a:solidFill>
                     <a:srgbClr val="000000"/>
                   </a:solidFill>
@@ -2638,7 +2638,7 @@
             </a:ln>
             <a:extLst>
               <a:ext uri="{91240B29-F687-4f45-9708-019B960494DF}">
-                <a14:hiddenLine xmlns:a14="http://schemas.microsoft.com/office/drawing/2010/main" xmlns="" w="9525">
+                <a14:hiddenLine xmlns="" xmlns:a14="http://schemas.microsoft.com/office/drawing/2010/main" w="9525">
                   <a:solidFill>
                     <a:srgbClr val="000000"/>
                   </a:solidFill>
@@ -2728,7 +2728,7 @@
             </a:ln>
             <a:extLst>
               <a:ext uri="{91240B29-F687-4f45-9708-019B960494DF}">
-                <a14:hiddenLine xmlns:a14="http://schemas.microsoft.com/office/drawing/2010/main" xmlns="" w="9525">
+                <a14:hiddenLine xmlns="" xmlns:a14="http://schemas.microsoft.com/office/drawing/2010/main" w="9525">
                   <a:solidFill>
                     <a:srgbClr val="000000"/>
                   </a:solidFill>
@@ -2796,7 +2796,7 @@
             </a:ln>
             <a:extLst>
               <a:ext uri="{91240B29-F687-4f45-9708-019B960494DF}">
-                <a14:hiddenLine xmlns:a14="http://schemas.microsoft.com/office/drawing/2010/main" xmlns="" w="9525">
+                <a14:hiddenLine xmlns="" xmlns:a14="http://schemas.microsoft.com/office/drawing/2010/main" w="9525">
                   <a:solidFill>
                     <a:srgbClr val="000000"/>
                   </a:solidFill>
@@ -2886,7 +2886,7 @@
             </a:ln>
             <a:extLst>
               <a:ext uri="{91240B29-F687-4f45-9708-019B960494DF}">
-                <a14:hiddenLine xmlns:a14="http://schemas.microsoft.com/office/drawing/2010/main" xmlns="" w="9525">
+                <a14:hiddenLine xmlns="" xmlns:a14="http://schemas.microsoft.com/office/drawing/2010/main" w="9525">
                   <a:solidFill>
                     <a:srgbClr val="000000"/>
                   </a:solidFill>
@@ -2954,7 +2954,7 @@
             </a:ln>
             <a:extLst>
               <a:ext uri="{91240B29-F687-4f45-9708-019B960494DF}">
-                <a14:hiddenLine xmlns:a14="http://schemas.microsoft.com/office/drawing/2010/main" xmlns="" w="9525">
+                <a14:hiddenLine xmlns="" xmlns:a14="http://schemas.microsoft.com/office/drawing/2010/main" w="9525">
                   <a:solidFill>
                     <a:srgbClr val="000000"/>
                   </a:solidFill>
@@ -3044,7 +3044,7 @@
             </a:ln>
             <a:extLst>
               <a:ext uri="{91240B29-F687-4f45-9708-019B960494DF}">
-                <a14:hiddenLine xmlns:a14="http://schemas.microsoft.com/office/drawing/2010/main" xmlns="" w="9525">
+                <a14:hiddenLine xmlns="" xmlns:a14="http://schemas.microsoft.com/office/drawing/2010/main" w="9525">
                   <a:solidFill>
                     <a:srgbClr val="000000"/>
                   </a:solidFill>
@@ -3078,7 +3078,7 @@
             </a:ln>
             <a:extLst>
               <a:ext uri="{91240B29-F687-4f45-9708-019B960494DF}">
-                <a14:hiddenLine xmlns:a14="http://schemas.microsoft.com/office/drawing/2010/main" xmlns="" w="9525">
+                <a14:hiddenLine xmlns="" xmlns:a14="http://schemas.microsoft.com/office/drawing/2010/main" w="9525">
                   <a:solidFill>
                     <a:srgbClr val="000000"/>
                   </a:solidFill>
@@ -3168,7 +3168,7 @@
             </a:ln>
             <a:extLst>
               <a:ext uri="{91240B29-F687-4f45-9708-019B960494DF}">
-                <a14:hiddenLine xmlns:a14="http://schemas.microsoft.com/office/drawing/2010/main" xmlns="" w="9525">
+                <a14:hiddenLine xmlns="" xmlns:a14="http://schemas.microsoft.com/office/drawing/2010/main" w="9525">
                   <a:solidFill>
                     <a:srgbClr val="000000"/>
                   </a:solidFill>
@@ -3230,7 +3230,7 @@
             </a:ln>
             <a:extLst>
               <a:ext uri="{91240B29-F687-4f45-9708-019B960494DF}">
-                <a14:hiddenLine xmlns:a14="http://schemas.microsoft.com/office/drawing/2010/main" xmlns="" w="9525">
+                <a14:hiddenLine xmlns="" xmlns:a14="http://schemas.microsoft.com/office/drawing/2010/main" w="9525">
                   <a:solidFill>
                     <a:srgbClr val="000000"/>
                   </a:solidFill>
@@ -3292,7 +3292,7 @@
             </a:ln>
             <a:extLst>
               <a:ext uri="{91240B29-F687-4f45-9708-019B960494DF}">
-                <a14:hiddenLine xmlns:a14="http://schemas.microsoft.com/office/drawing/2010/main" xmlns="" w="9525">
+                <a14:hiddenLine xmlns="" xmlns:a14="http://schemas.microsoft.com/office/drawing/2010/main" w="9525">
                   <a:solidFill>
                     <a:srgbClr val="000000"/>
                   </a:solidFill>
@@ -3382,7 +3382,7 @@
             </a:ln>
             <a:extLst>
               <a:ext uri="{91240B29-F687-4f45-9708-019B960494DF}">
-                <a14:hiddenLine xmlns:a14="http://schemas.microsoft.com/office/drawing/2010/main" xmlns="" w="9525">
+                <a14:hiddenLine xmlns="" xmlns:a14="http://schemas.microsoft.com/office/drawing/2010/main" w="9525">
                   <a:solidFill>
                     <a:srgbClr val="000000"/>
                   </a:solidFill>
@@ -3450,7 +3450,7 @@
             </a:ln>
             <a:extLst>
               <a:ext uri="{91240B29-F687-4f45-9708-019B960494DF}">
-                <a14:hiddenLine xmlns:a14="http://schemas.microsoft.com/office/drawing/2010/main" xmlns="" w="9525">
+                <a14:hiddenLine xmlns="" xmlns:a14="http://schemas.microsoft.com/office/drawing/2010/main" w="9525">
                   <a:solidFill>
                     <a:srgbClr val="000000"/>
                   </a:solidFill>
@@ -3512,7 +3512,7 @@
             </a:ln>
             <a:extLst>
               <a:ext uri="{91240B29-F687-4f45-9708-019B960494DF}">
-                <a14:hiddenLine xmlns:a14="http://schemas.microsoft.com/office/drawing/2010/main" xmlns="" w="9525">
+                <a14:hiddenLine xmlns="" xmlns:a14="http://schemas.microsoft.com/office/drawing/2010/main" w="9525">
                   <a:solidFill>
                     <a:srgbClr val="000000"/>
                   </a:solidFill>
@@ -3602,7 +3602,7 @@
             </a:ln>
             <a:extLst>
               <a:ext uri="{91240B29-F687-4f45-9708-019B960494DF}">
-                <a14:hiddenLine xmlns:a14="http://schemas.microsoft.com/office/drawing/2010/main" xmlns="" w="9525">
+                <a14:hiddenLine xmlns="" xmlns:a14="http://schemas.microsoft.com/office/drawing/2010/main" w="9525">
                   <a:solidFill>
                     <a:srgbClr val="000000"/>
                   </a:solidFill>
@@ -3664,7 +3664,7 @@
             </a:ln>
             <a:extLst>
               <a:ext uri="{91240B29-F687-4f45-9708-019B960494DF}">
-                <a14:hiddenLine xmlns:a14="http://schemas.microsoft.com/office/drawing/2010/main" xmlns="" w="9525">
+                <a14:hiddenLine xmlns="" xmlns:a14="http://schemas.microsoft.com/office/drawing/2010/main" w="9525">
                   <a:solidFill>
                     <a:srgbClr val="000000"/>
                   </a:solidFill>
@@ -3754,7 +3754,7 @@
             </a:ln>
             <a:extLst>
               <a:ext uri="{91240B29-F687-4f45-9708-019B960494DF}">
-                <a14:hiddenLine xmlns:a14="http://schemas.microsoft.com/office/drawing/2010/main" xmlns="" w="9525">
+                <a14:hiddenLine xmlns="" xmlns:a14="http://schemas.microsoft.com/office/drawing/2010/main" w="9525">
                   <a:solidFill>
                     <a:srgbClr val="000000"/>
                   </a:solidFill>
@@ -3816,7 +3816,7 @@
             </a:ln>
             <a:extLst>
               <a:ext uri="{91240B29-F687-4f45-9708-019B960494DF}">
-                <a14:hiddenLine xmlns:a14="http://schemas.microsoft.com/office/drawing/2010/main" xmlns="" w="9525">
+                <a14:hiddenLine xmlns="" xmlns:a14="http://schemas.microsoft.com/office/drawing/2010/main" w="9525">
                   <a:solidFill>
                     <a:srgbClr val="000000"/>
                   </a:solidFill>
@@ -3906,7 +3906,7 @@
             </a:ln>
             <a:extLst>
               <a:ext uri="{91240B29-F687-4f45-9708-019B960494DF}">
-                <a14:hiddenLine xmlns:a14="http://schemas.microsoft.com/office/drawing/2010/main" xmlns="" w="9525">
+                <a14:hiddenLine xmlns="" xmlns:a14="http://schemas.microsoft.com/office/drawing/2010/main" w="9525">
                   <a:solidFill>
                     <a:srgbClr val="000000"/>
                   </a:solidFill>
@@ -3940,7 +3940,7 @@
             </a:ln>
             <a:extLst>
               <a:ext uri="{91240B29-F687-4f45-9708-019B960494DF}">
-                <a14:hiddenLine xmlns:a14="http://schemas.microsoft.com/office/drawing/2010/main" xmlns="" w="9525">
+                <a14:hiddenLine xmlns="" xmlns:a14="http://schemas.microsoft.com/office/drawing/2010/main" w="9525">
                   <a:solidFill>
                     <a:srgbClr val="000000"/>
                   </a:solidFill>
@@ -4005,7 +4005,7 @@
             </a:ln>
             <a:extLst>
               <a:ext uri="{91240B29-F687-4f45-9708-019B960494DF}">
-                <a14:hiddenLine xmlns:a14="http://schemas.microsoft.com/office/drawing/2010/main" xmlns="" w="9525">
+                <a14:hiddenLine xmlns="" xmlns:a14="http://schemas.microsoft.com/office/drawing/2010/main" w="9525">
                   <a:solidFill>
                     <a:srgbClr val="000000"/>
                   </a:solidFill>
@@ -4095,7 +4095,7 @@
             </a:ln>
             <a:extLst>
               <a:ext uri="{91240B29-F687-4f45-9708-019B960494DF}">
-                <a14:hiddenLine xmlns:a14="http://schemas.microsoft.com/office/drawing/2010/main" xmlns="" w="9525">
+                <a14:hiddenLine xmlns="" xmlns:a14="http://schemas.microsoft.com/office/drawing/2010/main" w="9525">
                   <a:solidFill>
                     <a:srgbClr val="000000"/>
                   </a:solidFill>
@@ -4157,7 +4157,7 @@
             </a:ln>
             <a:extLst>
               <a:ext uri="{91240B29-F687-4f45-9708-019B960494DF}">
-                <a14:hiddenLine xmlns:a14="http://schemas.microsoft.com/office/drawing/2010/main" xmlns="" w="9525">
+                <a14:hiddenLine xmlns="" xmlns:a14="http://schemas.microsoft.com/office/drawing/2010/main" w="9525">
                   <a:solidFill>
                     <a:srgbClr val="000000"/>
                   </a:solidFill>
@@ -4247,7 +4247,7 @@
             </a:ln>
             <a:extLst>
               <a:ext uri="{91240B29-F687-4f45-9708-019B960494DF}">
-                <a14:hiddenLine xmlns:a14="http://schemas.microsoft.com/office/drawing/2010/main" xmlns="" w="9525">
+                <a14:hiddenLine xmlns="" xmlns:a14="http://schemas.microsoft.com/office/drawing/2010/main" w="9525">
                   <a:solidFill>
                     <a:srgbClr val="000000"/>
                   </a:solidFill>
@@ -4337,7 +4337,7 @@
             </a:ln>
             <a:extLst>
               <a:ext uri="{91240B29-F687-4f45-9708-019B960494DF}">
-                <a14:hiddenLine xmlns:a14="http://schemas.microsoft.com/office/drawing/2010/main" xmlns="" w="9525">
+                <a14:hiddenLine xmlns="" xmlns:a14="http://schemas.microsoft.com/office/drawing/2010/main" w="9525">
                   <a:solidFill>
                     <a:srgbClr val="000000"/>
                   </a:solidFill>
@@ -4402,7 +4402,7 @@
             </a:ln>
             <a:extLst>
               <a:ext uri="{91240B29-F687-4f45-9708-019B960494DF}">
-                <a14:hiddenLine xmlns:a14="http://schemas.microsoft.com/office/drawing/2010/main" xmlns="" w="9525">
+                <a14:hiddenLine xmlns="" xmlns:a14="http://schemas.microsoft.com/office/drawing/2010/main" w="9525">
                   <a:solidFill>
                     <a:srgbClr val="000000"/>
                   </a:solidFill>
@@ -4464,7 +4464,7 @@
             </a:ln>
             <a:extLst>
               <a:ext uri="{91240B29-F687-4f45-9708-019B960494DF}">
-                <a14:hiddenLine xmlns:a14="http://schemas.microsoft.com/office/drawing/2010/main" xmlns="" w="9525">
+                <a14:hiddenLine xmlns="" xmlns:a14="http://schemas.microsoft.com/office/drawing/2010/main" w="9525">
                   <a:solidFill>
                     <a:srgbClr val="000000"/>
                   </a:solidFill>
@@ -4554,7 +4554,7 @@
             </a:ln>
             <a:extLst>
               <a:ext uri="{91240B29-F687-4f45-9708-019B960494DF}">
-                <a14:hiddenLine xmlns:a14="http://schemas.microsoft.com/office/drawing/2010/main" xmlns="" w="9525">
+                <a14:hiddenLine xmlns="" xmlns:a14="http://schemas.microsoft.com/office/drawing/2010/main" w="9525">
                   <a:solidFill>
                     <a:srgbClr val="000000"/>
                   </a:solidFill>
@@ -4644,7 +4644,7 @@
             </a:ln>
             <a:extLst>
               <a:ext uri="{91240B29-F687-4f45-9708-019B960494DF}">
-                <a14:hiddenLine xmlns:a14="http://schemas.microsoft.com/office/drawing/2010/main" xmlns="" w="9525">
+                <a14:hiddenLine xmlns="" xmlns:a14="http://schemas.microsoft.com/office/drawing/2010/main" w="9525">
                   <a:solidFill>
                     <a:srgbClr val="000000"/>
                   </a:solidFill>
@@ -4706,7 +4706,7 @@
             </a:ln>
             <a:extLst>
               <a:ext uri="{91240B29-F687-4f45-9708-019B960494DF}">
-                <a14:hiddenLine xmlns:a14="http://schemas.microsoft.com/office/drawing/2010/main" xmlns="" w="9525">
+                <a14:hiddenLine xmlns="" xmlns:a14="http://schemas.microsoft.com/office/drawing/2010/main" w="9525">
                   <a:solidFill>
                     <a:srgbClr val="000000"/>
                   </a:solidFill>
@@ -4826,7 +4826,7 @@
             </a:ln>
             <a:extLst>
               <a:ext uri="{91240B29-F687-4f45-9708-019B960494DF}">
-                <a14:hiddenLine xmlns:a14="http://schemas.microsoft.com/office/drawing/2010/main" xmlns="" w="9525">
+                <a14:hiddenLine xmlns="" xmlns:a14="http://schemas.microsoft.com/office/drawing/2010/main" w="9525">
                   <a:solidFill>
                     <a:srgbClr val="000000"/>
                   </a:solidFill>
@@ -4894,7 +4894,7 @@
             </a:ln>
             <a:extLst>
               <a:ext uri="{91240B29-F687-4f45-9708-019B960494DF}">
-                <a14:hiddenLine xmlns:a14="http://schemas.microsoft.com/office/drawing/2010/main" xmlns="" w="9525">
+                <a14:hiddenLine xmlns="" xmlns:a14="http://schemas.microsoft.com/office/drawing/2010/main" w="9525">
                   <a:solidFill>
                     <a:srgbClr val="000000"/>
                   </a:solidFill>
@@ -4984,7 +4984,7 @@
             </a:ln>
             <a:extLst>
               <a:ext uri="{91240B29-F687-4f45-9708-019B960494DF}">
-                <a14:hiddenLine xmlns:a14="http://schemas.microsoft.com/office/drawing/2010/main" xmlns="" w="9525">
+                <a14:hiddenLine xmlns="" xmlns:a14="http://schemas.microsoft.com/office/drawing/2010/main" w="9525">
                   <a:solidFill>
                     <a:srgbClr val="000000"/>
                   </a:solidFill>
@@ -5124,7 +5124,7 @@
           <a:p>
             <a:fld id="{EC4347D3-4C9A-C240-8F14-750059DFEEB0}" type="datetimeFigureOut">
               <a:rPr lang="en-US" smtClean="0"/>
-              <a:t>2/10/25</a:t>
+              <a:t>3/3/25</a:t>
             </a:fld>
             <a:endParaRPr lang="en-US"/>
           </a:p>
@@ -5391,7 +5391,7 @@
           <a:p>
             <a:fld id="{EC4347D3-4C9A-C240-8F14-750059DFEEB0}" type="datetimeFigureOut">
               <a:rPr lang="en-US" smtClean="0"/>
-              <a:t>2/10/25</a:t>
+              <a:t>3/3/25</a:t>
             </a:fld>
             <a:endParaRPr lang="en-US"/>
           </a:p>
@@ -5587,7 +5587,7 @@
           <a:p>
             <a:fld id="{EC4347D3-4C9A-C240-8F14-750059DFEEB0}" type="datetimeFigureOut">
               <a:rPr lang="en-US" smtClean="0"/>
-              <a:t>2/10/25</a:t>
+              <a:t>3/3/25</a:t>
             </a:fld>
             <a:endParaRPr lang="en-US"/>
           </a:p>
@@ -5850,7 +5850,7 @@
           <a:p>
             <a:fld id="{EC4347D3-4C9A-C240-8F14-750059DFEEB0}" type="datetimeFigureOut">
               <a:rPr lang="en-US" smtClean="0"/>
-              <a:t>2/10/25</a:t>
+              <a:t>3/3/25</a:t>
             </a:fld>
             <a:endParaRPr lang="en-US"/>
           </a:p>
@@ -6284,7 +6284,7 @@
           <a:p>
             <a:fld id="{EC4347D3-4C9A-C240-8F14-750059DFEEB0}" type="datetimeFigureOut">
               <a:rPr lang="en-US" smtClean="0"/>
-              <a:t>2/10/25</a:t>
+              <a:t>3/3/25</a:t>
             </a:fld>
             <a:endParaRPr lang="en-US"/>
           </a:p>
@@ -6830,7 +6830,7 @@
           <a:p>
             <a:fld id="{EC4347D3-4C9A-C240-8F14-750059DFEEB0}" type="datetimeFigureOut">
               <a:rPr lang="en-US" smtClean="0"/>
-              <a:t>2/10/25</a:t>
+              <a:t>3/3/25</a:t>
             </a:fld>
             <a:endParaRPr lang="en-US"/>
           </a:p>
@@ -7550,7 +7550,7 @@
           <a:p>
             <a:fld id="{EC4347D3-4C9A-C240-8F14-750059DFEEB0}" type="datetimeFigureOut">
               <a:rPr lang="en-US" smtClean="0"/>
-              <a:t>2/10/25</a:t>
+              <a:t>3/3/25</a:t>
             </a:fld>
             <a:endParaRPr lang="en-US"/>
           </a:p>
@@ -7720,7 +7720,7 @@
           <a:p>
             <a:fld id="{EC4347D3-4C9A-C240-8F14-750059DFEEB0}" type="datetimeFigureOut">
               <a:rPr lang="en-US" smtClean="0"/>
-              <a:t>2/10/25</a:t>
+              <a:t>3/3/25</a:t>
             </a:fld>
             <a:endParaRPr lang="en-US"/>
           </a:p>
@@ -7900,7 +7900,7 @@
           <a:p>
             <a:fld id="{EC4347D3-4C9A-C240-8F14-750059DFEEB0}" type="datetimeFigureOut">
               <a:rPr lang="en-US" smtClean="0"/>
-              <a:t>2/10/25</a:t>
+              <a:t>3/3/25</a:t>
             </a:fld>
             <a:endParaRPr lang="en-US"/>
           </a:p>
@@ -8070,7 +8070,7 @@
           <a:p>
             <a:fld id="{EC4347D3-4C9A-C240-8F14-750059DFEEB0}" type="datetimeFigureOut">
               <a:rPr lang="en-US" smtClean="0"/>
-              <a:t>2/10/25</a:t>
+              <a:t>3/3/25</a:t>
             </a:fld>
             <a:endParaRPr lang="en-US"/>
           </a:p>
@@ -8320,7 +8320,7 @@
           <a:p>
             <a:fld id="{EC4347D3-4C9A-C240-8F14-750059DFEEB0}" type="datetimeFigureOut">
               <a:rPr lang="en-US" smtClean="0"/>
-              <a:t>2/10/25</a:t>
+              <a:t>3/3/25</a:t>
             </a:fld>
             <a:endParaRPr lang="en-US"/>
           </a:p>
@@ -8552,7 +8552,7 @@
           <a:p>
             <a:fld id="{EC4347D3-4C9A-C240-8F14-750059DFEEB0}" type="datetimeFigureOut">
               <a:rPr lang="en-US" smtClean="0"/>
-              <a:t>2/10/25</a:t>
+              <a:t>3/3/25</a:t>
             </a:fld>
             <a:endParaRPr lang="en-US"/>
           </a:p>
@@ -8938,7 +8938,7 @@
           <a:p>
             <a:fld id="{EC4347D3-4C9A-C240-8F14-750059DFEEB0}" type="datetimeFigureOut">
               <a:rPr lang="en-US" smtClean="0"/>
-              <a:t>2/10/25</a:t>
+              <a:t>3/3/25</a:t>
             </a:fld>
             <a:endParaRPr lang="en-US"/>
           </a:p>
@@ -9061,7 +9061,7 @@
           <a:p>
             <a:fld id="{EC4347D3-4C9A-C240-8F14-750059DFEEB0}" type="datetimeFigureOut">
               <a:rPr lang="en-US" smtClean="0"/>
-              <a:t>2/10/25</a:t>
+              <a:t>3/3/25</a:t>
             </a:fld>
             <a:endParaRPr lang="en-US"/>
           </a:p>
@@ -9156,7 +9156,7 @@
           <a:p>
             <a:fld id="{EC4347D3-4C9A-C240-8F14-750059DFEEB0}" type="datetimeFigureOut">
               <a:rPr lang="en-US" smtClean="0"/>
-              <a:t>2/10/25</a:t>
+              <a:t>3/3/25</a:t>
             </a:fld>
             <a:endParaRPr lang="en-US"/>
           </a:p>
@@ -9405,7 +9405,7 @@
           <a:p>
             <a:fld id="{EC4347D3-4C9A-C240-8F14-750059DFEEB0}" type="datetimeFigureOut">
               <a:rPr lang="en-US" smtClean="0"/>
-              <a:t>2/10/25</a:t>
+              <a:t>3/3/25</a:t>
             </a:fld>
             <a:endParaRPr lang="en-US"/>
           </a:p>
@@ -9690,7 +9690,7 @@
           <a:p>
             <a:fld id="{EC4347D3-4C9A-C240-8F14-750059DFEEB0}" type="datetimeFigureOut">
               <a:rPr lang="en-US" smtClean="0"/>
-              <a:t>2/10/25</a:t>
+              <a:t>3/3/25</a:t>
             </a:fld>
             <a:endParaRPr lang="en-US"/>
           </a:p>
@@ -9813,7 +9813,7 @@
           <a:noFill/>
           <a:extLst>
             <a:ext uri="{909E8E84-426E-40dd-AFC4-6F175D3DCCD1}">
-              <a14:hiddenFill xmlns:a14="http://schemas.microsoft.com/office/drawing/2010/main" xmlns="">
+              <a14:hiddenFill xmlns="" xmlns:a14="http://schemas.microsoft.com/office/drawing/2010/main">
                 <a:solidFill>
                   <a:srgbClr val="FFFFFF"/>
                 </a:solidFill>
@@ -9887,7 +9887,7 @@
               </a:ln>
               <a:extLst>
                 <a:ext uri="{91240B29-F687-4f45-9708-019B960494DF}">
-                  <a14:hiddenLine xmlns:a14="http://schemas.microsoft.com/office/drawing/2010/main" xmlns="" w="9525">
+                  <a14:hiddenLine xmlns="" xmlns:a14="http://schemas.microsoft.com/office/drawing/2010/main" w="9525">
                     <a:solidFill>
                       <a:srgbClr val="000000"/>
                     </a:solidFill>
@@ -9977,7 +9977,7 @@
               </a:ln>
               <a:extLst>
                 <a:ext uri="{91240B29-F687-4f45-9708-019B960494DF}">
-                  <a14:hiddenLine xmlns:a14="http://schemas.microsoft.com/office/drawing/2010/main" xmlns="" w="9525">
+                  <a14:hiddenLine xmlns="" xmlns:a14="http://schemas.microsoft.com/office/drawing/2010/main" w="9525">
                     <a:solidFill>
                       <a:srgbClr val="000000"/>
                     </a:solidFill>
@@ -10067,7 +10067,7 @@
               </a:ln>
               <a:extLst>
                 <a:ext uri="{91240B29-F687-4f45-9708-019B960494DF}">
-                  <a14:hiddenLine xmlns:a14="http://schemas.microsoft.com/office/drawing/2010/main" xmlns="" w="9525">
+                  <a14:hiddenLine xmlns="" xmlns:a14="http://schemas.microsoft.com/office/drawing/2010/main" w="9525">
                     <a:solidFill>
                       <a:srgbClr val="000000"/>
                     </a:solidFill>
@@ -10129,7 +10129,7 @@
               </a:ln>
               <a:extLst>
                 <a:ext uri="{91240B29-F687-4f45-9708-019B960494DF}">
-                  <a14:hiddenLine xmlns:a14="http://schemas.microsoft.com/office/drawing/2010/main" xmlns="" w="9525">
+                  <a14:hiddenLine xmlns="" xmlns:a14="http://schemas.microsoft.com/office/drawing/2010/main" w="9525">
                     <a:solidFill>
                       <a:srgbClr val="000000"/>
                     </a:solidFill>
@@ -10219,7 +10219,7 @@
               </a:ln>
               <a:extLst>
                 <a:ext uri="{91240B29-F687-4f45-9708-019B960494DF}">
-                  <a14:hiddenLine xmlns:a14="http://schemas.microsoft.com/office/drawing/2010/main" xmlns="" w="9525">
+                  <a14:hiddenLine xmlns="" xmlns:a14="http://schemas.microsoft.com/office/drawing/2010/main" w="9525">
                     <a:solidFill>
                       <a:srgbClr val="000000"/>
                     </a:solidFill>
@@ -10281,7 +10281,7 @@
               </a:ln>
               <a:extLst>
                 <a:ext uri="{91240B29-F687-4f45-9708-019B960494DF}">
-                  <a14:hiddenLine xmlns:a14="http://schemas.microsoft.com/office/drawing/2010/main" xmlns="" w="9525">
+                  <a14:hiddenLine xmlns="" xmlns:a14="http://schemas.microsoft.com/office/drawing/2010/main" w="9525">
                     <a:solidFill>
                       <a:srgbClr val="000000"/>
                     </a:solidFill>
@@ -10343,7 +10343,7 @@
               </a:ln>
               <a:extLst>
                 <a:ext uri="{91240B29-F687-4f45-9708-019B960494DF}">
-                  <a14:hiddenLine xmlns:a14="http://schemas.microsoft.com/office/drawing/2010/main" xmlns="" w="9525">
+                  <a14:hiddenLine xmlns="" xmlns:a14="http://schemas.microsoft.com/office/drawing/2010/main" w="9525">
                     <a:solidFill>
                       <a:srgbClr val="000000"/>
                     </a:solidFill>
@@ -10433,7 +10433,7 @@
               </a:ln>
               <a:extLst>
                 <a:ext uri="{91240B29-F687-4f45-9708-019B960494DF}">
-                  <a14:hiddenLine xmlns:a14="http://schemas.microsoft.com/office/drawing/2010/main" xmlns="" w="9525">
+                  <a14:hiddenLine xmlns="" xmlns:a14="http://schemas.microsoft.com/office/drawing/2010/main" w="9525">
                     <a:solidFill>
                       <a:srgbClr val="000000"/>
                     </a:solidFill>
@@ -10523,7 +10523,7 @@
               </a:ln>
               <a:extLst>
                 <a:ext uri="{91240B29-F687-4f45-9708-019B960494DF}">
-                  <a14:hiddenLine xmlns:a14="http://schemas.microsoft.com/office/drawing/2010/main" xmlns="" w="9525">
+                  <a14:hiddenLine xmlns="" xmlns:a14="http://schemas.microsoft.com/office/drawing/2010/main" w="9525">
                     <a:solidFill>
                       <a:srgbClr val="000000"/>
                     </a:solidFill>
@@ -10585,7 +10585,7 @@
               </a:ln>
               <a:extLst>
                 <a:ext uri="{91240B29-F687-4f45-9708-019B960494DF}">
-                  <a14:hiddenLine xmlns:a14="http://schemas.microsoft.com/office/drawing/2010/main" xmlns="" w="9525">
+                  <a14:hiddenLine xmlns="" xmlns:a14="http://schemas.microsoft.com/office/drawing/2010/main" w="9525">
                     <a:solidFill>
                       <a:srgbClr val="000000"/>
                     </a:solidFill>
@@ -10695,7 +10695,7 @@
               </a:ln>
               <a:extLst>
                 <a:ext uri="{91240B29-F687-4f45-9708-019B960494DF}">
-                  <a14:hiddenLine xmlns:a14="http://schemas.microsoft.com/office/drawing/2010/main" xmlns="" w="9525">
+                  <a14:hiddenLine xmlns="" xmlns:a14="http://schemas.microsoft.com/office/drawing/2010/main" w="9525">
                     <a:solidFill>
                       <a:srgbClr val="000000"/>
                     </a:solidFill>
@@ -10779,7 +10779,7 @@
               </a:ln>
               <a:extLst>
                 <a:ext uri="{91240B29-F687-4f45-9708-019B960494DF}">
-                  <a14:hiddenLine xmlns:a14="http://schemas.microsoft.com/office/drawing/2010/main" xmlns="" w="9525">
+                  <a14:hiddenLine xmlns="" xmlns:a14="http://schemas.microsoft.com/office/drawing/2010/main" w="9525">
                     <a:solidFill>
                       <a:srgbClr val="000000"/>
                     </a:solidFill>
@@ -10841,7 +10841,7 @@
               </a:ln>
               <a:extLst>
                 <a:ext uri="{91240B29-F687-4f45-9708-019B960494DF}">
-                  <a14:hiddenLine xmlns:a14="http://schemas.microsoft.com/office/drawing/2010/main" xmlns="" w="9525">
+                  <a14:hiddenLine xmlns="" xmlns:a14="http://schemas.microsoft.com/office/drawing/2010/main" w="9525">
                     <a:solidFill>
                       <a:srgbClr val="000000"/>
                     </a:solidFill>
@@ -10903,7 +10903,7 @@
               </a:ln>
               <a:extLst>
                 <a:ext uri="{91240B29-F687-4f45-9708-019B960494DF}">
-                  <a14:hiddenLine xmlns:a14="http://schemas.microsoft.com/office/drawing/2010/main" xmlns="" w="9525">
+                  <a14:hiddenLine xmlns="" xmlns:a14="http://schemas.microsoft.com/office/drawing/2010/main" w="9525">
                     <a:solidFill>
                       <a:srgbClr val="000000"/>
                     </a:solidFill>
@@ -10993,7 +10993,7 @@
               </a:ln>
               <a:extLst>
                 <a:ext uri="{91240B29-F687-4f45-9708-019B960494DF}">
-                  <a14:hiddenLine xmlns:a14="http://schemas.microsoft.com/office/drawing/2010/main" xmlns="" w="9525">
+                  <a14:hiddenLine xmlns="" xmlns:a14="http://schemas.microsoft.com/office/drawing/2010/main" w="9525">
                     <a:solidFill>
                       <a:srgbClr val="000000"/>
                     </a:solidFill>
@@ -11027,7 +11027,7 @@
               </a:ln>
               <a:extLst>
                 <a:ext uri="{91240B29-F687-4f45-9708-019B960494DF}">
-                  <a14:hiddenLine xmlns:a14="http://schemas.microsoft.com/office/drawing/2010/main" xmlns="" w="9525">
+                  <a14:hiddenLine xmlns="" xmlns:a14="http://schemas.microsoft.com/office/drawing/2010/main" w="9525">
                     <a:solidFill>
                       <a:srgbClr val="000000"/>
                     </a:solidFill>
@@ -11092,7 +11092,7 @@
               </a:ln>
               <a:extLst>
                 <a:ext uri="{91240B29-F687-4f45-9708-019B960494DF}">
-                  <a14:hiddenLine xmlns:a14="http://schemas.microsoft.com/office/drawing/2010/main" xmlns="" w="9525">
+                  <a14:hiddenLine xmlns="" xmlns:a14="http://schemas.microsoft.com/office/drawing/2010/main" w="9525">
                     <a:solidFill>
                       <a:srgbClr val="000000"/>
                     </a:solidFill>
@@ -11182,7 +11182,7 @@
               </a:ln>
               <a:extLst>
                 <a:ext uri="{91240B29-F687-4f45-9708-019B960494DF}">
-                  <a14:hiddenLine xmlns:a14="http://schemas.microsoft.com/office/drawing/2010/main" xmlns="" w="9525">
+                  <a14:hiddenLine xmlns="" xmlns:a14="http://schemas.microsoft.com/office/drawing/2010/main" w="9525">
                     <a:solidFill>
                       <a:srgbClr val="000000"/>
                     </a:solidFill>
@@ -11244,7 +11244,7 @@
               </a:ln>
               <a:extLst>
                 <a:ext uri="{91240B29-F687-4f45-9708-019B960494DF}">
-                  <a14:hiddenLine xmlns:a14="http://schemas.microsoft.com/office/drawing/2010/main" xmlns="" w="9525">
+                  <a14:hiddenLine xmlns="" xmlns:a14="http://schemas.microsoft.com/office/drawing/2010/main" w="9525">
                     <a:solidFill>
                       <a:srgbClr val="000000"/>
                     </a:solidFill>
@@ -11334,7 +11334,7 @@
               </a:ln>
               <a:extLst>
                 <a:ext uri="{91240B29-F687-4f45-9708-019B960494DF}">
-                  <a14:hiddenLine xmlns:a14="http://schemas.microsoft.com/office/drawing/2010/main" xmlns="" w="9525">
+                  <a14:hiddenLine xmlns="" xmlns:a14="http://schemas.microsoft.com/office/drawing/2010/main" w="9525">
                     <a:solidFill>
                       <a:srgbClr val="000000"/>
                     </a:solidFill>
@@ -11399,7 +11399,7 @@
               </a:ln>
               <a:extLst>
                 <a:ext uri="{91240B29-F687-4f45-9708-019B960494DF}">
-                  <a14:hiddenLine xmlns:a14="http://schemas.microsoft.com/office/drawing/2010/main" xmlns="" w="9525">
+                  <a14:hiddenLine xmlns="" xmlns:a14="http://schemas.microsoft.com/office/drawing/2010/main" w="9525">
                     <a:solidFill>
                       <a:srgbClr val="000000"/>
                     </a:solidFill>
@@ -11461,7 +11461,7 @@
               </a:ln>
               <a:extLst>
                 <a:ext uri="{91240B29-F687-4f45-9708-019B960494DF}">
-                  <a14:hiddenLine xmlns:a14="http://schemas.microsoft.com/office/drawing/2010/main" xmlns="" w="9525">
+                  <a14:hiddenLine xmlns="" xmlns:a14="http://schemas.microsoft.com/office/drawing/2010/main" w="9525">
                     <a:solidFill>
                       <a:srgbClr val="000000"/>
                     </a:solidFill>
@@ -11551,7 +11551,7 @@
               </a:ln>
               <a:extLst>
                 <a:ext uri="{91240B29-F687-4f45-9708-019B960494DF}">
-                  <a14:hiddenLine xmlns:a14="http://schemas.microsoft.com/office/drawing/2010/main" xmlns="" w="9525">
+                  <a14:hiddenLine xmlns="" xmlns:a14="http://schemas.microsoft.com/office/drawing/2010/main" w="9525">
                     <a:solidFill>
                       <a:srgbClr val="000000"/>
                     </a:solidFill>
@@ -11641,7 +11641,7 @@
               </a:ln>
               <a:extLst>
                 <a:ext uri="{91240B29-F687-4f45-9708-019B960494DF}">
-                  <a14:hiddenLine xmlns:a14="http://schemas.microsoft.com/office/drawing/2010/main" xmlns="" w="9525">
+                  <a14:hiddenLine xmlns="" xmlns:a14="http://schemas.microsoft.com/office/drawing/2010/main" w="9525">
                     <a:solidFill>
                       <a:srgbClr val="000000"/>
                     </a:solidFill>
@@ -11706,7 +11706,7 @@
               </a:ln>
               <a:extLst>
                 <a:ext uri="{91240B29-F687-4f45-9708-019B960494DF}">
-                  <a14:hiddenLine xmlns:a14="http://schemas.microsoft.com/office/drawing/2010/main" xmlns="" w="9525">
+                  <a14:hiddenLine xmlns="" xmlns:a14="http://schemas.microsoft.com/office/drawing/2010/main" w="9525">
                     <a:solidFill>
                       <a:srgbClr val="000000"/>
                     </a:solidFill>
@@ -11826,7 +11826,7 @@
               </a:ln>
               <a:extLst>
                 <a:ext uri="{91240B29-F687-4f45-9708-019B960494DF}">
-                  <a14:hiddenLine xmlns:a14="http://schemas.microsoft.com/office/drawing/2010/main" xmlns="" w="9525">
+                  <a14:hiddenLine xmlns="" xmlns:a14="http://schemas.microsoft.com/office/drawing/2010/main" w="9525">
                     <a:solidFill>
                       <a:srgbClr val="000000"/>
                     </a:solidFill>
@@ -11907,7 +11907,7 @@
               </a:ln>
               <a:extLst>
                 <a:ext uri="{91240B29-F687-4f45-9708-019B960494DF}">
-                  <a14:hiddenLine xmlns:a14="http://schemas.microsoft.com/office/drawing/2010/main" xmlns="" w="9525">
+                  <a14:hiddenLine xmlns="" xmlns:a14="http://schemas.microsoft.com/office/drawing/2010/main" w="9525">
                     <a:solidFill>
                       <a:srgbClr val="000000"/>
                     </a:solidFill>
@@ -12022,7 +12022,7 @@
               </a:ln>
               <a:extLst>
                 <a:ext uri="{91240B29-F687-4f45-9708-019B960494DF}">
-                  <a14:hiddenLine xmlns:a14="http://schemas.microsoft.com/office/drawing/2010/main" xmlns="" w="9525">
+                  <a14:hiddenLine xmlns="" xmlns:a14="http://schemas.microsoft.com/office/drawing/2010/main" w="9525">
                     <a:solidFill>
                       <a:srgbClr val="000000"/>
                     </a:solidFill>
@@ -12112,7 +12112,7 @@
               </a:ln>
               <a:extLst>
                 <a:ext uri="{91240B29-F687-4f45-9708-019B960494DF}">
-                  <a14:hiddenLine xmlns:a14="http://schemas.microsoft.com/office/drawing/2010/main" xmlns="" w="9525">
+                  <a14:hiddenLine xmlns="" xmlns:a14="http://schemas.microsoft.com/office/drawing/2010/main" w="9525">
                     <a:solidFill>
                       <a:srgbClr val="000000"/>
                     </a:solidFill>
@@ -12177,7 +12177,7 @@
               </a:ln>
               <a:extLst>
                 <a:ext uri="{91240B29-F687-4f45-9708-019B960494DF}">
-                  <a14:hiddenLine xmlns:a14="http://schemas.microsoft.com/office/drawing/2010/main" xmlns="" w="9525">
+                  <a14:hiddenLine xmlns="" xmlns:a14="http://schemas.microsoft.com/office/drawing/2010/main" w="9525">
                     <a:solidFill>
                       <a:srgbClr val="000000"/>
                     </a:solidFill>
@@ -12267,7 +12267,7 @@
               </a:ln>
               <a:extLst>
                 <a:ext uri="{91240B29-F687-4f45-9708-019B960494DF}">
-                  <a14:hiddenLine xmlns:a14="http://schemas.microsoft.com/office/drawing/2010/main" xmlns="" w="9525">
+                  <a14:hiddenLine xmlns="" xmlns:a14="http://schemas.microsoft.com/office/drawing/2010/main" w="9525">
                     <a:solidFill>
                       <a:srgbClr val="000000"/>
                     </a:solidFill>
@@ -12335,7 +12335,7 @@
               </a:ln>
               <a:extLst>
                 <a:ext uri="{91240B29-F687-4f45-9708-019B960494DF}">
-                  <a14:hiddenLine xmlns:a14="http://schemas.microsoft.com/office/drawing/2010/main" xmlns="" w="9525">
+                  <a14:hiddenLine xmlns="" xmlns:a14="http://schemas.microsoft.com/office/drawing/2010/main" w="9525">
                     <a:solidFill>
                       <a:srgbClr val="000000"/>
                     </a:solidFill>
@@ -12425,7 +12425,7 @@
               </a:ln>
               <a:extLst>
                 <a:ext uri="{91240B29-F687-4f45-9708-019B960494DF}">
-                  <a14:hiddenLine xmlns:a14="http://schemas.microsoft.com/office/drawing/2010/main" xmlns="" w="9525">
+                  <a14:hiddenLine xmlns="" xmlns:a14="http://schemas.microsoft.com/office/drawing/2010/main" w="9525">
                     <a:solidFill>
                       <a:srgbClr val="000000"/>
                     </a:solidFill>
@@ -12493,7 +12493,7 @@
               </a:ln>
               <a:extLst>
                 <a:ext uri="{91240B29-F687-4f45-9708-019B960494DF}">
-                  <a14:hiddenLine xmlns:a14="http://schemas.microsoft.com/office/drawing/2010/main" xmlns="" w="9525">
+                  <a14:hiddenLine xmlns="" xmlns:a14="http://schemas.microsoft.com/office/drawing/2010/main" w="9525">
                     <a:solidFill>
                       <a:srgbClr val="000000"/>
                     </a:solidFill>
@@ -12583,7 +12583,7 @@
               </a:ln>
               <a:extLst>
                 <a:ext uri="{91240B29-F687-4f45-9708-019B960494DF}">
-                  <a14:hiddenLine xmlns:a14="http://schemas.microsoft.com/office/drawing/2010/main" xmlns="" w="9525">
+                  <a14:hiddenLine xmlns="" xmlns:a14="http://schemas.microsoft.com/office/drawing/2010/main" w="9525">
                     <a:solidFill>
                       <a:srgbClr val="000000"/>
                     </a:solidFill>
@@ -12617,7 +12617,7 @@
               </a:ln>
               <a:extLst>
                 <a:ext uri="{91240B29-F687-4f45-9708-019B960494DF}">
-                  <a14:hiddenLine xmlns:a14="http://schemas.microsoft.com/office/drawing/2010/main" xmlns="" w="9525">
+                  <a14:hiddenLine xmlns="" xmlns:a14="http://schemas.microsoft.com/office/drawing/2010/main" w="9525">
                     <a:solidFill>
                       <a:srgbClr val="000000"/>
                     </a:solidFill>
@@ -12757,7 +12757,7 @@
           <a:p>
             <a:fld id="{EC4347D3-4C9A-C240-8F14-750059DFEEB0}" type="datetimeFigureOut">
               <a:rPr lang="en-US" smtClean="0"/>
-              <a:t>2/10/25</a:t>
+              <a:t>3/3/25</a:t>
             </a:fld>
             <a:endParaRPr lang="en-US"/>
           </a:p>
